--- a/presentation/Project_Presentation_Final.pptx
+++ b/presentation/Project_Presentation_Final.pptx
@@ -8,7 +8,7 @@
     <p:notesMasterId r:id="rId6"/>
   </p:notesMasterIdLst>
   <p:handoutMasterIdLst>
-    <p:handoutMasterId r:id="rId42"/>
+    <p:handoutMasterId r:id="rId44"/>
   </p:handoutMasterIdLst>
   <p:sldIdLst>
     <p:sldId id="422" r:id="rId3"/>
@@ -36,19 +36,21 @@
     <p:sldId id="448" r:id="rId26"/>
     <p:sldId id="449" r:id="rId27"/>
     <p:sldId id="450" r:id="rId28"/>
-    <p:sldId id="458" r:id="rId29"/>
-    <p:sldId id="433" r:id="rId30"/>
-    <p:sldId id="451" r:id="rId31"/>
-    <p:sldId id="452" r:id="rId32"/>
-    <p:sldId id="476" r:id="rId33"/>
-    <p:sldId id="454" r:id="rId34"/>
-    <p:sldId id="480" r:id="rId35"/>
-    <p:sldId id="481" r:id="rId36"/>
-    <p:sldId id="456" r:id="rId37"/>
-    <p:sldId id="434" r:id="rId38"/>
-    <p:sldId id="342" r:id="rId39"/>
-    <p:sldId id="440" r:id="rId40"/>
-    <p:sldId id="387" r:id="rId41"/>
+    <p:sldId id="473" r:id="rId29"/>
+    <p:sldId id="458" r:id="rId30"/>
+    <p:sldId id="433" r:id="rId31"/>
+    <p:sldId id="484" r:id="rId32"/>
+    <p:sldId id="485" r:id="rId33"/>
+    <p:sldId id="486" r:id="rId34"/>
+    <p:sldId id="487" r:id="rId35"/>
+    <p:sldId id="451" r:id="rId36"/>
+    <p:sldId id="452" r:id="rId37"/>
+    <p:sldId id="454" r:id="rId38"/>
+    <p:sldId id="456" r:id="rId39"/>
+    <p:sldId id="434" r:id="rId40"/>
+    <p:sldId id="342" r:id="rId41"/>
+    <p:sldId id="440" r:id="rId42"/>
+    <p:sldId id="387" r:id="rId43"/>
   </p:sldIdLst>
   <p:sldSz cx="12192000" cy="6858000"/>
   <p:notesSz cx="6858000" cy="9144000"/>
@@ -1483,6 +1485,62 @@
           <a:bodyPr/>
           <a:lstStyle/>
           <a:p>
+            <a:endParaRPr lang="en-US" dirty="0"/>
+          </a:p>
+        </p:txBody>
+      </p:sp>
+    </p:spTree>
+  </p:cSld>
+  <p:clrMapOvr>
+    <a:masterClrMapping/>
+  </p:clrMapOvr>
+</p:notes>
+</file>
+
+<file path=ppt/notesSlides/notesSlide14.xml><?xml version="1.0" encoding="utf-8"?>
+<p:notes xmlns:a="http://schemas.openxmlformats.org/drawingml/2006/main" xmlns:r="http://schemas.openxmlformats.org/officeDocument/2006/relationships" xmlns:p="http://schemas.openxmlformats.org/presentationml/2006/main">
+  <p:cSld>
+    <p:spTree>
+      <p:nvGrpSpPr>
+        <p:cNvPr id="1" name=""/>
+        <p:cNvGrpSpPr/>
+        <p:nvPr/>
+      </p:nvGrpSpPr>
+      <p:grpSpPr>
+        <a:xfrm>
+          <a:off x="0" y="0"/>
+          <a:ext cx="0" cy="0"/>
+          <a:chOff x="0" y="0"/>
+          <a:chExt cx="0" cy="0"/>
+        </a:xfrm>
+      </p:grpSpPr>
+      <p:sp>
+        <p:nvSpPr>
+          <p:cNvPr id="2" name="幻灯片图像占位符 1"/>
+          <p:cNvSpPr>
+            <a:spLocks noGrp="1" noRot="1" noChangeAspect="1"/>
+          </p:cNvSpPr>
+          <p:nvPr>
+            <p:ph type="sldImg"/>
+          </p:nvPr>
+        </p:nvSpPr>
+        <p:spPr/>
+      </p:sp>
+      <p:sp>
+        <p:nvSpPr>
+          <p:cNvPr id="3" name="备注占位符 2"/>
+          <p:cNvSpPr>
+            <a:spLocks noGrp="1"/>
+          </p:cNvSpPr>
+          <p:nvPr>
+            <p:ph type="body" idx="1"/>
+          </p:nvPr>
+        </p:nvSpPr>
+        <p:spPr/>
+        <p:txBody>
+          <a:bodyPr/>
+          <a:lstStyle/>
+          <a:p>
             <a:r>
               <a:rPr lang="en-US" sz="1200" b="0" i="0" kern="1200" dirty="0" smtClean="0">
                 <a:solidFill>
@@ -1601,7 +1659,7 @@
 </p:notes>
 </file>
 
-<file path=ppt/notesSlides/notesSlide14.xml><?xml version="1.0" encoding="utf-8"?>
+<file path=ppt/notesSlides/notesSlide15.xml><?xml version="1.0" encoding="utf-8"?>
 <p:notes xmlns:a="http://schemas.openxmlformats.org/drawingml/2006/main" xmlns:r="http://schemas.openxmlformats.org/officeDocument/2006/relationships" xmlns:p="http://schemas.openxmlformats.org/presentationml/2006/main">
   <p:cSld>
     <p:spTree>
@@ -1705,7 +1763,642 @@
 </p:notes>
 </file>
 
-<file path=ppt/notesSlides/notesSlide15.xml><?xml version="1.0" encoding="utf-8"?>
+<file path=ppt/notesSlides/notesSlide16.xml><?xml version="1.0" encoding="utf-8"?>
+<p:notes xmlns:a="http://schemas.openxmlformats.org/drawingml/2006/main" xmlns:r="http://schemas.openxmlformats.org/officeDocument/2006/relationships" xmlns:p="http://schemas.openxmlformats.org/presentationml/2006/main">
+  <p:cSld>
+    <p:spTree>
+      <p:nvGrpSpPr>
+        <p:cNvPr id="1" name=""/>
+        <p:cNvGrpSpPr/>
+        <p:nvPr/>
+      </p:nvGrpSpPr>
+      <p:grpSpPr>
+        <a:xfrm>
+          <a:off x="0" y="0"/>
+          <a:ext cx="0" cy="0"/>
+          <a:chOff x="0" y="0"/>
+          <a:chExt cx="0" cy="0"/>
+        </a:xfrm>
+      </p:grpSpPr>
+      <p:sp>
+        <p:nvSpPr>
+          <p:cNvPr id="2" name="幻灯片图像占位符 1"/>
+          <p:cNvSpPr>
+            <a:spLocks noGrp="1" noRot="1" noChangeAspect="1"/>
+          </p:cNvSpPr>
+          <p:nvPr>
+            <p:ph type="sldImg"/>
+          </p:nvPr>
+        </p:nvSpPr>
+        <p:spPr/>
+      </p:sp>
+      <p:sp>
+        <p:nvSpPr>
+          <p:cNvPr id="3" name="备注占位符 2"/>
+          <p:cNvSpPr>
+            <a:spLocks noGrp="1"/>
+          </p:cNvSpPr>
+          <p:nvPr>
+            <p:ph type="body" idx="1"/>
+          </p:nvPr>
+        </p:nvSpPr>
+        <p:spPr/>
+        <p:txBody>
+          <a:bodyPr/>
+          <a:lstStyle/>
+          <a:p>
+            <a:pPr>
+              <a:lnSpc>
+                <a:spcPct val="150000"/>
+              </a:lnSpc>
+            </a:pPr>
+            <a:r>
+              <a:rPr lang="en-US" altLang="zh-CN" dirty="0">
+                <a:solidFill>
+                  <a:srgbClr val="262626"/>
+                </a:solidFill>
+                <a:latin typeface="Arial" panose="020B0604020202020204" pitchFamily="34" charset="0"/>
+                <a:cs typeface="Arial" panose="020B0604020202020204" pitchFamily="34" charset="0"/>
+                <a:sym typeface="+mn-ea"/>
+              </a:rPr>
+              <a:t>First of all, we need a base model that can generate recommendations without the least input information. </a:t>
+            </a:r>
+            <a:endParaRPr lang="en-US" altLang="zh-CN" dirty="0">
+              <a:solidFill>
+                <a:srgbClr val="262626"/>
+              </a:solidFill>
+              <a:latin typeface="Arial" panose="020B0604020202020204" pitchFamily="34" charset="0"/>
+              <a:cs typeface="Arial" panose="020B0604020202020204" pitchFamily="34" charset="0"/>
+              <a:sym typeface="+mn-ea"/>
+            </a:endParaRPr>
+          </a:p>
+          <a:p>
+            <a:pPr>
+              <a:lnSpc>
+                <a:spcPct val="150000"/>
+              </a:lnSpc>
+            </a:pPr>
+            <a:endParaRPr lang="en-US" altLang="zh-CN" dirty="0">
+              <a:solidFill>
+                <a:srgbClr val="262626"/>
+              </a:solidFill>
+              <a:latin typeface="Arial" panose="020B0604020202020204" pitchFamily="34" charset="0"/>
+              <a:cs typeface="Arial" panose="020B0604020202020204" pitchFamily="34" charset="0"/>
+              <a:sym typeface="+mn-ea"/>
+            </a:endParaRPr>
+          </a:p>
+          <a:p>
+            <a:pPr>
+              <a:lnSpc>
+                <a:spcPct val="150000"/>
+              </a:lnSpc>
+            </a:pPr>
+            <a:r>
+              <a:rPr lang="en-US" altLang="zh-CN" dirty="0">
+                <a:solidFill>
+                  <a:srgbClr val="262626"/>
+                </a:solidFill>
+                <a:latin typeface="Arial" panose="020B0604020202020204" pitchFamily="34" charset="0"/>
+                <a:cs typeface="Arial" panose="020B0604020202020204" pitchFamily="34" charset="0"/>
+                <a:sym typeface="+mn-ea"/>
+              </a:rPr>
+              <a:t>A base model can be a simple knowledge-based recommender that takes user inputs such as product category, brand, release year, and targeted price to search for matching products. It usually doesn't leverage machine learning to provide recommendations.</a:t>
+            </a:r>
+            <a:endParaRPr lang="en-US" altLang="zh-CN" dirty="0">
+              <a:solidFill>
+                <a:srgbClr val="262626"/>
+              </a:solidFill>
+              <a:latin typeface="Arial" panose="020B0604020202020204" pitchFamily="34" charset="0"/>
+              <a:cs typeface="Arial" panose="020B0604020202020204" pitchFamily="34" charset="0"/>
+            </a:endParaRPr>
+          </a:p>
+          <a:p>
+            <a:pPr>
+              <a:lnSpc>
+                <a:spcPct val="150000"/>
+              </a:lnSpc>
+            </a:pPr>
+            <a:endParaRPr lang="en-US" altLang="zh-CN" dirty="0">
+              <a:solidFill>
+                <a:srgbClr val="262626"/>
+              </a:solidFill>
+              <a:latin typeface="Arial" panose="020B0604020202020204" pitchFamily="34" charset="0"/>
+              <a:cs typeface="Arial" panose="020B0604020202020204" pitchFamily="34" charset="0"/>
+            </a:endParaRPr>
+          </a:p>
+          <a:p>
+            <a:pPr>
+              <a:lnSpc>
+                <a:spcPct val="150000"/>
+              </a:lnSpc>
+            </a:pPr>
+            <a:r>
+              <a:rPr lang="en-US" altLang="zh-CN" dirty="0">
+                <a:solidFill>
+                  <a:srgbClr val="262626"/>
+                </a:solidFill>
+                <a:latin typeface="Arial" panose="020B0604020202020204" pitchFamily="34" charset="0"/>
+                <a:cs typeface="Arial" panose="020B0604020202020204" pitchFamily="34" charset="0"/>
+                <a:sym typeface="+mn-ea"/>
+              </a:rPr>
+              <a:t>For this project, we are not deploying a model that takes user inputs like mentioned the above. Instead, we sort the product lists by rating mean and review counts for a recommendation. This is the base model we would use if the users don't have a customer ID and product ID for our recommender system.</a:t>
+            </a:r>
+            <a:endParaRPr lang="en-US" dirty="0"/>
+          </a:p>
+        </p:txBody>
+      </p:sp>
+    </p:spTree>
+  </p:cSld>
+  <p:clrMapOvr>
+    <a:masterClrMapping/>
+  </p:clrMapOvr>
+</p:notes>
+</file>
+
+<file path=ppt/notesSlides/notesSlide17.xml><?xml version="1.0" encoding="utf-8"?>
+<p:notes xmlns:a="http://schemas.openxmlformats.org/drawingml/2006/main" xmlns:r="http://schemas.openxmlformats.org/officeDocument/2006/relationships" xmlns:p="http://schemas.openxmlformats.org/presentationml/2006/main">
+  <p:cSld>
+    <p:spTree>
+      <p:nvGrpSpPr>
+        <p:cNvPr id="1" name=""/>
+        <p:cNvGrpSpPr/>
+        <p:nvPr/>
+      </p:nvGrpSpPr>
+      <p:grpSpPr>
+        <a:xfrm>
+          <a:off x="0" y="0"/>
+          <a:ext cx="0" cy="0"/>
+          <a:chOff x="0" y="0"/>
+          <a:chExt cx="0" cy="0"/>
+        </a:xfrm>
+      </p:grpSpPr>
+      <p:sp>
+        <p:nvSpPr>
+          <p:cNvPr id="2" name="幻灯片图像占位符 1"/>
+          <p:cNvSpPr>
+            <a:spLocks noGrp="1" noRot="1" noChangeAspect="1"/>
+          </p:cNvSpPr>
+          <p:nvPr>
+            <p:ph type="sldImg"/>
+          </p:nvPr>
+        </p:nvSpPr>
+        <p:spPr/>
+      </p:sp>
+      <p:sp>
+        <p:nvSpPr>
+          <p:cNvPr id="3" name="备注占位符 2"/>
+          <p:cNvSpPr>
+            <a:spLocks noGrp="1"/>
+          </p:cNvSpPr>
+          <p:nvPr>
+            <p:ph type="body" idx="1"/>
+          </p:nvPr>
+        </p:nvSpPr>
+        <p:spPr/>
+        <p:txBody>
+          <a:bodyPr/>
+          <a:lstStyle/>
+          <a:p>
+            <a:pPr>
+              <a:lnSpc>
+                <a:spcPct val="150000"/>
+              </a:lnSpc>
+            </a:pPr>
+            <a:r>
+              <a:rPr lang="en-US" altLang="zh-CN" dirty="0">
+                <a:solidFill>
+                  <a:srgbClr val="262626"/>
+                </a:solidFill>
+                <a:latin typeface="Arial" panose="020B0604020202020204" pitchFamily="34" charset="0"/>
+                <a:cs typeface="Arial" panose="020B0604020202020204" pitchFamily="34" charset="0"/>
+                <a:sym typeface="+mn-ea"/>
+              </a:rPr>
+              <a:t>The idea of content-based filtering is to find the similarity products based on either metadata or product description. The most feasible approach is to apply the cosine similarity method against the textual data to find the most similar products. </a:t>
+            </a:r>
+            <a:endParaRPr lang="en-US" altLang="zh-CN" dirty="0">
+              <a:solidFill>
+                <a:srgbClr val="262626"/>
+              </a:solidFill>
+              <a:latin typeface="Arial" panose="020B0604020202020204" pitchFamily="34" charset="0"/>
+              <a:cs typeface="Arial" panose="020B0604020202020204" pitchFamily="34" charset="0"/>
+              <a:sym typeface="+mn-ea"/>
+            </a:endParaRPr>
+          </a:p>
+        </p:txBody>
+      </p:sp>
+    </p:spTree>
+  </p:cSld>
+  <p:clrMapOvr>
+    <a:masterClrMapping/>
+  </p:clrMapOvr>
+</p:notes>
+</file>
+
+<file path=ppt/notesSlides/notesSlide18.xml><?xml version="1.0" encoding="utf-8"?>
+<p:notes xmlns:a="http://schemas.openxmlformats.org/drawingml/2006/main" xmlns:r="http://schemas.openxmlformats.org/officeDocument/2006/relationships" xmlns:p="http://schemas.openxmlformats.org/presentationml/2006/main">
+  <p:cSld>
+    <p:spTree>
+      <p:nvGrpSpPr>
+        <p:cNvPr id="1" name=""/>
+        <p:cNvGrpSpPr/>
+        <p:nvPr/>
+      </p:nvGrpSpPr>
+      <p:grpSpPr>
+        <a:xfrm>
+          <a:off x="0" y="0"/>
+          <a:ext cx="0" cy="0"/>
+          <a:chOff x="0" y="0"/>
+          <a:chExt cx="0" cy="0"/>
+        </a:xfrm>
+      </p:grpSpPr>
+      <p:sp>
+        <p:nvSpPr>
+          <p:cNvPr id="2" name="幻灯片图像占位符 1"/>
+          <p:cNvSpPr>
+            <a:spLocks noGrp="1" noRot="1" noChangeAspect="1"/>
+          </p:cNvSpPr>
+          <p:nvPr>
+            <p:ph type="sldImg"/>
+          </p:nvPr>
+        </p:nvSpPr>
+        <p:spPr/>
+      </p:sp>
+      <p:sp>
+        <p:nvSpPr>
+          <p:cNvPr id="3" name="备注占位符 2"/>
+          <p:cNvSpPr>
+            <a:spLocks noGrp="1"/>
+          </p:cNvSpPr>
+          <p:nvPr>
+            <p:ph type="body" idx="1"/>
+          </p:nvPr>
+        </p:nvSpPr>
+        <p:spPr/>
+        <p:txBody>
+          <a:bodyPr/>
+          <a:lstStyle/>
+          <a:p>
+            <a:pPr>
+              <a:lnSpc>
+                <a:spcPct val="150000"/>
+              </a:lnSpc>
+            </a:pPr>
+            <a:r>
+              <a:rPr lang="en-US" altLang="zh-CN" dirty="0">
+                <a:solidFill>
+                  <a:srgbClr val="262626"/>
+                </a:solidFill>
+                <a:latin typeface="Arial" panose="020B0604020202020204" pitchFamily="34" charset="0"/>
+                <a:cs typeface="Arial" panose="020B0604020202020204" pitchFamily="34" charset="0"/>
+                <a:sym typeface="+mn-ea"/>
+              </a:rPr>
+              <a:t>I have applied this approach against both product description and metadata, and their recommendation results are very convincing. However, this approach is not a good fit for Web API because the matrix size is too large for local RAM or web hosting service storage and RAM, so we have to try using another method for Web API deployment for the content-based filtering.</a:t>
+            </a:r>
+            <a:endParaRPr lang="en-US" altLang="zh-CN" dirty="0">
+              <a:solidFill>
+                <a:srgbClr val="262626"/>
+              </a:solidFill>
+              <a:latin typeface="Arial" panose="020B0604020202020204" pitchFamily="34" charset="0"/>
+              <a:cs typeface="Arial" panose="020B0604020202020204" pitchFamily="34" charset="0"/>
+              <a:sym typeface="+mn-ea"/>
+            </a:endParaRPr>
+          </a:p>
+        </p:txBody>
+      </p:sp>
+    </p:spTree>
+  </p:cSld>
+  <p:clrMapOvr>
+    <a:masterClrMapping/>
+  </p:clrMapOvr>
+</p:notes>
+</file>
+
+<file path=ppt/notesSlides/notesSlide19.xml><?xml version="1.0" encoding="utf-8"?>
+<p:notes xmlns:a="http://schemas.openxmlformats.org/drawingml/2006/main" xmlns:r="http://schemas.openxmlformats.org/officeDocument/2006/relationships" xmlns:p="http://schemas.openxmlformats.org/presentationml/2006/main">
+  <p:cSld>
+    <p:spTree>
+      <p:nvGrpSpPr>
+        <p:cNvPr id="1" name=""/>
+        <p:cNvGrpSpPr/>
+        <p:nvPr/>
+      </p:nvGrpSpPr>
+      <p:grpSpPr>
+        <a:xfrm>
+          <a:off x="0" y="0"/>
+          <a:ext cx="0" cy="0"/>
+          <a:chOff x="0" y="0"/>
+          <a:chExt cx="0" cy="0"/>
+        </a:xfrm>
+      </p:grpSpPr>
+      <p:sp>
+        <p:nvSpPr>
+          <p:cNvPr id="2" name="幻灯片图像占位符 1"/>
+          <p:cNvSpPr>
+            <a:spLocks noGrp="1" noRot="1" noChangeAspect="1"/>
+          </p:cNvSpPr>
+          <p:nvPr>
+            <p:ph type="sldImg"/>
+          </p:nvPr>
+        </p:nvSpPr>
+        <p:spPr/>
+      </p:sp>
+      <p:sp>
+        <p:nvSpPr>
+          <p:cNvPr id="3" name="备注占位符 2"/>
+          <p:cNvSpPr>
+            <a:spLocks noGrp="1"/>
+          </p:cNvSpPr>
+          <p:nvPr>
+            <p:ph type="body" idx="1"/>
+          </p:nvPr>
+        </p:nvSpPr>
+        <p:spPr/>
+        <p:txBody>
+          <a:bodyPr/>
+          <a:lstStyle/>
+          <a:p>
+            <a:pPr>
+              <a:lnSpc>
+                <a:spcPct val="150000"/>
+              </a:lnSpc>
+            </a:pPr>
+            <a:r>
+              <a:rPr lang="en-US" altLang="zh-CN" dirty="0">
+                <a:solidFill>
+                  <a:srgbClr val="262626"/>
+                </a:solidFill>
+                <a:latin typeface="Arial" panose="020B0604020202020204" pitchFamily="34" charset="0"/>
+                <a:cs typeface="Arial" panose="020B0604020202020204" pitchFamily="34" charset="0"/>
+                <a:sym typeface="+mn-ea"/>
+              </a:rPr>
+              <a:t>The topic modeling approach could be an alternative solution. Instead of computing the huge similarity matrix, leveraging a probabilistic topic model like LDA can cluster the entire product set into different topics or categories in our case. For creating recommendations, we can find the products that share the same topics among the product list and output the products with the highest probability scores. Although the output will be less precise than the cosine similarity models, it can be a good fit for Web API deployment.</a:t>
+            </a:r>
+            <a:endParaRPr lang="en-US" altLang="zh-CN" dirty="0">
+              <a:solidFill>
+                <a:srgbClr val="262626"/>
+              </a:solidFill>
+              <a:latin typeface="Arial" panose="020B0604020202020204" pitchFamily="34" charset="0"/>
+              <a:cs typeface="Arial" panose="020B0604020202020204" pitchFamily="34" charset="0"/>
+              <a:sym typeface="+mn-ea"/>
+            </a:endParaRPr>
+          </a:p>
+          <a:p>
+            <a:pPr>
+              <a:lnSpc>
+                <a:spcPct val="150000"/>
+              </a:lnSpc>
+            </a:pPr>
+            <a:endParaRPr lang="en-US" altLang="zh-CN" dirty="0">
+              <a:solidFill>
+                <a:srgbClr val="262626"/>
+              </a:solidFill>
+              <a:latin typeface="Arial" panose="020B0604020202020204" pitchFamily="34" charset="0"/>
+              <a:cs typeface="Arial" panose="020B0604020202020204" pitchFamily="34" charset="0"/>
+              <a:sym typeface="+mn-ea"/>
+            </a:endParaRPr>
+          </a:p>
+          <a:p>
+            <a:pPr>
+              <a:lnSpc>
+                <a:spcPct val="150000"/>
+              </a:lnSpc>
+            </a:pPr>
+            <a:r>
+              <a:rPr lang="en-US" altLang="zh-CN" dirty="0">
+                <a:solidFill>
+                  <a:srgbClr val="262626"/>
+                </a:solidFill>
+                <a:latin typeface="Arial" panose="020B0604020202020204" pitchFamily="34" charset="0"/>
+                <a:cs typeface="Arial" panose="020B0604020202020204" pitchFamily="34" charset="0"/>
+                <a:sym typeface="+mn-ea"/>
+              </a:rPr>
+              <a:t>To find out how many topics exist in our product dataset, coherence values analysis is applied and the output shows that topic number 9 has the best coherence score, so we will use k=9 for the final LDA model.</a:t>
+            </a:r>
+            <a:endParaRPr lang="en-US" altLang="zh-CN" dirty="0">
+              <a:solidFill>
+                <a:srgbClr val="262626"/>
+              </a:solidFill>
+              <a:latin typeface="Arial" panose="020B0604020202020204" pitchFamily="34" charset="0"/>
+              <a:cs typeface="Arial" panose="020B0604020202020204" pitchFamily="34" charset="0"/>
+              <a:sym typeface="+mn-ea"/>
+            </a:endParaRPr>
+          </a:p>
+          <a:p>
+            <a:pPr>
+              <a:lnSpc>
+                <a:spcPct val="150000"/>
+              </a:lnSpc>
+            </a:pPr>
+            <a:endParaRPr lang="en-US" altLang="zh-CN" dirty="0">
+              <a:solidFill>
+                <a:srgbClr val="262626"/>
+              </a:solidFill>
+              <a:latin typeface="Arial" panose="020B0604020202020204" pitchFamily="34" charset="0"/>
+              <a:cs typeface="Arial" panose="020B0604020202020204" pitchFamily="34" charset="0"/>
+              <a:sym typeface="+mn-ea"/>
+            </a:endParaRPr>
+          </a:p>
+          <a:p>
+            <a:pPr>
+              <a:lnSpc>
+                <a:spcPct val="150000"/>
+              </a:lnSpc>
+            </a:pPr>
+            <a:r>
+              <a:rPr lang="en-US" altLang="zh-CN" dirty="0">
+                <a:solidFill>
+                  <a:srgbClr val="262626"/>
+                </a:solidFill>
+                <a:latin typeface="Arial" panose="020B0604020202020204" pitchFamily="34" charset="0"/>
+                <a:cs typeface="Arial" panose="020B0604020202020204" pitchFamily="34" charset="0"/>
+                <a:sym typeface="+mn-ea"/>
+              </a:rPr>
+              <a:t>The Final LDA model has a Coherence Score: 0.606, and the topic modeling recommender did a fairly good job. However, the cosine similarity models are performing better and generating more concise recommendations. Since it is just adding extra topic number and probability columns to the dataset, the data file size would be much smaller than the cosine similarity model. Thus, we use the LDA model output for Web API depoyment.</a:t>
+            </a:r>
+            <a:endParaRPr lang="en-US" altLang="zh-CN" dirty="0">
+              <a:solidFill>
+                <a:srgbClr val="262626"/>
+              </a:solidFill>
+              <a:latin typeface="Arial" panose="020B0604020202020204" pitchFamily="34" charset="0"/>
+              <a:cs typeface="Arial" panose="020B0604020202020204" pitchFamily="34" charset="0"/>
+              <a:sym typeface="+mn-ea"/>
+            </a:endParaRPr>
+          </a:p>
+          <a:p>
+            <a:pPr>
+              <a:lnSpc>
+                <a:spcPct val="150000"/>
+              </a:lnSpc>
+            </a:pPr>
+            <a:endParaRPr lang="en-US" altLang="zh-CN" dirty="0">
+              <a:solidFill>
+                <a:srgbClr val="262626"/>
+              </a:solidFill>
+              <a:latin typeface="Arial" panose="020B0604020202020204" pitchFamily="34" charset="0"/>
+              <a:cs typeface="Arial" panose="020B0604020202020204" pitchFamily="34" charset="0"/>
+              <a:sym typeface="+mn-ea"/>
+            </a:endParaRPr>
+          </a:p>
+        </p:txBody>
+      </p:sp>
+    </p:spTree>
+  </p:cSld>
+  <p:clrMapOvr>
+    <a:masterClrMapping/>
+  </p:clrMapOvr>
+</p:notes>
+</file>
+
+<file path=ppt/notesSlides/notesSlide2.xml><?xml version="1.0" encoding="utf-8"?>
+<p:notes xmlns:a="http://schemas.openxmlformats.org/drawingml/2006/main" xmlns:r="http://schemas.openxmlformats.org/officeDocument/2006/relationships" xmlns:p="http://schemas.openxmlformats.org/presentationml/2006/main">
+  <p:cSld>
+    <p:spTree>
+      <p:nvGrpSpPr>
+        <p:cNvPr id="1" name=""/>
+        <p:cNvGrpSpPr/>
+        <p:nvPr/>
+      </p:nvGrpSpPr>
+      <p:grpSpPr>
+        <a:xfrm>
+          <a:off x="0" y="0"/>
+          <a:ext cx="0" cy="0"/>
+          <a:chOff x="0" y="0"/>
+          <a:chExt cx="0" cy="0"/>
+        </a:xfrm>
+      </p:grpSpPr>
+      <p:sp>
+        <p:nvSpPr>
+          <p:cNvPr id="2" name="幻灯片图像占位符 1"/>
+          <p:cNvSpPr>
+            <a:spLocks noGrp="1" noRot="1" noChangeAspect="1"/>
+          </p:cNvSpPr>
+          <p:nvPr>
+            <p:ph type="sldImg"/>
+          </p:nvPr>
+        </p:nvSpPr>
+        <p:spPr/>
+      </p:sp>
+      <p:sp>
+        <p:nvSpPr>
+          <p:cNvPr id="3" name="备注占位符 2"/>
+          <p:cNvSpPr>
+            <a:spLocks noGrp="1"/>
+          </p:cNvSpPr>
+          <p:nvPr>
+            <p:ph type="body" idx="1"/>
+          </p:nvPr>
+        </p:nvSpPr>
+        <p:spPr/>
+        <p:txBody>
+          <a:bodyPr/>
+          <a:lstStyle/>
+          <a:p>
+            <a:r>
+              <a:rPr lang="en-US" sz="1200" b="0" i="0" kern="1200" dirty="0" smtClean="0">
+                <a:solidFill>
+                  <a:schemeClr val="tx1"/>
+                </a:solidFill>
+                <a:effectLst/>
+                <a:latin typeface="+mn-lt"/>
+                <a:ea typeface="Arial" panose="020B0604020202020204" pitchFamily="34" charset="0"/>
+                <a:cs typeface="+mn-cs"/>
+                <a:sym typeface="Arial" panose="020B0604020202020204" pitchFamily="34" charset="0"/>
+              </a:rPr>
+              <a:t>As E-commerce becomes more and more popular in recent years, especially by the impact of the COVID-19 pandemic, many retailers and companies are switching their business models to adapt to the trend. In addition, with the rapid growth of big data technology, the cost of storage capacity to store enormous amounts of data decreases gradually. No matter the tech giant or start-up, all companies can make use of the gathered data to boost their business success.</a:t>
+            </a:r>
+            <a:endParaRPr lang="en-US" sz="1200" b="0" i="0" kern="1200" dirty="0" smtClean="0">
+              <a:solidFill>
+                <a:schemeClr val="tx1"/>
+              </a:solidFill>
+              <a:effectLst/>
+              <a:latin typeface="+mn-lt"/>
+              <a:ea typeface="Arial" panose="020B0604020202020204" pitchFamily="34" charset="0"/>
+              <a:cs typeface="+mn-cs"/>
+              <a:sym typeface="Arial" panose="020B0604020202020204" pitchFamily="34" charset="0"/>
+            </a:endParaRPr>
+          </a:p>
+          <a:p>
+            <a:endParaRPr lang="en-US" sz="1200" b="0" i="0" kern="1200" dirty="0" smtClean="0">
+              <a:solidFill>
+                <a:schemeClr val="tx1"/>
+              </a:solidFill>
+              <a:effectLst/>
+              <a:latin typeface="+mn-lt"/>
+              <a:cs typeface="+mn-cs"/>
+              <a:sym typeface="Arial" panose="020B0604020202020204" pitchFamily="34" charset="0"/>
+            </a:endParaRPr>
+          </a:p>
+          <a:p>
+            <a:r>
+              <a:rPr lang="en-US" altLang="zh-CN" dirty="0" smtClean="0"/>
+              <a:t>So why recommender system is important in the</a:t>
+            </a:r>
+            <a:r>
+              <a:rPr lang="en-US" altLang="zh-CN" baseline="0" dirty="0" smtClean="0"/>
+              <a:t> current era? </a:t>
+            </a:r>
+            <a:r>
+              <a:rPr lang="en-US" sz="1200" b="0" i="0" kern="1200" dirty="0" smtClean="0">
+                <a:solidFill>
+                  <a:schemeClr val="tx1"/>
+                </a:solidFill>
+                <a:effectLst/>
+                <a:latin typeface="+mn-lt"/>
+                <a:ea typeface="Arial" panose="020B0604020202020204" pitchFamily="34" charset="0"/>
+                <a:cs typeface="+mn-cs"/>
+                <a:sym typeface="Arial" panose="020B0604020202020204" pitchFamily="34" charset="0"/>
+              </a:rPr>
+              <a:t>There are several benefits that businesses can achieve using product recommender systems.</a:t>
+            </a:r>
+            <a:endParaRPr lang="en-US" sz="1200" b="0" i="0" kern="1200" dirty="0" smtClean="0">
+              <a:solidFill>
+                <a:schemeClr val="tx1"/>
+              </a:solidFill>
+              <a:effectLst/>
+              <a:latin typeface="+mn-lt"/>
+              <a:ea typeface="Arial" panose="020B0604020202020204" pitchFamily="34" charset="0"/>
+              <a:cs typeface="+mn-cs"/>
+              <a:sym typeface="Arial" panose="020B0604020202020204" pitchFamily="34" charset="0"/>
+            </a:endParaRPr>
+          </a:p>
+          <a:p>
+            <a:endParaRPr lang="en-US" sz="1200" b="0" i="0" kern="1200" dirty="0" smtClean="0">
+              <a:solidFill>
+                <a:schemeClr val="tx1"/>
+              </a:solidFill>
+              <a:effectLst/>
+              <a:latin typeface="+mn-lt"/>
+              <a:cs typeface="+mn-cs"/>
+              <a:sym typeface="Arial" panose="020B0604020202020204" pitchFamily="34" charset="0"/>
+            </a:endParaRPr>
+          </a:p>
+          <a:p>
+            <a:r>
+              <a:rPr lang="en-US" sz="1200" b="0" i="0" kern="1200" dirty="0" smtClean="0">
+                <a:solidFill>
+                  <a:schemeClr val="tx1"/>
+                </a:solidFill>
+                <a:effectLst/>
+                <a:latin typeface="+mn-lt"/>
+                <a:ea typeface="Arial" panose="020B0604020202020204" pitchFamily="34" charset="0"/>
+                <a:cs typeface="+mn-cs"/>
+                <a:sym typeface="Arial" panose="020B0604020202020204" pitchFamily="34" charset="0"/>
+              </a:rPr>
+              <a:t>The objective of this project is to analyze the reason for a product to be recommended and explore different data science methods and algorithms to implement product recommender systems. It will provide business owners or start-up companies a better idea of how recommender systems work and the related advantages.</a:t>
+            </a:r>
+            <a:endParaRPr lang="en-US" dirty="0"/>
+          </a:p>
+        </p:txBody>
+      </p:sp>
+    </p:spTree>
+  </p:cSld>
+  <p:clrMapOvr>
+    <a:masterClrMapping/>
+  </p:clrMapOvr>
+</p:notes>
+</file>
+
+<file path=ppt/notesSlides/notesSlide20.xml><?xml version="1.0" encoding="utf-8"?>
 <p:notes xmlns:a="http://schemas.openxmlformats.org/drawingml/2006/main" xmlns:r="http://schemas.openxmlformats.org/officeDocument/2006/relationships" xmlns:p="http://schemas.openxmlformats.org/presentationml/2006/main">
   <p:cSld>
     <p:spTree>
@@ -1975,7 +2668,7 @@
 </p:notes>
 </file>
 
-<file path=ppt/notesSlides/notesSlide16.xml><?xml version="1.0" encoding="utf-8"?>
+<file path=ppt/notesSlides/notesSlide21.xml><?xml version="1.0" encoding="utf-8"?>
 <p:notes xmlns:a="http://schemas.openxmlformats.org/drawingml/2006/main" xmlns:r="http://schemas.openxmlformats.org/officeDocument/2006/relationships" xmlns:p="http://schemas.openxmlformats.org/presentationml/2006/main">
   <p:cSld>
     <p:spTree>
@@ -2044,7 +2737,187 @@
 </p:notes>
 </file>
 
-<file path=ppt/notesSlides/notesSlide17.xml><?xml version="1.0" encoding="utf-8"?>
+<file path=ppt/notesSlides/notesSlide22.xml><?xml version="1.0" encoding="utf-8"?>
+<p:notes xmlns:a="http://schemas.openxmlformats.org/drawingml/2006/main" xmlns:r="http://schemas.openxmlformats.org/officeDocument/2006/relationships" xmlns:p="http://schemas.openxmlformats.org/presentationml/2006/main">
+  <p:cSld>
+    <p:spTree>
+      <p:nvGrpSpPr>
+        <p:cNvPr id="1" name=""/>
+        <p:cNvGrpSpPr/>
+        <p:nvPr/>
+      </p:nvGrpSpPr>
+      <p:grpSpPr>
+        <a:xfrm>
+          <a:off x="0" y="0"/>
+          <a:ext cx="0" cy="0"/>
+          <a:chOff x="0" y="0"/>
+          <a:chExt cx="0" cy="0"/>
+        </a:xfrm>
+      </p:grpSpPr>
+      <p:sp>
+        <p:nvSpPr>
+          <p:cNvPr id="2" name="幻灯片图像占位符 1"/>
+          <p:cNvSpPr>
+            <a:spLocks noGrp="1" noRot="1" noChangeAspect="1"/>
+          </p:cNvSpPr>
+          <p:nvPr>
+            <p:ph type="sldImg"/>
+          </p:nvPr>
+        </p:nvSpPr>
+        <p:spPr/>
+      </p:sp>
+      <p:sp>
+        <p:nvSpPr>
+          <p:cNvPr id="3" name="备注占位符 2"/>
+          <p:cNvSpPr>
+            <a:spLocks noGrp="1"/>
+          </p:cNvSpPr>
+          <p:nvPr>
+            <p:ph type="body" idx="1"/>
+          </p:nvPr>
+        </p:nvSpPr>
+        <p:spPr/>
+        <p:txBody>
+          <a:bodyPr/>
+          <a:lstStyle/>
+          <a:p>
+            <a:r>
+              <a:rPr lang="en-US" dirty="0" smtClean="0"/>
+              <a:t>Finally</a:t>
+            </a:r>
+            <a:r>
+              <a:rPr lang="en-US" smtClean="0"/>
+              <a:t>, for </a:t>
+            </a:r>
+            <a:r>
+              <a:rPr lang="en-US" dirty="0" smtClean="0"/>
+              <a:t>recommendation system integration and deployment. I would like to develop a user interface for better using experience. I will develop a Flask website and use </a:t>
+            </a:r>
+            <a:r>
+              <a:rPr lang="en-US" dirty="0" err="1" smtClean="0"/>
+              <a:t>PythonAnywhere</a:t>
+            </a:r>
+            <a:r>
+              <a:rPr lang="en-US" dirty="0" smtClean="0"/>
+              <a:t> web hosting service to host our recommender system. Next, I will develop a Chabot using </a:t>
+            </a:r>
+            <a:r>
+              <a:rPr lang="en-US" dirty="0" err="1" smtClean="0"/>
+              <a:t>DialogFlow</a:t>
+            </a:r>
+            <a:r>
+              <a:rPr lang="en-US" dirty="0" smtClean="0"/>
+              <a:t> platform to assist users for product recommendation and integrate it with the Flask website.</a:t>
+            </a:r>
+            <a:endParaRPr lang="en-US" dirty="0"/>
+          </a:p>
+        </p:txBody>
+      </p:sp>
+    </p:spTree>
+  </p:cSld>
+  <p:clrMapOvr>
+    <a:masterClrMapping/>
+  </p:clrMapOvr>
+</p:notes>
+</file>
+
+<file path=ppt/notesSlides/notesSlide23.xml><?xml version="1.0" encoding="utf-8"?>
+<p:notes xmlns:a="http://schemas.openxmlformats.org/drawingml/2006/main" xmlns:r="http://schemas.openxmlformats.org/officeDocument/2006/relationships" xmlns:p="http://schemas.openxmlformats.org/presentationml/2006/main">
+  <p:cSld>
+    <p:spTree>
+      <p:nvGrpSpPr>
+        <p:cNvPr id="1" name=""/>
+        <p:cNvGrpSpPr/>
+        <p:nvPr/>
+      </p:nvGrpSpPr>
+      <p:grpSpPr>
+        <a:xfrm>
+          <a:off x="0" y="0"/>
+          <a:ext cx="0" cy="0"/>
+          <a:chOff x="0" y="0"/>
+          <a:chExt cx="0" cy="0"/>
+        </a:xfrm>
+      </p:grpSpPr>
+      <p:sp>
+        <p:nvSpPr>
+          <p:cNvPr id="2" name="幻灯片图像占位符 1"/>
+          <p:cNvSpPr>
+            <a:spLocks noGrp="1" noRot="1" noChangeAspect="1"/>
+          </p:cNvSpPr>
+          <p:nvPr>
+            <p:ph type="sldImg"/>
+          </p:nvPr>
+        </p:nvSpPr>
+        <p:spPr/>
+      </p:sp>
+      <p:sp>
+        <p:nvSpPr>
+          <p:cNvPr id="3" name="备注占位符 2"/>
+          <p:cNvSpPr>
+            <a:spLocks noGrp="1"/>
+          </p:cNvSpPr>
+          <p:nvPr>
+            <p:ph type="body" idx="1"/>
+          </p:nvPr>
+        </p:nvSpPr>
+        <p:spPr/>
+        <p:txBody>
+          <a:bodyPr/>
+          <a:lstStyle/>
+          <a:p>
+            <a:r>
+              <a:rPr lang="en-US" dirty="0" smtClean="0"/>
+              <a:t>This</a:t>
+            </a:r>
+            <a:r>
+              <a:rPr lang="en-US" baseline="0" dirty="0" smtClean="0"/>
+              <a:t> is the flask web app prototype for the project. It contains a </a:t>
+            </a:r>
+            <a:r>
+              <a:rPr lang="en-US" baseline="0" dirty="0" err="1" smtClean="0"/>
+              <a:t>chatbot</a:t>
+            </a:r>
+            <a:r>
+              <a:rPr lang="en-US" baseline="0" dirty="0" smtClean="0"/>
+              <a:t> on the home page which developed by using the </a:t>
+            </a:r>
+            <a:r>
+              <a:rPr lang="en-US" baseline="0" dirty="0" err="1" smtClean="0"/>
+              <a:t>Dialogflow</a:t>
+            </a:r>
+            <a:r>
+              <a:rPr lang="en-US" baseline="0" dirty="0" smtClean="0"/>
+              <a:t> platform. The website is using Google API to send and receive message from </a:t>
+            </a:r>
+            <a:r>
+              <a:rPr lang="en-US" baseline="0" dirty="0" err="1" smtClean="0"/>
+              <a:t>Dialogflow</a:t>
+            </a:r>
+            <a:r>
+              <a:rPr lang="en-US" baseline="0" dirty="0" smtClean="0"/>
+              <a:t> and display on the </a:t>
+            </a:r>
+            <a:r>
+              <a:rPr lang="en-US" baseline="0" dirty="0" err="1" smtClean="0"/>
+              <a:t>chatbox</a:t>
+            </a:r>
+            <a:r>
+              <a:rPr lang="en-US" baseline="0" dirty="0" smtClean="0"/>
+              <a:t>. </a:t>
+            </a:r>
+            <a:endParaRPr lang="en-US" dirty="0"/>
+          </a:p>
+        </p:txBody>
+      </p:sp>
+    </p:spTree>
+  </p:cSld>
+  <p:clrMapOvr>
+    <a:masterClrMapping/>
+  </p:clrMapOvr>
+</p:notes>
+</file>
+
+<file path=ppt/notesSlides/notesSlide24.xml><?xml version="1.0" encoding="utf-8"?>
 <p:notes xmlns:a="http://schemas.openxmlformats.org/drawingml/2006/main" xmlns:r="http://schemas.openxmlformats.org/officeDocument/2006/relationships" xmlns:p="http://schemas.openxmlformats.org/presentationml/2006/main">
   <p:cSld>
     <p:spTree>
@@ -2148,552 +3021,7 @@
 </p:notes>
 </file>
 
-<file path=ppt/notesSlides/notesSlide18.xml><?xml version="1.0" encoding="utf-8"?>
-<p:notes xmlns:a="http://schemas.openxmlformats.org/drawingml/2006/main" xmlns:r="http://schemas.openxmlformats.org/officeDocument/2006/relationships" xmlns:p="http://schemas.openxmlformats.org/presentationml/2006/main">
-  <p:cSld>
-    <p:spTree>
-      <p:nvGrpSpPr>
-        <p:cNvPr id="1" name=""/>
-        <p:cNvGrpSpPr/>
-        <p:nvPr/>
-      </p:nvGrpSpPr>
-      <p:grpSpPr>
-        <a:xfrm>
-          <a:off x="0" y="0"/>
-          <a:ext cx="0" cy="0"/>
-          <a:chOff x="0" y="0"/>
-          <a:chExt cx="0" cy="0"/>
-        </a:xfrm>
-      </p:grpSpPr>
-      <p:sp>
-        <p:nvSpPr>
-          <p:cNvPr id="2" name="幻灯片图像占位符 1"/>
-          <p:cNvSpPr>
-            <a:spLocks noGrp="1" noRot="1" noChangeAspect="1"/>
-          </p:cNvSpPr>
-          <p:nvPr>
-            <p:ph type="sldImg"/>
-          </p:nvPr>
-        </p:nvSpPr>
-        <p:spPr/>
-      </p:sp>
-      <p:sp>
-        <p:nvSpPr>
-          <p:cNvPr id="3" name="备注占位符 2"/>
-          <p:cNvSpPr>
-            <a:spLocks noGrp="1"/>
-          </p:cNvSpPr>
-          <p:nvPr>
-            <p:ph type="body" idx="1"/>
-          </p:nvPr>
-        </p:nvSpPr>
-        <p:spPr/>
-        <p:txBody>
-          <a:bodyPr/>
-          <a:lstStyle/>
-          <a:p>
-            <a:r>
-              <a:rPr lang="en-US" dirty="0" smtClean="0"/>
-              <a:t>Finally</a:t>
-            </a:r>
-            <a:r>
-              <a:rPr lang="en-US" smtClean="0"/>
-              <a:t>, for </a:t>
-            </a:r>
-            <a:r>
-              <a:rPr lang="en-US" dirty="0" smtClean="0"/>
-              <a:t>recommendation system integration and deployment. I would like to develop a user interface for better using experience. I will develop a Flask website and use </a:t>
-            </a:r>
-            <a:r>
-              <a:rPr lang="en-US" dirty="0" err="1" smtClean="0"/>
-              <a:t>PythonAnywhere</a:t>
-            </a:r>
-            <a:r>
-              <a:rPr lang="en-US" dirty="0" smtClean="0"/>
-              <a:t> web hosting service to host our recommender system. Next, I will develop a Chabot using </a:t>
-            </a:r>
-            <a:r>
-              <a:rPr lang="en-US" dirty="0" err="1" smtClean="0"/>
-              <a:t>DialogFlow</a:t>
-            </a:r>
-            <a:r>
-              <a:rPr lang="en-US" dirty="0" smtClean="0"/>
-              <a:t> platform to assist users for product recommendation and integrate it with the Flask website.</a:t>
-            </a:r>
-            <a:endParaRPr lang="en-US" dirty="0"/>
-          </a:p>
-        </p:txBody>
-      </p:sp>
-    </p:spTree>
-  </p:cSld>
-  <p:clrMapOvr>
-    <a:masterClrMapping/>
-  </p:clrMapOvr>
-</p:notes>
-</file>
-
-<file path=ppt/notesSlides/notesSlide19.xml><?xml version="1.0" encoding="utf-8"?>
-<p:notes xmlns:a="http://schemas.openxmlformats.org/drawingml/2006/main" xmlns:r="http://schemas.openxmlformats.org/officeDocument/2006/relationships" xmlns:p="http://schemas.openxmlformats.org/presentationml/2006/main">
-  <p:cSld>
-    <p:spTree>
-      <p:nvGrpSpPr>
-        <p:cNvPr id="1" name=""/>
-        <p:cNvGrpSpPr/>
-        <p:nvPr/>
-      </p:nvGrpSpPr>
-      <p:grpSpPr>
-        <a:xfrm>
-          <a:off x="0" y="0"/>
-          <a:ext cx="0" cy="0"/>
-          <a:chOff x="0" y="0"/>
-          <a:chExt cx="0" cy="0"/>
-        </a:xfrm>
-      </p:grpSpPr>
-      <p:sp>
-        <p:nvSpPr>
-          <p:cNvPr id="2" name="幻灯片图像占位符 1"/>
-          <p:cNvSpPr>
-            <a:spLocks noGrp="1" noRot="1" noChangeAspect="1"/>
-          </p:cNvSpPr>
-          <p:nvPr>
-            <p:ph type="sldImg"/>
-          </p:nvPr>
-        </p:nvSpPr>
-        <p:spPr/>
-      </p:sp>
-      <p:sp>
-        <p:nvSpPr>
-          <p:cNvPr id="3" name="备注占位符 2"/>
-          <p:cNvSpPr>
-            <a:spLocks noGrp="1"/>
-          </p:cNvSpPr>
-          <p:nvPr>
-            <p:ph type="body" idx="1"/>
-          </p:nvPr>
-        </p:nvSpPr>
-        <p:spPr/>
-        <p:txBody>
-          <a:bodyPr/>
-          <a:lstStyle/>
-          <a:p>
-            <a:endParaRPr lang="en-US" dirty="0"/>
-          </a:p>
-        </p:txBody>
-      </p:sp>
-    </p:spTree>
-  </p:cSld>
-  <p:clrMapOvr>
-    <a:masterClrMapping/>
-  </p:clrMapOvr>
-</p:notes>
-</file>
-
-<file path=ppt/notesSlides/notesSlide2.xml><?xml version="1.0" encoding="utf-8"?>
-<p:notes xmlns:a="http://schemas.openxmlformats.org/drawingml/2006/main" xmlns:r="http://schemas.openxmlformats.org/officeDocument/2006/relationships" xmlns:p="http://schemas.openxmlformats.org/presentationml/2006/main">
-  <p:cSld>
-    <p:spTree>
-      <p:nvGrpSpPr>
-        <p:cNvPr id="1" name=""/>
-        <p:cNvGrpSpPr/>
-        <p:nvPr/>
-      </p:nvGrpSpPr>
-      <p:grpSpPr>
-        <a:xfrm>
-          <a:off x="0" y="0"/>
-          <a:ext cx="0" cy="0"/>
-          <a:chOff x="0" y="0"/>
-          <a:chExt cx="0" cy="0"/>
-        </a:xfrm>
-      </p:grpSpPr>
-      <p:sp>
-        <p:nvSpPr>
-          <p:cNvPr id="2" name="幻灯片图像占位符 1"/>
-          <p:cNvSpPr>
-            <a:spLocks noGrp="1" noRot="1" noChangeAspect="1"/>
-          </p:cNvSpPr>
-          <p:nvPr>
-            <p:ph type="sldImg"/>
-          </p:nvPr>
-        </p:nvSpPr>
-        <p:spPr/>
-      </p:sp>
-      <p:sp>
-        <p:nvSpPr>
-          <p:cNvPr id="3" name="备注占位符 2"/>
-          <p:cNvSpPr>
-            <a:spLocks noGrp="1"/>
-          </p:cNvSpPr>
-          <p:nvPr>
-            <p:ph type="body" idx="1"/>
-          </p:nvPr>
-        </p:nvSpPr>
-        <p:spPr/>
-        <p:txBody>
-          <a:bodyPr/>
-          <a:lstStyle/>
-          <a:p>
-            <a:r>
-              <a:rPr lang="en-US" sz="1200" b="0" i="0" kern="1200" dirty="0" smtClean="0">
-                <a:solidFill>
-                  <a:schemeClr val="tx1"/>
-                </a:solidFill>
-                <a:effectLst/>
-                <a:latin typeface="+mn-lt"/>
-                <a:ea typeface="Arial" panose="020B0604020202020204" pitchFamily="34" charset="0"/>
-                <a:cs typeface="+mn-cs"/>
-                <a:sym typeface="Arial" panose="020B0604020202020204" pitchFamily="34" charset="0"/>
-              </a:rPr>
-              <a:t>As E-commerce becomes more and more popular in recent years, especially by the impact of the COVID-19 pandemic, many retailers and companies are switching their business models to adapt to the trend. In addition, with the rapid growth of big data technology, the cost of storage capacity to store enormous amounts of data decreases gradually. No matter the tech giant or start-up, all companies can make use of the gathered data to boost their business success.</a:t>
-            </a:r>
-            <a:endParaRPr lang="en-US" sz="1200" b="0" i="0" kern="1200" dirty="0" smtClean="0">
-              <a:solidFill>
-                <a:schemeClr val="tx1"/>
-              </a:solidFill>
-              <a:effectLst/>
-              <a:latin typeface="+mn-lt"/>
-              <a:ea typeface="Arial" panose="020B0604020202020204" pitchFamily="34" charset="0"/>
-              <a:cs typeface="+mn-cs"/>
-              <a:sym typeface="Arial" panose="020B0604020202020204" pitchFamily="34" charset="0"/>
-            </a:endParaRPr>
-          </a:p>
-          <a:p>
-            <a:endParaRPr lang="en-US" sz="1200" b="0" i="0" kern="1200" dirty="0" smtClean="0">
-              <a:solidFill>
-                <a:schemeClr val="tx1"/>
-              </a:solidFill>
-              <a:effectLst/>
-              <a:latin typeface="+mn-lt"/>
-              <a:cs typeface="+mn-cs"/>
-              <a:sym typeface="Arial" panose="020B0604020202020204" pitchFamily="34" charset="0"/>
-            </a:endParaRPr>
-          </a:p>
-          <a:p>
-            <a:r>
-              <a:rPr lang="en-US" altLang="zh-CN" dirty="0" smtClean="0"/>
-              <a:t>So why recommender system is important in the</a:t>
-            </a:r>
-            <a:r>
-              <a:rPr lang="en-US" altLang="zh-CN" baseline="0" dirty="0" smtClean="0"/>
-              <a:t> current era? </a:t>
-            </a:r>
-            <a:r>
-              <a:rPr lang="en-US" sz="1200" b="0" i="0" kern="1200" dirty="0" smtClean="0">
-                <a:solidFill>
-                  <a:schemeClr val="tx1"/>
-                </a:solidFill>
-                <a:effectLst/>
-                <a:latin typeface="+mn-lt"/>
-                <a:ea typeface="Arial" panose="020B0604020202020204" pitchFamily="34" charset="0"/>
-                <a:cs typeface="+mn-cs"/>
-                <a:sym typeface="Arial" panose="020B0604020202020204" pitchFamily="34" charset="0"/>
-              </a:rPr>
-              <a:t>There are several benefits that businesses can achieve using product recommender systems.</a:t>
-            </a:r>
-            <a:endParaRPr lang="en-US" sz="1200" b="0" i="0" kern="1200" dirty="0" smtClean="0">
-              <a:solidFill>
-                <a:schemeClr val="tx1"/>
-              </a:solidFill>
-              <a:effectLst/>
-              <a:latin typeface="+mn-lt"/>
-              <a:ea typeface="Arial" panose="020B0604020202020204" pitchFamily="34" charset="0"/>
-              <a:cs typeface="+mn-cs"/>
-              <a:sym typeface="Arial" panose="020B0604020202020204" pitchFamily="34" charset="0"/>
-            </a:endParaRPr>
-          </a:p>
-          <a:p>
-            <a:endParaRPr lang="en-US" sz="1200" b="0" i="0" kern="1200" dirty="0" smtClean="0">
-              <a:solidFill>
-                <a:schemeClr val="tx1"/>
-              </a:solidFill>
-              <a:effectLst/>
-              <a:latin typeface="+mn-lt"/>
-              <a:cs typeface="+mn-cs"/>
-              <a:sym typeface="Arial" panose="020B0604020202020204" pitchFamily="34" charset="0"/>
-            </a:endParaRPr>
-          </a:p>
-          <a:p>
-            <a:r>
-              <a:rPr lang="en-US" sz="1200" b="0" i="0" kern="1200" dirty="0" smtClean="0">
-                <a:solidFill>
-                  <a:schemeClr val="tx1"/>
-                </a:solidFill>
-                <a:effectLst/>
-                <a:latin typeface="+mn-lt"/>
-                <a:ea typeface="Arial" panose="020B0604020202020204" pitchFamily="34" charset="0"/>
-                <a:cs typeface="+mn-cs"/>
-                <a:sym typeface="Arial" panose="020B0604020202020204" pitchFamily="34" charset="0"/>
-              </a:rPr>
-              <a:t>The objective of this project is to analyze the reason for a product to be recommended and explore different data science methods and algorithms to implement product recommender systems. It will provide business owners or start-up companies a better idea of how recommender systems work and the related advantages.</a:t>
-            </a:r>
-            <a:endParaRPr lang="en-US" dirty="0"/>
-          </a:p>
-        </p:txBody>
-      </p:sp>
-    </p:spTree>
-  </p:cSld>
-  <p:clrMapOvr>
-    <a:masterClrMapping/>
-  </p:clrMapOvr>
-</p:notes>
-</file>
-
-<file path=ppt/notesSlides/notesSlide20.xml><?xml version="1.0" encoding="utf-8"?>
-<p:notes xmlns:a="http://schemas.openxmlformats.org/drawingml/2006/main" xmlns:r="http://schemas.openxmlformats.org/officeDocument/2006/relationships" xmlns:p="http://schemas.openxmlformats.org/presentationml/2006/main">
-  <p:cSld>
-    <p:spTree>
-      <p:nvGrpSpPr>
-        <p:cNvPr id="1" name=""/>
-        <p:cNvGrpSpPr/>
-        <p:nvPr/>
-      </p:nvGrpSpPr>
-      <p:grpSpPr>
-        <a:xfrm>
-          <a:off x="0" y="0"/>
-          <a:ext cx="0" cy="0"/>
-          <a:chOff x="0" y="0"/>
-          <a:chExt cx="0" cy="0"/>
-        </a:xfrm>
-      </p:grpSpPr>
-      <p:sp>
-        <p:nvSpPr>
-          <p:cNvPr id="2" name="幻灯片图像占位符 1"/>
-          <p:cNvSpPr>
-            <a:spLocks noGrp="1" noRot="1" noChangeAspect="1"/>
-          </p:cNvSpPr>
-          <p:nvPr>
-            <p:ph type="sldImg"/>
-          </p:nvPr>
-        </p:nvSpPr>
-        <p:spPr/>
-      </p:sp>
-      <p:sp>
-        <p:nvSpPr>
-          <p:cNvPr id="3" name="备注占位符 2"/>
-          <p:cNvSpPr>
-            <a:spLocks noGrp="1"/>
-          </p:cNvSpPr>
-          <p:nvPr>
-            <p:ph type="body" idx="1"/>
-          </p:nvPr>
-        </p:nvSpPr>
-        <p:spPr/>
-        <p:txBody>
-          <a:bodyPr/>
-          <a:lstStyle/>
-          <a:p>
-            <a:endParaRPr lang="en-US" dirty="0"/>
-          </a:p>
-        </p:txBody>
-      </p:sp>
-    </p:spTree>
-  </p:cSld>
-  <p:clrMapOvr>
-    <a:masterClrMapping/>
-  </p:clrMapOvr>
-</p:notes>
-</file>
-
-<file path=ppt/notesSlides/notesSlide21.xml><?xml version="1.0" encoding="utf-8"?>
-<p:notes xmlns:a="http://schemas.openxmlformats.org/drawingml/2006/main" xmlns:r="http://schemas.openxmlformats.org/officeDocument/2006/relationships" xmlns:p="http://schemas.openxmlformats.org/presentationml/2006/main">
-  <p:cSld>
-    <p:spTree>
-      <p:nvGrpSpPr>
-        <p:cNvPr id="1" name=""/>
-        <p:cNvGrpSpPr/>
-        <p:nvPr/>
-      </p:nvGrpSpPr>
-      <p:grpSpPr>
-        <a:xfrm>
-          <a:off x="0" y="0"/>
-          <a:ext cx="0" cy="0"/>
-          <a:chOff x="0" y="0"/>
-          <a:chExt cx="0" cy="0"/>
-        </a:xfrm>
-      </p:grpSpPr>
-      <p:sp>
-        <p:nvSpPr>
-          <p:cNvPr id="2" name="幻灯片图像占位符 1"/>
-          <p:cNvSpPr>
-            <a:spLocks noGrp="1" noRot="1" noChangeAspect="1"/>
-          </p:cNvSpPr>
-          <p:nvPr>
-            <p:ph type="sldImg"/>
-          </p:nvPr>
-        </p:nvSpPr>
-        <p:spPr/>
-      </p:sp>
-      <p:sp>
-        <p:nvSpPr>
-          <p:cNvPr id="3" name="备注占位符 2"/>
-          <p:cNvSpPr>
-            <a:spLocks noGrp="1"/>
-          </p:cNvSpPr>
-          <p:nvPr>
-            <p:ph type="body" idx="1"/>
-          </p:nvPr>
-        </p:nvSpPr>
-        <p:spPr/>
-        <p:txBody>
-          <a:bodyPr/>
-          <a:lstStyle/>
-          <a:p>
-            <a:r>
-              <a:rPr lang="en-US" dirty="0" smtClean="0"/>
-              <a:t>This</a:t>
-            </a:r>
-            <a:r>
-              <a:rPr lang="en-US" baseline="0" dirty="0" smtClean="0"/>
-              <a:t> is the flask web app prototype for the project. It contains a </a:t>
-            </a:r>
-            <a:r>
-              <a:rPr lang="en-US" baseline="0" dirty="0" err="1" smtClean="0"/>
-              <a:t>chatbot</a:t>
-            </a:r>
-            <a:r>
-              <a:rPr lang="en-US" baseline="0" dirty="0" smtClean="0"/>
-              <a:t> on the home page which developed by using the </a:t>
-            </a:r>
-            <a:r>
-              <a:rPr lang="en-US" baseline="0" dirty="0" err="1" smtClean="0"/>
-              <a:t>Dialogflow</a:t>
-            </a:r>
-            <a:r>
-              <a:rPr lang="en-US" baseline="0" dirty="0" smtClean="0"/>
-              <a:t> platform. The website is using Google API to send and receive message from </a:t>
-            </a:r>
-            <a:r>
-              <a:rPr lang="en-US" baseline="0" dirty="0" err="1" smtClean="0"/>
-              <a:t>Dialogflow</a:t>
-            </a:r>
-            <a:r>
-              <a:rPr lang="en-US" baseline="0" dirty="0" smtClean="0"/>
-              <a:t> and display on the </a:t>
-            </a:r>
-            <a:r>
-              <a:rPr lang="en-US" baseline="0" dirty="0" err="1" smtClean="0"/>
-              <a:t>chatbox</a:t>
-            </a:r>
-            <a:r>
-              <a:rPr lang="en-US" baseline="0" dirty="0" smtClean="0"/>
-              <a:t>. </a:t>
-            </a:r>
-            <a:endParaRPr lang="en-US" dirty="0"/>
-          </a:p>
-        </p:txBody>
-      </p:sp>
-    </p:spTree>
-  </p:cSld>
-  <p:clrMapOvr>
-    <a:masterClrMapping/>
-  </p:clrMapOvr>
-</p:notes>
-</file>
-
-<file path=ppt/notesSlides/notesSlide22.xml><?xml version="1.0" encoding="utf-8"?>
-<p:notes xmlns:a="http://schemas.openxmlformats.org/drawingml/2006/main" xmlns:r="http://schemas.openxmlformats.org/officeDocument/2006/relationships" xmlns:p="http://schemas.openxmlformats.org/presentationml/2006/main">
-  <p:cSld>
-    <p:spTree>
-      <p:nvGrpSpPr>
-        <p:cNvPr id="1" name=""/>
-        <p:cNvGrpSpPr/>
-        <p:nvPr/>
-      </p:nvGrpSpPr>
-      <p:grpSpPr>
-        <a:xfrm>
-          <a:off x="0" y="0"/>
-          <a:ext cx="0" cy="0"/>
-          <a:chOff x="0" y="0"/>
-          <a:chExt cx="0" cy="0"/>
-        </a:xfrm>
-      </p:grpSpPr>
-      <p:sp>
-        <p:nvSpPr>
-          <p:cNvPr id="33793" name="幻灯片图像占位符 1"/>
-          <p:cNvSpPr>
-            <a:spLocks noGrp="1" noRot="1" noChangeAspect="1"/>
-          </p:cNvSpPr>
-          <p:nvPr>
-            <p:ph type="sldImg"/>
-          </p:nvPr>
-        </p:nvSpPr>
-        <p:spPr/>
-      </p:sp>
-      <p:sp>
-        <p:nvSpPr>
-          <p:cNvPr id="33794" name="备注占位符 2"/>
-          <p:cNvSpPr>
-            <a:spLocks noGrp="1"/>
-          </p:cNvSpPr>
-          <p:nvPr>
-            <p:ph type="body"/>
-          </p:nvPr>
-        </p:nvSpPr>
-        <p:spPr/>
-        <p:txBody>
-          <a:bodyPr lIns="91440" tIns="45720" rIns="91440" bIns="45720" anchor="t" anchorCtr="0"/>
-          <a:lstStyle/>
-          <a:p>
-            <a:pPr lvl="0"/>
-            <a:endParaRPr lang="en-US" altLang="zh-CN" dirty="0">
-              <a:solidFill>
-                <a:srgbClr val="00B0F0"/>
-              </a:solidFill>
-              <a:latin typeface="微软雅黑" panose="020B0503020204020204" pitchFamily="34" charset="-122"/>
-              <a:ea typeface="微软雅黑" panose="020B0503020204020204" pitchFamily="34" charset="-122"/>
-            </a:endParaRPr>
-          </a:p>
-        </p:txBody>
-      </p:sp>
-      <p:sp>
-        <p:nvSpPr>
-          <p:cNvPr id="33795" name="灯片编号占位符 3"/>
-          <p:cNvSpPr>
-            <a:spLocks noGrp="1"/>
-          </p:cNvSpPr>
-          <p:nvPr>
-            <p:ph type="sldNum" sz="quarter"/>
-          </p:nvPr>
-        </p:nvSpPr>
-        <p:spPr>
-          <a:xfrm>
-            <a:off x="3884613" y="8685213"/>
-            <a:ext cx="2971800" cy="458787"/>
-          </a:xfrm>
-          <a:prstGeom prst="rect">
-            <a:avLst/>
-          </a:prstGeom>
-          <a:noFill/>
-          <a:ln w="9525">
-            <a:noFill/>
-          </a:ln>
-        </p:spPr>
-        <p:txBody>
-          <a:bodyPr vert="horz" lIns="91440" tIns="45720" rIns="91440" bIns="45720" anchor="b" anchorCtr="0"/>
-          <a:lstStyle/>
-          <a:p>
-            <a:pPr lvl="0" algn="r"/>
-            <a:fld id="{9A0DB2DC-4C9A-4742-B13C-FB6460FD3503}" type="slidenum">
-              <a:rPr lang="zh-CN" altLang="en-US" sz="1200">
-                <a:latin typeface="Calibri" panose="020F0502020204030204" charset="0"/>
-                <a:ea typeface="宋体" panose="02010600030101010101" pitchFamily="2" charset="-122"/>
-              </a:rPr>
-            </a:fld>
-            <a:endParaRPr lang="zh-CN" altLang="en-US" sz="1200">
-              <a:latin typeface="Calibri" panose="020F0502020204030204" charset="0"/>
-              <a:ea typeface="宋体" panose="02010600030101010101" pitchFamily="2" charset="-122"/>
-            </a:endParaRPr>
-          </a:p>
-        </p:txBody>
-      </p:sp>
-    </p:spTree>
-  </p:cSld>
-  <p:clrMapOvr>
-    <a:masterClrMapping/>
-  </p:clrMapOvr>
-</p:notes>
-</file>
-
-<file path=ppt/notesSlides/notesSlide23.xml><?xml version="1.0" encoding="utf-8"?>
+<file path=ppt/notesSlides/notesSlide25.xml><?xml version="1.0" encoding="utf-8"?>
 <p:notes xmlns:a="http://schemas.openxmlformats.org/drawingml/2006/main" xmlns:r="http://schemas.openxmlformats.org/officeDocument/2006/relationships" xmlns:p="http://schemas.openxmlformats.org/presentationml/2006/main">
   <p:cSld>
     <p:spTree>
@@ -2819,7 +3147,7 @@
 </p:notes>
 </file>
 
-<file path=ppt/notesSlides/notesSlide24.xml><?xml version="1.0" encoding="utf-8"?>
+<file path=ppt/notesSlides/notesSlide26.xml><?xml version="1.0" encoding="utf-8"?>
 <p:notes xmlns:a="http://schemas.openxmlformats.org/drawingml/2006/main" xmlns:r="http://schemas.openxmlformats.org/officeDocument/2006/relationships" xmlns:p="http://schemas.openxmlformats.org/presentationml/2006/main">
   <p:cSld>
     <p:spTree>
@@ -11823,7 +12151,7 @@
         <p:spPr>
           <a:xfrm>
             <a:off x="4672214" y="2088749"/>
-            <a:ext cx="2165350" cy="1014730"/>
+            <a:ext cx="2165350" cy="1015663"/>
           </a:xfrm>
           <a:prstGeom prst="rect">
             <a:avLst/>
@@ -11849,7 +12177,7 @@
                 <a:cs typeface="Arial" panose="020B0604020202020204" pitchFamily="34" charset="0"/>
                 <a:sym typeface="Calibri" panose="020F0502020204030204" charset="0"/>
               </a:rPr>
-              <a:t>Systems Integration and Deployment</a:t>
+              <a:t>System Integration and Deployment</a:t>
             </a:r>
             <a:endParaRPr lang="zh-CN" altLang="en-US" sz="2000" b="1" dirty="0">
               <a:solidFill>
@@ -15374,47 +15702,6 @@
           </a:extLst>
         </p:spPr>
       </p:pic>
-      <p:pic>
-        <p:nvPicPr>
-          <p:cNvPr id="2054" name="Picture 6" descr="review_text_length_by_rating.png"/>
-          <p:cNvPicPr>
-            <a:picLocks noChangeAspect="1" noChangeArrowheads="1"/>
-          </p:cNvPicPr>
-          <p:nvPr/>
-        </p:nvPicPr>
-        <p:blipFill>
-          <a:blip r:embed="rId2">
-            <a:extLst>
-              <a:ext uri="{28A0092B-C50C-407E-A947-70E740481C1C}">
-                <a14:useLocalDpi xmlns:a14="http://schemas.microsoft.com/office/drawing/2010/main" val="0"/>
-              </a:ext>
-            </a:extLst>
-          </a:blip>
-          <a:srcRect/>
-          <a:stretch>
-            <a:fillRect/>
-          </a:stretch>
-        </p:blipFill>
-        <p:spPr bwMode="auto">
-          <a:xfrm>
-            <a:off x="7448153" y="904875"/>
-            <a:ext cx="4323976" cy="5144771"/>
-          </a:xfrm>
-          <a:prstGeom prst="rect">
-            <a:avLst/>
-          </a:prstGeom>
-          <a:noFill/>
-          <a:extLst>
-            <a:ext uri="{909E8E84-426E-40DD-AFC4-6F175D3DCCD1}">
-              <a14:hiddenFill xmlns:a14="http://schemas.microsoft.com/office/drawing/2010/main">
-                <a:solidFill>
-                  <a:srgbClr val="FFFFFF"/>
-                </a:solidFill>
-              </a14:hiddenFill>
-            </a:ext>
-          </a:extLst>
-        </p:spPr>
-      </p:pic>
       <p:grpSp>
         <p:nvGrpSpPr>
           <p:cNvPr id="6" name="组合 8"/>
@@ -15633,6 +15920,30 @@
           </a:p>
         </p:txBody>
       </p:sp>
+      <p:pic>
+        <p:nvPicPr>
+          <p:cNvPr id="3" name="Picture 2"/>
+          <p:cNvPicPr>
+            <a:picLocks noChangeAspect="1"/>
+          </p:cNvPicPr>
+          <p:nvPr/>
+        </p:nvPicPr>
+        <p:blipFill>
+          <a:blip r:embed="rId2"/>
+          <a:stretch>
+            <a:fillRect/>
+          </a:stretch>
+        </p:blipFill>
+        <p:spPr>
+          <a:xfrm>
+            <a:off x="7344410" y="991870"/>
+            <a:ext cx="4829175" cy="5781675"/>
+          </a:xfrm>
+          <a:prstGeom prst="rect">
+            <a:avLst/>
+          </a:prstGeom>
+        </p:spPr>
+      </p:pic>
     </p:spTree>
   </p:cSld>
   <p:clrMapOvr>
@@ -15826,7 +16137,7 @@
         </p:nvSpPr>
         <p:spPr>
           <a:xfrm flipH="1">
-            <a:off x="7385118" y="1252224"/>
+            <a:off x="7394643" y="1593219"/>
             <a:ext cx="3530600" cy="376246"/>
           </a:xfrm>
           <a:prstGeom prst="rect">
@@ -15881,7 +16192,7 @@
         </p:blipFill>
         <p:spPr>
           <a:xfrm>
-            <a:off x="6953249" y="844956"/>
+            <a:off x="6962774" y="1185951"/>
             <a:ext cx="829041" cy="830265"/>
           </a:xfrm>
           <a:prstGeom prst="rect">
@@ -15901,7 +16212,7 @@
         </p:nvSpPr>
         <p:spPr>
           <a:xfrm>
-            <a:off x="7165283" y="1004593"/>
+            <a:off x="7174808" y="1345588"/>
             <a:ext cx="393700" cy="522282"/>
           </a:xfrm>
           <a:prstGeom prst="rect">
@@ -15948,7 +16259,7 @@
         </p:nvSpPr>
         <p:spPr>
           <a:xfrm flipH="1">
-            <a:off x="7385118" y="468710"/>
+            <a:off x="7394643" y="809705"/>
             <a:ext cx="3530600" cy="376246"/>
           </a:xfrm>
           <a:prstGeom prst="rect">
@@ -16003,7 +16314,7 @@
         </p:blipFill>
         <p:spPr>
           <a:xfrm>
-            <a:off x="6953249" y="61442"/>
+            <a:off x="6962774" y="402437"/>
             <a:ext cx="829041" cy="830265"/>
           </a:xfrm>
           <a:prstGeom prst="rect">
@@ -16023,7 +16334,7 @@
         </p:nvSpPr>
         <p:spPr>
           <a:xfrm>
-            <a:off x="7169612" y="221079"/>
+            <a:off x="7179137" y="562074"/>
             <a:ext cx="385042" cy="523220"/>
           </a:xfrm>
           <a:prstGeom prst="rect">
@@ -16069,7 +16380,7 @@
         </p:nvSpPr>
         <p:spPr>
           <a:xfrm flipH="1">
-            <a:off x="7385118" y="2035738"/>
+            <a:off x="7394643" y="2376733"/>
             <a:ext cx="3530600" cy="376246"/>
           </a:xfrm>
           <a:prstGeom prst="rect">
@@ -16124,7 +16435,7 @@
         </p:blipFill>
         <p:spPr>
           <a:xfrm>
-            <a:off x="6953249" y="1628470"/>
+            <a:off x="6962774" y="1969465"/>
             <a:ext cx="829041" cy="830265"/>
           </a:xfrm>
           <a:prstGeom prst="rect">
@@ -16144,7 +16455,7 @@
         </p:nvSpPr>
         <p:spPr>
           <a:xfrm>
-            <a:off x="7169612" y="1788107"/>
+            <a:off x="7179137" y="2129102"/>
             <a:ext cx="385042" cy="523220"/>
           </a:xfrm>
           <a:prstGeom prst="rect">
@@ -16190,7 +16501,7 @@
         </p:nvSpPr>
         <p:spPr>
           <a:xfrm flipH="1">
-            <a:off x="7385118" y="2831481"/>
+            <a:off x="7394643" y="3172476"/>
             <a:ext cx="3530600" cy="376246"/>
           </a:xfrm>
           <a:prstGeom prst="rect">
@@ -16245,7 +16556,7 @@
         </p:blipFill>
         <p:spPr>
           <a:xfrm>
-            <a:off x="6953249" y="2424213"/>
+            <a:off x="6962774" y="2765208"/>
             <a:ext cx="829041" cy="830265"/>
           </a:xfrm>
           <a:prstGeom prst="rect">
@@ -16265,7 +16576,7 @@
         </p:nvSpPr>
         <p:spPr>
           <a:xfrm>
-            <a:off x="7169612" y="2583850"/>
+            <a:off x="7179137" y="2924845"/>
             <a:ext cx="385042" cy="523220"/>
           </a:xfrm>
           <a:prstGeom prst="rect">
@@ -16311,7 +16622,7 @@
         </p:nvSpPr>
         <p:spPr>
           <a:xfrm flipH="1">
-            <a:off x="7385118" y="3638878"/>
+            <a:off x="7394643" y="3979873"/>
             <a:ext cx="3530600" cy="376246"/>
           </a:xfrm>
           <a:prstGeom prst="rect">
@@ -16365,7 +16676,7 @@
         </p:blipFill>
         <p:spPr>
           <a:xfrm>
-            <a:off x="6953249" y="3231610"/>
+            <a:off x="6962774" y="3572605"/>
             <a:ext cx="829041" cy="830265"/>
           </a:xfrm>
           <a:prstGeom prst="rect">
@@ -16385,7 +16696,7 @@
         </p:nvSpPr>
         <p:spPr>
           <a:xfrm>
-            <a:off x="7169612" y="3391247"/>
+            <a:off x="7179137" y="3732242"/>
             <a:ext cx="385042" cy="523220"/>
           </a:xfrm>
           <a:prstGeom prst="rect">
@@ -16431,7 +16742,7 @@
         </p:nvSpPr>
         <p:spPr>
           <a:xfrm flipH="1">
-            <a:off x="7385118" y="4461278"/>
+            <a:off x="7394643" y="4802273"/>
             <a:ext cx="3530600" cy="376246"/>
           </a:xfrm>
           <a:prstGeom prst="rect">
@@ -16496,7 +16807,7 @@
         </p:blipFill>
         <p:spPr>
           <a:xfrm>
-            <a:off x="6953249" y="4054010"/>
+            <a:off x="6962774" y="4395005"/>
             <a:ext cx="829041" cy="830265"/>
           </a:xfrm>
           <a:prstGeom prst="rect">
@@ -16516,7 +16827,7 @@
         </p:nvSpPr>
         <p:spPr>
           <a:xfrm>
-            <a:off x="7169612" y="4213647"/>
+            <a:off x="7179137" y="4554642"/>
             <a:ext cx="385042" cy="523220"/>
           </a:xfrm>
           <a:prstGeom prst="rect">
@@ -16562,7 +16873,7 @@
         </p:nvSpPr>
         <p:spPr>
           <a:xfrm flipH="1">
-            <a:off x="7385118" y="5318672"/>
+            <a:off x="7394643" y="5659667"/>
             <a:ext cx="3530600" cy="376246"/>
           </a:xfrm>
           <a:prstGeom prst="rect">
@@ -16589,7 +16900,7 @@
                 <a:ea typeface="宋体" panose="02010600030101010101" pitchFamily="2" charset="-122"/>
                 <a:cs typeface="Arial" panose="020B0604020202020204" pitchFamily="34" charset="0"/>
               </a:rPr>
-              <a:t>Systems Integration</a:t>
+              <a:t>Expected Outcomes</a:t>
             </a:r>
             <a:endParaRPr lang="zh-CN" altLang="en-US" sz="1600" dirty="0">
               <a:solidFill>
@@ -16617,7 +16928,7 @@
         </p:blipFill>
         <p:spPr>
           <a:xfrm>
-            <a:off x="6953249" y="4911404"/>
+            <a:off x="6962774" y="5252399"/>
             <a:ext cx="829041" cy="830265"/>
           </a:xfrm>
           <a:prstGeom prst="rect">
@@ -16637,7 +16948,7 @@
         </p:nvSpPr>
         <p:spPr>
           <a:xfrm>
-            <a:off x="7169612" y="5071041"/>
+            <a:off x="7179137" y="5412036"/>
             <a:ext cx="385042" cy="523220"/>
           </a:xfrm>
           <a:prstGeom prst="rect">
@@ -16666,125 +16977,6 @@
               <a:t>7</a:t>
             </a:r>
             <a:endParaRPr lang="zh-CN" altLang="en-US" sz="2800" dirty="0">
-              <a:solidFill>
-                <a:srgbClr val="262626"/>
-              </a:solidFill>
-              <a:latin typeface="Arial" panose="020B0604020202020204" pitchFamily="34" charset="0"/>
-              <a:ea typeface="Arial" panose="020B0604020202020204" pitchFamily="34" charset="0"/>
-            </a:endParaRPr>
-          </a:p>
-        </p:txBody>
-      </p:sp>
-      <p:sp>
-        <p:nvSpPr>
-          <p:cNvPr id="2" name="文本框 31"/>
-          <p:cNvSpPr txBox="1"/>
-          <p:nvPr/>
-        </p:nvSpPr>
-        <p:spPr>
-          <a:xfrm flipH="1">
-            <a:off x="7385118" y="6188622"/>
-            <a:ext cx="3530600" cy="376246"/>
-          </a:xfrm>
-          <a:prstGeom prst="rect">
-            <a:avLst/>
-          </a:prstGeom>
-          <a:solidFill>
-            <a:srgbClr val="262626"/>
-          </a:solidFill>
-          <a:ln w="9525">
-            <a:noFill/>
-          </a:ln>
-        </p:spPr>
-        <p:txBody>
-          <a:bodyPr lIns="180000" anchor="ctr" anchorCtr="0"/>
-          <a:p>
-            <a:pPr algn="ctr"/>
-            <a:r>
-              <a:rPr lang="en-US" altLang="zh-CN" sz="1600" dirty="0" smtClean="0">
-                <a:solidFill>
-                  <a:schemeClr val="bg1"/>
-                </a:solidFill>
-                <a:latin typeface="Arial" panose="020B0604020202020204" pitchFamily="34" charset="0"/>
-                <a:ea typeface="宋体" panose="02010600030101010101" pitchFamily="2" charset="-122"/>
-                <a:cs typeface="Arial" panose="020B0604020202020204" pitchFamily="34" charset="0"/>
-              </a:rPr>
-              <a:t>Outcomes</a:t>
-            </a:r>
-            <a:endParaRPr lang="zh-CN" altLang="en-US" sz="1600" dirty="0">
-              <a:solidFill>
-                <a:schemeClr val="bg1"/>
-              </a:solidFill>
-              <a:latin typeface="Arial" panose="020B0604020202020204" pitchFamily="34" charset="0"/>
-              <a:ea typeface="Arial" panose="020B0604020202020204" pitchFamily="34" charset="0"/>
-            </a:endParaRPr>
-          </a:p>
-        </p:txBody>
-      </p:sp>
-      <p:pic>
-        <p:nvPicPr>
-          <p:cNvPr id="3" name="图片 32"/>
-          <p:cNvPicPr>
-            <a:picLocks noChangeAspect="1"/>
-          </p:cNvPicPr>
-          <p:nvPr/>
-        </p:nvPicPr>
-        <p:blipFill>
-          <a:blip r:embed="rId2"/>
-          <a:stretch>
-            <a:fillRect/>
-          </a:stretch>
-        </p:blipFill>
-        <p:spPr>
-          <a:xfrm>
-            <a:off x="6953249" y="5781354"/>
-            <a:ext cx="829041" cy="830265"/>
-          </a:xfrm>
-          <a:prstGeom prst="rect">
-            <a:avLst/>
-          </a:prstGeom>
-          <a:noFill/>
-          <a:ln w="9525">
-            <a:noFill/>
-          </a:ln>
-        </p:spPr>
-      </p:pic>
-      <p:sp>
-        <p:nvSpPr>
-          <p:cNvPr id="4" name="矩形 30"/>
-          <p:cNvSpPr/>
-          <p:nvPr/>
-        </p:nvSpPr>
-        <p:spPr>
-          <a:xfrm>
-            <a:off x="7171951" y="5940991"/>
-            <a:ext cx="380365" cy="521970"/>
-          </a:xfrm>
-          <a:prstGeom prst="rect">
-            <a:avLst/>
-          </a:prstGeom>
-          <a:noFill/>
-          <a:ln w="9525">
-            <a:noFill/>
-          </a:ln>
-        </p:spPr>
-        <p:txBody>
-          <a:bodyPr wrap="none" anchor="t" anchorCtr="0">
-            <a:spAutoFit/>
-          </a:bodyPr>
-          <a:p>
-            <a:pPr algn="ctr"/>
-            <a:r>
-              <a:rPr lang="en-US" altLang="zh-CN" sz="2800" dirty="0">
-                <a:solidFill>
-                  <a:srgbClr val="262626"/>
-                </a:solidFill>
-                <a:latin typeface="Arial" panose="020B0604020202020204" pitchFamily="34" charset="0"/>
-                <a:ea typeface="Arial" panose="020B0604020202020204" pitchFamily="34" charset="0"/>
-              </a:rPr>
-              <a:t>8</a:t>
-            </a:r>
-            <a:endParaRPr lang="en-US" altLang="zh-CN" sz="2800" dirty="0">
               <a:solidFill>
                 <a:srgbClr val="262626"/>
               </a:solidFill>
@@ -17838,47 +18030,6 @@
           </a:extLst>
         </p:spPr>
       </p:pic>
-      <p:pic>
-        <p:nvPicPr>
-          <p:cNvPr id="5124" name="Picture 4" descr="https://github.com/JinHuiXu1991/Jin_DATA606/raw/9b4cb651e7e430486faa681c4e48af5d358d6fc6/images/product_text_boxplot.png"/>
-          <p:cNvPicPr>
-            <a:picLocks noChangeAspect="1" noChangeArrowheads="1"/>
-          </p:cNvPicPr>
-          <p:nvPr/>
-        </p:nvPicPr>
-        <p:blipFill>
-          <a:blip r:embed="rId2">
-            <a:extLst>
-              <a:ext uri="{28A0092B-C50C-407E-A947-70E740481C1C}">
-                <a14:useLocalDpi xmlns:a14="http://schemas.microsoft.com/office/drawing/2010/main" val="0"/>
-              </a:ext>
-            </a:extLst>
-          </a:blip>
-          <a:srcRect/>
-          <a:stretch>
-            <a:fillRect/>
-          </a:stretch>
-        </p:blipFill>
-        <p:spPr bwMode="auto">
-          <a:xfrm>
-            <a:off x="7327900" y="991870"/>
-            <a:ext cx="4549821" cy="5342255"/>
-          </a:xfrm>
-          <a:prstGeom prst="rect">
-            <a:avLst/>
-          </a:prstGeom>
-          <a:noFill/>
-          <a:extLst>
-            <a:ext uri="{909E8E84-426E-40DD-AFC4-6F175D3DCCD1}">
-              <a14:hiddenFill xmlns:a14="http://schemas.microsoft.com/office/drawing/2010/main">
-                <a:solidFill>
-                  <a:srgbClr val="FFFFFF"/>
-                </a:solidFill>
-              </a14:hiddenFill>
-            </a:ext>
-          </a:extLst>
-        </p:spPr>
-      </p:pic>
       <p:grpSp>
         <p:nvGrpSpPr>
           <p:cNvPr id="5" name="组合 8"/>
@@ -18059,6 +18210,30 @@
           </a:p>
         </p:txBody>
       </p:sp>
+      <p:pic>
+        <p:nvPicPr>
+          <p:cNvPr id="3" name="Picture 2"/>
+          <p:cNvPicPr>
+            <a:picLocks noChangeAspect="1"/>
+          </p:cNvPicPr>
+          <p:nvPr/>
+        </p:nvPicPr>
+        <p:blipFill>
+          <a:blip r:embed="rId2"/>
+          <a:stretch>
+            <a:fillRect/>
+          </a:stretch>
+        </p:blipFill>
+        <p:spPr>
+          <a:xfrm>
+            <a:off x="7266305" y="991870"/>
+            <a:ext cx="4819650" cy="5648325"/>
+          </a:xfrm>
+          <a:prstGeom prst="rect">
+            <a:avLst/>
+          </a:prstGeom>
+        </p:spPr>
+      </p:pic>
     </p:spTree>
   </p:cSld>
   <p:clrMapOvr>
@@ -18459,8 +18634,8 @@
         </p:nvGrpSpPr>
         <p:grpSpPr>
           <a:xfrm>
-            <a:off x="1552178" y="5086340"/>
-            <a:ext cx="8544322" cy="1566385"/>
+            <a:off x="6335395" y="2196465"/>
+            <a:ext cx="5014595" cy="2844165"/>
             <a:chOff x="0" y="6227622"/>
             <a:chExt cx="12192000" cy="488988"/>
           </a:xfrm>
@@ -18569,8 +18744,8 @@
         </p:nvSpPr>
         <p:spPr>
           <a:xfrm>
-            <a:off x="1771398" y="5222782"/>
-            <a:ext cx="7863285" cy="1384995"/>
+            <a:off x="6335395" y="2453640"/>
+            <a:ext cx="4824730" cy="2353310"/>
           </a:xfrm>
           <a:prstGeom prst="rect">
             <a:avLst/>
@@ -18671,43 +18846,26 @@
       </p:sp>
       <p:pic>
         <p:nvPicPr>
-          <p:cNvPr id="1030" name="Picture 6" descr="most_reviewed_brand.png"/>
+          <p:cNvPr id="3" name="Picture 2"/>
           <p:cNvPicPr>
-            <a:picLocks noChangeAspect="1" noChangeArrowheads="1"/>
+            <a:picLocks noChangeAspect="1"/>
           </p:cNvPicPr>
           <p:nvPr/>
         </p:nvPicPr>
         <p:blipFill>
-          <a:blip r:embed="rId1">
-            <a:extLst>
-              <a:ext uri="{28A0092B-C50C-407E-A947-70E740481C1C}">
-                <a14:useLocalDpi xmlns:a14="http://schemas.microsoft.com/office/drawing/2010/main" val="0"/>
-              </a:ext>
-            </a:extLst>
-          </a:blip>
-          <a:srcRect/>
+          <a:blip r:embed="rId1"/>
           <a:stretch>
             <a:fillRect/>
           </a:stretch>
         </p:blipFill>
-        <p:spPr bwMode="auto">
+        <p:spPr>
           <a:xfrm>
-            <a:off x="689393" y="1036222"/>
-            <a:ext cx="10269892" cy="4005170"/>
+            <a:off x="862330" y="1198880"/>
+            <a:ext cx="5222875" cy="5189855"/>
           </a:xfrm>
           <a:prstGeom prst="rect">
             <a:avLst/>
           </a:prstGeom>
-          <a:noFill/>
-          <a:extLst>
-            <a:ext uri="{909E8E84-426E-40DD-AFC4-6F175D3DCCD1}">
-              <a14:hiddenFill xmlns:a14="http://schemas.microsoft.com/office/drawing/2010/main">
-                <a:solidFill>
-                  <a:srgbClr val="FFFFFF"/>
-                </a:solidFill>
-              </a14:hiddenFill>
-            </a:ext>
-          </a:extLst>
         </p:spPr>
       </p:pic>
     </p:spTree>
@@ -19315,14 +19473,309 @@
       </p:sp>
       <p:grpSp>
         <p:nvGrpSpPr>
+          <p:cNvPr id="4" name="组合 1"/>
+          <p:cNvGrpSpPr/>
+          <p:nvPr/>
+        </p:nvGrpSpPr>
+        <p:grpSpPr>
+          <a:xfrm>
+            <a:off x="1537970" y="5489575"/>
+            <a:ext cx="9116695" cy="1128395"/>
+            <a:chOff x="0" y="6227623"/>
+            <a:chExt cx="12192000" cy="630377"/>
+          </a:xfrm>
+        </p:grpSpPr>
+        <p:sp>
+          <p:nvSpPr>
+            <p:cNvPr id="5" name="矩形 4"/>
+            <p:cNvSpPr/>
+            <p:nvPr/>
+          </p:nvSpPr>
+          <p:spPr>
+            <a:xfrm>
+              <a:off x="0" y="6256185"/>
+              <a:ext cx="12192000" cy="601815"/>
+            </a:xfrm>
+            <a:prstGeom prst="rect">
+              <a:avLst/>
+            </a:prstGeom>
+            <a:solidFill>
+              <a:srgbClr val="F5A61C"/>
+            </a:solidFill>
+            <a:ln>
+              <a:noFill/>
+            </a:ln>
+          </p:spPr>
+          <p:style>
+            <a:lnRef idx="2">
+              <a:schemeClr val="accent1">
+                <a:shade val="50000"/>
+              </a:schemeClr>
+            </a:lnRef>
+            <a:fillRef idx="1">
+              <a:schemeClr val="accent1"/>
+            </a:fillRef>
+            <a:effectRef idx="0">
+              <a:schemeClr val="accent1"/>
+            </a:effectRef>
+            <a:fontRef idx="minor">
+              <a:schemeClr val="lt1"/>
+            </a:fontRef>
+          </p:style>
+          <p:txBody>
+            <a:bodyPr rtlCol="0" anchor="ctr"/>
+            <a:lstStyle/>
+            <a:p>
+              <a:pPr algn="ctr" fontAlgn="auto"/>
+              <a:endParaRPr lang="zh-CN" altLang="en-US" strike="noStrike" noProof="1"/>
+            </a:p>
+          </p:txBody>
+        </p:sp>
+        <p:sp>
+          <p:nvSpPr>
+            <p:cNvPr id="6" name="矩形 5"/>
+            <p:cNvSpPr/>
+            <p:nvPr/>
+          </p:nvSpPr>
+          <p:spPr>
+            <a:xfrm>
+              <a:off x="0" y="6227623"/>
+              <a:ext cx="12192000" cy="28562"/>
+            </a:xfrm>
+            <a:prstGeom prst="rect">
+              <a:avLst/>
+            </a:prstGeom>
+            <a:solidFill>
+              <a:schemeClr val="tx1">
+                <a:lumMod val="75000"/>
+                <a:lumOff val="25000"/>
+              </a:schemeClr>
+            </a:solidFill>
+            <a:ln>
+              <a:noFill/>
+            </a:ln>
+          </p:spPr>
+          <p:style>
+            <a:lnRef idx="2">
+              <a:schemeClr val="accent1">
+                <a:shade val="50000"/>
+              </a:schemeClr>
+            </a:lnRef>
+            <a:fillRef idx="1">
+              <a:schemeClr val="accent1"/>
+            </a:fillRef>
+            <a:effectRef idx="0">
+              <a:schemeClr val="accent1"/>
+            </a:effectRef>
+            <a:fontRef idx="minor">
+              <a:schemeClr val="lt1"/>
+            </a:fontRef>
+          </p:style>
+          <p:txBody>
+            <a:bodyPr rtlCol="0" anchor="ctr"/>
+            <a:lstStyle/>
+            <a:p>
+              <a:pPr algn="ctr" fontAlgn="auto"/>
+              <a:endParaRPr lang="zh-CN" altLang="en-US" strike="noStrike" noProof="1"/>
+            </a:p>
+          </p:txBody>
+        </p:sp>
+      </p:grpSp>
+      <p:sp>
+        <p:nvSpPr>
+          <p:cNvPr id="7" name="TextBox 15"/>
+          <p:cNvSpPr txBox="1"/>
+          <p:nvPr/>
+        </p:nvSpPr>
+        <p:spPr>
+          <a:xfrm>
+            <a:off x="1670685" y="5523230"/>
+            <a:ext cx="8341995" cy="1060450"/>
+          </a:xfrm>
+          <a:prstGeom prst="rect">
+            <a:avLst/>
+          </a:prstGeom>
+          <a:noFill/>
+          <a:ln w="9525">
+            <a:noFill/>
+          </a:ln>
+        </p:spPr>
+        <p:txBody>
+          <a:bodyPr wrap="square" anchor="t" anchorCtr="0">
+            <a:spAutoFit/>
+          </a:bodyPr>
+          <a:lstStyle/>
+          <a:p>
+            <a:pPr>
+              <a:lnSpc>
+                <a:spcPct val="150000"/>
+              </a:lnSpc>
+            </a:pPr>
+            <a:r>
+              <a:rPr lang="en-US" altLang="zh-CN" sz="1400" dirty="0" smtClean="0">
+                <a:solidFill>
+                  <a:srgbClr val="262626"/>
+                </a:solidFill>
+                <a:latin typeface="Arial" panose="020B0604020202020204" pitchFamily="34" charset="0"/>
+                <a:cs typeface="Arial" panose="020B0604020202020204" pitchFamily="34" charset="0"/>
+              </a:rPr>
+              <a:t>This graph shows</a:t>
+            </a:r>
+            <a:r>
+              <a:rPr lang="en-US" altLang="zh-CN" sz="1400" dirty="0">
+                <a:solidFill>
+                  <a:srgbClr val="262626"/>
+                </a:solidFill>
+                <a:latin typeface="Arial" panose="020B0604020202020204" pitchFamily="34" charset="0"/>
+                <a:cs typeface="Arial" panose="020B0604020202020204" pitchFamily="34" charset="0"/>
+              </a:rPr>
+              <a:t> that LintEater has the best review per product ratio in the dataset. And most of the brands are not in the top ranking of the number of products, which again proves that offering more products doesn't imply more sales and revenue.</a:t>
+            </a:r>
+            <a:endParaRPr lang="en-US" altLang="zh-CN" sz="1400" dirty="0">
+              <a:solidFill>
+                <a:srgbClr val="262626"/>
+              </a:solidFill>
+              <a:latin typeface="Arial" panose="020B0604020202020204" pitchFamily="34" charset="0"/>
+              <a:cs typeface="Arial" panose="020B0604020202020204" pitchFamily="34" charset="0"/>
+            </a:endParaRPr>
+          </a:p>
+        </p:txBody>
+      </p:sp>
+      <p:pic>
+        <p:nvPicPr>
+          <p:cNvPr id="3" name="Picture 2"/>
+          <p:cNvPicPr>
+            <a:picLocks noChangeAspect="1"/>
+          </p:cNvPicPr>
+          <p:nvPr/>
+        </p:nvPicPr>
+        <p:blipFill>
+          <a:blip r:embed="rId1"/>
+          <a:stretch>
+            <a:fillRect/>
+          </a:stretch>
+        </p:blipFill>
+        <p:spPr>
+          <a:xfrm>
+            <a:off x="2383790" y="1049655"/>
+            <a:ext cx="6915150" cy="4381500"/>
+          </a:xfrm>
+          <a:prstGeom prst="rect">
+            <a:avLst/>
+          </a:prstGeom>
+        </p:spPr>
+      </p:pic>
+    </p:spTree>
+  </p:cSld>
+  <p:clrMapOvr>
+    <a:masterClrMapping/>
+  </p:clrMapOvr>
+  <mc:AlternateContent xmlns:mc="http://schemas.openxmlformats.org/markup-compatibility/2006">
+    <mc:Choice xmlns:p14="http://schemas.microsoft.com/office/powerpoint/2010/main" Requires="p14">
+      <p:transition spd="med" p14:dur="700">
+        <p:fade/>
+      </p:transition>
+    </mc:Choice>
+    <mc:Fallback>
+      <p:transition spd="med">
+        <p:fade/>
+      </p:transition>
+    </mc:Fallback>
+  </mc:AlternateContent>
+  <p:timing>
+    <p:tnLst>
+      <p:par>
+        <p:cTn id="1" dur="indefinite" restart="never" nodeType="tmRoot"/>
+      </p:par>
+    </p:tnLst>
+  </p:timing>
+</p:sld>
+</file>
+
+<file path=ppt/slides/slide27.xml><?xml version="1.0" encoding="utf-8"?>
+<p:sld xmlns:a="http://schemas.openxmlformats.org/drawingml/2006/main" xmlns:r="http://schemas.openxmlformats.org/officeDocument/2006/relationships" xmlns:p="http://schemas.openxmlformats.org/presentationml/2006/main">
+  <p:cSld>
+    <p:spTree>
+      <p:nvGrpSpPr>
+        <p:cNvPr id="1" name=""/>
+        <p:cNvGrpSpPr/>
+        <p:nvPr/>
+      </p:nvGrpSpPr>
+      <p:grpSpPr>
+        <a:xfrm>
+          <a:off x="0" y="0"/>
+          <a:ext cx="0" cy="0"/>
+          <a:chOff x="0" y="0"/>
+          <a:chExt cx="0" cy="0"/>
+        </a:xfrm>
+      </p:grpSpPr>
+      <p:sp>
+        <p:nvSpPr>
+          <p:cNvPr id="2" name="文本框 48"/>
+          <p:cNvSpPr txBox="1"/>
+          <p:nvPr/>
+        </p:nvSpPr>
+        <p:spPr>
+          <a:xfrm>
+            <a:off x="266303" y="283984"/>
+            <a:ext cx="9473407" cy="707886"/>
+          </a:xfrm>
+          <a:prstGeom prst="rect">
+            <a:avLst/>
+          </a:prstGeom>
+          <a:solidFill>
+            <a:schemeClr val="bg1"/>
+          </a:solidFill>
+          <a:ln w="9525">
+            <a:noFill/>
+          </a:ln>
+        </p:spPr>
+        <p:txBody>
+          <a:bodyPr wrap="square" anchor="t" anchorCtr="0">
+            <a:spAutoFit/>
+          </a:bodyPr>
+          <a:lstStyle/>
+          <a:p>
+            <a:r>
+              <a:rPr lang="en-US" altLang="zh-CN" sz="4000" dirty="0" smtClean="0">
+                <a:solidFill>
+                  <a:srgbClr val="141214"/>
+                </a:solidFill>
+                <a:latin typeface="Arial" panose="020B0604020202020204" pitchFamily="34" charset="0"/>
+                <a:cs typeface="Arial" panose="020B0604020202020204" pitchFamily="34" charset="0"/>
+              </a:rPr>
+              <a:t>EDA </a:t>
+            </a:r>
+            <a:r>
+              <a:rPr lang="en-US" altLang="zh-CN" sz="4000" dirty="0">
+                <a:solidFill>
+                  <a:srgbClr val="141214"/>
+                </a:solidFill>
+                <a:latin typeface="Arial" panose="020B0604020202020204" pitchFamily="34" charset="0"/>
+                <a:cs typeface="Arial" panose="020B0604020202020204" pitchFamily="34" charset="0"/>
+              </a:rPr>
+              <a:t>– Merged Data</a:t>
+            </a:r>
+            <a:endParaRPr lang="en-US" altLang="zh-CN" sz="4000" dirty="0" smtClean="0">
+              <a:solidFill>
+                <a:srgbClr val="141214"/>
+              </a:solidFill>
+              <a:latin typeface="Arial" panose="020B0604020202020204" pitchFamily="34" charset="0"/>
+              <a:cs typeface="Arial" panose="020B0604020202020204" pitchFamily="34" charset="0"/>
+            </a:endParaRPr>
+          </a:p>
+        </p:txBody>
+      </p:sp>
+      <p:grpSp>
+        <p:nvGrpSpPr>
           <p:cNvPr id="4" name="组合 8"/>
           <p:cNvGrpSpPr/>
           <p:nvPr/>
         </p:nvGrpSpPr>
         <p:grpSpPr>
           <a:xfrm>
-            <a:off x="1552178" y="5455758"/>
-            <a:ext cx="8544322" cy="1244817"/>
+            <a:off x="6593840" y="2604135"/>
+            <a:ext cx="5076825" cy="2305050"/>
             <a:chOff x="0" y="6227622"/>
             <a:chExt cx="12192000" cy="388602"/>
           </a:xfrm>
@@ -19431,8 +19884,8 @@
         </p:nvSpPr>
         <p:spPr>
           <a:xfrm>
-            <a:off x="1876425" y="5547243"/>
-            <a:ext cx="7863285" cy="1061829"/>
+            <a:off x="6809105" y="3036570"/>
+            <a:ext cx="4645660" cy="1383665"/>
           </a:xfrm>
           <a:prstGeom prst="rect">
             <a:avLst/>
@@ -19517,28 +19970,22 @@
       </p:sp>
       <p:pic>
         <p:nvPicPr>
-          <p:cNvPr id="3" name="图片 2"/>
+          <p:cNvPr id="8" name="Picture 7"/>
           <p:cNvPicPr>
             <a:picLocks noChangeAspect="1"/>
           </p:cNvPicPr>
           <p:nvPr/>
         </p:nvPicPr>
         <p:blipFill>
-          <a:blip r:embed="rId1">
-            <a:extLst>
-              <a:ext uri="{28A0092B-C50C-407E-A947-70E740481C1C}">
-                <a14:useLocalDpi xmlns:a14="http://schemas.microsoft.com/office/drawing/2010/main" val="0"/>
-              </a:ext>
-            </a:extLst>
-          </a:blip>
+          <a:blip r:embed="rId1"/>
           <a:stretch>
             <a:fillRect/>
           </a:stretch>
         </p:blipFill>
         <p:spPr>
           <a:xfrm>
-            <a:off x="0" y="1036816"/>
-            <a:ext cx="12192000" cy="4418934"/>
+            <a:off x="266065" y="1440180"/>
+            <a:ext cx="6327775" cy="5043170"/>
           </a:xfrm>
           <a:prstGeom prst="rect">
             <a:avLst/>
@@ -19572,7 +20019,7 @@
 </p:sld>
 </file>
 
-<file path=ppt/slides/slide27.xml><?xml version="1.0" encoding="utf-8"?>
+<file path=ppt/slides/slide28.xml><?xml version="1.0" encoding="utf-8"?>
 <p:sld xmlns:a="http://schemas.openxmlformats.org/drawingml/2006/main" xmlns:r="http://schemas.openxmlformats.org/officeDocument/2006/relationships" xmlns:p="http://schemas.openxmlformats.org/presentationml/2006/main">
   <p:cSld>
     <p:spTree>
@@ -19700,7 +20147,1439 @@
 </p:sld>
 </file>
 
-<file path=ppt/slides/slide28.xml><?xml version="1.0" encoding="utf-8"?>
+<file path=ppt/slides/slide29.xml><?xml version="1.0" encoding="utf-8"?>
+<p:sld xmlns:a="http://schemas.openxmlformats.org/drawingml/2006/main" xmlns:r="http://schemas.openxmlformats.org/officeDocument/2006/relationships" xmlns:p="http://schemas.openxmlformats.org/presentationml/2006/main">
+  <p:cSld>
+    <p:spTree>
+      <p:nvGrpSpPr>
+        <p:cNvPr id="1" name=""/>
+        <p:cNvGrpSpPr/>
+        <p:nvPr/>
+      </p:nvGrpSpPr>
+      <p:grpSpPr>
+        <a:xfrm>
+          <a:off x="0" y="0"/>
+          <a:ext cx="0" cy="0"/>
+          <a:chOff x="0" y="0"/>
+          <a:chExt cx="0" cy="0"/>
+        </a:xfrm>
+      </p:grpSpPr>
+      <p:sp>
+        <p:nvSpPr>
+          <p:cNvPr id="2" name="文本框 48"/>
+          <p:cNvSpPr txBox="1"/>
+          <p:nvPr/>
+        </p:nvSpPr>
+        <p:spPr>
+          <a:xfrm>
+            <a:off x="266303" y="283984"/>
+            <a:ext cx="9473407" cy="706755"/>
+          </a:xfrm>
+          <a:prstGeom prst="rect">
+            <a:avLst/>
+          </a:prstGeom>
+          <a:solidFill>
+            <a:schemeClr val="bg1"/>
+          </a:solidFill>
+          <a:ln w="9525">
+            <a:noFill/>
+          </a:ln>
+        </p:spPr>
+        <p:txBody>
+          <a:bodyPr wrap="square" anchor="t" anchorCtr="0">
+            <a:spAutoFit/>
+          </a:bodyPr>
+          <a:lstStyle/>
+          <a:p>
+            <a:r>
+              <a:rPr lang="en-US" altLang="zh-CN" sz="4000" dirty="0" smtClean="0">
+                <a:solidFill>
+                  <a:srgbClr val="141214"/>
+                </a:solidFill>
+                <a:latin typeface="Arial" panose="020B0604020202020204" pitchFamily="34" charset="0"/>
+                <a:cs typeface="Arial" panose="020B0604020202020204" pitchFamily="34" charset="0"/>
+              </a:rPr>
+              <a:t>Base Model</a:t>
+            </a:r>
+            <a:endParaRPr lang="en-US" altLang="zh-CN" sz="4000" dirty="0">
+              <a:solidFill>
+                <a:srgbClr val="141214"/>
+              </a:solidFill>
+              <a:latin typeface="Arial" panose="020B0604020202020204" pitchFamily="34" charset="0"/>
+              <a:cs typeface="Arial" panose="020B0604020202020204" pitchFamily="34" charset="0"/>
+            </a:endParaRPr>
+          </a:p>
+        </p:txBody>
+      </p:sp>
+      <p:pic>
+        <p:nvPicPr>
+          <p:cNvPr id="100" name="Picture 99"/>
+          <p:cNvPicPr/>
+          <p:nvPr/>
+        </p:nvPicPr>
+        <p:blipFill>
+          <a:blip r:embed="rId1"/>
+          <a:stretch>
+            <a:fillRect/>
+          </a:stretch>
+        </p:blipFill>
+        <p:spPr>
+          <a:xfrm>
+            <a:off x="2032000" y="991870"/>
+            <a:ext cx="8128000" cy="4483100"/>
+          </a:xfrm>
+          <a:prstGeom prst="rect">
+            <a:avLst/>
+          </a:prstGeom>
+          <a:noFill/>
+          <a:ln w="9525">
+            <a:noFill/>
+          </a:ln>
+        </p:spPr>
+      </p:pic>
+      <p:grpSp>
+        <p:nvGrpSpPr>
+          <p:cNvPr id="3" name="组合 1"/>
+          <p:cNvGrpSpPr/>
+          <p:nvPr/>
+        </p:nvGrpSpPr>
+        <p:grpSpPr>
+          <a:xfrm>
+            <a:off x="1537970" y="5489575"/>
+            <a:ext cx="9116695" cy="1128395"/>
+            <a:chOff x="0" y="6227623"/>
+            <a:chExt cx="12192000" cy="630377"/>
+          </a:xfrm>
+        </p:grpSpPr>
+        <p:sp>
+          <p:nvSpPr>
+            <p:cNvPr id="6" name="矩形 4"/>
+            <p:cNvSpPr/>
+            <p:nvPr/>
+          </p:nvSpPr>
+          <p:spPr>
+            <a:xfrm>
+              <a:off x="0" y="6256185"/>
+              <a:ext cx="12192000" cy="601815"/>
+            </a:xfrm>
+            <a:prstGeom prst="rect">
+              <a:avLst/>
+            </a:prstGeom>
+            <a:solidFill>
+              <a:srgbClr val="F5A61C"/>
+            </a:solidFill>
+            <a:ln>
+              <a:noFill/>
+            </a:ln>
+          </p:spPr>
+          <p:style>
+            <a:lnRef idx="2">
+              <a:schemeClr val="accent1">
+                <a:shade val="50000"/>
+              </a:schemeClr>
+            </a:lnRef>
+            <a:fillRef idx="1">
+              <a:schemeClr val="accent1"/>
+            </a:fillRef>
+            <a:effectRef idx="0">
+              <a:schemeClr val="accent1"/>
+            </a:effectRef>
+            <a:fontRef idx="minor">
+              <a:schemeClr val="lt1"/>
+            </a:fontRef>
+          </p:style>
+          <p:txBody>
+            <a:bodyPr rtlCol="0" anchor="ctr"/>
+            <a:p>
+              <a:pPr algn="ctr" fontAlgn="auto"/>
+              <a:endParaRPr lang="zh-CN" altLang="en-US" strike="noStrike" noProof="1"/>
+            </a:p>
+          </p:txBody>
+        </p:sp>
+        <p:sp>
+          <p:nvSpPr>
+            <p:cNvPr id="7" name="矩形 5"/>
+            <p:cNvSpPr/>
+            <p:nvPr/>
+          </p:nvSpPr>
+          <p:spPr>
+            <a:xfrm>
+              <a:off x="0" y="6227623"/>
+              <a:ext cx="12192000" cy="28562"/>
+            </a:xfrm>
+            <a:prstGeom prst="rect">
+              <a:avLst/>
+            </a:prstGeom>
+            <a:solidFill>
+              <a:schemeClr val="tx1">
+                <a:lumMod val="75000"/>
+                <a:lumOff val="25000"/>
+              </a:schemeClr>
+            </a:solidFill>
+            <a:ln>
+              <a:noFill/>
+            </a:ln>
+          </p:spPr>
+          <p:style>
+            <a:lnRef idx="2">
+              <a:schemeClr val="accent1">
+                <a:shade val="50000"/>
+              </a:schemeClr>
+            </a:lnRef>
+            <a:fillRef idx="1">
+              <a:schemeClr val="accent1"/>
+            </a:fillRef>
+            <a:effectRef idx="0">
+              <a:schemeClr val="accent1"/>
+            </a:effectRef>
+            <a:fontRef idx="minor">
+              <a:schemeClr val="lt1"/>
+            </a:fontRef>
+          </p:style>
+          <p:txBody>
+            <a:bodyPr rtlCol="0" anchor="ctr"/>
+            <a:p>
+              <a:pPr algn="ctr" fontAlgn="auto"/>
+              <a:endParaRPr lang="zh-CN" altLang="en-US" strike="noStrike" noProof="1"/>
+            </a:p>
+          </p:txBody>
+        </p:sp>
+      </p:grpSp>
+      <p:sp>
+        <p:nvSpPr>
+          <p:cNvPr id="8" name="TextBox 15"/>
+          <p:cNvSpPr txBox="1"/>
+          <p:nvPr/>
+        </p:nvSpPr>
+        <p:spPr>
+          <a:xfrm>
+            <a:off x="1670685" y="5523230"/>
+            <a:ext cx="8341995" cy="1706880"/>
+          </a:xfrm>
+          <a:prstGeom prst="rect">
+            <a:avLst/>
+          </a:prstGeom>
+          <a:noFill/>
+          <a:ln w="9525">
+            <a:noFill/>
+          </a:ln>
+        </p:spPr>
+        <p:txBody>
+          <a:bodyPr wrap="square" anchor="t" anchorCtr="0">
+            <a:spAutoFit/>
+          </a:bodyPr>
+          <a:p>
+            <a:pPr>
+              <a:lnSpc>
+                <a:spcPct val="150000"/>
+              </a:lnSpc>
+            </a:pPr>
+            <a:r>
+              <a:rPr lang="en-US" altLang="zh-CN" sz="1400" dirty="0">
+                <a:solidFill>
+                  <a:srgbClr val="262626"/>
+                </a:solidFill>
+                <a:latin typeface="Arial" panose="020B0604020202020204" pitchFamily="34" charset="0"/>
+                <a:cs typeface="Arial" panose="020B0604020202020204" pitchFamily="34" charset="0"/>
+              </a:rPr>
+              <a:t>A base model is a simple knowledge-based recommender that takes user inputs such as product category, brand, release year, and targeted price to search for matching products. It usually doesn't leverage machine learning to provide recommendations.</a:t>
+            </a:r>
+            <a:endParaRPr lang="en-US" altLang="zh-CN" sz="1400" dirty="0">
+              <a:solidFill>
+                <a:srgbClr val="262626"/>
+              </a:solidFill>
+              <a:latin typeface="Arial" panose="020B0604020202020204" pitchFamily="34" charset="0"/>
+              <a:cs typeface="Arial" panose="020B0604020202020204" pitchFamily="34" charset="0"/>
+            </a:endParaRPr>
+          </a:p>
+          <a:p>
+            <a:pPr>
+              <a:lnSpc>
+                <a:spcPct val="150000"/>
+              </a:lnSpc>
+            </a:pPr>
+            <a:endParaRPr lang="en-US" altLang="zh-CN" sz="1400" dirty="0">
+              <a:solidFill>
+                <a:srgbClr val="262626"/>
+              </a:solidFill>
+              <a:latin typeface="Arial" panose="020B0604020202020204" pitchFamily="34" charset="0"/>
+              <a:cs typeface="Arial" panose="020B0604020202020204" pitchFamily="34" charset="0"/>
+            </a:endParaRPr>
+          </a:p>
+          <a:p>
+            <a:pPr>
+              <a:lnSpc>
+                <a:spcPct val="150000"/>
+              </a:lnSpc>
+            </a:pPr>
+            <a:endParaRPr lang="en-US" altLang="zh-CN" sz="1400" dirty="0">
+              <a:solidFill>
+                <a:srgbClr val="262626"/>
+              </a:solidFill>
+              <a:latin typeface="Arial" panose="020B0604020202020204" pitchFamily="34" charset="0"/>
+              <a:cs typeface="Arial" panose="020B0604020202020204" pitchFamily="34" charset="0"/>
+            </a:endParaRPr>
+          </a:p>
+        </p:txBody>
+      </p:sp>
+    </p:spTree>
+  </p:cSld>
+  <p:clrMapOvr>
+    <a:masterClrMapping/>
+  </p:clrMapOvr>
+  <mc:AlternateContent xmlns:mc="http://schemas.openxmlformats.org/markup-compatibility/2006">
+    <mc:Choice xmlns:p14="http://schemas.microsoft.com/office/powerpoint/2010/main" Requires="p14">
+      <p:transition spd="med" p14:dur="700">
+        <p:fade/>
+      </p:transition>
+    </mc:Choice>
+    <mc:Fallback>
+      <p:transition spd="med">
+        <p:fade/>
+      </p:transition>
+    </mc:Fallback>
+  </mc:AlternateContent>
+  <p:timing>
+    <p:tnLst>
+      <p:par>
+        <p:cTn id="1" dur="indefinite" restart="never" nodeType="tmRoot"/>
+      </p:par>
+    </p:tnLst>
+  </p:timing>
+</p:sld>
+</file>
+
+<file path=ppt/slides/slide3.xml><?xml version="1.0" encoding="utf-8"?>
+<p:sld xmlns:a="http://schemas.openxmlformats.org/drawingml/2006/main" xmlns:r="http://schemas.openxmlformats.org/officeDocument/2006/relationships" xmlns:p="http://schemas.openxmlformats.org/presentationml/2006/main">
+  <p:cSld>
+    <p:spTree>
+      <p:nvGrpSpPr>
+        <p:cNvPr id="1" name=""/>
+        <p:cNvGrpSpPr/>
+        <p:nvPr/>
+      </p:nvGrpSpPr>
+      <p:grpSpPr>
+        <a:xfrm>
+          <a:off x="0" y="0"/>
+          <a:ext cx="0" cy="0"/>
+          <a:chOff x="0" y="0"/>
+          <a:chExt cx="0" cy="0"/>
+        </a:xfrm>
+      </p:grpSpPr>
+      <p:sp>
+        <p:nvSpPr>
+          <p:cNvPr id="10241" name="矩形 11"/>
+          <p:cNvSpPr/>
+          <p:nvPr/>
+        </p:nvSpPr>
+        <p:spPr>
+          <a:xfrm>
+            <a:off x="4368506" y="4916488"/>
+            <a:ext cx="3475631" cy="769441"/>
+          </a:xfrm>
+          <a:prstGeom prst="rect">
+            <a:avLst/>
+          </a:prstGeom>
+          <a:noFill/>
+          <a:ln w="9525">
+            <a:noFill/>
+          </a:ln>
+        </p:spPr>
+        <p:txBody>
+          <a:bodyPr wrap="none" anchor="t" anchorCtr="0">
+            <a:spAutoFit/>
+          </a:bodyPr>
+          <a:lstStyle/>
+          <a:p>
+            <a:pPr algn="ctr"/>
+            <a:r>
+              <a:rPr lang="en-US" altLang="zh-CN" sz="4400" b="1" dirty="0" smtClean="0">
+                <a:solidFill>
+                  <a:srgbClr val="262626"/>
+                </a:solidFill>
+                <a:latin typeface="Arial" panose="020B0604020202020204" pitchFamily="34" charset="0"/>
+                <a:ea typeface="宋体" panose="02010600030101010101" pitchFamily="2" charset="-122"/>
+                <a:cs typeface="Arial" panose="020B0604020202020204" pitchFamily="34" charset="0"/>
+              </a:rPr>
+              <a:t>Introduction</a:t>
+            </a:r>
+            <a:endParaRPr lang="en-US" altLang="zh-CN" sz="4400" b="1" dirty="0">
+              <a:solidFill>
+                <a:srgbClr val="262626"/>
+              </a:solidFill>
+              <a:latin typeface="Arial" panose="020B0604020202020204" pitchFamily="34" charset="0"/>
+              <a:ea typeface="Arial" panose="020B0604020202020204" pitchFamily="34" charset="0"/>
+            </a:endParaRPr>
+          </a:p>
+        </p:txBody>
+      </p:sp>
+      <p:sp>
+        <p:nvSpPr>
+          <p:cNvPr id="10243" name="矩形 1"/>
+          <p:cNvSpPr/>
+          <p:nvPr/>
+        </p:nvSpPr>
+        <p:spPr>
+          <a:xfrm>
+            <a:off x="5364163" y="869950"/>
+            <a:ext cx="1463675" cy="3154363"/>
+          </a:xfrm>
+          <a:prstGeom prst="rect">
+            <a:avLst/>
+          </a:prstGeom>
+          <a:noFill/>
+          <a:ln w="9525">
+            <a:noFill/>
+          </a:ln>
+        </p:spPr>
+        <p:txBody>
+          <a:bodyPr wrap="none" anchor="t" anchorCtr="0">
+            <a:spAutoFit/>
+          </a:bodyPr>
+          <a:lstStyle/>
+          <a:p>
+            <a:pPr algn="ctr"/>
+            <a:r>
+              <a:rPr lang="en-US" altLang="zh-CN" sz="19900" b="1" dirty="0">
+                <a:solidFill>
+                  <a:srgbClr val="262626"/>
+                </a:solidFill>
+                <a:latin typeface="Arial" panose="020B0604020202020204" pitchFamily="34" charset="0"/>
+                <a:ea typeface="宋体" panose="02010600030101010101" pitchFamily="2" charset="-122"/>
+                <a:cs typeface="Arial" panose="020B0604020202020204" pitchFamily="34" charset="0"/>
+              </a:rPr>
+              <a:t>1</a:t>
+            </a:r>
+            <a:endParaRPr lang="zh-CN" altLang="en-US" sz="19900" b="1" dirty="0">
+              <a:solidFill>
+                <a:srgbClr val="262626"/>
+              </a:solidFill>
+              <a:latin typeface="Arial" panose="020B0604020202020204" pitchFamily="34" charset="0"/>
+              <a:ea typeface="Arial" panose="020B0604020202020204" pitchFamily="34" charset="0"/>
+            </a:endParaRPr>
+          </a:p>
+        </p:txBody>
+      </p:sp>
+    </p:spTree>
+  </p:cSld>
+  <p:clrMapOvr>
+    <a:masterClrMapping/>
+  </p:clrMapOvr>
+  <p:transition spd="med">
+    <p:fade/>
+  </p:transition>
+  <p:timing>
+    <p:tnLst>
+      <p:par>
+        <p:cTn id="1" dur="indefinite" restart="never" nodeType="tmRoot"/>
+      </p:par>
+    </p:tnLst>
+  </p:timing>
+</p:sld>
+</file>
+
+<file path=ppt/slides/slide30.xml><?xml version="1.0" encoding="utf-8"?>
+<p:sld xmlns:a="http://schemas.openxmlformats.org/drawingml/2006/main" xmlns:r="http://schemas.openxmlformats.org/officeDocument/2006/relationships" xmlns:p="http://schemas.openxmlformats.org/presentationml/2006/main">
+  <p:cSld>
+    <p:spTree>
+      <p:nvGrpSpPr>
+        <p:cNvPr id="1" name=""/>
+        <p:cNvGrpSpPr/>
+        <p:nvPr/>
+      </p:nvGrpSpPr>
+      <p:grpSpPr>
+        <a:xfrm>
+          <a:off x="0" y="0"/>
+          <a:ext cx="0" cy="0"/>
+          <a:chOff x="0" y="0"/>
+          <a:chExt cx="0" cy="0"/>
+        </a:xfrm>
+      </p:grpSpPr>
+      <p:sp>
+        <p:nvSpPr>
+          <p:cNvPr id="2" name="文本框 48"/>
+          <p:cNvSpPr txBox="1"/>
+          <p:nvPr/>
+        </p:nvSpPr>
+        <p:spPr>
+          <a:xfrm>
+            <a:off x="266303" y="283984"/>
+            <a:ext cx="9473407" cy="706755"/>
+          </a:xfrm>
+          <a:prstGeom prst="rect">
+            <a:avLst/>
+          </a:prstGeom>
+          <a:solidFill>
+            <a:schemeClr val="bg1"/>
+          </a:solidFill>
+          <a:ln w="9525">
+            <a:noFill/>
+          </a:ln>
+        </p:spPr>
+        <p:txBody>
+          <a:bodyPr wrap="square" anchor="t" anchorCtr="0">
+            <a:spAutoFit/>
+          </a:bodyPr>
+          <a:lstStyle/>
+          <a:p>
+            <a:r>
+              <a:rPr lang="en-US" altLang="zh-CN" sz="4000" dirty="0" smtClean="0">
+                <a:solidFill>
+                  <a:srgbClr val="141214"/>
+                </a:solidFill>
+                <a:latin typeface="Arial" panose="020B0604020202020204" pitchFamily="34" charset="0"/>
+                <a:cs typeface="Arial" panose="020B0604020202020204" pitchFamily="34" charset="0"/>
+              </a:rPr>
+              <a:t>Content-Based Filtering</a:t>
+            </a:r>
+            <a:endParaRPr lang="en-US" altLang="zh-CN" sz="4000" dirty="0">
+              <a:solidFill>
+                <a:srgbClr val="141214"/>
+              </a:solidFill>
+              <a:latin typeface="Arial" panose="020B0604020202020204" pitchFamily="34" charset="0"/>
+              <a:cs typeface="Arial" panose="020B0604020202020204" pitchFamily="34" charset="0"/>
+            </a:endParaRPr>
+          </a:p>
+        </p:txBody>
+      </p:sp>
+      <p:pic>
+        <p:nvPicPr>
+          <p:cNvPr id="4" name="Picture 3"/>
+          <p:cNvPicPr>
+            <a:picLocks noChangeAspect="1"/>
+          </p:cNvPicPr>
+          <p:nvPr/>
+        </p:nvPicPr>
+        <p:blipFill>
+          <a:blip r:embed="rId1"/>
+          <a:stretch>
+            <a:fillRect/>
+          </a:stretch>
+        </p:blipFill>
+        <p:spPr>
+          <a:xfrm>
+            <a:off x="863600" y="1266825"/>
+            <a:ext cx="4495165" cy="5234940"/>
+          </a:xfrm>
+          <a:prstGeom prst="rect">
+            <a:avLst/>
+          </a:prstGeom>
+        </p:spPr>
+      </p:pic>
+      <p:grpSp>
+        <p:nvGrpSpPr>
+          <p:cNvPr id="5" name="组合 8"/>
+          <p:cNvGrpSpPr/>
+          <p:nvPr/>
+        </p:nvGrpSpPr>
+        <p:grpSpPr>
+          <a:xfrm>
+            <a:off x="5358765" y="2571115"/>
+            <a:ext cx="6097270" cy="1920240"/>
+            <a:chOff x="0" y="6227623"/>
+            <a:chExt cx="12192000" cy="630377"/>
+          </a:xfrm>
+        </p:grpSpPr>
+        <p:sp>
+          <p:nvSpPr>
+            <p:cNvPr id="9" name="矩形 8"/>
+            <p:cNvSpPr/>
+            <p:nvPr/>
+          </p:nvSpPr>
+          <p:spPr>
+            <a:xfrm>
+              <a:off x="0" y="6256185"/>
+              <a:ext cx="12192000" cy="601815"/>
+            </a:xfrm>
+            <a:prstGeom prst="rect">
+              <a:avLst/>
+            </a:prstGeom>
+            <a:solidFill>
+              <a:schemeClr val="tx1">
+                <a:lumMod val="75000"/>
+                <a:lumOff val="25000"/>
+              </a:schemeClr>
+            </a:solidFill>
+            <a:ln>
+              <a:noFill/>
+            </a:ln>
+          </p:spPr>
+          <p:style>
+            <a:lnRef idx="2">
+              <a:schemeClr val="accent1">
+                <a:shade val="50000"/>
+              </a:schemeClr>
+            </a:lnRef>
+            <a:fillRef idx="1">
+              <a:schemeClr val="accent1"/>
+            </a:fillRef>
+            <a:effectRef idx="0">
+              <a:schemeClr val="accent1"/>
+            </a:effectRef>
+            <a:fontRef idx="minor">
+              <a:schemeClr val="lt1"/>
+            </a:fontRef>
+          </p:style>
+          <p:txBody>
+            <a:bodyPr rtlCol="0" anchor="ctr"/>
+            <a:p>
+              <a:pPr algn="ctr" fontAlgn="auto"/>
+              <a:endParaRPr lang="zh-CN" altLang="en-US" strike="noStrike" noProof="1"/>
+            </a:p>
+          </p:txBody>
+        </p:sp>
+        <p:sp>
+          <p:nvSpPr>
+            <p:cNvPr id="10" name="矩形 9"/>
+            <p:cNvSpPr/>
+            <p:nvPr/>
+          </p:nvSpPr>
+          <p:spPr>
+            <a:xfrm>
+              <a:off x="0" y="6227623"/>
+              <a:ext cx="12192000" cy="28562"/>
+            </a:xfrm>
+            <a:prstGeom prst="rect">
+              <a:avLst/>
+            </a:prstGeom>
+            <a:solidFill>
+              <a:srgbClr val="F5A61C"/>
+            </a:solidFill>
+            <a:ln>
+              <a:noFill/>
+            </a:ln>
+          </p:spPr>
+          <p:style>
+            <a:lnRef idx="2">
+              <a:schemeClr val="accent1">
+                <a:shade val="50000"/>
+              </a:schemeClr>
+            </a:lnRef>
+            <a:fillRef idx="1">
+              <a:schemeClr val="accent1"/>
+            </a:fillRef>
+            <a:effectRef idx="0">
+              <a:schemeClr val="accent1"/>
+            </a:effectRef>
+            <a:fontRef idx="minor">
+              <a:schemeClr val="lt1"/>
+            </a:fontRef>
+          </p:style>
+          <p:txBody>
+            <a:bodyPr rtlCol="0" anchor="ctr"/>
+            <a:p>
+              <a:pPr algn="ctr" fontAlgn="auto"/>
+              <a:endParaRPr lang="zh-CN" altLang="en-US" strike="noStrike" noProof="1"/>
+            </a:p>
+          </p:txBody>
+        </p:sp>
+      </p:grpSp>
+      <p:sp>
+        <p:nvSpPr>
+          <p:cNvPr id="11" name="TextBox 15"/>
+          <p:cNvSpPr txBox="1"/>
+          <p:nvPr/>
+        </p:nvSpPr>
+        <p:spPr>
+          <a:xfrm>
+            <a:off x="5617211" y="2782526"/>
+            <a:ext cx="5838824" cy="1383665"/>
+          </a:xfrm>
+          <a:prstGeom prst="rect">
+            <a:avLst/>
+          </a:prstGeom>
+          <a:noFill/>
+          <a:ln w="9525">
+            <a:noFill/>
+          </a:ln>
+        </p:spPr>
+        <p:txBody>
+          <a:bodyPr wrap="square" anchor="t" anchorCtr="0">
+            <a:spAutoFit/>
+          </a:bodyPr>
+          <a:p>
+            <a:pPr>
+              <a:lnSpc>
+                <a:spcPct val="150000"/>
+              </a:lnSpc>
+            </a:pPr>
+            <a:r>
+              <a:rPr lang="en-US" altLang="zh-CN" sz="1400">
+                <a:solidFill>
+                  <a:schemeClr val="bg1"/>
+                </a:solidFill>
+                <a:latin typeface="Arial" panose="020B0604020202020204" pitchFamily="34" charset="0"/>
+                <a:cs typeface="Arial" panose="020B0604020202020204" pitchFamily="34" charset="0"/>
+              </a:rPr>
+              <a:t>The idea of content-based filtering is to find the similarity products based on either metadata or product description. The most feasible approach is to apply the cosine similarity method against the textual data to find the most similar products.</a:t>
+            </a:r>
+            <a:endParaRPr lang="en-US" altLang="zh-CN" sz="1400">
+              <a:solidFill>
+                <a:schemeClr val="bg1"/>
+              </a:solidFill>
+              <a:latin typeface="Arial" panose="020B0604020202020204" pitchFamily="34" charset="0"/>
+              <a:cs typeface="Arial" panose="020B0604020202020204" pitchFamily="34" charset="0"/>
+            </a:endParaRPr>
+          </a:p>
+        </p:txBody>
+      </p:sp>
+    </p:spTree>
+  </p:cSld>
+  <p:clrMapOvr>
+    <a:masterClrMapping/>
+  </p:clrMapOvr>
+  <mc:AlternateContent xmlns:mc="http://schemas.openxmlformats.org/markup-compatibility/2006">
+    <mc:Choice xmlns:p14="http://schemas.microsoft.com/office/powerpoint/2010/main" Requires="p14">
+      <p:transition spd="med" p14:dur="700">
+        <p:fade/>
+      </p:transition>
+    </mc:Choice>
+    <mc:Fallback>
+      <p:transition spd="med">
+        <p:fade/>
+      </p:transition>
+    </mc:Fallback>
+  </mc:AlternateContent>
+  <p:timing>
+    <p:tnLst>
+      <p:par>
+        <p:cTn id="1" dur="indefinite" restart="never" nodeType="tmRoot"/>
+      </p:par>
+    </p:tnLst>
+  </p:timing>
+</p:sld>
+</file>
+
+<file path=ppt/slides/slide31.xml><?xml version="1.0" encoding="utf-8"?>
+<p:sld xmlns:a="http://schemas.openxmlformats.org/drawingml/2006/main" xmlns:r="http://schemas.openxmlformats.org/officeDocument/2006/relationships" xmlns:p="http://schemas.openxmlformats.org/presentationml/2006/main">
+  <p:cSld>
+    <p:spTree>
+      <p:nvGrpSpPr>
+        <p:cNvPr id="1" name=""/>
+        <p:cNvGrpSpPr/>
+        <p:nvPr/>
+      </p:nvGrpSpPr>
+      <p:grpSpPr>
+        <a:xfrm>
+          <a:off x="0" y="0"/>
+          <a:ext cx="0" cy="0"/>
+          <a:chOff x="0" y="0"/>
+          <a:chExt cx="0" cy="0"/>
+        </a:xfrm>
+      </p:grpSpPr>
+      <p:sp>
+        <p:nvSpPr>
+          <p:cNvPr id="2" name="文本框 48"/>
+          <p:cNvSpPr txBox="1"/>
+          <p:nvPr/>
+        </p:nvSpPr>
+        <p:spPr>
+          <a:xfrm>
+            <a:off x="266303" y="283984"/>
+            <a:ext cx="9473407" cy="706755"/>
+          </a:xfrm>
+          <a:prstGeom prst="rect">
+            <a:avLst/>
+          </a:prstGeom>
+          <a:solidFill>
+            <a:schemeClr val="bg1"/>
+          </a:solidFill>
+          <a:ln w="9525">
+            <a:noFill/>
+          </a:ln>
+        </p:spPr>
+        <p:txBody>
+          <a:bodyPr wrap="square" anchor="t" anchorCtr="0">
+            <a:spAutoFit/>
+          </a:bodyPr>
+          <a:lstStyle/>
+          <a:p>
+            <a:r>
+              <a:rPr lang="en-US" altLang="zh-CN" sz="4000" dirty="0" smtClean="0">
+                <a:solidFill>
+                  <a:srgbClr val="141214"/>
+                </a:solidFill>
+                <a:latin typeface="Arial" panose="020B0604020202020204" pitchFamily="34" charset="0"/>
+                <a:cs typeface="Arial" panose="020B0604020202020204" pitchFamily="34" charset="0"/>
+              </a:rPr>
+              <a:t>Content-Based Filtering</a:t>
+            </a:r>
+            <a:endParaRPr lang="en-US" altLang="zh-CN" sz="4000" dirty="0">
+              <a:solidFill>
+                <a:srgbClr val="141214"/>
+              </a:solidFill>
+              <a:latin typeface="Arial" panose="020B0604020202020204" pitchFamily="34" charset="0"/>
+              <a:cs typeface="Arial" panose="020B0604020202020204" pitchFamily="34" charset="0"/>
+            </a:endParaRPr>
+          </a:p>
+        </p:txBody>
+      </p:sp>
+      <p:pic>
+        <p:nvPicPr>
+          <p:cNvPr id="3" name="Picture 2"/>
+          <p:cNvPicPr>
+            <a:picLocks noChangeAspect="1"/>
+          </p:cNvPicPr>
+          <p:nvPr/>
+        </p:nvPicPr>
+        <p:blipFill>
+          <a:blip r:embed="rId1"/>
+          <a:stretch>
+            <a:fillRect/>
+          </a:stretch>
+        </p:blipFill>
+        <p:spPr>
+          <a:xfrm>
+            <a:off x="1042670" y="1845310"/>
+            <a:ext cx="8620125" cy="1943100"/>
+          </a:xfrm>
+          <a:prstGeom prst="rect">
+            <a:avLst/>
+          </a:prstGeom>
+        </p:spPr>
+      </p:pic>
+      <p:pic>
+        <p:nvPicPr>
+          <p:cNvPr id="6" name="Picture 5"/>
+          <p:cNvPicPr>
+            <a:picLocks noChangeAspect="1"/>
+          </p:cNvPicPr>
+          <p:nvPr/>
+        </p:nvPicPr>
+        <p:blipFill>
+          <a:blip r:embed="rId2"/>
+          <a:stretch>
+            <a:fillRect/>
+          </a:stretch>
+        </p:blipFill>
+        <p:spPr>
+          <a:xfrm>
+            <a:off x="1042670" y="4643120"/>
+            <a:ext cx="10106025" cy="1809750"/>
+          </a:xfrm>
+          <a:prstGeom prst="rect">
+            <a:avLst/>
+          </a:prstGeom>
+        </p:spPr>
+      </p:pic>
+      <p:sp>
+        <p:nvSpPr>
+          <p:cNvPr id="7" name="任意多边形 3"/>
+          <p:cNvSpPr/>
+          <p:nvPr/>
+        </p:nvSpPr>
+        <p:spPr>
+          <a:xfrm>
+            <a:off x="1042670" y="1256665"/>
+            <a:ext cx="3770630" cy="530860"/>
+          </a:xfrm>
+          <a:custGeom>
+            <a:avLst/>
+            <a:gdLst>
+              <a:gd name="connsiteX0" fmla="*/ 0 w 11343473"/>
+              <a:gd name="connsiteY0" fmla="*/ 151755 h 1517550"/>
+              <a:gd name="connsiteX1" fmla="*/ 151755 w 11343473"/>
+              <a:gd name="connsiteY1" fmla="*/ 0 h 1517550"/>
+              <a:gd name="connsiteX2" fmla="*/ 11191718 w 11343473"/>
+              <a:gd name="connsiteY2" fmla="*/ 0 h 1517550"/>
+              <a:gd name="connsiteX3" fmla="*/ 11343473 w 11343473"/>
+              <a:gd name="connsiteY3" fmla="*/ 151755 h 1517550"/>
+              <a:gd name="connsiteX4" fmla="*/ 11343473 w 11343473"/>
+              <a:gd name="connsiteY4" fmla="*/ 1365795 h 1517550"/>
+              <a:gd name="connsiteX5" fmla="*/ 11191718 w 11343473"/>
+              <a:gd name="connsiteY5" fmla="*/ 1517550 h 1517550"/>
+              <a:gd name="connsiteX6" fmla="*/ 151755 w 11343473"/>
+              <a:gd name="connsiteY6" fmla="*/ 1517550 h 1517550"/>
+              <a:gd name="connsiteX7" fmla="*/ 0 w 11343473"/>
+              <a:gd name="connsiteY7" fmla="*/ 1365795 h 1517550"/>
+              <a:gd name="connsiteX8" fmla="*/ 0 w 11343473"/>
+              <a:gd name="connsiteY8" fmla="*/ 151755 h 1517550"/>
+            </a:gdLst>
+            <a:ahLst/>
+            <a:cxnLst>
+              <a:cxn ang="0">
+                <a:pos x="connsiteX0" y="connsiteY0"/>
+              </a:cxn>
+              <a:cxn ang="0">
+                <a:pos x="connsiteX1" y="connsiteY1"/>
+              </a:cxn>
+              <a:cxn ang="0">
+                <a:pos x="connsiteX2" y="connsiteY2"/>
+              </a:cxn>
+              <a:cxn ang="0">
+                <a:pos x="connsiteX3" y="connsiteY3"/>
+              </a:cxn>
+              <a:cxn ang="0">
+                <a:pos x="connsiteX4" y="connsiteY4"/>
+              </a:cxn>
+              <a:cxn ang="0">
+                <a:pos x="connsiteX5" y="connsiteY5"/>
+              </a:cxn>
+              <a:cxn ang="0">
+                <a:pos x="connsiteX6" y="connsiteY6"/>
+              </a:cxn>
+              <a:cxn ang="0">
+                <a:pos x="connsiteX7" y="connsiteY7"/>
+              </a:cxn>
+              <a:cxn ang="0">
+                <a:pos x="connsiteX8" y="connsiteY8"/>
+              </a:cxn>
+            </a:cxnLst>
+            <a:rect l="l" t="t" r="r" b="b"/>
+            <a:pathLst>
+              <a:path w="11343473" h="1517550">
+                <a:moveTo>
+                  <a:pt x="0" y="151755"/>
+                </a:moveTo>
+                <a:cubicBezTo>
+                  <a:pt x="0" y="67943"/>
+                  <a:pt x="67943" y="0"/>
+                  <a:pt x="151755" y="0"/>
+                </a:cubicBezTo>
+                <a:lnTo>
+                  <a:pt x="11191718" y="0"/>
+                </a:lnTo>
+                <a:cubicBezTo>
+                  <a:pt x="11275530" y="0"/>
+                  <a:pt x="11343473" y="67943"/>
+                  <a:pt x="11343473" y="151755"/>
+                </a:cubicBezTo>
+                <a:lnTo>
+                  <a:pt x="11343473" y="1365795"/>
+                </a:lnTo>
+                <a:cubicBezTo>
+                  <a:pt x="11343473" y="1449607"/>
+                  <a:pt x="11275530" y="1517550"/>
+                  <a:pt x="11191718" y="1517550"/>
+                </a:cubicBezTo>
+                <a:lnTo>
+                  <a:pt x="151755" y="1517550"/>
+                </a:lnTo>
+                <a:cubicBezTo>
+                  <a:pt x="67943" y="1517550"/>
+                  <a:pt x="0" y="1449607"/>
+                  <a:pt x="0" y="1365795"/>
+                </a:cubicBezTo>
+                <a:lnTo>
+                  <a:pt x="0" y="151755"/>
+                </a:lnTo>
+                <a:close/>
+              </a:path>
+            </a:pathLst>
+          </a:custGeom>
+          <a:solidFill>
+            <a:srgbClr val="F5A61C"/>
+          </a:solidFill>
+        </p:spPr>
+        <p:style>
+          <a:lnRef idx="0">
+            <a:schemeClr val="dk1">
+              <a:hueOff val="0"/>
+              <a:satOff val="0"/>
+              <a:lumOff val="0"/>
+              <a:alphaOff val="0"/>
+            </a:schemeClr>
+          </a:lnRef>
+          <a:fillRef idx="1">
+            <a:schemeClr val="accent2">
+              <a:tint val="40000"/>
+              <a:hueOff val="0"/>
+              <a:satOff val="0"/>
+              <a:lumOff val="0"/>
+              <a:alphaOff val="0"/>
+            </a:schemeClr>
+          </a:fillRef>
+          <a:effectRef idx="0">
+            <a:schemeClr val="accent2">
+              <a:tint val="40000"/>
+              <a:hueOff val="0"/>
+              <a:satOff val="0"/>
+              <a:lumOff val="0"/>
+              <a:alphaOff val="0"/>
+            </a:schemeClr>
+          </a:effectRef>
+          <a:fontRef idx="minor">
+            <a:schemeClr val="dk1">
+              <a:hueOff val="0"/>
+              <a:satOff val="0"/>
+              <a:lumOff val="0"/>
+              <a:alphaOff val="0"/>
+            </a:schemeClr>
+          </a:fontRef>
+        </p:style>
+        <p:txBody>
+          <a:bodyPr spcFirstLastPara="0" vert="horz" wrap="square" lIns="369824" tIns="369824" rIns="8310256" bIns="369824" numCol="1" spcCol="1270" anchor="ctr" anchorCtr="0">
+            <a:noAutofit/>
+          </a:bodyPr>
+          <a:p>
+            <a:pPr lvl="0" algn="ctr" defTabSz="2311400" fontAlgn="auto">
+              <a:lnSpc>
+                <a:spcPct val="90000"/>
+              </a:lnSpc>
+              <a:spcBef>
+                <a:spcPct val="0"/>
+              </a:spcBef>
+              <a:spcAft>
+                <a:spcPct val="35000"/>
+              </a:spcAft>
+            </a:pPr>
+            <a:endParaRPr lang="zh-CN" altLang="en-US" sz="5200" strike="noStrike" kern="1200" noProof="1"/>
+          </a:p>
+        </p:txBody>
+      </p:sp>
+      <p:sp>
+        <p:nvSpPr>
+          <p:cNvPr id="8" name="任意多边形 4"/>
+          <p:cNvSpPr/>
+          <p:nvPr/>
+        </p:nvSpPr>
+        <p:spPr>
+          <a:xfrm>
+            <a:off x="1042670" y="4075430"/>
+            <a:ext cx="3770630" cy="513715"/>
+          </a:xfrm>
+          <a:custGeom>
+            <a:avLst/>
+            <a:gdLst>
+              <a:gd name="connsiteX0" fmla="*/ 0 w 11343473"/>
+              <a:gd name="connsiteY0" fmla="*/ 151755 h 1517550"/>
+              <a:gd name="connsiteX1" fmla="*/ 151755 w 11343473"/>
+              <a:gd name="connsiteY1" fmla="*/ 0 h 1517550"/>
+              <a:gd name="connsiteX2" fmla="*/ 11191718 w 11343473"/>
+              <a:gd name="connsiteY2" fmla="*/ 0 h 1517550"/>
+              <a:gd name="connsiteX3" fmla="*/ 11343473 w 11343473"/>
+              <a:gd name="connsiteY3" fmla="*/ 151755 h 1517550"/>
+              <a:gd name="connsiteX4" fmla="*/ 11343473 w 11343473"/>
+              <a:gd name="connsiteY4" fmla="*/ 1365795 h 1517550"/>
+              <a:gd name="connsiteX5" fmla="*/ 11191718 w 11343473"/>
+              <a:gd name="connsiteY5" fmla="*/ 1517550 h 1517550"/>
+              <a:gd name="connsiteX6" fmla="*/ 151755 w 11343473"/>
+              <a:gd name="connsiteY6" fmla="*/ 1517550 h 1517550"/>
+              <a:gd name="connsiteX7" fmla="*/ 0 w 11343473"/>
+              <a:gd name="connsiteY7" fmla="*/ 1365795 h 1517550"/>
+              <a:gd name="connsiteX8" fmla="*/ 0 w 11343473"/>
+              <a:gd name="connsiteY8" fmla="*/ 151755 h 1517550"/>
+            </a:gdLst>
+            <a:ahLst/>
+            <a:cxnLst>
+              <a:cxn ang="0">
+                <a:pos x="connsiteX0" y="connsiteY0"/>
+              </a:cxn>
+              <a:cxn ang="0">
+                <a:pos x="connsiteX1" y="connsiteY1"/>
+              </a:cxn>
+              <a:cxn ang="0">
+                <a:pos x="connsiteX2" y="connsiteY2"/>
+              </a:cxn>
+              <a:cxn ang="0">
+                <a:pos x="connsiteX3" y="connsiteY3"/>
+              </a:cxn>
+              <a:cxn ang="0">
+                <a:pos x="connsiteX4" y="connsiteY4"/>
+              </a:cxn>
+              <a:cxn ang="0">
+                <a:pos x="connsiteX5" y="connsiteY5"/>
+              </a:cxn>
+              <a:cxn ang="0">
+                <a:pos x="connsiteX6" y="connsiteY6"/>
+              </a:cxn>
+              <a:cxn ang="0">
+                <a:pos x="connsiteX7" y="connsiteY7"/>
+              </a:cxn>
+              <a:cxn ang="0">
+                <a:pos x="connsiteX8" y="connsiteY8"/>
+              </a:cxn>
+            </a:cxnLst>
+            <a:rect l="l" t="t" r="r" b="b"/>
+            <a:pathLst>
+              <a:path w="11343473" h="1517550">
+                <a:moveTo>
+                  <a:pt x="0" y="151755"/>
+                </a:moveTo>
+                <a:cubicBezTo>
+                  <a:pt x="0" y="67943"/>
+                  <a:pt x="67943" y="0"/>
+                  <a:pt x="151755" y="0"/>
+                </a:cubicBezTo>
+                <a:lnTo>
+                  <a:pt x="11191718" y="0"/>
+                </a:lnTo>
+                <a:cubicBezTo>
+                  <a:pt x="11275530" y="0"/>
+                  <a:pt x="11343473" y="67943"/>
+                  <a:pt x="11343473" y="151755"/>
+                </a:cubicBezTo>
+                <a:lnTo>
+                  <a:pt x="11343473" y="1365795"/>
+                </a:lnTo>
+                <a:cubicBezTo>
+                  <a:pt x="11343473" y="1449607"/>
+                  <a:pt x="11275530" y="1517550"/>
+                  <a:pt x="11191718" y="1517550"/>
+                </a:cubicBezTo>
+                <a:lnTo>
+                  <a:pt x="151755" y="1517550"/>
+                </a:lnTo>
+                <a:cubicBezTo>
+                  <a:pt x="67943" y="1517550"/>
+                  <a:pt x="0" y="1449607"/>
+                  <a:pt x="0" y="1365795"/>
+                </a:cubicBezTo>
+                <a:lnTo>
+                  <a:pt x="0" y="151755"/>
+                </a:lnTo>
+                <a:close/>
+              </a:path>
+            </a:pathLst>
+          </a:custGeom>
+          <a:solidFill>
+            <a:schemeClr val="tx1">
+              <a:lumMod val="75000"/>
+              <a:lumOff val="25000"/>
+            </a:schemeClr>
+          </a:solidFill>
+        </p:spPr>
+        <p:style>
+          <a:lnRef idx="0">
+            <a:schemeClr val="dk1">
+              <a:hueOff val="0"/>
+              <a:satOff val="0"/>
+              <a:lumOff val="0"/>
+              <a:alphaOff val="0"/>
+            </a:schemeClr>
+          </a:lnRef>
+          <a:fillRef idx="1">
+            <a:schemeClr val="accent2">
+              <a:tint val="40000"/>
+              <a:hueOff val="0"/>
+              <a:satOff val="0"/>
+              <a:lumOff val="0"/>
+              <a:alphaOff val="0"/>
+            </a:schemeClr>
+          </a:fillRef>
+          <a:effectRef idx="0">
+            <a:schemeClr val="accent2">
+              <a:tint val="40000"/>
+              <a:hueOff val="0"/>
+              <a:satOff val="0"/>
+              <a:lumOff val="0"/>
+              <a:alphaOff val="0"/>
+            </a:schemeClr>
+          </a:effectRef>
+          <a:fontRef idx="minor">
+            <a:schemeClr val="dk1">
+              <a:hueOff val="0"/>
+              <a:satOff val="0"/>
+              <a:lumOff val="0"/>
+              <a:alphaOff val="0"/>
+            </a:schemeClr>
+          </a:fontRef>
+        </p:style>
+        <p:txBody>
+          <a:bodyPr spcFirstLastPara="0" vert="horz" wrap="square" lIns="369824" tIns="369824" rIns="8310256" bIns="369824" numCol="1" spcCol="1270" anchor="ctr" anchorCtr="0">
+            <a:noAutofit/>
+          </a:bodyPr>
+          <a:p>
+            <a:pPr lvl="0" algn="ctr" defTabSz="2311400" fontAlgn="auto">
+              <a:lnSpc>
+                <a:spcPct val="90000"/>
+              </a:lnSpc>
+              <a:spcBef>
+                <a:spcPct val="0"/>
+              </a:spcBef>
+              <a:spcAft>
+                <a:spcPct val="35000"/>
+              </a:spcAft>
+            </a:pPr>
+            <a:endParaRPr lang="zh-CN" altLang="en-US" sz="5200" strike="noStrike" kern="1200" noProof="1"/>
+          </a:p>
+        </p:txBody>
+      </p:sp>
+      <p:sp>
+        <p:nvSpPr>
+          <p:cNvPr id="22" name="TextBox 15"/>
+          <p:cNvSpPr txBox="1"/>
+          <p:nvPr/>
+        </p:nvSpPr>
+        <p:spPr>
+          <a:xfrm>
+            <a:off x="1173480" y="4075430"/>
+            <a:ext cx="4069715" cy="414020"/>
+          </a:xfrm>
+          <a:prstGeom prst="rect">
+            <a:avLst/>
+          </a:prstGeom>
+          <a:noFill/>
+          <a:ln w="9525">
+            <a:noFill/>
+          </a:ln>
+        </p:spPr>
+        <p:txBody>
+          <a:bodyPr wrap="square" anchor="t" anchorCtr="0">
+            <a:spAutoFit/>
+          </a:bodyPr>
+          <a:p>
+            <a:pPr>
+              <a:lnSpc>
+                <a:spcPct val="150000"/>
+              </a:lnSpc>
+            </a:pPr>
+            <a:r>
+              <a:rPr lang="en-US" altLang="zh-CN" sz="1400" dirty="0">
+                <a:solidFill>
+                  <a:schemeClr val="bg1"/>
+                </a:solidFill>
+                <a:latin typeface="Arial" panose="020B0604020202020204" pitchFamily="34" charset="0"/>
+                <a:ea typeface="Arial" panose="020B0604020202020204" pitchFamily="34" charset="0"/>
+              </a:rPr>
+              <a:t>Product Metadata Cosine Similarity Model</a:t>
+            </a:r>
+            <a:endParaRPr lang="en-US" altLang="zh-CN" sz="1400" dirty="0">
+              <a:solidFill>
+                <a:schemeClr val="bg1"/>
+              </a:solidFill>
+              <a:latin typeface="Arial" panose="020B0604020202020204" pitchFamily="34" charset="0"/>
+              <a:ea typeface="Arial" panose="020B0604020202020204" pitchFamily="34" charset="0"/>
+            </a:endParaRPr>
+          </a:p>
+        </p:txBody>
+      </p:sp>
+      <p:sp>
+        <p:nvSpPr>
+          <p:cNvPr id="23" name="TextBox 15"/>
+          <p:cNvSpPr txBox="1"/>
+          <p:nvPr/>
+        </p:nvSpPr>
+        <p:spPr>
+          <a:xfrm>
+            <a:off x="1173480" y="1315085"/>
+            <a:ext cx="3764280" cy="414020"/>
+          </a:xfrm>
+          <a:prstGeom prst="rect">
+            <a:avLst/>
+          </a:prstGeom>
+          <a:noFill/>
+          <a:ln w="9525">
+            <a:noFill/>
+          </a:ln>
+        </p:spPr>
+        <p:txBody>
+          <a:bodyPr wrap="square" anchor="t" anchorCtr="0">
+            <a:spAutoFit/>
+          </a:bodyPr>
+          <a:p>
+            <a:pPr>
+              <a:lnSpc>
+                <a:spcPct val="150000"/>
+              </a:lnSpc>
+            </a:pPr>
+            <a:r>
+              <a:rPr lang="en-US" altLang="zh-CN" sz="1400" dirty="0">
+                <a:latin typeface="Arial" panose="020B0604020202020204" pitchFamily="34" charset="0"/>
+                <a:ea typeface="Arial" panose="020B0604020202020204" pitchFamily="34" charset="0"/>
+              </a:rPr>
+              <a:t>Product Description Cosine Similarity Model </a:t>
+            </a:r>
+            <a:endParaRPr lang="en-US" altLang="zh-CN" sz="1400" dirty="0">
+              <a:latin typeface="Arial" panose="020B0604020202020204" pitchFamily="34" charset="0"/>
+              <a:ea typeface="Arial" panose="020B0604020202020204" pitchFamily="34" charset="0"/>
+            </a:endParaRPr>
+          </a:p>
+        </p:txBody>
+      </p:sp>
+    </p:spTree>
+  </p:cSld>
+  <p:clrMapOvr>
+    <a:masterClrMapping/>
+  </p:clrMapOvr>
+  <mc:AlternateContent xmlns:mc="http://schemas.openxmlformats.org/markup-compatibility/2006">
+    <mc:Choice xmlns:p14="http://schemas.microsoft.com/office/powerpoint/2010/main" Requires="p14">
+      <p:transition spd="med" p14:dur="700">
+        <p:fade/>
+      </p:transition>
+    </mc:Choice>
+    <mc:Fallback>
+      <p:transition spd="med">
+        <p:fade/>
+      </p:transition>
+    </mc:Fallback>
+  </mc:AlternateContent>
+  <p:timing>
+    <p:tnLst>
+      <p:par>
+        <p:cTn id="1" dur="indefinite" restart="never" nodeType="tmRoot"/>
+      </p:par>
+    </p:tnLst>
+  </p:timing>
+</p:sld>
+</file>
+
+<file path=ppt/slides/slide32.xml><?xml version="1.0" encoding="utf-8"?>
+<p:sld xmlns:a="http://schemas.openxmlformats.org/drawingml/2006/main" xmlns:r="http://schemas.openxmlformats.org/officeDocument/2006/relationships" xmlns:p="http://schemas.openxmlformats.org/presentationml/2006/main">
+  <p:cSld>
+    <p:spTree>
+      <p:nvGrpSpPr>
+        <p:cNvPr id="1" name=""/>
+        <p:cNvGrpSpPr/>
+        <p:nvPr/>
+      </p:nvGrpSpPr>
+      <p:grpSpPr>
+        <a:xfrm>
+          <a:off x="0" y="0"/>
+          <a:ext cx="0" cy="0"/>
+          <a:chOff x="0" y="0"/>
+          <a:chExt cx="0" cy="0"/>
+        </a:xfrm>
+      </p:grpSpPr>
+      <p:sp>
+        <p:nvSpPr>
+          <p:cNvPr id="2" name="文本框 48"/>
+          <p:cNvSpPr txBox="1"/>
+          <p:nvPr/>
+        </p:nvSpPr>
+        <p:spPr>
+          <a:xfrm>
+            <a:off x="266303" y="283984"/>
+            <a:ext cx="9473407" cy="706755"/>
+          </a:xfrm>
+          <a:prstGeom prst="rect">
+            <a:avLst/>
+          </a:prstGeom>
+          <a:solidFill>
+            <a:schemeClr val="bg1"/>
+          </a:solidFill>
+          <a:ln w="9525">
+            <a:noFill/>
+          </a:ln>
+        </p:spPr>
+        <p:txBody>
+          <a:bodyPr wrap="square" anchor="t" anchorCtr="0">
+            <a:spAutoFit/>
+          </a:bodyPr>
+          <a:lstStyle/>
+          <a:p>
+            <a:r>
+              <a:rPr lang="en-US" altLang="zh-CN" sz="4000" dirty="0" smtClean="0">
+                <a:solidFill>
+                  <a:srgbClr val="141214"/>
+                </a:solidFill>
+                <a:latin typeface="Arial" panose="020B0604020202020204" pitchFamily="34" charset="0"/>
+                <a:cs typeface="Arial" panose="020B0604020202020204" pitchFamily="34" charset="0"/>
+              </a:rPr>
+              <a:t>Content-Based Filtering</a:t>
+            </a:r>
+            <a:endParaRPr lang="en-US" altLang="zh-CN" sz="4000" dirty="0">
+              <a:solidFill>
+                <a:srgbClr val="141214"/>
+              </a:solidFill>
+              <a:latin typeface="Arial" panose="020B0604020202020204" pitchFamily="34" charset="0"/>
+              <a:cs typeface="Arial" panose="020B0604020202020204" pitchFamily="34" charset="0"/>
+            </a:endParaRPr>
+          </a:p>
+        </p:txBody>
+      </p:sp>
+      <p:pic>
+        <p:nvPicPr>
+          <p:cNvPr id="101" name="Picture 100"/>
+          <p:cNvPicPr/>
+          <p:nvPr/>
+        </p:nvPicPr>
+        <p:blipFill>
+          <a:blip r:embed="rId1"/>
+          <a:stretch>
+            <a:fillRect/>
+          </a:stretch>
+        </p:blipFill>
+        <p:spPr>
+          <a:xfrm>
+            <a:off x="266065" y="1148715"/>
+            <a:ext cx="5521960" cy="3521075"/>
+          </a:xfrm>
+          <a:prstGeom prst="rect">
+            <a:avLst/>
+          </a:prstGeom>
+          <a:noFill/>
+          <a:ln w="9525">
+            <a:noFill/>
+          </a:ln>
+        </p:spPr>
+      </p:pic>
+      <p:pic>
+        <p:nvPicPr>
+          <p:cNvPr id="3" name="Picture 2"/>
+          <p:cNvPicPr>
+            <a:picLocks noChangeAspect="1"/>
+          </p:cNvPicPr>
+          <p:nvPr/>
+        </p:nvPicPr>
+        <p:blipFill>
+          <a:blip r:embed="rId2"/>
+          <a:stretch>
+            <a:fillRect/>
+          </a:stretch>
+        </p:blipFill>
+        <p:spPr>
+          <a:xfrm>
+            <a:off x="5095875" y="1056005"/>
+            <a:ext cx="7096125" cy="3714750"/>
+          </a:xfrm>
+          <a:prstGeom prst="rect">
+            <a:avLst/>
+          </a:prstGeom>
+        </p:spPr>
+      </p:pic>
+      <p:pic>
+        <p:nvPicPr>
+          <p:cNvPr id="6" name="Picture 5"/>
+          <p:cNvPicPr>
+            <a:picLocks noChangeAspect="1"/>
+          </p:cNvPicPr>
+          <p:nvPr/>
+        </p:nvPicPr>
+        <p:blipFill>
+          <a:blip r:embed="rId3"/>
+          <a:stretch>
+            <a:fillRect/>
+          </a:stretch>
+        </p:blipFill>
+        <p:spPr>
+          <a:xfrm>
+            <a:off x="78105" y="4770755"/>
+            <a:ext cx="12035790" cy="1914525"/>
+          </a:xfrm>
+          <a:prstGeom prst="rect">
+            <a:avLst/>
+          </a:prstGeom>
+        </p:spPr>
+      </p:pic>
+    </p:spTree>
+  </p:cSld>
+  <p:clrMapOvr>
+    <a:masterClrMapping/>
+  </p:clrMapOvr>
+  <mc:AlternateContent xmlns:mc="http://schemas.openxmlformats.org/markup-compatibility/2006">
+    <mc:Choice xmlns:p14="http://schemas.microsoft.com/office/powerpoint/2010/main" Requires="p14">
+      <p:transition spd="med" p14:dur="700">
+        <p:fade/>
+      </p:transition>
+    </mc:Choice>
+    <mc:Fallback>
+      <p:transition spd="med">
+        <p:fade/>
+      </p:transition>
+    </mc:Fallback>
+  </mc:AlternateContent>
+  <p:timing>
+    <p:tnLst>
+      <p:par>
+        <p:cTn id="1" dur="indefinite" restart="never" nodeType="tmRoot"/>
+      </p:par>
+    </p:tnLst>
+  </p:timing>
+</p:sld>
+</file>
+
+<file path=ppt/slides/slide33.xml><?xml version="1.0" encoding="utf-8"?>
 <p:sld xmlns:a="http://schemas.openxmlformats.org/drawingml/2006/main" xmlns:r="http://schemas.openxmlformats.org/officeDocument/2006/relationships" xmlns:p="http://schemas.openxmlformats.org/presentationml/2006/main">
   <p:cSld>
     <p:spTree>
@@ -19805,219 +21684,6 @@
           </a:extLst>
         </p:spPr>
       </p:pic>
-      <p:sp>
-        <p:nvSpPr>
-          <p:cNvPr id="4" name="椭圆 3"/>
-          <p:cNvSpPr/>
-          <p:nvPr/>
-        </p:nvSpPr>
-        <p:spPr>
-          <a:xfrm>
-            <a:off x="1032048" y="4095750"/>
-            <a:ext cx="4673360" cy="2493963"/>
-          </a:xfrm>
-          <a:prstGeom prst="ellipse">
-            <a:avLst/>
-          </a:prstGeom>
-          <a:solidFill>
-            <a:schemeClr val="tx1">
-              <a:lumMod val="75000"/>
-              <a:lumOff val="25000"/>
-            </a:schemeClr>
-          </a:solidFill>
-          <a:ln>
-            <a:noFill/>
-          </a:ln>
-        </p:spPr>
-        <p:style>
-          <a:lnRef idx="2">
-            <a:schemeClr val="accent1">
-              <a:shade val="50000"/>
-            </a:schemeClr>
-          </a:lnRef>
-          <a:fillRef idx="1">
-            <a:schemeClr val="accent1"/>
-          </a:fillRef>
-          <a:effectRef idx="0">
-            <a:schemeClr val="accent1"/>
-          </a:effectRef>
-          <a:fontRef idx="minor">
-            <a:schemeClr val="lt1"/>
-          </a:fontRef>
-        </p:style>
-        <p:txBody>
-          <a:bodyPr rtlCol="0" anchor="ctr"/>
-          <a:lstStyle/>
-          <a:p>
-            <a:pPr algn="ctr" fontAlgn="auto"/>
-            <a:r>
-              <a:rPr lang="en-US" dirty="0" smtClean="0">
-                <a:latin typeface="Arial" panose="020B0604020202020204" pitchFamily="34" charset="0"/>
-                <a:cs typeface="Arial" panose="020B0604020202020204" pitchFamily="34" charset="0"/>
-              </a:rPr>
-              <a:t>Use matrix </a:t>
-            </a:r>
-            <a:r>
-              <a:rPr lang="en-US" dirty="0">
-                <a:latin typeface="Arial" panose="020B0604020202020204" pitchFamily="34" charset="0"/>
-                <a:cs typeface="Arial" panose="020B0604020202020204" pitchFamily="34" charset="0"/>
-              </a:rPr>
-              <a:t>factorization </a:t>
-            </a:r>
-            <a:r>
-              <a:rPr lang="en-US" dirty="0" smtClean="0">
-                <a:latin typeface="Arial" panose="020B0604020202020204" pitchFamily="34" charset="0"/>
-                <a:cs typeface="Arial" panose="020B0604020202020204" pitchFamily="34" charset="0"/>
-              </a:rPr>
-              <a:t>method against the review data, then apply </a:t>
-            </a:r>
-            <a:r>
-              <a:rPr lang="en-US" dirty="0"/>
-              <a:t>KNN and Singular value decomposition (SVD</a:t>
-            </a:r>
-            <a:r>
-              <a:rPr lang="en-US" dirty="0" smtClean="0"/>
-              <a:t>) </a:t>
-            </a:r>
-            <a:r>
-              <a:rPr lang="en-US" dirty="0"/>
-              <a:t>to </a:t>
-            </a:r>
-            <a:r>
-              <a:rPr lang="en-US" dirty="0" smtClean="0"/>
-              <a:t>create clusters for </a:t>
-            </a:r>
-            <a:r>
-              <a:rPr lang="en-US" dirty="0"/>
-              <a:t>product recommendation.</a:t>
-            </a:r>
-            <a:endParaRPr lang="zh-CN" altLang="en-US" strike="noStrike" noProof="1">
-              <a:latin typeface="Arial" panose="020B0604020202020204" pitchFamily="34" charset="0"/>
-              <a:cs typeface="Arial" panose="020B0604020202020204" pitchFamily="34" charset="0"/>
-            </a:endParaRPr>
-          </a:p>
-        </p:txBody>
-      </p:sp>
-      <p:sp>
-        <p:nvSpPr>
-          <p:cNvPr id="5" name="椭圆 4"/>
-          <p:cNvSpPr/>
-          <p:nvPr/>
-        </p:nvSpPr>
-        <p:spPr>
-          <a:xfrm>
-            <a:off x="6237169" y="4095750"/>
-            <a:ext cx="4673360" cy="2493963"/>
-          </a:xfrm>
-          <a:prstGeom prst="ellipse">
-            <a:avLst/>
-          </a:prstGeom>
-          <a:solidFill>
-            <a:srgbClr val="F5A61C"/>
-          </a:solidFill>
-          <a:ln>
-            <a:noFill/>
-          </a:ln>
-        </p:spPr>
-        <p:style>
-          <a:lnRef idx="2">
-            <a:schemeClr val="accent1">
-              <a:shade val="50000"/>
-            </a:schemeClr>
-          </a:lnRef>
-          <a:fillRef idx="1">
-            <a:schemeClr val="accent1"/>
-          </a:fillRef>
-          <a:effectRef idx="0">
-            <a:schemeClr val="accent1"/>
-          </a:effectRef>
-          <a:fontRef idx="minor">
-            <a:schemeClr val="lt1"/>
-          </a:fontRef>
-        </p:style>
-        <p:txBody>
-          <a:bodyPr rtlCol="0" anchor="ctr"/>
-          <a:lstStyle/>
-          <a:p>
-            <a:pPr algn="ctr" fontAlgn="auto"/>
-            <a:r>
-              <a:rPr lang="en-US" dirty="0" smtClean="0">
-                <a:solidFill>
-                  <a:schemeClr val="tx1">
-                    <a:lumMod val="75000"/>
-                    <a:lumOff val="25000"/>
-                  </a:schemeClr>
-                </a:solidFill>
-                <a:latin typeface="Arial" panose="020B0604020202020204" pitchFamily="34" charset="0"/>
-                <a:cs typeface="Arial" panose="020B0604020202020204" pitchFamily="34" charset="0"/>
-              </a:rPr>
-              <a:t>Use cosine </a:t>
-            </a:r>
-            <a:r>
-              <a:rPr lang="en-US" dirty="0">
-                <a:solidFill>
-                  <a:schemeClr val="tx1">
-                    <a:lumMod val="75000"/>
-                    <a:lumOff val="25000"/>
-                  </a:schemeClr>
-                </a:solidFill>
-                <a:latin typeface="Arial" panose="020B0604020202020204" pitchFamily="34" charset="0"/>
-                <a:cs typeface="Arial" panose="020B0604020202020204" pitchFamily="34" charset="0"/>
-              </a:rPr>
-              <a:t>similarity method against the product metadata to identify the similar products for the given </a:t>
-            </a:r>
-            <a:r>
-              <a:rPr lang="en-US" dirty="0" smtClean="0">
-                <a:solidFill>
-                  <a:schemeClr val="tx1">
-                    <a:lumMod val="75000"/>
-                    <a:lumOff val="25000"/>
-                  </a:schemeClr>
-                </a:solidFill>
-                <a:latin typeface="Arial" panose="020B0604020202020204" pitchFamily="34" charset="0"/>
-                <a:cs typeface="Arial" panose="020B0604020202020204" pitchFamily="34" charset="0"/>
-              </a:rPr>
-              <a:t>one. Apply NLP techniques TF-IDF and LDA topic modeling to output </a:t>
-            </a:r>
-            <a:r>
-              <a:rPr lang="en-US" dirty="0">
-                <a:solidFill>
-                  <a:schemeClr val="tx1">
-                    <a:lumMod val="75000"/>
-                    <a:lumOff val="25000"/>
-                  </a:schemeClr>
-                </a:solidFill>
-                <a:latin typeface="Arial" panose="020B0604020202020204" pitchFamily="34" charset="0"/>
-                <a:cs typeface="Arial" panose="020B0604020202020204" pitchFamily="34" charset="0"/>
-              </a:rPr>
-              <a:t>similarity </a:t>
-            </a:r>
-            <a:r>
-              <a:rPr lang="en-US" dirty="0" smtClean="0">
-                <a:solidFill>
-                  <a:schemeClr val="tx1">
-                    <a:lumMod val="75000"/>
-                    <a:lumOff val="25000"/>
-                  </a:schemeClr>
-                </a:solidFill>
-                <a:latin typeface="Arial" panose="020B0604020202020204" pitchFamily="34" charset="0"/>
-                <a:cs typeface="Arial" panose="020B0604020202020204" pitchFamily="34" charset="0"/>
-              </a:rPr>
-              <a:t>scores.</a:t>
-            </a:r>
-            <a:endParaRPr lang="zh-CN" altLang="en-US" strike="noStrike" noProof="1">
-              <a:solidFill>
-                <a:schemeClr val="tx1">
-                  <a:lumMod val="75000"/>
-                  <a:lumOff val="25000"/>
-                </a:schemeClr>
-              </a:solidFill>
-              <a:latin typeface="Arial" panose="020B0604020202020204" pitchFamily="34" charset="0"/>
-              <a:cs typeface="Arial" panose="020B0604020202020204" pitchFamily="34" charset="0"/>
-            </a:endParaRPr>
-          </a:p>
-        </p:txBody>
-      </p:sp>
     </p:spTree>
   </p:cSld>
   <p:clrMapOvr>
@@ -20045,7 +21711,7 @@
 </p:sld>
 </file>
 
-<file path=ppt/slides/slide29.xml><?xml version="1.0" encoding="utf-8"?>
+<file path=ppt/slides/slide34.xml><?xml version="1.0" encoding="utf-8"?>
 <p:sld xmlns:a="http://schemas.openxmlformats.org/drawingml/2006/main" xmlns:r="http://schemas.openxmlformats.org/officeDocument/2006/relationships" xmlns:p="http://schemas.openxmlformats.org/presentationml/2006/main">
   <p:cSld>
     <p:spTree>
@@ -28654,264 +30320,7 @@
 </p:sld>
 </file>
 
-<file path=ppt/slides/slide3.xml><?xml version="1.0" encoding="utf-8"?>
-<p:sld xmlns:a="http://schemas.openxmlformats.org/drawingml/2006/main" xmlns:r="http://schemas.openxmlformats.org/officeDocument/2006/relationships" xmlns:p="http://schemas.openxmlformats.org/presentationml/2006/main">
-  <p:cSld>
-    <p:spTree>
-      <p:nvGrpSpPr>
-        <p:cNvPr id="1" name=""/>
-        <p:cNvGrpSpPr/>
-        <p:nvPr/>
-      </p:nvGrpSpPr>
-      <p:grpSpPr>
-        <a:xfrm>
-          <a:off x="0" y="0"/>
-          <a:ext cx="0" cy="0"/>
-          <a:chOff x="0" y="0"/>
-          <a:chExt cx="0" cy="0"/>
-        </a:xfrm>
-      </p:grpSpPr>
-      <p:sp>
-        <p:nvSpPr>
-          <p:cNvPr id="10241" name="矩形 11"/>
-          <p:cNvSpPr/>
-          <p:nvPr/>
-        </p:nvSpPr>
-        <p:spPr>
-          <a:xfrm>
-            <a:off x="4368506" y="4916488"/>
-            <a:ext cx="3475631" cy="769441"/>
-          </a:xfrm>
-          <a:prstGeom prst="rect">
-            <a:avLst/>
-          </a:prstGeom>
-          <a:noFill/>
-          <a:ln w="9525">
-            <a:noFill/>
-          </a:ln>
-        </p:spPr>
-        <p:txBody>
-          <a:bodyPr wrap="none" anchor="t" anchorCtr="0">
-            <a:spAutoFit/>
-          </a:bodyPr>
-          <a:lstStyle/>
-          <a:p>
-            <a:pPr algn="ctr"/>
-            <a:r>
-              <a:rPr lang="en-US" altLang="zh-CN" sz="4400" b="1" dirty="0" smtClean="0">
-                <a:solidFill>
-                  <a:srgbClr val="262626"/>
-                </a:solidFill>
-                <a:latin typeface="Arial" panose="020B0604020202020204" pitchFamily="34" charset="0"/>
-                <a:ea typeface="宋体" panose="02010600030101010101" pitchFamily="2" charset="-122"/>
-                <a:cs typeface="Arial" panose="020B0604020202020204" pitchFamily="34" charset="0"/>
-              </a:rPr>
-              <a:t>Introduction</a:t>
-            </a:r>
-            <a:endParaRPr lang="en-US" altLang="zh-CN" sz="4400" b="1" dirty="0">
-              <a:solidFill>
-                <a:srgbClr val="262626"/>
-              </a:solidFill>
-              <a:latin typeface="Arial" panose="020B0604020202020204" pitchFamily="34" charset="0"/>
-              <a:ea typeface="Arial" panose="020B0604020202020204" pitchFamily="34" charset="0"/>
-            </a:endParaRPr>
-          </a:p>
-        </p:txBody>
-      </p:sp>
-      <p:sp>
-        <p:nvSpPr>
-          <p:cNvPr id="10243" name="矩形 1"/>
-          <p:cNvSpPr/>
-          <p:nvPr/>
-        </p:nvSpPr>
-        <p:spPr>
-          <a:xfrm>
-            <a:off x="5364163" y="869950"/>
-            <a:ext cx="1463675" cy="3154363"/>
-          </a:xfrm>
-          <a:prstGeom prst="rect">
-            <a:avLst/>
-          </a:prstGeom>
-          <a:noFill/>
-          <a:ln w="9525">
-            <a:noFill/>
-          </a:ln>
-        </p:spPr>
-        <p:txBody>
-          <a:bodyPr wrap="none" anchor="t" anchorCtr="0">
-            <a:spAutoFit/>
-          </a:bodyPr>
-          <a:lstStyle/>
-          <a:p>
-            <a:pPr algn="ctr"/>
-            <a:r>
-              <a:rPr lang="en-US" altLang="zh-CN" sz="19900" b="1" dirty="0">
-                <a:solidFill>
-                  <a:srgbClr val="262626"/>
-                </a:solidFill>
-                <a:latin typeface="Arial" panose="020B0604020202020204" pitchFamily="34" charset="0"/>
-                <a:ea typeface="宋体" panose="02010600030101010101" pitchFamily="2" charset="-122"/>
-                <a:cs typeface="Arial" panose="020B0604020202020204" pitchFamily="34" charset="0"/>
-              </a:rPr>
-              <a:t>1</a:t>
-            </a:r>
-            <a:endParaRPr lang="zh-CN" altLang="en-US" sz="19900" b="1" dirty="0">
-              <a:solidFill>
-                <a:srgbClr val="262626"/>
-              </a:solidFill>
-              <a:latin typeface="Arial" panose="020B0604020202020204" pitchFamily="34" charset="0"/>
-              <a:ea typeface="Arial" panose="020B0604020202020204" pitchFamily="34" charset="0"/>
-            </a:endParaRPr>
-          </a:p>
-        </p:txBody>
-      </p:sp>
-    </p:spTree>
-  </p:cSld>
-  <p:clrMapOvr>
-    <a:masterClrMapping/>
-  </p:clrMapOvr>
-  <p:transition spd="med">
-    <p:fade/>
-  </p:transition>
-  <p:timing>
-    <p:tnLst>
-      <p:par>
-        <p:cTn id="1" dur="indefinite" restart="never" nodeType="tmRoot"/>
-      </p:par>
-    </p:tnLst>
-  </p:timing>
-</p:sld>
-</file>
-
-<file path=ppt/slides/slide30.xml><?xml version="1.0" encoding="utf-8"?>
-<p:sld xmlns:a="http://schemas.openxmlformats.org/drawingml/2006/main" xmlns:r="http://schemas.openxmlformats.org/officeDocument/2006/relationships" xmlns:p="http://schemas.openxmlformats.org/presentationml/2006/main">
-  <p:cSld>
-    <p:spTree>
-      <p:nvGrpSpPr>
-        <p:cNvPr id="1" name=""/>
-        <p:cNvGrpSpPr/>
-        <p:nvPr/>
-      </p:nvGrpSpPr>
-      <p:grpSpPr>
-        <a:xfrm>
-          <a:off x="0" y="0"/>
-          <a:ext cx="0" cy="0"/>
-          <a:chOff x="0" y="0"/>
-          <a:chExt cx="0" cy="0"/>
-        </a:xfrm>
-      </p:grpSpPr>
-      <p:sp>
-        <p:nvSpPr>
-          <p:cNvPr id="32769" name="矩形 11"/>
-          <p:cNvSpPr/>
-          <p:nvPr/>
-        </p:nvSpPr>
-        <p:spPr>
-          <a:xfrm>
-            <a:off x="3345346" y="4916488"/>
-            <a:ext cx="5521960" cy="768350"/>
-          </a:xfrm>
-          <a:prstGeom prst="rect">
-            <a:avLst/>
-          </a:prstGeom>
-          <a:noFill/>
-          <a:ln w="9525">
-            <a:noFill/>
-          </a:ln>
-        </p:spPr>
-        <p:txBody>
-          <a:bodyPr wrap="none" anchor="t" anchorCtr="0">
-            <a:spAutoFit/>
-          </a:bodyPr>
-          <a:lstStyle/>
-          <a:p>
-            <a:pPr algn="ctr"/>
-            <a:r>
-              <a:rPr lang="en-US" altLang="zh-CN" sz="4400" b="1" dirty="0" smtClean="0">
-                <a:solidFill>
-                  <a:srgbClr val="262626"/>
-                </a:solidFill>
-                <a:latin typeface="Arial" panose="020B0604020202020204" pitchFamily="34" charset="0"/>
-                <a:ea typeface="宋体" panose="02010600030101010101" pitchFamily="2" charset="-122"/>
-                <a:cs typeface="Arial" panose="020B0604020202020204" pitchFamily="34" charset="0"/>
-              </a:rPr>
-              <a:t>Systems Integration</a:t>
-            </a:r>
-            <a:endParaRPr lang="en-US" altLang="zh-CN" sz="4400" b="1" dirty="0">
-              <a:solidFill>
-                <a:srgbClr val="262626"/>
-              </a:solidFill>
-              <a:latin typeface="Arial" panose="020B0604020202020204" pitchFamily="34" charset="0"/>
-              <a:ea typeface="Arial" panose="020B0604020202020204" pitchFamily="34" charset="0"/>
-            </a:endParaRPr>
-          </a:p>
-        </p:txBody>
-      </p:sp>
-      <p:sp>
-        <p:nvSpPr>
-          <p:cNvPr id="32771" name="矩形 1"/>
-          <p:cNvSpPr/>
-          <p:nvPr/>
-        </p:nvSpPr>
-        <p:spPr>
-          <a:xfrm>
-            <a:off x="5301933" y="869950"/>
-            <a:ext cx="1588135" cy="3153410"/>
-          </a:xfrm>
-          <a:prstGeom prst="rect">
-            <a:avLst/>
-          </a:prstGeom>
-          <a:noFill/>
-          <a:ln w="9525">
-            <a:noFill/>
-          </a:ln>
-        </p:spPr>
-        <p:txBody>
-          <a:bodyPr wrap="none" anchor="t" anchorCtr="0">
-            <a:spAutoFit/>
-          </a:bodyPr>
-          <a:lstStyle/>
-          <a:p>
-            <a:pPr algn="ctr"/>
-            <a:r>
-              <a:rPr lang="en-US" altLang="zh-CN" sz="19900" b="1" dirty="0">
-                <a:solidFill>
-                  <a:srgbClr val="262626"/>
-                </a:solidFill>
-                <a:latin typeface="Arial" panose="020B0604020202020204" pitchFamily="34" charset="0"/>
-                <a:ea typeface="Arial" panose="020B0604020202020204" pitchFamily="34" charset="0"/>
-              </a:rPr>
-              <a:t>7</a:t>
-            </a:r>
-            <a:endParaRPr lang="en-US" altLang="zh-CN" sz="19900" b="1" dirty="0">
-              <a:solidFill>
-                <a:srgbClr val="262626"/>
-              </a:solidFill>
-              <a:latin typeface="Arial" panose="020B0604020202020204" pitchFamily="34" charset="0"/>
-              <a:ea typeface="Arial" panose="020B0604020202020204" pitchFamily="34" charset="0"/>
-            </a:endParaRPr>
-          </a:p>
-        </p:txBody>
-      </p:sp>
-    </p:spTree>
-  </p:cSld>
-  <p:clrMapOvr>
-    <a:masterClrMapping/>
-  </p:clrMapOvr>
-  <p:transition spd="med">
-    <p:fade/>
-  </p:transition>
-  <p:timing>
-    <p:tnLst>
-      <p:par>
-        <p:cTn id="1" dur="indefinite" restart="never" nodeType="tmRoot"/>
-      </p:par>
-    </p:tnLst>
-  </p:timing>
-</p:sld>
-</file>
-
-<file path=ppt/slides/slide31.xml><?xml version="1.0" encoding="utf-8"?>
+<file path=ppt/slides/slide35.xml><?xml version="1.0" encoding="utf-8"?>
 <p:sld xmlns:a="http://schemas.openxmlformats.org/drawingml/2006/main" xmlns:r="http://schemas.openxmlformats.org/officeDocument/2006/relationships" xmlns:p="http://schemas.openxmlformats.org/presentationml/2006/main">
   <p:cSld>
     <p:spTree>
@@ -28937,7 +30346,7 @@
         <p:spPr>
           <a:xfrm>
             <a:off x="266303" y="283984"/>
-            <a:ext cx="9473407" cy="706755"/>
+            <a:ext cx="9473407" cy="707886"/>
           </a:xfrm>
           <a:prstGeom prst="rect">
             <a:avLst/>
@@ -28963,7 +30372,7 @@
                 <a:latin typeface="Arial" panose="020B0604020202020204" pitchFamily="34" charset="0"/>
                 <a:cs typeface="Arial" panose="020B0604020202020204" pitchFamily="34" charset="0"/>
               </a:rPr>
-              <a:t>Systems Integration</a:t>
+              <a:t>ML Models – Integration/Deployment</a:t>
             </a:r>
             <a:endParaRPr lang="en-US" altLang="zh-CN" sz="4000" dirty="0">
               <a:solidFill>
@@ -29505,219 +30914,7 @@
 </p:sld>
 </file>
 
-<file path=ppt/slides/slide32.xml><?xml version="1.0" encoding="utf-8"?>
-<p:sld xmlns:a="http://schemas.openxmlformats.org/drawingml/2006/main" xmlns:r="http://schemas.openxmlformats.org/officeDocument/2006/relationships" xmlns:p="http://schemas.openxmlformats.org/presentationml/2006/main">
-  <p:cSld>
-    <p:spTree>
-      <p:nvGrpSpPr>
-        <p:cNvPr id="1" name=""/>
-        <p:cNvGrpSpPr/>
-        <p:nvPr/>
-      </p:nvGrpSpPr>
-      <p:grpSpPr>
-        <a:xfrm>
-          <a:off x="0" y="0"/>
-          <a:ext cx="0" cy="0"/>
-          <a:chOff x="0" y="0"/>
-          <a:chExt cx="0" cy="0"/>
-        </a:xfrm>
-      </p:grpSpPr>
-      <p:pic>
-        <p:nvPicPr>
-          <p:cNvPr id="100" name="Picture 99"/>
-          <p:cNvPicPr/>
-          <p:nvPr/>
-        </p:nvPicPr>
-        <p:blipFill>
-          <a:blip r:embed="rId1"/>
-          <a:stretch>
-            <a:fillRect/>
-          </a:stretch>
-        </p:blipFill>
-        <p:spPr>
-          <a:xfrm>
-            <a:off x="819785" y="0"/>
-            <a:ext cx="10341610" cy="6729095"/>
-          </a:xfrm>
-          <a:prstGeom prst="rect">
-            <a:avLst/>
-          </a:prstGeom>
-          <a:noFill/>
-          <a:ln w="9525">
-            <a:noFill/>
-          </a:ln>
-        </p:spPr>
-      </p:pic>
-      <p:sp>
-        <p:nvSpPr>
-          <p:cNvPr id="14" name="文本框 48"/>
-          <p:cNvSpPr txBox="1"/>
-          <p:nvPr/>
-        </p:nvSpPr>
-        <p:spPr>
-          <a:xfrm>
-            <a:off x="266065" y="283845"/>
-            <a:ext cx="553085" cy="706755"/>
-          </a:xfrm>
-          <a:prstGeom prst="rect">
-            <a:avLst/>
-          </a:prstGeom>
-          <a:solidFill>
-            <a:schemeClr val="bg1"/>
-          </a:solidFill>
-          <a:ln w="9525">
-            <a:noFill/>
-          </a:ln>
-        </p:spPr>
-        <p:txBody>
-          <a:bodyPr wrap="square" anchor="t" anchorCtr="0">
-            <a:spAutoFit/>
-          </a:bodyPr>
-          <a:p>
-            <a:endParaRPr lang="en-US" altLang="zh-CN" sz="4000" dirty="0">
-              <a:solidFill>
-                <a:srgbClr val="141214"/>
-              </a:solidFill>
-              <a:latin typeface="Arial" panose="020B0604020202020204" pitchFamily="34" charset="0"/>
-              <a:cs typeface="Arial" panose="020B0604020202020204" pitchFamily="34" charset="0"/>
-            </a:endParaRPr>
-          </a:p>
-        </p:txBody>
-      </p:sp>
-    </p:spTree>
-  </p:cSld>
-  <p:clrMapOvr>
-    <a:masterClrMapping/>
-  </p:clrMapOvr>
-  <mc:AlternateContent xmlns:mc="http://schemas.openxmlformats.org/markup-compatibility/2006">
-    <mc:Choice xmlns:p14="http://schemas.microsoft.com/office/powerpoint/2010/main" Requires="p14">
-      <p:transition spd="med" p14:dur="700">
-        <p:fade/>
-      </p:transition>
-    </mc:Choice>
-    <mc:Fallback>
-      <p:transition spd="med">
-        <p:fade/>
-      </p:transition>
-    </mc:Fallback>
-  </mc:AlternateContent>
-  <p:timing>
-    <p:tnLst>
-      <p:par>
-        <p:cTn id="1" dur="indefinite" restart="never" nodeType="tmRoot"/>
-      </p:par>
-    </p:tnLst>
-  </p:timing>
-</p:sld>
-</file>
-
-<file path=ppt/slides/slide33.xml><?xml version="1.0" encoding="utf-8"?>
-<p:sld xmlns:a="http://schemas.openxmlformats.org/drawingml/2006/main" xmlns:r="http://schemas.openxmlformats.org/officeDocument/2006/relationships" xmlns:p="http://schemas.openxmlformats.org/presentationml/2006/main">
-  <p:cSld>
-    <p:spTree>
-      <p:nvGrpSpPr>
-        <p:cNvPr id="1" name=""/>
-        <p:cNvGrpSpPr/>
-        <p:nvPr/>
-      </p:nvGrpSpPr>
-      <p:grpSpPr>
-        <a:xfrm>
-          <a:off x="0" y="0"/>
-          <a:ext cx="0" cy="0"/>
-          <a:chOff x="0" y="0"/>
-          <a:chExt cx="0" cy="0"/>
-        </a:xfrm>
-      </p:grpSpPr>
-      <p:sp>
-        <p:nvSpPr>
-          <p:cNvPr id="14" name="文本框 48"/>
-          <p:cNvSpPr txBox="1"/>
-          <p:nvPr/>
-        </p:nvSpPr>
-        <p:spPr>
-          <a:xfrm>
-            <a:off x="266065" y="283845"/>
-            <a:ext cx="2025650" cy="706755"/>
-          </a:xfrm>
-          <a:prstGeom prst="rect">
-            <a:avLst/>
-          </a:prstGeom>
-          <a:solidFill>
-            <a:schemeClr val="bg1"/>
-          </a:solidFill>
-          <a:ln w="9525">
-            <a:noFill/>
-          </a:ln>
-        </p:spPr>
-        <p:txBody>
-          <a:bodyPr wrap="square" anchor="t" anchorCtr="0">
-            <a:spAutoFit/>
-          </a:bodyPr>
-          <a:p>
-            <a:endParaRPr lang="en-US" altLang="zh-CN" sz="4000" dirty="0">
-              <a:solidFill>
-                <a:srgbClr val="141214"/>
-              </a:solidFill>
-              <a:latin typeface="Arial" panose="020B0604020202020204" pitchFamily="34" charset="0"/>
-              <a:cs typeface="Arial" panose="020B0604020202020204" pitchFamily="34" charset="0"/>
-            </a:endParaRPr>
-          </a:p>
-        </p:txBody>
-      </p:sp>
-      <p:pic>
-        <p:nvPicPr>
-          <p:cNvPr id="101" name="Picture 100"/>
-          <p:cNvPicPr/>
-          <p:nvPr/>
-        </p:nvPicPr>
-        <p:blipFill>
-          <a:blip r:embed="rId1"/>
-          <a:stretch>
-            <a:fillRect/>
-          </a:stretch>
-        </p:blipFill>
-        <p:spPr>
-          <a:xfrm>
-            <a:off x="2127250" y="-116205"/>
-            <a:ext cx="7598410" cy="6858000"/>
-          </a:xfrm>
-          <a:prstGeom prst="rect">
-            <a:avLst/>
-          </a:prstGeom>
-          <a:noFill/>
-          <a:ln w="9525">
-            <a:noFill/>
-          </a:ln>
-        </p:spPr>
-      </p:pic>
-    </p:spTree>
-  </p:cSld>
-  <p:clrMapOvr>
-    <a:masterClrMapping/>
-  </p:clrMapOvr>
-  <mc:AlternateContent xmlns:mc="http://schemas.openxmlformats.org/markup-compatibility/2006">
-    <mc:Choice xmlns:p14="http://schemas.microsoft.com/office/powerpoint/2010/main" Requires="p14">
-      <p:transition spd="med" p14:dur="700">
-        <p:fade/>
-      </p:transition>
-    </mc:Choice>
-    <mc:Fallback>
-      <p:transition spd="med">
-        <p:fade/>
-      </p:transition>
-    </mc:Fallback>
-  </mc:AlternateContent>
-  <p:timing>
-    <p:tnLst>
-      <p:par>
-        <p:cTn id="1" dur="indefinite" restart="never" nodeType="tmRoot"/>
-      </p:par>
-    </p:tnLst>
-  </p:timing>
-</p:sld>
-</file>
-
-<file path=ppt/slides/slide34.xml><?xml version="1.0" encoding="utf-8"?>
+<file path=ppt/slides/slide36.xml><?xml version="1.0" encoding="utf-8"?>
 <p:sld xmlns:a="http://schemas.openxmlformats.org/drawingml/2006/main" xmlns:r="http://schemas.openxmlformats.org/officeDocument/2006/relationships" xmlns:p="http://schemas.openxmlformats.org/presentationml/2006/main">
   <p:cSld>
     <p:spTree>
@@ -29743,7 +30940,7 @@
         <p:spPr>
           <a:xfrm>
             <a:off x="266303" y="283984"/>
-            <a:ext cx="9473407" cy="706755"/>
+            <a:ext cx="9473407" cy="707886"/>
           </a:xfrm>
           <a:prstGeom prst="rect">
             <a:avLst/>
@@ -29769,7 +30966,47 @@
                 <a:latin typeface="Arial" panose="020B0604020202020204" pitchFamily="34" charset="0"/>
                 <a:cs typeface="Arial" panose="020B0604020202020204" pitchFamily="34" charset="0"/>
               </a:rPr>
-              <a:t>Systems Integration - Live Demo</a:t>
+              <a:t>ML </a:t>
+            </a:r>
+            <a:r>
+              <a:rPr lang="en-US" altLang="zh-CN" sz="4000" dirty="0">
+                <a:solidFill>
+                  <a:srgbClr val="141214"/>
+                </a:solidFill>
+                <a:latin typeface="Arial" panose="020B0604020202020204" pitchFamily="34" charset="0"/>
+                <a:cs typeface="Arial" panose="020B0604020202020204" pitchFamily="34" charset="0"/>
+              </a:rPr>
+              <a:t>Models </a:t>
+            </a:r>
+            <a:r>
+              <a:rPr lang="en-US" altLang="zh-CN" sz="4000" dirty="0" smtClean="0">
+                <a:solidFill>
+                  <a:srgbClr val="141214"/>
+                </a:solidFill>
+                <a:latin typeface="Arial" panose="020B0604020202020204" pitchFamily="34" charset="0"/>
+                <a:cs typeface="Arial" panose="020B0604020202020204" pitchFamily="34" charset="0"/>
+              </a:rPr>
+              <a:t>– Web </a:t>
+            </a:r>
+            <a:r>
+              <a:rPr lang="en-US" altLang="zh-CN" sz="4000" dirty="0">
+                <a:solidFill>
+                  <a:srgbClr val="141214"/>
+                </a:solidFill>
+                <a:latin typeface="Arial" panose="020B0604020202020204" pitchFamily="34" charset="0"/>
+                <a:cs typeface="Arial" panose="020B0604020202020204" pitchFamily="34" charset="0"/>
+              </a:rPr>
+              <a:t>App </a:t>
+            </a:r>
+            <a:r>
+              <a:rPr lang="en-US" altLang="zh-CN" sz="4000" dirty="0" smtClean="0">
+                <a:solidFill>
+                  <a:srgbClr val="141214"/>
+                </a:solidFill>
+                <a:latin typeface="Arial" panose="020B0604020202020204" pitchFamily="34" charset="0"/>
+                <a:cs typeface="Arial" panose="020B0604020202020204" pitchFamily="34" charset="0"/>
+              </a:rPr>
+              <a:t>Prototype</a:t>
             </a:r>
             <a:endParaRPr lang="en-US" altLang="zh-CN" sz="4000" dirty="0">
               <a:solidFill>
@@ -29900,7 +31137,7 @@
         <p:spPr>
           <a:xfrm>
             <a:off x="1204033" y="1370811"/>
-            <a:ext cx="9564371" cy="368300"/>
+            <a:ext cx="9564371" cy="369332"/>
           </a:xfrm>
           <a:prstGeom prst="rect">
             <a:avLst/>
@@ -29926,7 +31163,7 @@
                 <a:latin typeface="Arial" panose="020B0604020202020204" pitchFamily="34" charset="0"/>
                 <a:cs typeface="Arial" panose="020B0604020202020204" pitchFamily="34" charset="0"/>
               </a:rPr>
-              <a:t>The integrated system is </a:t>
+              <a:t>The flask app prototype is </a:t>
             </a:r>
             <a:r>
               <a:rPr lang="en-US" dirty="0" smtClean="0">
@@ -30016,7 +31253,7 @@
 </p:sld>
 </file>
 
-<file path=ppt/slides/slide35.xml><?xml version="1.0" encoding="utf-8"?>
+<file path=ppt/slides/slide37.xml><?xml version="1.0" encoding="utf-8"?>
 <p:sld xmlns:a="http://schemas.openxmlformats.org/drawingml/2006/main" xmlns:r="http://schemas.openxmlformats.org/officeDocument/2006/relationships" xmlns:p="http://schemas.openxmlformats.org/presentationml/2006/main">
   <p:cSld>
     <p:spTree>
@@ -30041,8 +31278,8 @@
         </p:nvSpPr>
         <p:spPr>
           <a:xfrm>
-            <a:off x="4649001" y="4916488"/>
-            <a:ext cx="2914650" cy="768350"/>
+            <a:off x="3300109" y="4916488"/>
+            <a:ext cx="5612434" cy="769441"/>
           </a:xfrm>
           <a:prstGeom prst="rect">
             <a:avLst/>
@@ -30068,7 +31305,7 @@
                 <a:ea typeface="宋体" panose="02010600030101010101" pitchFamily="2" charset="-122"/>
                 <a:cs typeface="Arial" panose="020B0604020202020204" pitchFamily="34" charset="0"/>
               </a:rPr>
-              <a:t>Outcomes</a:t>
+              <a:t>Expected Outcomes</a:t>
             </a:r>
             <a:endParaRPr lang="en-US" altLang="zh-CN" sz="4400" b="1" dirty="0">
               <a:solidFill>
@@ -30088,8 +31325,8 @@
         </p:nvSpPr>
         <p:spPr>
           <a:xfrm>
-            <a:off x="5301933" y="869950"/>
-            <a:ext cx="1588135" cy="3153410"/>
+            <a:off x="5294338" y="869950"/>
+            <a:ext cx="1603324" cy="3154710"/>
           </a:xfrm>
           <a:prstGeom prst="rect">
             <a:avLst/>
@@ -30112,11 +31349,11 @@
                   <a:srgbClr val="262626"/>
                 </a:solidFill>
                 <a:latin typeface="Arial" panose="020B0604020202020204" pitchFamily="34" charset="0"/>
-                <a:ea typeface="Arial" panose="020B0604020202020204" pitchFamily="34" charset="0"/>
+                <a:cs typeface="Arial" panose="020B0604020202020204" pitchFamily="34" charset="0"/>
               </a:rPr>
-              <a:t>8</a:t>
+              <a:t>7</a:t>
             </a:r>
-            <a:endParaRPr lang="en-US" altLang="zh-CN" sz="19900" b="1" dirty="0">
+            <a:endParaRPr lang="zh-CN" altLang="en-US" sz="19900" b="1" dirty="0">
               <a:solidFill>
                 <a:srgbClr val="262626"/>
               </a:solidFill>
@@ -30144,7 +31381,7 @@
 </p:sld>
 </file>
 
-<file path=ppt/slides/slide36.xml><?xml version="1.0" encoding="utf-8"?>
+<file path=ppt/slides/slide38.xml><?xml version="1.0" encoding="utf-8"?>
 <p:sld xmlns:a="http://schemas.openxmlformats.org/drawingml/2006/main" xmlns:r="http://schemas.openxmlformats.org/officeDocument/2006/relationships" xmlns:p="http://schemas.openxmlformats.org/presentationml/2006/main">
   <p:cSld>
     <p:spTree>
@@ -30744,7 +31981,7 @@
 </p:sld>
 </file>
 
-<file path=ppt/slides/slide37.xml><?xml version="1.0" encoding="utf-8"?>
+<file path=ppt/slides/slide39.xml><?xml version="1.0" encoding="utf-8"?>
 <p:sld xmlns:a="http://schemas.openxmlformats.org/drawingml/2006/main" xmlns:r="http://schemas.openxmlformats.org/officeDocument/2006/relationships" xmlns:p="http://schemas.openxmlformats.org/presentationml/2006/main">
   <p:cSld>
     <p:spTree>
@@ -31075,80 +32312,6 @@
 </p:sld>
 </file>
 
-<file path=ppt/slides/slide38.xml><?xml version="1.0" encoding="utf-8"?>
-<p:sld xmlns:a="http://schemas.openxmlformats.org/drawingml/2006/main" xmlns:r="http://schemas.openxmlformats.org/officeDocument/2006/relationships" xmlns:p="http://schemas.openxmlformats.org/presentationml/2006/main">
-  <p:cSld>
-    <p:spTree>
-      <p:nvGrpSpPr>
-        <p:cNvPr id="1" name=""/>
-        <p:cNvGrpSpPr/>
-        <p:nvPr/>
-      </p:nvGrpSpPr>
-      <p:grpSpPr>
-        <a:xfrm>
-          <a:off x="0" y="0"/>
-          <a:ext cx="0" cy="0"/>
-          <a:chOff x="0" y="0"/>
-          <a:chExt cx="0" cy="0"/>
-        </a:xfrm>
-      </p:grpSpPr>
-      <p:sp>
-        <p:nvSpPr>
-          <p:cNvPr id="39937" name="矩形 14"/>
-          <p:cNvSpPr/>
-          <p:nvPr/>
-        </p:nvSpPr>
-        <p:spPr>
-          <a:xfrm>
-            <a:off x="3971925" y="2125663"/>
-            <a:ext cx="4527550" cy="1568450"/>
-          </a:xfrm>
-          <a:prstGeom prst="rect">
-            <a:avLst/>
-          </a:prstGeom>
-          <a:noFill/>
-          <a:ln w="9525">
-            <a:noFill/>
-          </a:ln>
-        </p:spPr>
-        <p:txBody>
-          <a:bodyPr wrap="none" anchor="t" anchorCtr="0">
-            <a:spAutoFit/>
-          </a:bodyPr>
-          <a:lstStyle/>
-          <a:p>
-            <a:r>
-              <a:rPr lang="en-US" altLang="zh-CN" sz="9600" dirty="0">
-                <a:solidFill>
-                  <a:srgbClr val="404040"/>
-                </a:solidFill>
-                <a:latin typeface="Arial" panose="020B0604020202020204" pitchFamily="34" charset="0"/>
-                <a:ea typeface="宋体" panose="02010600030101010101" pitchFamily="2" charset="-122"/>
-                <a:cs typeface="Arial" panose="020B0604020202020204" pitchFamily="34" charset="0"/>
-              </a:rPr>
-              <a:t>Thanks</a:t>
-            </a:r>
-            <a:endParaRPr lang="en-US" altLang="zh-CN" sz="16600" b="1" dirty="0">
-              <a:solidFill>
-                <a:srgbClr val="404040"/>
-              </a:solidFill>
-              <a:latin typeface="Arial" panose="020B0604020202020204" pitchFamily="34" charset="0"/>
-              <a:ea typeface="Arial" panose="020B0604020202020204" pitchFamily="34" charset="0"/>
-            </a:endParaRPr>
-          </a:p>
-        </p:txBody>
-      </p:sp>
-    </p:spTree>
-  </p:cSld>
-  <p:clrMapOvr>
-    <a:masterClrMapping/>
-  </p:clrMapOvr>
-  <p:transition spd="med">
-    <p:fade/>
-  </p:transition>
-</p:sld>
-</file>
-
 <file path=ppt/slides/slide4.xml><?xml version="1.0" encoding="utf-8"?>
 <p:sld xmlns:a="http://schemas.openxmlformats.org/drawingml/2006/main" xmlns:r="http://schemas.openxmlformats.org/officeDocument/2006/relationships" xmlns:p="http://schemas.openxmlformats.org/presentationml/2006/main">
   <p:cSld>
@@ -31448,6 +32611,80 @@
       </p:par>
     </p:tnLst>
   </p:timing>
+</p:sld>
+</file>
+
+<file path=ppt/slides/slide40.xml><?xml version="1.0" encoding="utf-8"?>
+<p:sld xmlns:a="http://schemas.openxmlformats.org/drawingml/2006/main" xmlns:r="http://schemas.openxmlformats.org/officeDocument/2006/relationships" xmlns:p="http://schemas.openxmlformats.org/presentationml/2006/main">
+  <p:cSld>
+    <p:spTree>
+      <p:nvGrpSpPr>
+        <p:cNvPr id="1" name=""/>
+        <p:cNvGrpSpPr/>
+        <p:nvPr/>
+      </p:nvGrpSpPr>
+      <p:grpSpPr>
+        <a:xfrm>
+          <a:off x="0" y="0"/>
+          <a:ext cx="0" cy="0"/>
+          <a:chOff x="0" y="0"/>
+          <a:chExt cx="0" cy="0"/>
+        </a:xfrm>
+      </p:grpSpPr>
+      <p:sp>
+        <p:nvSpPr>
+          <p:cNvPr id="39937" name="矩形 14"/>
+          <p:cNvSpPr/>
+          <p:nvPr/>
+        </p:nvSpPr>
+        <p:spPr>
+          <a:xfrm>
+            <a:off x="3971925" y="2125663"/>
+            <a:ext cx="4527550" cy="1568450"/>
+          </a:xfrm>
+          <a:prstGeom prst="rect">
+            <a:avLst/>
+          </a:prstGeom>
+          <a:noFill/>
+          <a:ln w="9525">
+            <a:noFill/>
+          </a:ln>
+        </p:spPr>
+        <p:txBody>
+          <a:bodyPr wrap="none" anchor="t" anchorCtr="0">
+            <a:spAutoFit/>
+          </a:bodyPr>
+          <a:lstStyle/>
+          <a:p>
+            <a:r>
+              <a:rPr lang="en-US" altLang="zh-CN" sz="9600" dirty="0">
+                <a:solidFill>
+                  <a:srgbClr val="404040"/>
+                </a:solidFill>
+                <a:latin typeface="Arial" panose="020B0604020202020204" pitchFamily="34" charset="0"/>
+                <a:ea typeface="宋体" panose="02010600030101010101" pitchFamily="2" charset="-122"/>
+                <a:cs typeface="Arial" panose="020B0604020202020204" pitchFamily="34" charset="0"/>
+              </a:rPr>
+              <a:t>Thanks</a:t>
+            </a:r>
+            <a:endParaRPr lang="en-US" altLang="zh-CN" sz="16600" b="1" dirty="0">
+              <a:solidFill>
+                <a:srgbClr val="404040"/>
+              </a:solidFill>
+              <a:latin typeface="Arial" panose="020B0604020202020204" pitchFamily="34" charset="0"/>
+              <a:ea typeface="Arial" panose="020B0604020202020204" pitchFamily="34" charset="0"/>
+            </a:endParaRPr>
+          </a:p>
+        </p:txBody>
+      </p:sp>
+    </p:spTree>
+  </p:cSld>
+  <p:clrMapOvr>
+    <a:masterClrMapping/>
+  </p:clrMapOvr>
+  <p:transition spd="med">
+    <p:fade/>
+  </p:transition>
 </p:sld>
 </file>
 

--- a/presentation/Project_Presentation_Final.pptx
+++ b/presentation/Project_Presentation_Final.pptx
@@ -8,7 +8,7 @@
     <p:notesMasterId r:id="rId6"/>
   </p:notesMasterIdLst>
   <p:handoutMasterIdLst>
-    <p:handoutMasterId r:id="rId44"/>
+    <p:handoutMasterId r:id="rId47"/>
   </p:handoutMasterIdLst>
   <p:sldIdLst>
     <p:sldId id="422" r:id="rId3"/>
@@ -43,14 +43,17 @@
     <p:sldId id="485" r:id="rId33"/>
     <p:sldId id="486" r:id="rId34"/>
     <p:sldId id="487" r:id="rId35"/>
-    <p:sldId id="451" r:id="rId36"/>
-    <p:sldId id="452" r:id="rId37"/>
-    <p:sldId id="454" r:id="rId38"/>
-    <p:sldId id="456" r:id="rId39"/>
-    <p:sldId id="434" r:id="rId40"/>
-    <p:sldId id="342" r:id="rId41"/>
-    <p:sldId id="440" r:id="rId42"/>
-    <p:sldId id="387" r:id="rId43"/>
+    <p:sldId id="496" r:id="rId36"/>
+    <p:sldId id="497" r:id="rId37"/>
+    <p:sldId id="498" r:id="rId38"/>
+    <p:sldId id="499" r:id="rId39"/>
+    <p:sldId id="452" r:id="rId40"/>
+    <p:sldId id="454" r:id="rId41"/>
+    <p:sldId id="456" r:id="rId42"/>
+    <p:sldId id="434" r:id="rId43"/>
+    <p:sldId id="342" r:id="rId44"/>
+    <p:sldId id="440" r:id="rId45"/>
+    <p:sldId id="387" r:id="rId46"/>
   </p:sldIdLst>
   <p:sldSz cx="12192000" cy="6858000"/>
   <p:notesSz cx="6858000" cy="9144000"/>
@@ -2442,221 +2445,178 @@
           <a:bodyPr/>
           <a:lstStyle/>
           <a:p>
+            <a:pPr>
+              <a:lnSpc>
+                <a:spcPct val="150000"/>
+              </a:lnSpc>
+            </a:pPr>
             <a:r>
-              <a:rPr lang="en-US" sz="1200" b="0" i="0" kern="1200" dirty="0" smtClean="0">
+              <a:rPr lang="en-US" altLang="zh-CN">
                 <a:solidFill>
-                  <a:schemeClr val="tx1"/>
+                  <a:schemeClr val="bg1"/>
                 </a:solidFill>
-                <a:effectLst/>
-                <a:latin typeface="+mn-lt"/>
-                <a:ea typeface="Arial" panose="020B0604020202020204" pitchFamily="34" charset="0"/>
-                <a:cs typeface="+mn-cs"/>
-                <a:sym typeface="Arial" panose="020B0604020202020204" pitchFamily="34" charset="0"/>
+                <a:latin typeface="Arial" panose="020B0604020202020204" pitchFamily="34" charset="0"/>
+                <a:cs typeface="Arial" panose="020B0604020202020204" pitchFamily="34" charset="0"/>
+                <a:sym typeface="+mn-ea"/>
               </a:rPr>
-              <a:t>I plan to use the Cosine similarity model, Matrix Factorization, KNN. Besides, NLP models like TF-IDF, Naive Bayes, LSTM could be used against the text data. For evaluate/compare the performance of the models, I plan to apply Root Mean Squared Error (RMSE) and Decision support metrics (Precision, Recall, F1).</a:t>
+              <a:t>The idea of Collaborative methods for recommender systems are methods based on past interactions recorded between users </a:t>
             </a:r>
-            <a:endParaRPr lang="en-US" sz="1200" b="0" i="0" kern="1200" dirty="0" smtClean="0">
+            <a:endParaRPr lang="en-US" altLang="zh-CN">
               <a:solidFill>
-                <a:schemeClr val="tx1"/>
+                <a:schemeClr val="bg1"/>
               </a:solidFill>
-              <a:effectLst/>
-              <a:latin typeface="+mn-lt"/>
-              <a:ea typeface="Arial" panose="020B0604020202020204" pitchFamily="34" charset="0"/>
-              <a:cs typeface="+mn-cs"/>
-              <a:sym typeface="Arial" panose="020B0604020202020204" pitchFamily="34" charset="0"/>
+              <a:latin typeface="Arial" panose="020B0604020202020204" pitchFamily="34" charset="0"/>
+              <a:cs typeface="Arial" panose="020B0604020202020204" pitchFamily="34" charset="0"/>
             </a:endParaRPr>
           </a:p>
           <a:p>
-            <a:endParaRPr lang="en-US" sz="1200" b="0" i="0" kern="1200" dirty="0" smtClean="0">
+            <a:pPr>
+              <a:lnSpc>
+                <a:spcPct val="150000"/>
+              </a:lnSpc>
+            </a:pPr>
+            <a:r>
+              <a:rPr lang="en-US" altLang="zh-CN">
+                <a:solidFill>
+                  <a:schemeClr val="bg1"/>
+                </a:solidFill>
+                <a:latin typeface="Arial" panose="020B0604020202020204" pitchFamily="34" charset="0"/>
+                <a:cs typeface="Arial" panose="020B0604020202020204" pitchFamily="34" charset="0"/>
+                <a:sym typeface="+mn-ea"/>
+              </a:rPr>
+              <a:t>and items to generate new recommendations.  The past user-item interactions represent the bases to detect similar users and/or similar items and to make predictions based on estimated proximities.</a:t>
+            </a:r>
+            <a:endParaRPr lang="en-US" altLang="zh-CN">
               <a:solidFill>
-                <a:schemeClr val="tx1"/>
+                <a:schemeClr val="bg1"/>
               </a:solidFill>
-              <a:effectLst/>
-              <a:latin typeface="+mn-lt"/>
-              <a:ea typeface="Arial" panose="020B0604020202020204" pitchFamily="34" charset="0"/>
-              <a:cs typeface="+mn-cs"/>
-              <a:sym typeface="Arial" panose="020B0604020202020204" pitchFamily="34" charset="0"/>
+              <a:latin typeface="Arial" panose="020B0604020202020204" pitchFamily="34" charset="0"/>
+              <a:cs typeface="Arial" panose="020B0604020202020204" pitchFamily="34" charset="0"/>
+              <a:sym typeface="+mn-ea"/>
             </a:endParaRPr>
           </a:p>
           <a:p>
-            <a:r>
-              <a:rPr lang="en-US" sz="1200" b="0" i="0" kern="1200" dirty="0" smtClean="0">
-                <a:solidFill>
-                  <a:schemeClr val="tx1"/>
-                </a:solidFill>
-                <a:effectLst/>
-                <a:latin typeface="+mn-lt"/>
-                <a:ea typeface="Arial" panose="020B0604020202020204" pitchFamily="34" charset="0"/>
-                <a:cs typeface="+mn-cs"/>
-                <a:sym typeface="Arial" panose="020B0604020202020204" pitchFamily="34" charset="0"/>
-              </a:rPr>
-              <a:t>For Content-based Filtering, I will apply the cosine similarity method against the product metadata to identify the similar products for the given one. The main feature that will be used for this model is from the product metadata like description, price, </a:t>
-            </a:r>
-            <a:r>
-              <a:rPr lang="en-US" sz="1200" b="0" i="0" kern="1200" dirty="0" err="1" smtClean="0">
-                <a:solidFill>
-                  <a:schemeClr val="tx1"/>
-                </a:solidFill>
-                <a:effectLst/>
-                <a:latin typeface="+mn-lt"/>
-                <a:ea typeface="Arial" panose="020B0604020202020204" pitchFamily="34" charset="0"/>
-                <a:cs typeface="+mn-cs"/>
-                <a:sym typeface="Arial" panose="020B0604020202020204" pitchFamily="34" charset="0"/>
-              </a:rPr>
-              <a:t>salesRank</a:t>
-            </a:r>
-            <a:r>
-              <a:rPr lang="en-US" sz="1200" b="0" i="0" kern="1200" dirty="0" smtClean="0">
-                <a:solidFill>
-                  <a:schemeClr val="tx1"/>
-                </a:solidFill>
-                <a:effectLst/>
-                <a:latin typeface="+mn-lt"/>
-                <a:ea typeface="Arial" panose="020B0604020202020204" pitchFamily="34" charset="0"/>
-                <a:cs typeface="+mn-cs"/>
-                <a:sym typeface="Arial" panose="020B0604020202020204" pitchFamily="34" charset="0"/>
-              </a:rPr>
-              <a:t>, brand, categories, and product features. Since some of them are textual data, NLP techniques like tokenization and TF-IDF </a:t>
-            </a:r>
-            <a:r>
-              <a:rPr lang="en-US" sz="1200" b="0" i="0" kern="1200" dirty="0" err="1" smtClean="0">
-                <a:solidFill>
-                  <a:schemeClr val="tx1"/>
-                </a:solidFill>
-                <a:effectLst/>
-                <a:latin typeface="+mn-lt"/>
-                <a:ea typeface="Arial" panose="020B0604020202020204" pitchFamily="34" charset="0"/>
-                <a:cs typeface="+mn-cs"/>
-                <a:sym typeface="Arial" panose="020B0604020202020204" pitchFamily="34" charset="0"/>
-              </a:rPr>
-              <a:t>vectorization</a:t>
-            </a:r>
-            <a:r>
-              <a:rPr lang="en-US" sz="1200" b="0" i="0" kern="1200" dirty="0" smtClean="0">
-                <a:solidFill>
-                  <a:schemeClr val="tx1"/>
-                </a:solidFill>
-                <a:effectLst/>
-                <a:latin typeface="+mn-lt"/>
-                <a:ea typeface="Arial" panose="020B0604020202020204" pitchFamily="34" charset="0"/>
-                <a:cs typeface="+mn-cs"/>
-                <a:sym typeface="Arial" panose="020B0604020202020204" pitchFamily="34" charset="0"/>
-              </a:rPr>
-              <a:t> will be applied. Besides, the memory-based approach, I also tried model-based approach like LDA to generate similar topic based on product textual data.</a:t>
-            </a:r>
-            <a:endParaRPr lang="en-US" sz="1200" b="0" i="0" kern="1200" dirty="0" smtClean="0">
+            <a:pPr>
+              <a:lnSpc>
+                <a:spcPct val="150000"/>
+              </a:lnSpc>
+            </a:pPr>
+            <a:endParaRPr lang="en-US" altLang="zh-CN" dirty="0">
               <a:solidFill>
-                <a:schemeClr val="tx1"/>
+                <a:srgbClr val="262626"/>
               </a:solidFill>
-              <a:effectLst/>
-              <a:latin typeface="+mn-lt"/>
-              <a:ea typeface="Arial" panose="020B0604020202020204" pitchFamily="34" charset="0"/>
-              <a:cs typeface="+mn-cs"/>
-              <a:sym typeface="Arial" panose="020B0604020202020204" pitchFamily="34" charset="0"/>
+              <a:latin typeface="Arial" panose="020B0604020202020204" pitchFamily="34" charset="0"/>
+              <a:cs typeface="Arial" panose="020B0604020202020204" pitchFamily="34" charset="0"/>
+              <a:sym typeface="+mn-ea"/>
             </a:endParaRPr>
           </a:p>
           <a:p>
-            <a:endParaRPr lang="en-US" sz="1200" b="0" i="0" kern="1200" dirty="0" smtClean="0">
+            <a:pPr>
+              <a:lnSpc>
+                <a:spcPct val="150000"/>
+              </a:lnSpc>
+            </a:pPr>
+            <a:r>
+              <a:rPr lang="en-US" altLang="zh-CN" dirty="0">
+                <a:solidFill>
+                  <a:srgbClr val="262626"/>
+                </a:solidFill>
+                <a:latin typeface="Arial" panose="020B0604020202020204" pitchFamily="34" charset="0"/>
+                <a:cs typeface="Arial" panose="020B0604020202020204" pitchFamily="34" charset="0"/>
+                <a:sym typeface="+mn-ea"/>
+              </a:rPr>
+              <a:t>The class of collaborative filtering algorithms is divided into two sub-categories called memory-based and model-based approaches. </a:t>
+            </a:r>
+            <a:endParaRPr lang="en-US" altLang="zh-CN" dirty="0">
               <a:solidFill>
-                <a:schemeClr val="tx1"/>
+                <a:srgbClr val="262626"/>
               </a:solidFill>
-              <a:effectLst/>
-              <a:latin typeface="+mn-lt"/>
-              <a:ea typeface="Arial" panose="020B0604020202020204" pitchFamily="34" charset="0"/>
-              <a:cs typeface="+mn-cs"/>
-              <a:sym typeface="Arial" panose="020B0604020202020204" pitchFamily="34" charset="0"/>
+              <a:latin typeface="Arial" panose="020B0604020202020204" pitchFamily="34" charset="0"/>
+              <a:cs typeface="Arial" panose="020B0604020202020204" pitchFamily="34" charset="0"/>
+              <a:sym typeface="+mn-ea"/>
             </a:endParaRPr>
           </a:p>
           <a:p>
-            <a:r>
-              <a:rPr lang="en-US" sz="1200" b="0" i="0" kern="1200" dirty="0" smtClean="0">
-                <a:solidFill>
-                  <a:schemeClr val="tx1"/>
-                </a:solidFill>
-                <a:effectLst/>
-                <a:latin typeface="+mn-lt"/>
-                <a:ea typeface="Arial" panose="020B0604020202020204" pitchFamily="34" charset="0"/>
-                <a:cs typeface="+mn-cs"/>
-                <a:sym typeface="Arial" panose="020B0604020202020204" pitchFamily="34" charset="0"/>
-              </a:rPr>
-              <a:t>For Collaborative Filtering, I will apply the matrix factorization method against the review data. The main feature that will be used for this approach is from the review data like user id, product id, and the rating score. To perform matrix analysis, the cosine similarity method could be applied again, and several machine learning algorithms will be used such as KNN and Singular value decomposition (SVD). KNN can group users into a cluster and only consider the same cluster user for product recommendation. SVD can break down a matrix into the product of a few smaller matrices to reveal the user connections and to discover relationships between items. </a:t>
-            </a:r>
-            <a:endParaRPr lang="en-US" sz="1200" b="0" i="0" kern="1200" dirty="0" smtClean="0">
+            <a:pPr>
+              <a:lnSpc>
+                <a:spcPct val="150000"/>
+              </a:lnSpc>
+            </a:pPr>
+            <a:endParaRPr lang="en-US" altLang="zh-CN" dirty="0">
               <a:solidFill>
-                <a:schemeClr val="tx1"/>
+                <a:srgbClr val="262626"/>
               </a:solidFill>
-              <a:effectLst/>
-              <a:latin typeface="+mn-lt"/>
-              <a:ea typeface="Arial" panose="020B0604020202020204" pitchFamily="34" charset="0"/>
-              <a:cs typeface="+mn-cs"/>
-              <a:sym typeface="Arial" panose="020B0604020202020204" pitchFamily="34" charset="0"/>
+              <a:latin typeface="Arial" panose="020B0604020202020204" pitchFamily="34" charset="0"/>
+              <a:cs typeface="Arial" panose="020B0604020202020204" pitchFamily="34" charset="0"/>
+              <a:sym typeface="+mn-ea"/>
             </a:endParaRPr>
           </a:p>
           <a:p>
-            <a:endParaRPr lang="en-US" sz="1200" b="0" i="0" kern="1200" dirty="0" smtClean="0">
+            <a:pPr>
+              <a:lnSpc>
+                <a:spcPct val="150000"/>
+              </a:lnSpc>
+            </a:pPr>
+            <a:r>
+              <a:rPr lang="en-US" altLang="zh-CN" dirty="0">
+                <a:solidFill>
+                  <a:srgbClr val="262626"/>
+                </a:solidFill>
+                <a:latin typeface="Arial" panose="020B0604020202020204" pitchFamily="34" charset="0"/>
+                <a:cs typeface="Arial" panose="020B0604020202020204" pitchFamily="34" charset="0"/>
+                <a:sym typeface="+mn-ea"/>
+              </a:rPr>
+              <a:t>Memory-based approaches directly work with values of recorded interactions and based on nearest neighbors search or KNN (find the closest users from a referenced user and suggest the most popular items among these neighbors)</a:t>
+            </a:r>
+            <a:endParaRPr lang="en-US" altLang="zh-CN" dirty="0">
               <a:solidFill>
-                <a:schemeClr val="tx1"/>
+                <a:srgbClr val="262626"/>
               </a:solidFill>
-              <a:effectLst/>
-              <a:latin typeface="+mn-lt"/>
-              <a:ea typeface="Arial" panose="020B0604020202020204" pitchFamily="34" charset="0"/>
-              <a:cs typeface="+mn-cs"/>
-              <a:sym typeface="Arial" panose="020B0604020202020204" pitchFamily="34" charset="0"/>
+              <a:latin typeface="Arial" panose="020B0604020202020204" pitchFamily="34" charset="0"/>
+              <a:cs typeface="Arial" panose="020B0604020202020204" pitchFamily="34" charset="0"/>
+              <a:sym typeface="+mn-ea"/>
             </a:endParaRPr>
           </a:p>
           <a:p>
-            <a:r>
-              <a:rPr lang="en-US" sz="1200" b="0" i="0" kern="1200" dirty="0" smtClean="0">
-                <a:solidFill>
-                  <a:schemeClr val="tx1"/>
-                </a:solidFill>
-                <a:effectLst/>
-                <a:latin typeface="+mn-lt"/>
-                <a:ea typeface="Arial" panose="020B0604020202020204" pitchFamily="34" charset="0"/>
-                <a:cs typeface="+mn-cs"/>
-                <a:sym typeface="Arial" panose="020B0604020202020204" pitchFamily="34" charset="0"/>
-              </a:rPr>
-              <a:t>Moreover, deep learning techniques could also be applied for </a:t>
-            </a:r>
-            <a:r>
-              <a:rPr lang="en-US" sz="1200" b="0" i="0" kern="1200" dirty="0" err="1" smtClean="0">
-                <a:solidFill>
-                  <a:schemeClr val="tx1"/>
-                </a:solidFill>
-                <a:effectLst/>
-                <a:latin typeface="+mn-lt"/>
-                <a:ea typeface="Arial" panose="020B0604020202020204" pitchFamily="34" charset="0"/>
-                <a:cs typeface="+mn-cs"/>
-                <a:sym typeface="Arial" panose="020B0604020202020204" pitchFamily="34" charset="0"/>
-              </a:rPr>
-              <a:t>Collborative</a:t>
-            </a:r>
-            <a:r>
-              <a:rPr lang="en-US" sz="1200" b="0" i="0" kern="1200" dirty="0" smtClean="0">
-                <a:solidFill>
-                  <a:schemeClr val="tx1"/>
-                </a:solidFill>
-                <a:effectLst/>
-                <a:latin typeface="+mn-lt"/>
-                <a:ea typeface="Arial" panose="020B0604020202020204" pitchFamily="34" charset="0"/>
-                <a:cs typeface="+mn-cs"/>
-                <a:sym typeface="Arial" panose="020B0604020202020204" pitchFamily="34" charset="0"/>
-              </a:rPr>
-              <a:t> Filtering, Neural Network method can take the user-item matrix or review textual data for predicting a score for recommending.</a:t>
-            </a:r>
-            <a:endParaRPr lang="en-US" sz="1200" b="0" i="0" kern="1200" dirty="0" smtClean="0">
+            <a:pPr>
+              <a:lnSpc>
+                <a:spcPct val="150000"/>
+              </a:lnSpc>
+            </a:pPr>
+            <a:endParaRPr lang="en-US" altLang="zh-CN" dirty="0">
               <a:solidFill>
-                <a:schemeClr val="tx1"/>
+                <a:srgbClr val="262626"/>
               </a:solidFill>
-              <a:effectLst/>
-              <a:latin typeface="+mn-lt"/>
-              <a:ea typeface="Arial" panose="020B0604020202020204" pitchFamily="34" charset="0"/>
-              <a:cs typeface="+mn-cs"/>
-              <a:sym typeface="Arial" panose="020B0604020202020204" pitchFamily="34" charset="0"/>
+              <a:latin typeface="Arial" panose="020B0604020202020204" pitchFamily="34" charset="0"/>
+              <a:cs typeface="Arial" panose="020B0604020202020204" pitchFamily="34" charset="0"/>
+              <a:sym typeface="+mn-ea"/>
             </a:endParaRPr>
           </a:p>
           <a:p>
-            <a:endParaRPr lang="en-US" dirty="0"/>
+            <a:pPr>
+              <a:lnSpc>
+                <a:spcPct val="150000"/>
+              </a:lnSpc>
+            </a:pPr>
+            <a:r>
+              <a:rPr lang="en-US" altLang="zh-CN" dirty="0">
+                <a:solidFill>
+                  <a:srgbClr val="262626"/>
+                </a:solidFill>
+                <a:latin typeface="Arial" panose="020B0604020202020204" pitchFamily="34" charset="0"/>
+                <a:cs typeface="Arial" panose="020B0604020202020204" pitchFamily="34" charset="0"/>
+                <a:sym typeface="+mn-ea"/>
+              </a:rPr>
+              <a:t>Model-based approaches assume there is an underlying generative model that explains the user-item interactions and tries to identify it in order to make new predictions</a:t>
+            </a:r>
+            <a:endParaRPr lang="en-US" altLang="zh-CN" dirty="0">
+              <a:solidFill>
+                <a:srgbClr val="262626"/>
+              </a:solidFill>
+              <a:latin typeface="Arial" panose="020B0604020202020204" pitchFamily="34" charset="0"/>
+              <a:cs typeface="Arial" panose="020B0604020202020204" pitchFamily="34" charset="0"/>
+              <a:sym typeface="+mn-ea"/>
+            </a:endParaRPr>
           </a:p>
         </p:txBody>
       </p:sp>
@@ -2669,6 +2629,425 @@
 </file>
 
 <file path=ppt/notesSlides/notesSlide21.xml><?xml version="1.0" encoding="utf-8"?>
+<p:notes xmlns:a="http://schemas.openxmlformats.org/drawingml/2006/main" xmlns:r="http://schemas.openxmlformats.org/officeDocument/2006/relationships" xmlns:p="http://schemas.openxmlformats.org/presentationml/2006/main">
+  <p:cSld>
+    <p:spTree>
+      <p:nvGrpSpPr>
+        <p:cNvPr id="1" name=""/>
+        <p:cNvGrpSpPr/>
+        <p:nvPr/>
+      </p:nvGrpSpPr>
+      <p:grpSpPr>
+        <a:xfrm>
+          <a:off x="0" y="0"/>
+          <a:ext cx="0" cy="0"/>
+          <a:chOff x="0" y="0"/>
+          <a:chExt cx="0" cy="0"/>
+        </a:xfrm>
+      </p:grpSpPr>
+      <p:sp>
+        <p:nvSpPr>
+          <p:cNvPr id="2" name="幻灯片图像占位符 1"/>
+          <p:cNvSpPr>
+            <a:spLocks noGrp="1" noRot="1" noChangeAspect="1"/>
+          </p:cNvSpPr>
+          <p:nvPr>
+            <p:ph type="sldImg"/>
+          </p:nvPr>
+        </p:nvSpPr>
+        <p:spPr/>
+      </p:sp>
+      <p:sp>
+        <p:nvSpPr>
+          <p:cNvPr id="3" name="备注占位符 2"/>
+          <p:cNvSpPr>
+            <a:spLocks noGrp="1"/>
+          </p:cNvSpPr>
+          <p:nvPr>
+            <p:ph type="body" idx="1"/>
+          </p:nvPr>
+        </p:nvSpPr>
+        <p:spPr/>
+        <p:txBody>
+          <a:bodyPr/>
+          <a:lstStyle/>
+          <a:p>
+            <a:pPr>
+              <a:lnSpc>
+                <a:spcPct val="150000"/>
+              </a:lnSpc>
+            </a:pPr>
+            <a:r>
+              <a:rPr lang="en-US" altLang="zh-CN" dirty="0">
+                <a:solidFill>
+                  <a:srgbClr val="262626"/>
+                </a:solidFill>
+                <a:latin typeface="Arial" panose="020B0604020202020204" pitchFamily="34" charset="0"/>
+                <a:cs typeface="Arial" panose="020B0604020202020204" pitchFamily="34" charset="0"/>
+                <a:sym typeface="+mn-ea"/>
+              </a:rPr>
+              <a:t>For training the collaborative filtering model, we only consider the customer with at least 3 reviews in our dataset. This will increase the recommendation output accuracy. </a:t>
+            </a:r>
+            <a:endParaRPr lang="en-US" altLang="zh-CN" dirty="0">
+              <a:solidFill>
+                <a:srgbClr val="262626"/>
+              </a:solidFill>
+              <a:latin typeface="Arial" panose="020B0604020202020204" pitchFamily="34" charset="0"/>
+              <a:cs typeface="Arial" panose="020B0604020202020204" pitchFamily="34" charset="0"/>
+              <a:sym typeface="+mn-ea"/>
+            </a:endParaRPr>
+          </a:p>
+          <a:p>
+            <a:pPr>
+              <a:lnSpc>
+                <a:spcPct val="150000"/>
+              </a:lnSpc>
+            </a:pPr>
+            <a:endParaRPr lang="en-US" altLang="zh-CN" dirty="0">
+              <a:solidFill>
+                <a:srgbClr val="262626"/>
+              </a:solidFill>
+              <a:latin typeface="Arial" panose="020B0604020202020204" pitchFamily="34" charset="0"/>
+              <a:cs typeface="Arial" panose="020B0604020202020204" pitchFamily="34" charset="0"/>
+              <a:sym typeface="+mn-ea"/>
+            </a:endParaRPr>
+          </a:p>
+          <a:p>
+            <a:pPr>
+              <a:lnSpc>
+                <a:spcPct val="150000"/>
+              </a:lnSpc>
+            </a:pPr>
+            <a:r>
+              <a:rPr lang="en-US" altLang="zh-CN" dirty="0">
+                <a:latin typeface="Arial" panose="020B0604020202020204" pitchFamily="34" charset="0"/>
+                <a:cs typeface="Arial" panose="020B0604020202020204" pitchFamily="34" charset="0"/>
+              </a:rPr>
+              <a:t>On the left-hand side, the graph shows the rating distribution for our selected training data. Since one of the objectives of this project is to find out if textual data can improve recommender systems' performance, I have also performed sentiment analysis against the review text and converted the sentiment polarity score into the same range as the review rating. The graph on the right shows that based on the sentiment of the review text, the rating distribution should not be that imbalanced.</a:t>
+            </a:r>
+            <a:endParaRPr lang="en-US" altLang="zh-CN" dirty="0">
+              <a:latin typeface="Arial" panose="020B0604020202020204" pitchFamily="34" charset="0"/>
+              <a:cs typeface="Arial" panose="020B0604020202020204" pitchFamily="34" charset="0"/>
+            </a:endParaRPr>
+          </a:p>
+          <a:p>
+            <a:pPr>
+              <a:lnSpc>
+                <a:spcPct val="150000"/>
+              </a:lnSpc>
+            </a:pPr>
+            <a:endParaRPr lang="en-US" altLang="zh-CN" dirty="0">
+              <a:latin typeface="Arial" panose="020B0604020202020204" pitchFamily="34" charset="0"/>
+              <a:cs typeface="Arial" panose="020B0604020202020204" pitchFamily="34" charset="0"/>
+            </a:endParaRPr>
+          </a:p>
+          <a:p>
+            <a:pPr>
+              <a:lnSpc>
+                <a:spcPct val="150000"/>
+              </a:lnSpc>
+            </a:pPr>
+            <a:r>
+              <a:rPr lang="en-US" altLang="zh-CN" dirty="0">
+                <a:solidFill>
+                  <a:srgbClr val="262626"/>
+                </a:solidFill>
+                <a:latin typeface="Arial" panose="020B0604020202020204" pitchFamily="34" charset="0"/>
+                <a:cs typeface="Arial" panose="020B0604020202020204" pitchFamily="34" charset="0"/>
+                <a:sym typeface="+mn-ea"/>
+              </a:rPr>
+              <a:t>Becasue of the sentiment data is tend to be more normally distributed, I choose to use it for the machine learning models instead of the original rating.</a:t>
+            </a:r>
+            <a:endParaRPr lang="en-US" altLang="zh-CN" dirty="0">
+              <a:solidFill>
+                <a:srgbClr val="262626"/>
+              </a:solidFill>
+              <a:latin typeface="Arial" panose="020B0604020202020204" pitchFamily="34" charset="0"/>
+              <a:cs typeface="Arial" panose="020B0604020202020204" pitchFamily="34" charset="0"/>
+              <a:sym typeface="+mn-ea"/>
+            </a:endParaRPr>
+          </a:p>
+          <a:p>
+            <a:pPr>
+              <a:lnSpc>
+                <a:spcPct val="150000"/>
+              </a:lnSpc>
+            </a:pPr>
+            <a:endParaRPr lang="en-US" altLang="zh-CN" dirty="0">
+              <a:solidFill>
+                <a:srgbClr val="262626"/>
+              </a:solidFill>
+              <a:latin typeface="Arial" panose="020B0604020202020204" pitchFamily="34" charset="0"/>
+              <a:cs typeface="Arial" panose="020B0604020202020204" pitchFamily="34" charset="0"/>
+              <a:sym typeface="+mn-ea"/>
+            </a:endParaRPr>
+          </a:p>
+          <a:p>
+            <a:pPr>
+              <a:lnSpc>
+                <a:spcPct val="150000"/>
+              </a:lnSpc>
+            </a:pPr>
+            <a:endParaRPr lang="en-US" altLang="zh-CN" dirty="0">
+              <a:solidFill>
+                <a:srgbClr val="262626"/>
+              </a:solidFill>
+              <a:latin typeface="Arial" panose="020B0604020202020204" pitchFamily="34" charset="0"/>
+              <a:cs typeface="Arial" panose="020B0604020202020204" pitchFamily="34" charset="0"/>
+              <a:sym typeface="+mn-ea"/>
+            </a:endParaRPr>
+          </a:p>
+        </p:txBody>
+      </p:sp>
+    </p:spTree>
+  </p:cSld>
+  <p:clrMapOvr>
+    <a:masterClrMapping/>
+  </p:clrMapOvr>
+</p:notes>
+</file>
+
+<file path=ppt/notesSlides/notesSlide22.xml><?xml version="1.0" encoding="utf-8"?>
+<p:notes xmlns:a="http://schemas.openxmlformats.org/drawingml/2006/main" xmlns:r="http://schemas.openxmlformats.org/officeDocument/2006/relationships" xmlns:p="http://schemas.openxmlformats.org/presentationml/2006/main">
+  <p:cSld>
+    <p:spTree>
+      <p:nvGrpSpPr>
+        <p:cNvPr id="1" name=""/>
+        <p:cNvGrpSpPr/>
+        <p:nvPr/>
+      </p:nvGrpSpPr>
+      <p:grpSpPr>
+        <a:xfrm>
+          <a:off x="0" y="0"/>
+          <a:ext cx="0" cy="0"/>
+          <a:chOff x="0" y="0"/>
+          <a:chExt cx="0" cy="0"/>
+        </a:xfrm>
+      </p:grpSpPr>
+      <p:sp>
+        <p:nvSpPr>
+          <p:cNvPr id="2" name="幻灯片图像占位符 1"/>
+          <p:cNvSpPr>
+            <a:spLocks noGrp="1" noRot="1" noChangeAspect="1"/>
+          </p:cNvSpPr>
+          <p:nvPr>
+            <p:ph type="sldImg"/>
+          </p:nvPr>
+        </p:nvSpPr>
+        <p:spPr/>
+      </p:sp>
+      <p:sp>
+        <p:nvSpPr>
+          <p:cNvPr id="3" name="备注占位符 2"/>
+          <p:cNvSpPr>
+            <a:spLocks noGrp="1"/>
+          </p:cNvSpPr>
+          <p:nvPr>
+            <p:ph type="body" idx="1"/>
+          </p:nvPr>
+        </p:nvSpPr>
+        <p:spPr/>
+        <p:txBody>
+          <a:bodyPr/>
+          <a:lstStyle/>
+          <a:p>
+            <a:pPr>
+              <a:lnSpc>
+                <a:spcPct val="150000"/>
+              </a:lnSpc>
+            </a:pPr>
+            <a:r>
+              <a:rPr lang="en-US" altLang="zh-CN" dirty="0">
+                <a:solidFill>
+                  <a:srgbClr val="262626"/>
+                </a:solidFill>
+                <a:latin typeface="Arial" panose="020B0604020202020204" pitchFamily="34" charset="0"/>
+                <a:cs typeface="Arial" panose="020B0604020202020204" pitchFamily="34" charset="0"/>
+                <a:sym typeface="+mn-ea"/>
+              </a:rPr>
+              <a:t>Surprise is a good Python library to build collaborative recommendation system for both memory based and model based models.</a:t>
+            </a:r>
+            <a:endParaRPr lang="en-US" altLang="zh-CN" dirty="0">
+              <a:solidFill>
+                <a:srgbClr val="262626"/>
+              </a:solidFill>
+              <a:latin typeface="Arial" panose="020B0604020202020204" pitchFamily="34" charset="0"/>
+              <a:cs typeface="Arial" panose="020B0604020202020204" pitchFamily="34" charset="0"/>
+              <a:sym typeface="+mn-ea"/>
+            </a:endParaRPr>
+          </a:p>
+          <a:p>
+            <a:pPr>
+              <a:lnSpc>
+                <a:spcPct val="150000"/>
+              </a:lnSpc>
+            </a:pPr>
+            <a:endParaRPr lang="en-US" altLang="zh-CN" dirty="0">
+              <a:solidFill>
+                <a:srgbClr val="262626"/>
+              </a:solidFill>
+              <a:latin typeface="Arial" panose="020B0604020202020204" pitchFamily="34" charset="0"/>
+              <a:cs typeface="Arial" panose="020B0604020202020204" pitchFamily="34" charset="0"/>
+              <a:sym typeface="+mn-ea"/>
+            </a:endParaRPr>
+          </a:p>
+          <a:p>
+            <a:pPr>
+              <a:lnSpc>
+                <a:spcPct val="150000"/>
+              </a:lnSpc>
+            </a:pPr>
+            <a:r>
+              <a:rPr lang="en-US" altLang="zh-CN" dirty="0">
+                <a:solidFill>
+                  <a:srgbClr val="262626"/>
+                </a:solidFill>
+                <a:latin typeface="Arial" panose="020B0604020202020204" pitchFamily="34" charset="0"/>
+                <a:cs typeface="Arial" panose="020B0604020202020204" pitchFamily="34" charset="0"/>
+                <a:sym typeface="+mn-ea"/>
+              </a:rPr>
+              <a:t>I have applied all the algorithms supported by Surprise and developed a deep neural network by TensorFlow and Keras to compare their performance results. The result table shows that SVDpp and SVD have a very close performance, but the training and testing time of SVDpp is longer than SVD. Thus, the SVD is our choice for the collaborative filtering recommendation model deployment.</a:t>
+            </a:r>
+            <a:endParaRPr lang="en-US" altLang="zh-CN" dirty="0">
+              <a:solidFill>
+                <a:srgbClr val="262626"/>
+              </a:solidFill>
+              <a:latin typeface="Arial" panose="020B0604020202020204" pitchFamily="34" charset="0"/>
+              <a:cs typeface="Arial" panose="020B0604020202020204" pitchFamily="34" charset="0"/>
+              <a:sym typeface="+mn-ea"/>
+            </a:endParaRPr>
+          </a:p>
+        </p:txBody>
+      </p:sp>
+    </p:spTree>
+  </p:cSld>
+  <p:clrMapOvr>
+    <a:masterClrMapping/>
+  </p:clrMapOvr>
+</p:notes>
+</file>
+
+<file path=ppt/notesSlides/notesSlide23.xml><?xml version="1.0" encoding="utf-8"?>
+<p:notes xmlns:a="http://schemas.openxmlformats.org/drawingml/2006/main" xmlns:r="http://schemas.openxmlformats.org/officeDocument/2006/relationships" xmlns:p="http://schemas.openxmlformats.org/presentationml/2006/main">
+  <p:cSld>
+    <p:spTree>
+      <p:nvGrpSpPr>
+        <p:cNvPr id="1" name=""/>
+        <p:cNvGrpSpPr/>
+        <p:nvPr/>
+      </p:nvGrpSpPr>
+      <p:grpSpPr>
+        <a:xfrm>
+          <a:off x="0" y="0"/>
+          <a:ext cx="0" cy="0"/>
+          <a:chOff x="0" y="0"/>
+          <a:chExt cx="0" cy="0"/>
+        </a:xfrm>
+      </p:grpSpPr>
+      <p:sp>
+        <p:nvSpPr>
+          <p:cNvPr id="2" name="幻灯片图像占位符 1"/>
+          <p:cNvSpPr>
+            <a:spLocks noGrp="1" noRot="1" noChangeAspect="1"/>
+          </p:cNvSpPr>
+          <p:nvPr>
+            <p:ph type="sldImg"/>
+          </p:nvPr>
+        </p:nvSpPr>
+        <p:spPr/>
+      </p:sp>
+      <p:sp>
+        <p:nvSpPr>
+          <p:cNvPr id="3" name="备注占位符 2"/>
+          <p:cNvSpPr>
+            <a:spLocks noGrp="1"/>
+          </p:cNvSpPr>
+          <p:nvPr>
+            <p:ph type="body" idx="1"/>
+          </p:nvPr>
+        </p:nvSpPr>
+        <p:spPr/>
+        <p:txBody>
+          <a:bodyPr/>
+          <a:lstStyle/>
+          <a:p>
+            <a:pPr>
+              <a:lnSpc>
+                <a:spcPct val="150000"/>
+              </a:lnSpc>
+            </a:pPr>
+            <a:r>
+              <a:rPr lang="en-US" altLang="zh-CN" dirty="0">
+                <a:solidFill>
+                  <a:srgbClr val="262626"/>
+                </a:solidFill>
+                <a:latin typeface="Arial" panose="020B0604020202020204" pitchFamily="34" charset="0"/>
+                <a:cs typeface="Arial" panose="020B0604020202020204" pitchFamily="34" charset="0"/>
+                <a:sym typeface="+mn-ea"/>
+              </a:rPr>
+              <a:t>After the algorithm is picked, I have performed some parameter tuning using GridSearchCV to improve the performance as much as possible, and the final SVD model for deployment has a average 0.56 rmse testing score which is the best among all the collaborative filtering models.</a:t>
+            </a:r>
+            <a:endParaRPr lang="en-US" altLang="zh-CN" dirty="0">
+              <a:solidFill>
+                <a:srgbClr val="262626"/>
+              </a:solidFill>
+              <a:latin typeface="Arial" panose="020B0604020202020204" pitchFamily="34" charset="0"/>
+              <a:cs typeface="Arial" panose="020B0604020202020204" pitchFamily="34" charset="0"/>
+              <a:sym typeface="+mn-ea"/>
+            </a:endParaRPr>
+          </a:p>
+          <a:p>
+            <a:pPr>
+              <a:lnSpc>
+                <a:spcPct val="150000"/>
+              </a:lnSpc>
+            </a:pPr>
+            <a:endParaRPr lang="en-US" altLang="zh-CN" dirty="0">
+              <a:solidFill>
+                <a:srgbClr val="262626"/>
+              </a:solidFill>
+              <a:latin typeface="Arial" panose="020B0604020202020204" pitchFamily="34" charset="0"/>
+              <a:cs typeface="Arial" panose="020B0604020202020204" pitchFamily="34" charset="0"/>
+              <a:sym typeface="+mn-ea"/>
+            </a:endParaRPr>
+          </a:p>
+          <a:p>
+            <a:pPr>
+              <a:lnSpc>
+                <a:spcPct val="150000"/>
+              </a:lnSpc>
+            </a:pPr>
+            <a:r>
+              <a:rPr lang="en-US" altLang="zh-CN" dirty="0">
+                <a:solidFill>
+                  <a:srgbClr val="262626"/>
+                </a:solidFill>
+                <a:latin typeface="Arial" panose="020B0604020202020204" pitchFamily="34" charset="0"/>
+                <a:cs typeface="Arial" panose="020B0604020202020204" pitchFamily="34" charset="0"/>
+                <a:sym typeface="+mn-ea"/>
+              </a:rPr>
+              <a:t>And the collaborative filtering model will take a reviewer ID as input to generate recommendation like this. Unlike content-based filtering, the results are personalized specifically for this customer.</a:t>
+            </a:r>
+            <a:endParaRPr lang="en-US" altLang="zh-CN" dirty="0">
+              <a:solidFill>
+                <a:srgbClr val="262626"/>
+              </a:solidFill>
+              <a:latin typeface="Arial" panose="020B0604020202020204" pitchFamily="34" charset="0"/>
+              <a:cs typeface="Arial" panose="020B0604020202020204" pitchFamily="34" charset="0"/>
+              <a:sym typeface="+mn-ea"/>
+            </a:endParaRPr>
+          </a:p>
+        </p:txBody>
+      </p:sp>
+    </p:spTree>
+  </p:cSld>
+  <p:clrMapOvr>
+    <a:masterClrMapping/>
+  </p:clrMapOvr>
+</p:notes>
+</file>
+
+<file path=ppt/notesSlides/notesSlide24.xml><?xml version="1.0" encoding="utf-8"?>
 <p:notes xmlns:a="http://schemas.openxmlformats.org/drawingml/2006/main" xmlns:r="http://schemas.openxmlformats.org/officeDocument/2006/relationships" xmlns:p="http://schemas.openxmlformats.org/presentationml/2006/main">
   <p:cSld>
     <p:spTree>
@@ -2737,7 +3116,7 @@
 </p:notes>
 </file>
 
-<file path=ppt/notesSlides/notesSlide22.xml><?xml version="1.0" encoding="utf-8"?>
+<file path=ppt/notesSlides/notesSlide25.xml><?xml version="1.0" encoding="utf-8"?>
 <p:notes xmlns:a="http://schemas.openxmlformats.org/drawingml/2006/main" xmlns:r="http://schemas.openxmlformats.org/officeDocument/2006/relationships" xmlns:p="http://schemas.openxmlformats.org/presentationml/2006/main">
   <p:cSld>
     <p:spTree>
@@ -2821,7 +3200,7 @@
 </p:notes>
 </file>
 
-<file path=ppt/notesSlides/notesSlide23.xml><?xml version="1.0" encoding="utf-8"?>
+<file path=ppt/notesSlides/notesSlide26.xml><?xml version="1.0" encoding="utf-8"?>
 <p:notes xmlns:a="http://schemas.openxmlformats.org/drawingml/2006/main" xmlns:r="http://schemas.openxmlformats.org/officeDocument/2006/relationships" xmlns:p="http://schemas.openxmlformats.org/presentationml/2006/main">
   <p:cSld>
     <p:spTree>
@@ -2917,7 +3296,7 @@
 </p:notes>
 </file>
 
-<file path=ppt/notesSlides/notesSlide24.xml><?xml version="1.0" encoding="utf-8"?>
+<file path=ppt/notesSlides/notesSlide27.xml><?xml version="1.0" encoding="utf-8"?>
 <p:notes xmlns:a="http://schemas.openxmlformats.org/drawingml/2006/main" xmlns:r="http://schemas.openxmlformats.org/officeDocument/2006/relationships" xmlns:p="http://schemas.openxmlformats.org/presentationml/2006/main">
   <p:cSld>
     <p:spTree>
@@ -3021,7 +3400,7 @@
 </p:notes>
 </file>
 
-<file path=ppt/notesSlides/notesSlide25.xml><?xml version="1.0" encoding="utf-8"?>
+<file path=ppt/notesSlides/notesSlide28.xml><?xml version="1.0" encoding="utf-8"?>
 <p:notes xmlns:a="http://schemas.openxmlformats.org/drawingml/2006/main" xmlns:r="http://schemas.openxmlformats.org/officeDocument/2006/relationships" xmlns:p="http://schemas.openxmlformats.org/presentationml/2006/main">
   <p:cSld>
     <p:spTree>
@@ -3147,7 +3526,7 @@
 </p:notes>
 </file>
 
-<file path=ppt/notesSlides/notesSlide26.xml><?xml version="1.0" encoding="utf-8"?>
+<file path=ppt/notesSlides/notesSlide29.xml><?xml version="1.0" encoding="utf-8"?>
 <p:notes xmlns:a="http://schemas.openxmlformats.org/drawingml/2006/main" xmlns:r="http://schemas.openxmlformats.org/officeDocument/2006/relationships" xmlns:p="http://schemas.openxmlformats.org/presentationml/2006/main">
   <p:cSld>
     <p:spTree>
@@ -21605,7 +21984,7 @@
         <p:spPr>
           <a:xfrm>
             <a:off x="266303" y="283984"/>
-            <a:ext cx="9473407" cy="707886"/>
+            <a:ext cx="9473407" cy="706755"/>
           </a:xfrm>
           <a:prstGeom prst="rect">
             <a:avLst/>
@@ -21631,7 +22010,7 @@
                 <a:latin typeface="Arial" panose="020B0604020202020204" pitchFamily="34" charset="0"/>
                 <a:cs typeface="Arial" panose="020B0604020202020204" pitchFamily="34" charset="0"/>
               </a:rPr>
-              <a:t>ML Models</a:t>
+              <a:t>Collaborative Filtering</a:t>
             </a:r>
             <a:endParaRPr lang="en-US" altLang="zh-CN" sz="4000" dirty="0">
               <a:solidFill>
@@ -21643,45 +22022,209 @@
           </a:p>
         </p:txBody>
       </p:sp>
-      <p:pic>
-        <p:nvPicPr>
-          <p:cNvPr id="1026" name="Picture 2" descr="https://github.com/JinHuiXu1991/Jin_DATA606/raw/a6ee80eaec6256a12c862313fecd70ae936a65ef/images/filtering%20models.png"/>
-          <p:cNvPicPr>
-            <a:picLocks noChangeAspect="1" noChangeArrowheads="1"/>
-          </p:cNvPicPr>
+      <p:grpSp>
+        <p:nvGrpSpPr>
+          <p:cNvPr id="5" name="组合 8"/>
+          <p:cNvGrpSpPr/>
           <p:nvPr/>
-        </p:nvPicPr>
-        <p:blipFill>
-          <a:blip r:embed="rId1">
-            <a:extLst>
-              <a:ext uri="{28A0092B-C50C-407E-A947-70E740481C1C}">
-                <a14:useLocalDpi xmlns:a14="http://schemas.microsoft.com/office/drawing/2010/main" val="0"/>
-              </a:ext>
-            </a:extLst>
-          </a:blip>
-          <a:srcRect/>
-          <a:stretch>
-            <a:fillRect/>
-          </a:stretch>
-        </p:blipFill>
-        <p:spPr bwMode="auto">
+        </p:nvGrpSpPr>
+        <p:grpSpPr>
           <a:xfrm>
-            <a:off x="3368728" y="906145"/>
-            <a:ext cx="5205121" cy="3189605"/>
+            <a:off x="5358765" y="2571115"/>
+            <a:ext cx="6097270" cy="2188845"/>
+            <a:chOff x="0" y="6227623"/>
+            <a:chExt cx="12192000" cy="630377"/>
+          </a:xfrm>
+        </p:grpSpPr>
+        <p:sp>
+          <p:nvSpPr>
+            <p:cNvPr id="9" name="矩形 8"/>
+            <p:cNvSpPr/>
+            <p:nvPr/>
+          </p:nvSpPr>
+          <p:spPr>
+            <a:xfrm>
+              <a:off x="0" y="6256185"/>
+              <a:ext cx="12192000" cy="601815"/>
+            </a:xfrm>
+            <a:prstGeom prst="rect">
+              <a:avLst/>
+            </a:prstGeom>
+            <a:solidFill>
+              <a:schemeClr val="tx1">
+                <a:lumMod val="75000"/>
+                <a:lumOff val="25000"/>
+              </a:schemeClr>
+            </a:solidFill>
+            <a:ln>
+              <a:noFill/>
+            </a:ln>
+          </p:spPr>
+          <p:style>
+            <a:lnRef idx="2">
+              <a:schemeClr val="accent1">
+                <a:shade val="50000"/>
+              </a:schemeClr>
+            </a:lnRef>
+            <a:fillRef idx="1">
+              <a:schemeClr val="accent1"/>
+            </a:fillRef>
+            <a:effectRef idx="0">
+              <a:schemeClr val="accent1"/>
+            </a:effectRef>
+            <a:fontRef idx="minor">
+              <a:schemeClr val="lt1"/>
+            </a:fontRef>
+          </p:style>
+          <p:txBody>
+            <a:bodyPr rtlCol="0" anchor="ctr"/>
+            <a:p>
+              <a:pPr algn="ctr" fontAlgn="auto"/>
+              <a:endParaRPr lang="zh-CN" altLang="en-US" strike="noStrike" noProof="1"/>
+            </a:p>
+          </p:txBody>
+        </p:sp>
+        <p:sp>
+          <p:nvSpPr>
+            <p:cNvPr id="10" name="矩形 9"/>
+            <p:cNvSpPr/>
+            <p:nvPr/>
+          </p:nvSpPr>
+          <p:spPr>
+            <a:xfrm>
+              <a:off x="0" y="6227623"/>
+              <a:ext cx="12192000" cy="28562"/>
+            </a:xfrm>
+            <a:prstGeom prst="rect">
+              <a:avLst/>
+            </a:prstGeom>
+            <a:solidFill>
+              <a:srgbClr val="F5A61C"/>
+            </a:solidFill>
+            <a:ln>
+              <a:noFill/>
+            </a:ln>
+          </p:spPr>
+          <p:style>
+            <a:lnRef idx="2">
+              <a:schemeClr val="accent1">
+                <a:shade val="50000"/>
+              </a:schemeClr>
+            </a:lnRef>
+            <a:fillRef idx="1">
+              <a:schemeClr val="accent1"/>
+            </a:fillRef>
+            <a:effectRef idx="0">
+              <a:schemeClr val="accent1"/>
+            </a:effectRef>
+            <a:fontRef idx="minor">
+              <a:schemeClr val="lt1"/>
+            </a:fontRef>
+          </p:style>
+          <p:txBody>
+            <a:bodyPr rtlCol="0" anchor="ctr"/>
+            <a:p>
+              <a:pPr algn="ctr" fontAlgn="auto"/>
+              <a:endParaRPr lang="zh-CN" altLang="en-US" strike="noStrike" noProof="1"/>
+            </a:p>
+          </p:txBody>
+        </p:sp>
+      </p:grpSp>
+      <p:sp>
+        <p:nvSpPr>
+          <p:cNvPr id="11" name="TextBox 15"/>
+          <p:cNvSpPr txBox="1"/>
+          <p:nvPr/>
+        </p:nvSpPr>
+        <p:spPr>
+          <a:xfrm>
+            <a:off x="5617211" y="2782526"/>
+            <a:ext cx="5838824" cy="1706880"/>
           </a:xfrm>
           <a:prstGeom prst="rect">
             <a:avLst/>
           </a:prstGeom>
           <a:noFill/>
-          <a:extLst>
-            <a:ext uri="{909E8E84-426E-40DD-AFC4-6F175D3DCCD1}">
-              <a14:hiddenFill xmlns:a14="http://schemas.microsoft.com/office/drawing/2010/main">
+          <a:ln w="9525">
+            <a:noFill/>
+          </a:ln>
+        </p:spPr>
+        <p:txBody>
+          <a:bodyPr wrap="square" anchor="t" anchorCtr="0">
+            <a:spAutoFit/>
+          </a:bodyPr>
+          <a:p>
+            <a:pPr>
+              <a:lnSpc>
+                <a:spcPct val="150000"/>
+              </a:lnSpc>
+            </a:pPr>
+            <a:r>
+              <a:rPr lang="en-US" altLang="zh-CN" sz="1400">
                 <a:solidFill>
-                  <a:srgbClr val="FFFFFF"/>
+                  <a:schemeClr val="bg1"/>
                 </a:solidFill>
-              </a14:hiddenFill>
-            </a:ext>
-          </a:extLst>
+                <a:latin typeface="Arial" panose="020B0604020202020204" pitchFamily="34" charset="0"/>
+                <a:cs typeface="Arial" panose="020B0604020202020204" pitchFamily="34" charset="0"/>
+              </a:rPr>
+              <a:t>The idea of collaborative filtering for recommender systems are methods based on past interactions recorded between users </a:t>
+            </a:r>
+            <a:endParaRPr lang="en-US" altLang="zh-CN" sz="1400">
+              <a:solidFill>
+                <a:schemeClr val="bg1"/>
+              </a:solidFill>
+              <a:latin typeface="Arial" panose="020B0604020202020204" pitchFamily="34" charset="0"/>
+              <a:cs typeface="Arial" panose="020B0604020202020204" pitchFamily="34" charset="0"/>
+            </a:endParaRPr>
+          </a:p>
+          <a:p>
+            <a:pPr>
+              <a:lnSpc>
+                <a:spcPct val="150000"/>
+              </a:lnSpc>
+            </a:pPr>
+            <a:r>
+              <a:rPr lang="en-US" altLang="zh-CN" sz="1400">
+                <a:solidFill>
+                  <a:schemeClr val="bg1"/>
+                </a:solidFill>
+                <a:latin typeface="Arial" panose="020B0604020202020204" pitchFamily="34" charset="0"/>
+                <a:cs typeface="Arial" panose="020B0604020202020204" pitchFamily="34" charset="0"/>
+              </a:rPr>
+              <a:t>and items to generate new recommendations.  The past user-item interactions represent the bases to detect similar users and/or similar items and to make predictions based on estimated proximities</a:t>
+            </a:r>
+            <a:endParaRPr lang="en-US" altLang="zh-CN" sz="1400">
+              <a:solidFill>
+                <a:schemeClr val="bg1"/>
+              </a:solidFill>
+              <a:latin typeface="Arial" panose="020B0604020202020204" pitchFamily="34" charset="0"/>
+              <a:cs typeface="Arial" panose="020B0604020202020204" pitchFamily="34" charset="0"/>
+            </a:endParaRPr>
+          </a:p>
+        </p:txBody>
+      </p:sp>
+      <p:pic>
+        <p:nvPicPr>
+          <p:cNvPr id="3" name="Picture 2"/>
+          <p:cNvPicPr>
+            <a:picLocks noChangeAspect="1"/>
+          </p:cNvPicPr>
+          <p:nvPr/>
+        </p:nvPicPr>
+        <p:blipFill>
+          <a:blip r:embed="rId1"/>
+          <a:stretch>
+            <a:fillRect/>
+          </a:stretch>
+        </p:blipFill>
+        <p:spPr>
+          <a:xfrm>
+            <a:off x="775335" y="1205865"/>
+            <a:ext cx="4344035" cy="5509895"/>
+          </a:xfrm>
+          <a:prstGeom prst="rect">
+            <a:avLst/>
+          </a:prstGeom>
         </p:spPr>
       </p:pic>
     </p:spTree>
@@ -21737,7 +22280,7 @@
         <p:spPr>
           <a:xfrm>
             <a:off x="266303" y="283984"/>
-            <a:ext cx="9473407" cy="707886"/>
+            <a:ext cx="9473407" cy="706755"/>
           </a:xfrm>
           <a:prstGeom prst="rect">
             <a:avLst/>
@@ -21763,7 +22306,622 @@
                 <a:latin typeface="Arial" panose="020B0604020202020204" pitchFamily="34" charset="0"/>
                 <a:cs typeface="Arial" panose="020B0604020202020204" pitchFamily="34" charset="0"/>
               </a:rPr>
-              <a:t>ML Models</a:t>
+              <a:t>Collaborative Filtering</a:t>
+            </a:r>
+            <a:endParaRPr lang="en-US" altLang="zh-CN" sz="4000" dirty="0">
+              <a:solidFill>
+                <a:srgbClr val="141214"/>
+              </a:solidFill>
+              <a:latin typeface="Arial" panose="020B0604020202020204" pitchFamily="34" charset="0"/>
+              <a:cs typeface="Arial" panose="020B0604020202020204" pitchFamily="34" charset="0"/>
+            </a:endParaRPr>
+          </a:p>
+        </p:txBody>
+      </p:sp>
+      <p:pic>
+        <p:nvPicPr>
+          <p:cNvPr id="4" name="Picture 3"/>
+          <p:cNvPicPr>
+            <a:picLocks noChangeAspect="1"/>
+          </p:cNvPicPr>
+          <p:nvPr/>
+        </p:nvPicPr>
+        <p:blipFill>
+          <a:blip r:embed="rId1"/>
+          <a:stretch>
+            <a:fillRect/>
+          </a:stretch>
+        </p:blipFill>
+        <p:spPr>
+          <a:xfrm>
+            <a:off x="671195" y="1989455"/>
+            <a:ext cx="5259705" cy="3295650"/>
+          </a:xfrm>
+          <a:prstGeom prst="rect">
+            <a:avLst/>
+          </a:prstGeom>
+        </p:spPr>
+      </p:pic>
+      <p:pic>
+        <p:nvPicPr>
+          <p:cNvPr id="6" name="Picture 5"/>
+          <p:cNvPicPr>
+            <a:picLocks noChangeAspect="1"/>
+          </p:cNvPicPr>
+          <p:nvPr/>
+        </p:nvPicPr>
+        <p:blipFill>
+          <a:blip r:embed="rId2"/>
+          <a:stretch>
+            <a:fillRect/>
+          </a:stretch>
+        </p:blipFill>
+        <p:spPr>
+          <a:xfrm>
+            <a:off x="6050280" y="1995170"/>
+            <a:ext cx="5116195" cy="3217545"/>
+          </a:xfrm>
+          <a:prstGeom prst="rect">
+            <a:avLst/>
+          </a:prstGeom>
+        </p:spPr>
+      </p:pic>
+      <p:sp>
+        <p:nvSpPr>
+          <p:cNvPr id="23" name="TextBox 15"/>
+          <p:cNvSpPr txBox="1"/>
+          <p:nvPr/>
+        </p:nvSpPr>
+        <p:spPr>
+          <a:xfrm>
+            <a:off x="2166620" y="5212715"/>
+            <a:ext cx="2268855" cy="414020"/>
+          </a:xfrm>
+          <a:prstGeom prst="rect">
+            <a:avLst/>
+          </a:prstGeom>
+          <a:noFill/>
+          <a:ln w="9525">
+            <a:noFill/>
+          </a:ln>
+        </p:spPr>
+        <p:txBody>
+          <a:bodyPr wrap="square" anchor="t" anchorCtr="0">
+            <a:spAutoFit/>
+          </a:bodyPr>
+          <a:p>
+            <a:pPr>
+              <a:lnSpc>
+                <a:spcPct val="150000"/>
+              </a:lnSpc>
+            </a:pPr>
+            <a:r>
+              <a:rPr lang="en-US" altLang="zh-CN" sz="1400" dirty="0">
+                <a:latin typeface="Arial" panose="020B0604020202020204" pitchFamily="34" charset="0"/>
+                <a:ea typeface="Arial" panose="020B0604020202020204" pitchFamily="34" charset="0"/>
+              </a:rPr>
+              <a:t>Review Rating Distribution</a:t>
+            </a:r>
+            <a:endParaRPr lang="en-US" altLang="zh-CN" sz="1400" dirty="0">
+              <a:latin typeface="Arial" panose="020B0604020202020204" pitchFamily="34" charset="0"/>
+              <a:ea typeface="Arial" panose="020B0604020202020204" pitchFamily="34" charset="0"/>
+            </a:endParaRPr>
+          </a:p>
+        </p:txBody>
+      </p:sp>
+      <p:sp>
+        <p:nvSpPr>
+          <p:cNvPr id="8" name="TextBox 15"/>
+          <p:cNvSpPr txBox="1"/>
+          <p:nvPr/>
+        </p:nvSpPr>
+        <p:spPr>
+          <a:xfrm>
+            <a:off x="7066280" y="5212715"/>
+            <a:ext cx="3084195" cy="414020"/>
+          </a:xfrm>
+          <a:prstGeom prst="rect">
+            <a:avLst/>
+          </a:prstGeom>
+          <a:noFill/>
+          <a:ln w="9525">
+            <a:noFill/>
+          </a:ln>
+        </p:spPr>
+        <p:txBody>
+          <a:bodyPr wrap="square" anchor="t" anchorCtr="0">
+            <a:spAutoFit/>
+          </a:bodyPr>
+          <a:p>
+            <a:pPr>
+              <a:lnSpc>
+                <a:spcPct val="150000"/>
+              </a:lnSpc>
+            </a:pPr>
+            <a:r>
+              <a:rPr lang="en-US" altLang="zh-CN" sz="1400" dirty="0">
+                <a:latin typeface="Arial" panose="020B0604020202020204" pitchFamily="34" charset="0"/>
+                <a:ea typeface="Arial" panose="020B0604020202020204" pitchFamily="34" charset="0"/>
+              </a:rPr>
+              <a:t>Review Sentiment Score Distribution</a:t>
+            </a:r>
+            <a:endParaRPr lang="en-US" altLang="zh-CN" sz="1400" dirty="0">
+              <a:latin typeface="Arial" panose="020B0604020202020204" pitchFamily="34" charset="0"/>
+              <a:ea typeface="Arial" panose="020B0604020202020204" pitchFamily="34" charset="0"/>
+            </a:endParaRPr>
+          </a:p>
+        </p:txBody>
+      </p:sp>
+    </p:spTree>
+  </p:cSld>
+  <p:clrMapOvr>
+    <a:masterClrMapping/>
+  </p:clrMapOvr>
+  <mc:AlternateContent xmlns:mc="http://schemas.openxmlformats.org/markup-compatibility/2006">
+    <mc:Choice xmlns:p14="http://schemas.microsoft.com/office/powerpoint/2010/main" Requires="p14">
+      <p:transition spd="med" p14:dur="700">
+        <p:fade/>
+      </p:transition>
+    </mc:Choice>
+    <mc:Fallback>
+      <p:transition spd="med">
+        <p:fade/>
+      </p:transition>
+    </mc:Fallback>
+  </mc:AlternateContent>
+  <p:timing>
+    <p:tnLst>
+      <p:par>
+        <p:cTn id="1" dur="indefinite" restart="never" nodeType="tmRoot"/>
+      </p:par>
+    </p:tnLst>
+  </p:timing>
+</p:sld>
+</file>
+
+<file path=ppt/slides/slide35.xml><?xml version="1.0" encoding="utf-8"?>
+<p:sld xmlns:a="http://schemas.openxmlformats.org/drawingml/2006/main" xmlns:r="http://schemas.openxmlformats.org/officeDocument/2006/relationships" xmlns:p="http://schemas.openxmlformats.org/presentationml/2006/main">
+  <p:cSld>
+    <p:spTree>
+      <p:nvGrpSpPr>
+        <p:cNvPr id="1" name=""/>
+        <p:cNvGrpSpPr/>
+        <p:nvPr/>
+      </p:nvGrpSpPr>
+      <p:grpSpPr>
+        <a:xfrm>
+          <a:off x="0" y="0"/>
+          <a:ext cx="0" cy="0"/>
+          <a:chOff x="0" y="0"/>
+          <a:chExt cx="0" cy="0"/>
+        </a:xfrm>
+      </p:grpSpPr>
+      <p:sp>
+        <p:nvSpPr>
+          <p:cNvPr id="2" name="文本框 48"/>
+          <p:cNvSpPr txBox="1"/>
+          <p:nvPr/>
+        </p:nvSpPr>
+        <p:spPr>
+          <a:xfrm>
+            <a:off x="266303" y="283984"/>
+            <a:ext cx="9473407" cy="706755"/>
+          </a:xfrm>
+          <a:prstGeom prst="rect">
+            <a:avLst/>
+          </a:prstGeom>
+          <a:solidFill>
+            <a:schemeClr val="bg1"/>
+          </a:solidFill>
+          <a:ln w="9525">
+            <a:noFill/>
+          </a:ln>
+        </p:spPr>
+        <p:txBody>
+          <a:bodyPr wrap="square" anchor="t" anchorCtr="0">
+            <a:spAutoFit/>
+          </a:bodyPr>
+          <a:lstStyle/>
+          <a:p>
+            <a:r>
+              <a:rPr lang="en-US" altLang="zh-CN" sz="4000" dirty="0" smtClean="0">
+                <a:solidFill>
+                  <a:srgbClr val="141214"/>
+                </a:solidFill>
+                <a:latin typeface="Arial" panose="020B0604020202020204" pitchFamily="34" charset="0"/>
+                <a:cs typeface="Arial" panose="020B0604020202020204" pitchFamily="34" charset="0"/>
+              </a:rPr>
+              <a:t>Collaborative Filtering</a:t>
+            </a:r>
+            <a:endParaRPr lang="en-US" altLang="zh-CN" sz="4000" dirty="0">
+              <a:solidFill>
+                <a:srgbClr val="141214"/>
+              </a:solidFill>
+              <a:latin typeface="Arial" panose="020B0604020202020204" pitchFamily="34" charset="0"/>
+              <a:cs typeface="Arial" panose="020B0604020202020204" pitchFamily="34" charset="0"/>
+            </a:endParaRPr>
+          </a:p>
+        </p:txBody>
+      </p:sp>
+      <p:pic>
+        <p:nvPicPr>
+          <p:cNvPr id="3" name="Picture 2"/>
+          <p:cNvPicPr>
+            <a:picLocks noChangeAspect="1"/>
+          </p:cNvPicPr>
+          <p:nvPr/>
+        </p:nvPicPr>
+        <p:blipFill>
+          <a:blip r:embed="rId1"/>
+          <a:stretch>
+            <a:fillRect/>
+          </a:stretch>
+        </p:blipFill>
+        <p:spPr>
+          <a:xfrm>
+            <a:off x="6492875" y="1259205"/>
+            <a:ext cx="4487545" cy="5311775"/>
+          </a:xfrm>
+          <a:prstGeom prst="rect">
+            <a:avLst/>
+          </a:prstGeom>
+        </p:spPr>
+      </p:pic>
+      <p:pic>
+        <p:nvPicPr>
+          <p:cNvPr id="100" name="Picture 99"/>
+          <p:cNvPicPr/>
+          <p:nvPr/>
+        </p:nvPicPr>
+        <p:blipFill>
+          <a:blip r:embed="rId2"/>
+          <a:stretch>
+            <a:fillRect/>
+          </a:stretch>
+        </p:blipFill>
+        <p:spPr>
+          <a:xfrm>
+            <a:off x="1490980" y="1461135"/>
+            <a:ext cx="3415030" cy="2226310"/>
+          </a:xfrm>
+          <a:prstGeom prst="rect">
+            <a:avLst/>
+          </a:prstGeom>
+          <a:noFill/>
+          <a:ln w="9525">
+            <a:noFill/>
+          </a:ln>
+        </p:spPr>
+      </p:pic>
+      <p:pic>
+        <p:nvPicPr>
+          <p:cNvPr id="101" name="Picture 100"/>
+          <p:cNvPicPr/>
+          <p:nvPr/>
+        </p:nvPicPr>
+        <p:blipFill>
+          <a:blip r:embed="rId3"/>
+          <a:stretch>
+            <a:fillRect/>
+          </a:stretch>
+        </p:blipFill>
+        <p:spPr>
+          <a:xfrm>
+            <a:off x="1293495" y="3823335"/>
+            <a:ext cx="3810000" cy="2857500"/>
+          </a:xfrm>
+          <a:prstGeom prst="rect">
+            <a:avLst/>
+          </a:prstGeom>
+          <a:noFill/>
+          <a:ln w="9525">
+            <a:noFill/>
+          </a:ln>
+        </p:spPr>
+      </p:pic>
+      <p:sp>
+        <p:nvSpPr>
+          <p:cNvPr id="7" name="Right Arrow 6"/>
+          <p:cNvSpPr/>
+          <p:nvPr/>
+        </p:nvSpPr>
+        <p:spPr>
+          <a:xfrm>
+            <a:off x="5131435" y="2240915"/>
+            <a:ext cx="1136650" cy="667385"/>
+          </a:xfrm>
+          <a:prstGeom prst="rightArrow">
+            <a:avLst/>
+          </a:prstGeom>
+          <a:solidFill>
+            <a:srgbClr val="F5A61C"/>
+          </a:solidFill>
+        </p:spPr>
+        <p:style>
+          <a:lnRef idx="2">
+            <a:schemeClr val="accent1">
+              <a:shade val="50000"/>
+            </a:schemeClr>
+          </a:lnRef>
+          <a:fillRef idx="1">
+            <a:schemeClr val="accent1"/>
+          </a:fillRef>
+          <a:effectRef idx="0">
+            <a:schemeClr val="accent1"/>
+          </a:effectRef>
+          <a:fontRef idx="minor">
+            <a:schemeClr val="lt1"/>
+          </a:fontRef>
+        </p:style>
+        <p:txBody>
+          <a:bodyPr rtlCol="0" anchor="ctr"/>
+          <a:p>
+            <a:pPr algn="ctr"/>
+            <a:endParaRPr lang="en-US"/>
+          </a:p>
+        </p:txBody>
+      </p:sp>
+      <p:sp>
+        <p:nvSpPr>
+          <p:cNvPr id="9" name="Right Arrow 8"/>
+          <p:cNvSpPr/>
+          <p:nvPr/>
+        </p:nvSpPr>
+        <p:spPr>
+          <a:xfrm>
+            <a:off x="5106670" y="4772660"/>
+            <a:ext cx="1136650" cy="667385"/>
+          </a:xfrm>
+          <a:prstGeom prst="rightArrow">
+            <a:avLst/>
+          </a:prstGeom>
+          <a:solidFill>
+            <a:srgbClr val="F5A61C"/>
+          </a:solidFill>
+        </p:spPr>
+        <p:style>
+          <a:lnRef idx="2">
+            <a:schemeClr val="accent1">
+              <a:shade val="50000"/>
+            </a:schemeClr>
+          </a:lnRef>
+          <a:fillRef idx="1">
+            <a:schemeClr val="accent1"/>
+          </a:fillRef>
+          <a:effectRef idx="0">
+            <a:schemeClr val="accent1"/>
+          </a:effectRef>
+          <a:fontRef idx="minor">
+            <a:schemeClr val="lt1"/>
+          </a:fontRef>
+        </p:style>
+        <p:txBody>
+          <a:bodyPr rtlCol="0" anchor="ctr"/>
+          <a:p>
+            <a:pPr algn="ctr"/>
+            <a:endParaRPr lang="en-US"/>
+          </a:p>
+        </p:txBody>
+      </p:sp>
+    </p:spTree>
+  </p:cSld>
+  <p:clrMapOvr>
+    <a:masterClrMapping/>
+  </p:clrMapOvr>
+  <mc:AlternateContent xmlns:mc="http://schemas.openxmlformats.org/markup-compatibility/2006">
+    <mc:Choice xmlns:p14="http://schemas.microsoft.com/office/powerpoint/2010/main" Requires="p14">
+      <p:transition spd="med" p14:dur="700">
+        <p:fade/>
+      </p:transition>
+    </mc:Choice>
+    <mc:Fallback>
+      <p:transition spd="med">
+        <p:fade/>
+      </p:transition>
+    </mc:Fallback>
+  </mc:AlternateContent>
+  <p:timing>
+    <p:tnLst>
+      <p:par>
+        <p:cTn id="1" dur="indefinite" restart="never" nodeType="tmRoot"/>
+      </p:par>
+    </p:tnLst>
+  </p:timing>
+</p:sld>
+</file>
+
+<file path=ppt/slides/slide36.xml><?xml version="1.0" encoding="utf-8"?>
+<p:sld xmlns:a="http://schemas.openxmlformats.org/drawingml/2006/main" xmlns:r="http://schemas.openxmlformats.org/officeDocument/2006/relationships" xmlns:p="http://schemas.openxmlformats.org/presentationml/2006/main">
+  <p:cSld>
+    <p:spTree>
+      <p:nvGrpSpPr>
+        <p:cNvPr id="1" name=""/>
+        <p:cNvGrpSpPr/>
+        <p:nvPr/>
+      </p:nvGrpSpPr>
+      <p:grpSpPr>
+        <a:xfrm>
+          <a:off x="0" y="0"/>
+          <a:ext cx="0" cy="0"/>
+          <a:chOff x="0" y="0"/>
+          <a:chExt cx="0" cy="0"/>
+        </a:xfrm>
+      </p:grpSpPr>
+      <p:sp>
+        <p:nvSpPr>
+          <p:cNvPr id="2" name="文本框 48"/>
+          <p:cNvSpPr txBox="1"/>
+          <p:nvPr/>
+        </p:nvSpPr>
+        <p:spPr>
+          <a:xfrm>
+            <a:off x="266303" y="283984"/>
+            <a:ext cx="9473407" cy="706755"/>
+          </a:xfrm>
+          <a:prstGeom prst="rect">
+            <a:avLst/>
+          </a:prstGeom>
+          <a:solidFill>
+            <a:schemeClr val="bg1"/>
+          </a:solidFill>
+          <a:ln w="9525">
+            <a:noFill/>
+          </a:ln>
+        </p:spPr>
+        <p:txBody>
+          <a:bodyPr wrap="square" anchor="t" anchorCtr="0">
+            <a:spAutoFit/>
+          </a:bodyPr>
+          <a:lstStyle/>
+          <a:p>
+            <a:r>
+              <a:rPr lang="en-US" altLang="zh-CN" sz="4000" dirty="0" smtClean="0">
+                <a:solidFill>
+                  <a:srgbClr val="141214"/>
+                </a:solidFill>
+                <a:latin typeface="Arial" panose="020B0604020202020204" pitchFamily="34" charset="0"/>
+                <a:cs typeface="Arial" panose="020B0604020202020204" pitchFamily="34" charset="0"/>
+              </a:rPr>
+              <a:t>Collaborative Filtering</a:t>
+            </a:r>
+            <a:endParaRPr lang="en-US" altLang="zh-CN" sz="4000" dirty="0">
+              <a:solidFill>
+                <a:srgbClr val="141214"/>
+              </a:solidFill>
+              <a:latin typeface="Arial" panose="020B0604020202020204" pitchFamily="34" charset="0"/>
+              <a:cs typeface="Arial" panose="020B0604020202020204" pitchFamily="34" charset="0"/>
+            </a:endParaRPr>
+          </a:p>
+        </p:txBody>
+      </p:sp>
+      <p:pic>
+        <p:nvPicPr>
+          <p:cNvPr id="4" name="Picture 3"/>
+          <p:cNvPicPr>
+            <a:picLocks noChangeAspect="1"/>
+          </p:cNvPicPr>
+          <p:nvPr/>
+        </p:nvPicPr>
+        <p:blipFill>
+          <a:blip r:embed="rId1"/>
+          <a:stretch>
+            <a:fillRect/>
+          </a:stretch>
+        </p:blipFill>
+        <p:spPr>
+          <a:xfrm>
+            <a:off x="320040" y="1599565"/>
+            <a:ext cx="11552555" cy="1394460"/>
+          </a:xfrm>
+          <a:prstGeom prst="rect">
+            <a:avLst/>
+          </a:prstGeom>
+        </p:spPr>
+      </p:pic>
+      <p:pic>
+        <p:nvPicPr>
+          <p:cNvPr id="5" name="Picture 4"/>
+          <p:cNvPicPr>
+            <a:picLocks noChangeAspect="1"/>
+          </p:cNvPicPr>
+          <p:nvPr/>
+        </p:nvPicPr>
+        <p:blipFill>
+          <a:blip r:embed="rId2"/>
+          <a:stretch>
+            <a:fillRect/>
+          </a:stretch>
+        </p:blipFill>
+        <p:spPr>
+          <a:xfrm>
+            <a:off x="320040" y="3602990"/>
+            <a:ext cx="11598910" cy="2364740"/>
+          </a:xfrm>
+          <a:prstGeom prst="rect">
+            <a:avLst/>
+          </a:prstGeom>
+        </p:spPr>
+      </p:pic>
+    </p:spTree>
+  </p:cSld>
+  <p:clrMapOvr>
+    <a:masterClrMapping/>
+  </p:clrMapOvr>
+  <mc:AlternateContent xmlns:mc="http://schemas.openxmlformats.org/markup-compatibility/2006">
+    <mc:Choice xmlns:p14="http://schemas.microsoft.com/office/powerpoint/2010/main" Requires="p14">
+      <p:transition spd="med" p14:dur="700">
+        <p:fade/>
+      </p:transition>
+    </mc:Choice>
+    <mc:Fallback>
+      <p:transition spd="med">
+        <p:fade/>
+      </p:transition>
+    </mc:Fallback>
+  </mc:AlternateContent>
+  <p:timing>
+    <p:tnLst>
+      <p:par>
+        <p:cTn id="1" dur="indefinite" restart="never" nodeType="tmRoot"/>
+      </p:par>
+    </p:tnLst>
+  </p:timing>
+</p:sld>
+</file>
+
+<file path=ppt/slides/slide37.xml><?xml version="1.0" encoding="utf-8"?>
+<p:sld xmlns:a="http://schemas.openxmlformats.org/drawingml/2006/main" xmlns:r="http://schemas.openxmlformats.org/officeDocument/2006/relationships" xmlns:p="http://schemas.openxmlformats.org/presentationml/2006/main">
+  <p:cSld>
+    <p:spTree>
+      <p:nvGrpSpPr>
+        <p:cNvPr id="1" name=""/>
+        <p:cNvGrpSpPr/>
+        <p:nvPr/>
+      </p:nvGrpSpPr>
+      <p:grpSpPr>
+        <a:xfrm>
+          <a:off x="0" y="0"/>
+          <a:ext cx="0" cy="0"/>
+          <a:chOff x="0" y="0"/>
+          <a:chExt cx="0" cy="0"/>
+        </a:xfrm>
+      </p:grpSpPr>
+      <p:sp>
+        <p:nvSpPr>
+          <p:cNvPr id="2" name="文本框 48"/>
+          <p:cNvSpPr txBox="1"/>
+          <p:nvPr/>
+        </p:nvSpPr>
+        <p:spPr>
+          <a:xfrm>
+            <a:off x="266303" y="283984"/>
+            <a:ext cx="9473407" cy="706755"/>
+          </a:xfrm>
+          <a:prstGeom prst="rect">
+            <a:avLst/>
+          </a:prstGeom>
+          <a:solidFill>
+            <a:schemeClr val="bg1"/>
+          </a:solidFill>
+          <a:ln w="9525">
+            <a:noFill/>
+          </a:ln>
+        </p:spPr>
+        <p:txBody>
+          <a:bodyPr wrap="square" anchor="t" anchorCtr="0">
+            <a:spAutoFit/>
+          </a:bodyPr>
+          <a:lstStyle/>
+          <a:p>
+            <a:r>
+              <a:rPr lang="en-US" altLang="zh-CN" sz="4000" dirty="0" smtClean="0">
+                <a:solidFill>
+                  <a:srgbClr val="141214"/>
+                </a:solidFill>
+                <a:latin typeface="Arial" panose="020B0604020202020204" pitchFamily="34" charset="0"/>
+                <a:cs typeface="Arial" panose="020B0604020202020204" pitchFamily="34" charset="0"/>
+              </a:rPr>
+              <a:t>Hybrid Model</a:t>
             </a:r>
             <a:endParaRPr lang="en-US" altLang="zh-CN" sz="4000" dirty="0">
               <a:solidFill>
@@ -30320,7 +31478,7 @@
 </p:sld>
 </file>
 
-<file path=ppt/slides/slide35.xml><?xml version="1.0" encoding="utf-8"?>
+<file path=ppt/slides/slide38.xml><?xml version="1.0" encoding="utf-8"?>
 <p:sld xmlns:a="http://schemas.openxmlformats.org/drawingml/2006/main" xmlns:r="http://schemas.openxmlformats.org/officeDocument/2006/relationships" xmlns:p="http://schemas.openxmlformats.org/presentationml/2006/main">
   <p:cSld>
     <p:spTree>
@@ -30914,7 +32072,7 @@
 </p:sld>
 </file>
 
-<file path=ppt/slides/slide36.xml><?xml version="1.0" encoding="utf-8"?>
+<file path=ppt/slides/slide39.xml><?xml version="1.0" encoding="utf-8"?>
 <p:sld xmlns:a="http://schemas.openxmlformats.org/drawingml/2006/main" xmlns:r="http://schemas.openxmlformats.org/officeDocument/2006/relationships" xmlns:p="http://schemas.openxmlformats.org/presentationml/2006/main">
   <p:cSld>
     <p:spTree>
@@ -31253,7 +32411,309 @@
 </p:sld>
 </file>
 
-<file path=ppt/slides/slide37.xml><?xml version="1.0" encoding="utf-8"?>
+<file path=ppt/slides/slide4.xml><?xml version="1.0" encoding="utf-8"?>
+<p:sld xmlns:a="http://schemas.openxmlformats.org/drawingml/2006/main" xmlns:r="http://schemas.openxmlformats.org/officeDocument/2006/relationships" xmlns:p="http://schemas.openxmlformats.org/presentationml/2006/main">
+  <p:cSld>
+    <p:spTree>
+      <p:nvGrpSpPr>
+        <p:cNvPr id="1" name=""/>
+        <p:cNvGrpSpPr/>
+        <p:nvPr/>
+      </p:nvGrpSpPr>
+      <p:grpSpPr>
+        <a:xfrm>
+          <a:off x="0" y="0"/>
+          <a:ext cx="0" cy="0"/>
+          <a:chOff x="0" y="0"/>
+          <a:chExt cx="0" cy="0"/>
+        </a:xfrm>
+      </p:grpSpPr>
+      <p:sp>
+        <p:nvSpPr>
+          <p:cNvPr id="2" name="文本框 48"/>
+          <p:cNvSpPr txBox="1"/>
+          <p:nvPr/>
+        </p:nvSpPr>
+        <p:spPr>
+          <a:xfrm>
+            <a:off x="247253" y="226834"/>
+            <a:ext cx="9473407" cy="707886"/>
+          </a:xfrm>
+          <a:prstGeom prst="rect">
+            <a:avLst/>
+          </a:prstGeom>
+          <a:solidFill>
+            <a:schemeClr val="bg1"/>
+          </a:solidFill>
+          <a:ln w="9525">
+            <a:noFill/>
+          </a:ln>
+        </p:spPr>
+        <p:txBody>
+          <a:bodyPr wrap="square" anchor="t" anchorCtr="0">
+            <a:spAutoFit/>
+          </a:bodyPr>
+          <a:lstStyle/>
+          <a:p>
+            <a:r>
+              <a:rPr lang="en-US" altLang="zh-CN" sz="4000" dirty="0" smtClean="0">
+                <a:solidFill>
+                  <a:srgbClr val="141214"/>
+                </a:solidFill>
+                <a:latin typeface="Arial" panose="020B0604020202020204" pitchFamily="34" charset="0"/>
+                <a:cs typeface="Arial" panose="020B0604020202020204" pitchFamily="34" charset="0"/>
+              </a:rPr>
+              <a:t>Introduction</a:t>
+            </a:r>
+            <a:endParaRPr lang="en-US" altLang="zh-CN" sz="4000" dirty="0" smtClean="0">
+              <a:solidFill>
+                <a:srgbClr val="141214"/>
+              </a:solidFill>
+              <a:latin typeface="Arial" panose="020B0604020202020204" pitchFamily="34" charset="0"/>
+              <a:cs typeface="Arial" panose="020B0604020202020204" pitchFamily="34" charset="0"/>
+            </a:endParaRPr>
+          </a:p>
+        </p:txBody>
+      </p:sp>
+      <p:sp>
+        <p:nvSpPr>
+          <p:cNvPr id="4" name="文本框 3"/>
+          <p:cNvSpPr txBox="1"/>
+          <p:nvPr/>
+        </p:nvSpPr>
+        <p:spPr>
+          <a:xfrm>
+            <a:off x="427562" y="3902834"/>
+            <a:ext cx="10839450" cy="2862322"/>
+          </a:xfrm>
+          <a:prstGeom prst="rect">
+            <a:avLst/>
+          </a:prstGeom>
+          <a:noFill/>
+        </p:spPr>
+        <p:txBody>
+          <a:bodyPr wrap="square" rtlCol="0">
+            <a:spAutoFit/>
+          </a:bodyPr>
+          <a:lstStyle/>
+          <a:p>
+            <a:r>
+              <a:rPr lang="en-US" dirty="0" smtClean="0">
+                <a:latin typeface="Arial" panose="020B0604020202020204" pitchFamily="34" charset="0"/>
+                <a:cs typeface="Arial" panose="020B0604020202020204" pitchFamily="34" charset="0"/>
+              </a:rPr>
+              <a:t>Why recommender system is important?</a:t>
+            </a:r>
+            <a:endParaRPr lang="en-US" dirty="0" smtClean="0">
+              <a:latin typeface="Arial" panose="020B0604020202020204" pitchFamily="34" charset="0"/>
+              <a:cs typeface="Arial" panose="020B0604020202020204" pitchFamily="34" charset="0"/>
+            </a:endParaRPr>
+          </a:p>
+          <a:p>
+            <a:pPr marL="285750" indent="-285750">
+              <a:buFont typeface="Arial" panose="020B0604020202020204" pitchFamily="34" charset="0"/>
+              <a:buChar char="•"/>
+            </a:pPr>
+            <a:r>
+              <a:rPr lang="en-US" dirty="0" smtClean="0">
+                <a:latin typeface="Arial" panose="020B0604020202020204" pitchFamily="34" charset="0"/>
+                <a:cs typeface="Arial" panose="020B0604020202020204" pitchFamily="34" charset="0"/>
+              </a:rPr>
+              <a:t>It </a:t>
+            </a:r>
+            <a:r>
+              <a:rPr lang="en-US" dirty="0">
+                <a:latin typeface="Arial" panose="020B0604020202020204" pitchFamily="34" charset="0"/>
+                <a:cs typeface="Arial" panose="020B0604020202020204" pitchFamily="34" charset="0"/>
+              </a:rPr>
+              <a:t>can drive traffic through personalized email messages to the store site and increase average order value</a:t>
+            </a:r>
+            <a:r>
+              <a:rPr lang="en-US" dirty="0" smtClean="0">
+                <a:latin typeface="Arial" panose="020B0604020202020204" pitchFamily="34" charset="0"/>
+                <a:cs typeface="Arial" panose="020B0604020202020204" pitchFamily="34" charset="0"/>
+              </a:rPr>
+              <a:t>.</a:t>
+            </a:r>
+            <a:endParaRPr lang="en-US" dirty="0" smtClean="0">
+              <a:latin typeface="Arial" panose="020B0604020202020204" pitchFamily="34" charset="0"/>
+              <a:cs typeface="Arial" panose="020B0604020202020204" pitchFamily="34" charset="0"/>
+            </a:endParaRPr>
+          </a:p>
+          <a:p>
+            <a:pPr marL="285750" indent="-285750">
+              <a:buFont typeface="Arial" panose="020B0604020202020204" pitchFamily="34" charset="0"/>
+              <a:buChar char="•"/>
+            </a:pPr>
+            <a:r>
+              <a:rPr lang="en-US" dirty="0" smtClean="0">
+                <a:latin typeface="Arial" panose="020B0604020202020204" pitchFamily="34" charset="0"/>
+                <a:cs typeface="Arial" panose="020B0604020202020204" pitchFamily="34" charset="0"/>
+              </a:rPr>
+              <a:t>It </a:t>
+            </a:r>
+            <a:r>
+              <a:rPr lang="en-US" dirty="0">
+                <a:latin typeface="Arial" panose="020B0604020202020204" pitchFamily="34" charset="0"/>
+                <a:cs typeface="Arial" panose="020B0604020202020204" pitchFamily="34" charset="0"/>
+              </a:rPr>
+              <a:t>also enhances the shopping experience by delivering relevant content based on personalized preferences. </a:t>
+            </a:r>
+            <a:endParaRPr lang="en-US" dirty="0" smtClean="0">
+              <a:latin typeface="Arial" panose="020B0604020202020204" pitchFamily="34" charset="0"/>
+              <a:cs typeface="Arial" panose="020B0604020202020204" pitchFamily="34" charset="0"/>
+            </a:endParaRPr>
+          </a:p>
+          <a:p>
+            <a:pPr marL="285750" indent="-285750">
+              <a:buFont typeface="Arial" panose="020B0604020202020204" pitchFamily="34" charset="0"/>
+              <a:buChar char="•"/>
+            </a:pPr>
+            <a:r>
+              <a:rPr lang="en-US" dirty="0" smtClean="0">
+                <a:latin typeface="Arial" panose="020B0604020202020204" pitchFamily="34" charset="0"/>
+                <a:cs typeface="Arial" panose="020B0604020202020204" pitchFamily="34" charset="0"/>
+              </a:rPr>
+              <a:t>It </a:t>
+            </a:r>
+            <a:r>
+              <a:rPr lang="en-US" dirty="0">
+                <a:latin typeface="Arial" panose="020B0604020202020204" pitchFamily="34" charset="0"/>
+                <a:cs typeface="Arial" panose="020B0604020202020204" pitchFamily="34" charset="0"/>
+              </a:rPr>
+              <a:t>can reduce workload for inventory management and boost work effectiveness. </a:t>
+            </a:r>
+            <a:endParaRPr lang="en-US" dirty="0" smtClean="0">
+              <a:latin typeface="Arial" panose="020B0604020202020204" pitchFamily="34" charset="0"/>
+              <a:cs typeface="Arial" panose="020B0604020202020204" pitchFamily="34" charset="0"/>
+            </a:endParaRPr>
+          </a:p>
+          <a:p>
+            <a:pPr marL="285750" indent="-285750">
+              <a:buFont typeface="Arial" panose="020B0604020202020204" pitchFamily="34" charset="0"/>
+              <a:buChar char="•"/>
+            </a:pPr>
+            <a:r>
+              <a:rPr lang="en-US" dirty="0" smtClean="0">
+                <a:latin typeface="Arial" panose="020B0604020202020204" pitchFamily="34" charset="0"/>
+                <a:cs typeface="Arial" panose="020B0604020202020204" pitchFamily="34" charset="0"/>
+              </a:rPr>
+              <a:t>It </a:t>
+            </a:r>
+            <a:r>
+              <a:rPr lang="en-US" dirty="0">
+                <a:latin typeface="Arial" panose="020B0604020202020204" pitchFamily="34" charset="0"/>
+                <a:cs typeface="Arial" panose="020B0604020202020204" pitchFamily="34" charset="0"/>
+              </a:rPr>
+              <a:t>can create comprehensive reports to support making the right decision for business direction.</a:t>
+            </a:r>
+            <a:endParaRPr lang="en-US" dirty="0" smtClean="0">
+              <a:latin typeface="Arial" panose="020B0604020202020204" pitchFamily="34" charset="0"/>
+              <a:cs typeface="Arial" panose="020B0604020202020204" pitchFamily="34" charset="0"/>
+            </a:endParaRPr>
+          </a:p>
+          <a:p>
+            <a:pPr marL="285750" indent="-285750">
+              <a:buFont typeface="Arial" panose="020B0604020202020204" pitchFamily="34" charset="0"/>
+              <a:buChar char="•"/>
+            </a:pPr>
+            <a:r>
+              <a:rPr lang="en-US" dirty="0" smtClean="0">
+                <a:latin typeface="Arial" panose="020B0604020202020204" pitchFamily="34" charset="0"/>
+                <a:cs typeface="Arial" panose="020B0604020202020204" pitchFamily="34" charset="0"/>
+              </a:rPr>
+              <a:t>Overall</a:t>
+            </a:r>
+            <a:r>
+              <a:rPr lang="en-US" dirty="0">
+                <a:latin typeface="Arial" panose="020B0604020202020204" pitchFamily="34" charset="0"/>
+                <a:cs typeface="Arial" panose="020B0604020202020204" pitchFamily="34" charset="0"/>
+              </a:rPr>
+              <a:t>, product recommender systems not only boost the companies’ revenue but also increase customer satisfaction and loyalty.</a:t>
+            </a:r>
+            <a:endParaRPr lang="en-US" dirty="0" smtClean="0">
+              <a:latin typeface="Arial" panose="020B0604020202020204" pitchFamily="34" charset="0"/>
+              <a:cs typeface="Arial" panose="020B0604020202020204" pitchFamily="34" charset="0"/>
+            </a:endParaRPr>
+          </a:p>
+          <a:p>
+            <a:pPr marL="285750" indent="-285750">
+              <a:buFont typeface="Arial" panose="020B0604020202020204" pitchFamily="34" charset="0"/>
+              <a:buChar char="•"/>
+            </a:pPr>
+            <a:endParaRPr lang="en-US" dirty="0"/>
+          </a:p>
+        </p:txBody>
+      </p:sp>
+      <p:pic>
+        <p:nvPicPr>
+          <p:cNvPr id="1026" name="Picture 2" descr="Introduction to recommender systems - Things Solver"/>
+          <p:cNvPicPr>
+            <a:picLocks noChangeAspect="1" noChangeArrowheads="1"/>
+          </p:cNvPicPr>
+          <p:nvPr/>
+        </p:nvPicPr>
+        <p:blipFill>
+          <a:blip r:embed="rId1" cstate="print">
+            <a:extLst>
+              <a:ext uri="{28A0092B-C50C-407E-A947-70E740481C1C}">
+                <a14:useLocalDpi xmlns:a14="http://schemas.microsoft.com/office/drawing/2010/main" val="0"/>
+              </a:ext>
+            </a:extLst>
+          </a:blip>
+          <a:srcRect/>
+          <a:stretch>
+            <a:fillRect/>
+          </a:stretch>
+        </p:blipFill>
+        <p:spPr bwMode="auto">
+          <a:xfrm>
+            <a:off x="1843229" y="816040"/>
+            <a:ext cx="8008116" cy="3086794"/>
+          </a:xfrm>
+          <a:prstGeom prst="rect">
+            <a:avLst/>
+          </a:prstGeom>
+          <a:noFill/>
+          <a:extLst>
+            <a:ext uri="{909E8E84-426E-40DD-AFC4-6F175D3DCCD1}">
+              <a14:hiddenFill xmlns:a14="http://schemas.microsoft.com/office/drawing/2010/main">
+                <a:solidFill>
+                  <a:srgbClr val="FFFFFF"/>
+                </a:solidFill>
+              </a14:hiddenFill>
+            </a:ext>
+          </a:extLst>
+        </p:spPr>
+      </p:pic>
+    </p:spTree>
+  </p:cSld>
+  <p:clrMapOvr>
+    <a:masterClrMapping/>
+  </p:clrMapOvr>
+  <mc:AlternateContent xmlns:mc="http://schemas.openxmlformats.org/markup-compatibility/2006">
+    <mc:Choice xmlns:p14="http://schemas.microsoft.com/office/powerpoint/2010/main" Requires="p14">
+      <p:transition spd="med" p14:dur="700">
+        <p:fade/>
+      </p:transition>
+    </mc:Choice>
+    <mc:Fallback>
+      <p:transition spd="med">
+        <p:fade/>
+      </p:transition>
+    </mc:Fallback>
+  </mc:AlternateContent>
+  <p:timing>
+    <p:tnLst>
+      <p:par>
+        <p:cTn id="1" dur="indefinite" restart="never" nodeType="tmRoot"/>
+      </p:par>
+    </p:tnLst>
+  </p:timing>
+</p:sld>
+</file>
+
+<file path=ppt/slides/slide40.xml><?xml version="1.0" encoding="utf-8"?>
 <p:sld xmlns:a="http://schemas.openxmlformats.org/drawingml/2006/main" xmlns:r="http://schemas.openxmlformats.org/officeDocument/2006/relationships" xmlns:p="http://schemas.openxmlformats.org/presentationml/2006/main">
   <p:cSld>
     <p:spTree>
@@ -31381,7 +32841,7 @@
 </p:sld>
 </file>
 
-<file path=ppt/slides/slide38.xml><?xml version="1.0" encoding="utf-8"?>
+<file path=ppt/slides/slide41.xml><?xml version="1.0" encoding="utf-8"?>
 <p:sld xmlns:a="http://schemas.openxmlformats.org/drawingml/2006/main" xmlns:r="http://schemas.openxmlformats.org/officeDocument/2006/relationships" xmlns:p="http://schemas.openxmlformats.org/presentationml/2006/main">
   <p:cSld>
     <p:spTree>
@@ -31981,7 +33441,7 @@
 </p:sld>
 </file>
 
-<file path=ppt/slides/slide39.xml><?xml version="1.0" encoding="utf-8"?>
+<file path=ppt/slides/slide42.xml><?xml version="1.0" encoding="utf-8"?>
 <p:sld xmlns:a="http://schemas.openxmlformats.org/drawingml/2006/main" xmlns:r="http://schemas.openxmlformats.org/officeDocument/2006/relationships" xmlns:p="http://schemas.openxmlformats.org/presentationml/2006/main">
   <p:cSld>
     <p:spTree>
@@ -32312,309 +33772,7 @@
 </p:sld>
 </file>
 
-<file path=ppt/slides/slide4.xml><?xml version="1.0" encoding="utf-8"?>
-<p:sld xmlns:a="http://schemas.openxmlformats.org/drawingml/2006/main" xmlns:r="http://schemas.openxmlformats.org/officeDocument/2006/relationships" xmlns:p="http://schemas.openxmlformats.org/presentationml/2006/main">
-  <p:cSld>
-    <p:spTree>
-      <p:nvGrpSpPr>
-        <p:cNvPr id="1" name=""/>
-        <p:cNvGrpSpPr/>
-        <p:nvPr/>
-      </p:nvGrpSpPr>
-      <p:grpSpPr>
-        <a:xfrm>
-          <a:off x="0" y="0"/>
-          <a:ext cx="0" cy="0"/>
-          <a:chOff x="0" y="0"/>
-          <a:chExt cx="0" cy="0"/>
-        </a:xfrm>
-      </p:grpSpPr>
-      <p:sp>
-        <p:nvSpPr>
-          <p:cNvPr id="2" name="文本框 48"/>
-          <p:cNvSpPr txBox="1"/>
-          <p:nvPr/>
-        </p:nvSpPr>
-        <p:spPr>
-          <a:xfrm>
-            <a:off x="247253" y="226834"/>
-            <a:ext cx="9473407" cy="707886"/>
-          </a:xfrm>
-          <a:prstGeom prst="rect">
-            <a:avLst/>
-          </a:prstGeom>
-          <a:solidFill>
-            <a:schemeClr val="bg1"/>
-          </a:solidFill>
-          <a:ln w="9525">
-            <a:noFill/>
-          </a:ln>
-        </p:spPr>
-        <p:txBody>
-          <a:bodyPr wrap="square" anchor="t" anchorCtr="0">
-            <a:spAutoFit/>
-          </a:bodyPr>
-          <a:lstStyle/>
-          <a:p>
-            <a:r>
-              <a:rPr lang="en-US" altLang="zh-CN" sz="4000" dirty="0" smtClean="0">
-                <a:solidFill>
-                  <a:srgbClr val="141214"/>
-                </a:solidFill>
-                <a:latin typeface="Arial" panose="020B0604020202020204" pitchFamily="34" charset="0"/>
-                <a:cs typeface="Arial" panose="020B0604020202020204" pitchFamily="34" charset="0"/>
-              </a:rPr>
-              <a:t>Introduction</a:t>
-            </a:r>
-            <a:endParaRPr lang="en-US" altLang="zh-CN" sz="4000" dirty="0" smtClean="0">
-              <a:solidFill>
-                <a:srgbClr val="141214"/>
-              </a:solidFill>
-              <a:latin typeface="Arial" panose="020B0604020202020204" pitchFamily="34" charset="0"/>
-              <a:cs typeface="Arial" panose="020B0604020202020204" pitchFamily="34" charset="0"/>
-            </a:endParaRPr>
-          </a:p>
-        </p:txBody>
-      </p:sp>
-      <p:sp>
-        <p:nvSpPr>
-          <p:cNvPr id="4" name="文本框 3"/>
-          <p:cNvSpPr txBox="1"/>
-          <p:nvPr/>
-        </p:nvSpPr>
-        <p:spPr>
-          <a:xfrm>
-            <a:off x="427562" y="3902834"/>
-            <a:ext cx="10839450" cy="2862322"/>
-          </a:xfrm>
-          <a:prstGeom prst="rect">
-            <a:avLst/>
-          </a:prstGeom>
-          <a:noFill/>
-        </p:spPr>
-        <p:txBody>
-          <a:bodyPr wrap="square" rtlCol="0">
-            <a:spAutoFit/>
-          </a:bodyPr>
-          <a:lstStyle/>
-          <a:p>
-            <a:r>
-              <a:rPr lang="en-US" dirty="0" smtClean="0">
-                <a:latin typeface="Arial" panose="020B0604020202020204" pitchFamily="34" charset="0"/>
-                <a:cs typeface="Arial" panose="020B0604020202020204" pitchFamily="34" charset="0"/>
-              </a:rPr>
-              <a:t>Why recommender system is important?</a:t>
-            </a:r>
-            <a:endParaRPr lang="en-US" dirty="0" smtClean="0">
-              <a:latin typeface="Arial" panose="020B0604020202020204" pitchFamily="34" charset="0"/>
-              <a:cs typeface="Arial" panose="020B0604020202020204" pitchFamily="34" charset="0"/>
-            </a:endParaRPr>
-          </a:p>
-          <a:p>
-            <a:pPr marL="285750" indent="-285750">
-              <a:buFont typeface="Arial" panose="020B0604020202020204" pitchFamily="34" charset="0"/>
-              <a:buChar char="•"/>
-            </a:pPr>
-            <a:r>
-              <a:rPr lang="en-US" dirty="0" smtClean="0">
-                <a:latin typeface="Arial" panose="020B0604020202020204" pitchFamily="34" charset="0"/>
-                <a:cs typeface="Arial" panose="020B0604020202020204" pitchFamily="34" charset="0"/>
-              </a:rPr>
-              <a:t>It </a:t>
-            </a:r>
-            <a:r>
-              <a:rPr lang="en-US" dirty="0">
-                <a:latin typeface="Arial" panose="020B0604020202020204" pitchFamily="34" charset="0"/>
-                <a:cs typeface="Arial" panose="020B0604020202020204" pitchFamily="34" charset="0"/>
-              </a:rPr>
-              <a:t>can drive traffic through personalized email messages to the store site and increase average order value</a:t>
-            </a:r>
-            <a:r>
-              <a:rPr lang="en-US" dirty="0" smtClean="0">
-                <a:latin typeface="Arial" panose="020B0604020202020204" pitchFamily="34" charset="0"/>
-                <a:cs typeface="Arial" panose="020B0604020202020204" pitchFamily="34" charset="0"/>
-              </a:rPr>
-              <a:t>.</a:t>
-            </a:r>
-            <a:endParaRPr lang="en-US" dirty="0" smtClean="0">
-              <a:latin typeface="Arial" panose="020B0604020202020204" pitchFamily="34" charset="0"/>
-              <a:cs typeface="Arial" panose="020B0604020202020204" pitchFamily="34" charset="0"/>
-            </a:endParaRPr>
-          </a:p>
-          <a:p>
-            <a:pPr marL="285750" indent="-285750">
-              <a:buFont typeface="Arial" panose="020B0604020202020204" pitchFamily="34" charset="0"/>
-              <a:buChar char="•"/>
-            </a:pPr>
-            <a:r>
-              <a:rPr lang="en-US" dirty="0" smtClean="0">
-                <a:latin typeface="Arial" panose="020B0604020202020204" pitchFamily="34" charset="0"/>
-                <a:cs typeface="Arial" panose="020B0604020202020204" pitchFamily="34" charset="0"/>
-              </a:rPr>
-              <a:t>It </a:t>
-            </a:r>
-            <a:r>
-              <a:rPr lang="en-US" dirty="0">
-                <a:latin typeface="Arial" panose="020B0604020202020204" pitchFamily="34" charset="0"/>
-                <a:cs typeface="Arial" panose="020B0604020202020204" pitchFamily="34" charset="0"/>
-              </a:rPr>
-              <a:t>also enhances the shopping experience by delivering relevant content based on personalized preferences. </a:t>
-            </a:r>
-            <a:endParaRPr lang="en-US" dirty="0" smtClean="0">
-              <a:latin typeface="Arial" panose="020B0604020202020204" pitchFamily="34" charset="0"/>
-              <a:cs typeface="Arial" panose="020B0604020202020204" pitchFamily="34" charset="0"/>
-            </a:endParaRPr>
-          </a:p>
-          <a:p>
-            <a:pPr marL="285750" indent="-285750">
-              <a:buFont typeface="Arial" panose="020B0604020202020204" pitchFamily="34" charset="0"/>
-              <a:buChar char="•"/>
-            </a:pPr>
-            <a:r>
-              <a:rPr lang="en-US" dirty="0" smtClean="0">
-                <a:latin typeface="Arial" panose="020B0604020202020204" pitchFamily="34" charset="0"/>
-                <a:cs typeface="Arial" panose="020B0604020202020204" pitchFamily="34" charset="0"/>
-              </a:rPr>
-              <a:t>It </a:t>
-            </a:r>
-            <a:r>
-              <a:rPr lang="en-US" dirty="0">
-                <a:latin typeface="Arial" panose="020B0604020202020204" pitchFamily="34" charset="0"/>
-                <a:cs typeface="Arial" panose="020B0604020202020204" pitchFamily="34" charset="0"/>
-              </a:rPr>
-              <a:t>can reduce workload for inventory management and boost work effectiveness. </a:t>
-            </a:r>
-            <a:endParaRPr lang="en-US" dirty="0" smtClean="0">
-              <a:latin typeface="Arial" panose="020B0604020202020204" pitchFamily="34" charset="0"/>
-              <a:cs typeface="Arial" panose="020B0604020202020204" pitchFamily="34" charset="0"/>
-            </a:endParaRPr>
-          </a:p>
-          <a:p>
-            <a:pPr marL="285750" indent="-285750">
-              <a:buFont typeface="Arial" panose="020B0604020202020204" pitchFamily="34" charset="0"/>
-              <a:buChar char="•"/>
-            </a:pPr>
-            <a:r>
-              <a:rPr lang="en-US" dirty="0" smtClean="0">
-                <a:latin typeface="Arial" panose="020B0604020202020204" pitchFamily="34" charset="0"/>
-                <a:cs typeface="Arial" panose="020B0604020202020204" pitchFamily="34" charset="0"/>
-              </a:rPr>
-              <a:t>It </a:t>
-            </a:r>
-            <a:r>
-              <a:rPr lang="en-US" dirty="0">
-                <a:latin typeface="Arial" panose="020B0604020202020204" pitchFamily="34" charset="0"/>
-                <a:cs typeface="Arial" panose="020B0604020202020204" pitchFamily="34" charset="0"/>
-              </a:rPr>
-              <a:t>can create comprehensive reports to support making the right decision for business direction.</a:t>
-            </a:r>
-            <a:endParaRPr lang="en-US" dirty="0" smtClean="0">
-              <a:latin typeface="Arial" panose="020B0604020202020204" pitchFamily="34" charset="0"/>
-              <a:cs typeface="Arial" panose="020B0604020202020204" pitchFamily="34" charset="0"/>
-            </a:endParaRPr>
-          </a:p>
-          <a:p>
-            <a:pPr marL="285750" indent="-285750">
-              <a:buFont typeface="Arial" panose="020B0604020202020204" pitchFamily="34" charset="0"/>
-              <a:buChar char="•"/>
-            </a:pPr>
-            <a:r>
-              <a:rPr lang="en-US" dirty="0" smtClean="0">
-                <a:latin typeface="Arial" panose="020B0604020202020204" pitchFamily="34" charset="0"/>
-                <a:cs typeface="Arial" panose="020B0604020202020204" pitchFamily="34" charset="0"/>
-              </a:rPr>
-              <a:t>Overall</a:t>
-            </a:r>
-            <a:r>
-              <a:rPr lang="en-US" dirty="0">
-                <a:latin typeface="Arial" panose="020B0604020202020204" pitchFamily="34" charset="0"/>
-                <a:cs typeface="Arial" panose="020B0604020202020204" pitchFamily="34" charset="0"/>
-              </a:rPr>
-              <a:t>, product recommender systems not only boost the companies’ revenue but also increase customer satisfaction and loyalty.</a:t>
-            </a:r>
-            <a:endParaRPr lang="en-US" dirty="0" smtClean="0">
-              <a:latin typeface="Arial" panose="020B0604020202020204" pitchFamily="34" charset="0"/>
-              <a:cs typeface="Arial" panose="020B0604020202020204" pitchFamily="34" charset="0"/>
-            </a:endParaRPr>
-          </a:p>
-          <a:p>
-            <a:pPr marL="285750" indent="-285750">
-              <a:buFont typeface="Arial" panose="020B0604020202020204" pitchFamily="34" charset="0"/>
-              <a:buChar char="•"/>
-            </a:pPr>
-            <a:endParaRPr lang="en-US" dirty="0"/>
-          </a:p>
-        </p:txBody>
-      </p:sp>
-      <p:pic>
-        <p:nvPicPr>
-          <p:cNvPr id="1026" name="Picture 2" descr="Introduction to recommender systems - Things Solver"/>
-          <p:cNvPicPr>
-            <a:picLocks noChangeAspect="1" noChangeArrowheads="1"/>
-          </p:cNvPicPr>
-          <p:nvPr/>
-        </p:nvPicPr>
-        <p:blipFill>
-          <a:blip r:embed="rId1" cstate="print">
-            <a:extLst>
-              <a:ext uri="{28A0092B-C50C-407E-A947-70E740481C1C}">
-                <a14:useLocalDpi xmlns:a14="http://schemas.microsoft.com/office/drawing/2010/main" val="0"/>
-              </a:ext>
-            </a:extLst>
-          </a:blip>
-          <a:srcRect/>
-          <a:stretch>
-            <a:fillRect/>
-          </a:stretch>
-        </p:blipFill>
-        <p:spPr bwMode="auto">
-          <a:xfrm>
-            <a:off x="1843229" y="816040"/>
-            <a:ext cx="8008116" cy="3086794"/>
-          </a:xfrm>
-          <a:prstGeom prst="rect">
-            <a:avLst/>
-          </a:prstGeom>
-          <a:noFill/>
-          <a:extLst>
-            <a:ext uri="{909E8E84-426E-40DD-AFC4-6F175D3DCCD1}">
-              <a14:hiddenFill xmlns:a14="http://schemas.microsoft.com/office/drawing/2010/main">
-                <a:solidFill>
-                  <a:srgbClr val="FFFFFF"/>
-                </a:solidFill>
-              </a14:hiddenFill>
-            </a:ext>
-          </a:extLst>
-        </p:spPr>
-      </p:pic>
-    </p:spTree>
-  </p:cSld>
-  <p:clrMapOvr>
-    <a:masterClrMapping/>
-  </p:clrMapOvr>
-  <mc:AlternateContent xmlns:mc="http://schemas.openxmlformats.org/markup-compatibility/2006">
-    <mc:Choice xmlns:p14="http://schemas.microsoft.com/office/powerpoint/2010/main" Requires="p14">
-      <p:transition spd="med" p14:dur="700">
-        <p:fade/>
-      </p:transition>
-    </mc:Choice>
-    <mc:Fallback>
-      <p:transition spd="med">
-        <p:fade/>
-      </p:transition>
-    </mc:Fallback>
-  </mc:AlternateContent>
-  <p:timing>
-    <p:tnLst>
-      <p:par>
-        <p:cTn id="1" dur="indefinite" restart="never" nodeType="tmRoot"/>
-      </p:par>
-    </p:tnLst>
-  </p:timing>
-</p:sld>
-</file>
-
-<file path=ppt/slides/slide40.xml><?xml version="1.0" encoding="utf-8"?>
+<file path=ppt/slides/slide43.xml><?xml version="1.0" encoding="utf-8"?>
 <p:sld xmlns:a="http://schemas.openxmlformats.org/drawingml/2006/main" xmlns:r="http://schemas.openxmlformats.org/officeDocument/2006/relationships" xmlns:p="http://schemas.openxmlformats.org/presentationml/2006/main">
   <p:cSld>
     <p:spTree>

--- a/presentation/Project_Presentation_Final.pptx
+++ b/presentation/Project_Presentation_Final.pptx
@@ -8,7 +8,7 @@
     <p:notesMasterId r:id="rId6"/>
   </p:notesMasterIdLst>
   <p:handoutMasterIdLst>
-    <p:handoutMasterId r:id="rId47"/>
+    <p:handoutMasterId r:id="rId49"/>
   </p:handoutMasterIdLst>
   <p:sldIdLst>
     <p:sldId id="422" r:id="rId3"/>
@@ -48,12 +48,14 @@
     <p:sldId id="498" r:id="rId38"/>
     <p:sldId id="499" r:id="rId39"/>
     <p:sldId id="452" r:id="rId40"/>
-    <p:sldId id="454" r:id="rId41"/>
-    <p:sldId id="456" r:id="rId42"/>
-    <p:sldId id="434" r:id="rId43"/>
-    <p:sldId id="342" r:id="rId44"/>
-    <p:sldId id="440" r:id="rId45"/>
-    <p:sldId id="387" r:id="rId46"/>
+    <p:sldId id="508" r:id="rId41"/>
+    <p:sldId id="507" r:id="rId42"/>
+    <p:sldId id="454" r:id="rId43"/>
+    <p:sldId id="456" r:id="rId44"/>
+    <p:sldId id="434" r:id="rId45"/>
+    <p:sldId id="342" r:id="rId46"/>
+    <p:sldId id="440" r:id="rId47"/>
+    <p:sldId id="387" r:id="rId48"/>
   </p:sldIdLst>
   <p:sldSz cx="12192000" cy="6858000"/>
   <p:notesSz cx="6858000" cy="9144000"/>
@@ -3102,9 +3104,92 @@
                 <a:cs typeface="+mn-cs"/>
                 <a:sym typeface="Arial" panose="020B0604020202020204" pitchFamily="34" charset="0"/>
               </a:rPr>
-              <a:t>The above two types of filtering have their own drawbacks such as the novelty problem of Content-based Filtering and the cold start problem of Collaborative Filtering, so in reality, more robust recommender systems like hybrid recommenders are often used. I plan to build a hybrid recommender that combines Content-based Filtering and Collaborative Filtering to overcome the drawbacks and improve overall performance.</a:t>
+              <a:t>The above two types of filtering have their own drawbacks such as the novelty problem of Content-based Filtering and the cold start problem of Collaborative Filtering, so in reality, more robust recommender systems like hybrid recommenders are often used. I have built a hybrid recommender that combines Content-based Filtering and Collaborative Filtering to overcome the drawbacks and improve overall performance.</a:t>
             </a:r>
-            <a:endParaRPr lang="en-US" dirty="0"/>
+            <a:endParaRPr lang="en-US" sz="1200" b="0" i="0" kern="1200" dirty="0" smtClean="0">
+              <a:solidFill>
+                <a:schemeClr val="tx1"/>
+              </a:solidFill>
+              <a:effectLst/>
+              <a:latin typeface="+mn-lt"/>
+              <a:ea typeface="Arial" panose="020B0604020202020204" pitchFamily="34" charset="0"/>
+              <a:cs typeface="+mn-cs"/>
+              <a:sym typeface="Arial" panose="020B0604020202020204" pitchFamily="34" charset="0"/>
+            </a:endParaRPr>
+          </a:p>
+          <a:p>
+            <a:endParaRPr lang="en-US" sz="1200" b="0" i="0" kern="1200" dirty="0" smtClean="0">
+              <a:solidFill>
+                <a:schemeClr val="tx1"/>
+              </a:solidFill>
+              <a:effectLst/>
+              <a:latin typeface="+mn-lt"/>
+              <a:ea typeface="Arial" panose="020B0604020202020204" pitchFamily="34" charset="0"/>
+              <a:cs typeface="+mn-cs"/>
+              <a:sym typeface="Arial" panose="020B0604020202020204" pitchFamily="34" charset="0"/>
+            </a:endParaRPr>
+          </a:p>
+          <a:p>
+            <a:r>
+              <a:rPr lang="en-US" sz="1200" b="0" i="0" kern="1200" dirty="0" smtClean="0">
+                <a:solidFill>
+                  <a:schemeClr val="tx1"/>
+                </a:solidFill>
+                <a:effectLst/>
+                <a:latin typeface="+mn-lt"/>
+                <a:ea typeface="Arial" panose="020B0604020202020204" pitchFamily="34" charset="0"/>
+                <a:cs typeface="+mn-cs"/>
+                <a:sym typeface="Arial" panose="020B0604020202020204" pitchFamily="34" charset="0"/>
+              </a:rPr>
+              <a:t>Our Hybrid Model will take both reviewer ID and product ID as input, and first get 100 recommendation results from the content-based filtering model, then input the reviewer ID and the recommended product IDs from the Content-based filtering model to the Collaborative filtering model. This model will generate recommendations that meet product similarities and customer personality as much as possible.</a:t>
+            </a:r>
+            <a:endParaRPr lang="en-US" sz="1200" b="0" i="0" kern="1200" dirty="0" smtClean="0">
+              <a:solidFill>
+                <a:schemeClr val="tx1"/>
+              </a:solidFill>
+              <a:effectLst/>
+              <a:latin typeface="+mn-lt"/>
+              <a:ea typeface="Arial" panose="020B0604020202020204" pitchFamily="34" charset="0"/>
+              <a:cs typeface="+mn-cs"/>
+              <a:sym typeface="Arial" panose="020B0604020202020204" pitchFamily="34" charset="0"/>
+            </a:endParaRPr>
+          </a:p>
+          <a:p>
+            <a:endParaRPr lang="en-US" sz="1200" b="0" i="0" kern="1200" dirty="0" smtClean="0">
+              <a:solidFill>
+                <a:schemeClr val="tx1"/>
+              </a:solidFill>
+              <a:effectLst/>
+              <a:latin typeface="+mn-lt"/>
+              <a:ea typeface="Arial" panose="020B0604020202020204" pitchFamily="34" charset="0"/>
+              <a:cs typeface="+mn-cs"/>
+              <a:sym typeface="Arial" panose="020B0604020202020204" pitchFamily="34" charset="0"/>
+            </a:endParaRPr>
+          </a:p>
+          <a:p>
+            <a:r>
+              <a:rPr lang="en-US" sz="1200" b="0" i="0" kern="1200" dirty="0" smtClean="0">
+                <a:solidFill>
+                  <a:schemeClr val="tx1"/>
+                </a:solidFill>
+                <a:effectLst/>
+                <a:latin typeface="+mn-lt"/>
+                <a:ea typeface="Arial" panose="020B0604020202020204" pitchFamily="34" charset="0"/>
+                <a:cs typeface="+mn-cs"/>
+                <a:sym typeface="Arial" panose="020B0604020202020204" pitchFamily="34" charset="0"/>
+              </a:rPr>
+              <a:t>Of course, if either ID is missing from the input, our system can handle it by calling its "Child Models" to generate recommendations respectively. If no input IDs are entered, then it will use our base model for the recommendation.</a:t>
+            </a:r>
+            <a:endParaRPr lang="en-US" sz="1200" b="0" i="0" kern="1200" dirty="0" smtClean="0">
+              <a:solidFill>
+                <a:schemeClr val="tx1"/>
+              </a:solidFill>
+              <a:effectLst/>
+              <a:latin typeface="+mn-lt"/>
+              <a:ea typeface="Arial" panose="020B0604020202020204" pitchFamily="34" charset="0"/>
+              <a:cs typeface="+mn-cs"/>
+              <a:sym typeface="Arial" panose="020B0604020202020204" pitchFamily="34" charset="0"/>
+            </a:endParaRPr>
           </a:p>
         </p:txBody>
       </p:sp>
@@ -3161,34 +3246,31 @@
           <a:lstStyle/>
           <a:p>
             <a:r>
-              <a:rPr lang="en-US" dirty="0" smtClean="0"/>
-              <a:t>Finally</a:t>
+              <a:rPr lang="en-US" sz="1200" b="0" i="0" kern="1200" dirty="0" smtClean="0">
+                <a:solidFill>
+                  <a:schemeClr val="tx1"/>
+                </a:solidFill>
+                <a:effectLst/>
+                <a:latin typeface="+mn-lt"/>
+                <a:ea typeface="Arial" panose="020B0604020202020204" pitchFamily="34" charset="0"/>
+                <a:cs typeface="+mn-cs"/>
+                <a:sym typeface="Arial" panose="020B0604020202020204" pitchFamily="34" charset="0"/>
+              </a:rPr>
+              <a:t>As you can see, the recommendation result shows that the hybrid model is suggesting more products that are similar to the product ID B0001YH10C for customer ID A1CY6CQC5HPQGL because </a:t>
             </a:r>
             <a:r>
-              <a:rPr lang="en-US" smtClean="0"/>
-              <a:t>, for </a:t>
+              <a:rPr lang="en-US" b="0" i="0" dirty="0" smtClean="0">
+                <a:effectLst/>
+                <a:ea typeface="Arial" panose="020B0604020202020204" pitchFamily="34" charset="0"/>
+                <a:sym typeface="Arial" panose="020B0604020202020204" pitchFamily="34" charset="0"/>
+              </a:rPr>
+              <a:t>it takes individual advantage of content-based and collaborative filtering.</a:t>
             </a:r>
-            <a:r>
-              <a:rPr lang="en-US" dirty="0" smtClean="0"/>
-              <a:t>recommendation system integration and deployment. I would like to develop a user interface for better using experience. I will develop a Flask website and use </a:t>
-            </a:r>
-            <a:r>
-              <a:rPr lang="en-US" dirty="0" err="1" smtClean="0"/>
-              <a:t>PythonAnywhere</a:t>
-            </a:r>
-            <a:r>
-              <a:rPr lang="en-US" dirty="0" smtClean="0"/>
-              <a:t> web hosting service to host our recommender system. Next, I will develop a Chabot using </a:t>
-            </a:r>
-            <a:r>
-              <a:rPr lang="en-US" dirty="0" err="1" smtClean="0"/>
-              <a:t>DialogFlow</a:t>
-            </a:r>
-            <a:r>
-              <a:rPr lang="en-US" dirty="0" smtClean="0"/>
-              <a:t> platform to assist users for product recommendation and integrate it with the Flask website.</a:t>
-            </a:r>
-            <a:endParaRPr lang="en-US" dirty="0"/>
+            <a:endParaRPr lang="en-US" b="0" i="0" dirty="0" smtClean="0">
+              <a:effectLst/>
+              <a:ea typeface="Arial" panose="020B0604020202020204" pitchFamily="34" charset="0"/>
+              <a:sym typeface="Arial" panose="020B0604020202020204" pitchFamily="34" charset="0"/>
+            </a:endParaRPr>
           </a:p>
         </p:txBody>
       </p:sp>
@@ -3201,102 +3283,6 @@
 </file>
 
 <file path=ppt/notesSlides/notesSlide26.xml><?xml version="1.0" encoding="utf-8"?>
-<p:notes xmlns:a="http://schemas.openxmlformats.org/drawingml/2006/main" xmlns:r="http://schemas.openxmlformats.org/officeDocument/2006/relationships" xmlns:p="http://schemas.openxmlformats.org/presentationml/2006/main">
-  <p:cSld>
-    <p:spTree>
-      <p:nvGrpSpPr>
-        <p:cNvPr id="1" name=""/>
-        <p:cNvGrpSpPr/>
-        <p:nvPr/>
-      </p:nvGrpSpPr>
-      <p:grpSpPr>
-        <a:xfrm>
-          <a:off x="0" y="0"/>
-          <a:ext cx="0" cy="0"/>
-          <a:chOff x="0" y="0"/>
-          <a:chExt cx="0" cy="0"/>
-        </a:xfrm>
-      </p:grpSpPr>
-      <p:sp>
-        <p:nvSpPr>
-          <p:cNvPr id="2" name="幻灯片图像占位符 1"/>
-          <p:cNvSpPr>
-            <a:spLocks noGrp="1" noRot="1" noChangeAspect="1"/>
-          </p:cNvSpPr>
-          <p:nvPr>
-            <p:ph type="sldImg"/>
-          </p:nvPr>
-        </p:nvSpPr>
-        <p:spPr/>
-      </p:sp>
-      <p:sp>
-        <p:nvSpPr>
-          <p:cNvPr id="3" name="备注占位符 2"/>
-          <p:cNvSpPr>
-            <a:spLocks noGrp="1"/>
-          </p:cNvSpPr>
-          <p:nvPr>
-            <p:ph type="body" idx="1"/>
-          </p:nvPr>
-        </p:nvSpPr>
-        <p:spPr/>
-        <p:txBody>
-          <a:bodyPr/>
-          <a:lstStyle/>
-          <a:p>
-            <a:r>
-              <a:rPr lang="en-US" dirty="0" smtClean="0"/>
-              <a:t>This</a:t>
-            </a:r>
-            <a:r>
-              <a:rPr lang="en-US" baseline="0" dirty="0" smtClean="0"/>
-              <a:t> is the flask web app prototype for the project. It contains a </a:t>
-            </a:r>
-            <a:r>
-              <a:rPr lang="en-US" baseline="0" dirty="0" err="1" smtClean="0"/>
-              <a:t>chatbot</a:t>
-            </a:r>
-            <a:r>
-              <a:rPr lang="en-US" baseline="0" dirty="0" smtClean="0"/>
-              <a:t> on the home page which developed by using the </a:t>
-            </a:r>
-            <a:r>
-              <a:rPr lang="en-US" baseline="0" dirty="0" err="1" smtClean="0"/>
-              <a:t>Dialogflow</a:t>
-            </a:r>
-            <a:r>
-              <a:rPr lang="en-US" baseline="0" dirty="0" smtClean="0"/>
-              <a:t> platform. The website is using Google API to send and receive message from </a:t>
-            </a:r>
-            <a:r>
-              <a:rPr lang="en-US" baseline="0" dirty="0" err="1" smtClean="0"/>
-              <a:t>Dialogflow</a:t>
-            </a:r>
-            <a:r>
-              <a:rPr lang="en-US" baseline="0" dirty="0" smtClean="0"/>
-              <a:t> and display on the </a:t>
-            </a:r>
-            <a:r>
-              <a:rPr lang="en-US" baseline="0" dirty="0" err="1" smtClean="0"/>
-              <a:t>chatbox</a:t>
-            </a:r>
-            <a:r>
-              <a:rPr lang="en-US" baseline="0" dirty="0" smtClean="0"/>
-              <a:t>. </a:t>
-            </a:r>
-            <a:endParaRPr lang="en-US" dirty="0"/>
-          </a:p>
-        </p:txBody>
-      </p:sp>
-    </p:spTree>
-  </p:cSld>
-  <p:clrMapOvr>
-    <a:masterClrMapping/>
-  </p:clrMapOvr>
-</p:notes>
-</file>
-
-<file path=ppt/notesSlides/notesSlide27.xml><?xml version="1.0" encoding="utf-8"?>
 <p:notes xmlns:a="http://schemas.openxmlformats.org/drawingml/2006/main" xmlns:r="http://schemas.openxmlformats.org/officeDocument/2006/relationships" xmlns:p="http://schemas.openxmlformats.org/presentationml/2006/main">
   <p:cSld>
     <p:spTree>
@@ -3400,7 +3386,395 @@
 </p:notes>
 </file>
 
+<file path=ppt/notesSlides/notesSlide27.xml><?xml version="1.0" encoding="utf-8"?>
+<p:notes xmlns:a="http://schemas.openxmlformats.org/drawingml/2006/main" xmlns:r="http://schemas.openxmlformats.org/officeDocument/2006/relationships" xmlns:p="http://schemas.openxmlformats.org/presentationml/2006/main">
+  <p:cSld>
+    <p:spTree>
+      <p:nvGrpSpPr>
+        <p:cNvPr id="1" name=""/>
+        <p:cNvGrpSpPr/>
+        <p:nvPr/>
+      </p:nvGrpSpPr>
+      <p:grpSpPr>
+        <a:xfrm>
+          <a:off x="0" y="0"/>
+          <a:ext cx="0" cy="0"/>
+          <a:chOff x="0" y="0"/>
+          <a:chExt cx="0" cy="0"/>
+        </a:xfrm>
+      </p:grpSpPr>
+      <p:sp>
+        <p:nvSpPr>
+          <p:cNvPr id="2" name="幻灯片图像占位符 1"/>
+          <p:cNvSpPr>
+            <a:spLocks noGrp="1" noRot="1" noChangeAspect="1"/>
+          </p:cNvSpPr>
+          <p:nvPr>
+            <p:ph type="sldImg"/>
+          </p:nvPr>
+        </p:nvSpPr>
+        <p:spPr/>
+      </p:sp>
+      <p:sp>
+        <p:nvSpPr>
+          <p:cNvPr id="3" name="备注占位符 2"/>
+          <p:cNvSpPr>
+            <a:spLocks noGrp="1"/>
+          </p:cNvSpPr>
+          <p:nvPr>
+            <p:ph type="body" idx="1"/>
+          </p:nvPr>
+        </p:nvSpPr>
+        <p:spPr/>
+        <p:txBody>
+          <a:bodyPr/>
+          <a:lstStyle/>
+          <a:p>
+            <a:r>
+              <a:rPr lang="en-US" dirty="0" smtClean="0"/>
+              <a:t>Finally</a:t>
+            </a:r>
+            <a:r>
+              <a:rPr lang="en-US" smtClean="0"/>
+              <a:t>, for </a:t>
+            </a:r>
+            <a:r>
+              <a:rPr lang="en-US" dirty="0" smtClean="0"/>
+              <a:t>recommendation system integration and deployment. I would like to develop a user interface for better using experience. I will develop a Flask website and use </a:t>
+            </a:r>
+            <a:r>
+              <a:rPr lang="en-US" dirty="0" err="1" smtClean="0"/>
+              <a:t>PythonAnywhere</a:t>
+            </a:r>
+            <a:r>
+              <a:rPr lang="en-US" dirty="0" smtClean="0"/>
+              <a:t> web hosting service to host our recommender system. Next, I will develop a Chabot using </a:t>
+            </a:r>
+            <a:r>
+              <a:rPr lang="en-US" dirty="0" err="1" smtClean="0"/>
+              <a:t>DialogFlow</a:t>
+            </a:r>
+            <a:r>
+              <a:rPr lang="en-US" dirty="0" smtClean="0"/>
+              <a:t> platform to assist users for product recommendation and integrate it with the Flask website.</a:t>
+            </a:r>
+            <a:endParaRPr lang="en-US" dirty="0"/>
+          </a:p>
+        </p:txBody>
+      </p:sp>
+    </p:spTree>
+  </p:cSld>
+  <p:clrMapOvr>
+    <a:masterClrMapping/>
+  </p:clrMapOvr>
+</p:notes>
+</file>
+
 <file path=ppt/notesSlides/notesSlide28.xml><?xml version="1.0" encoding="utf-8"?>
+<p:notes xmlns:a="http://schemas.openxmlformats.org/drawingml/2006/main" xmlns:r="http://schemas.openxmlformats.org/officeDocument/2006/relationships" xmlns:p="http://schemas.openxmlformats.org/presentationml/2006/main">
+  <p:cSld>
+    <p:spTree>
+      <p:nvGrpSpPr>
+        <p:cNvPr id="1" name=""/>
+        <p:cNvGrpSpPr/>
+        <p:nvPr/>
+      </p:nvGrpSpPr>
+      <p:grpSpPr>
+        <a:xfrm>
+          <a:off x="0" y="0"/>
+          <a:ext cx="0" cy="0"/>
+          <a:chOff x="0" y="0"/>
+          <a:chExt cx="0" cy="0"/>
+        </a:xfrm>
+      </p:grpSpPr>
+      <p:sp>
+        <p:nvSpPr>
+          <p:cNvPr id="2" name="幻灯片图像占位符 1"/>
+          <p:cNvSpPr>
+            <a:spLocks noGrp="1" noRot="1" noChangeAspect="1"/>
+          </p:cNvSpPr>
+          <p:nvPr>
+            <p:ph type="sldImg"/>
+          </p:nvPr>
+        </p:nvSpPr>
+        <p:spPr/>
+      </p:sp>
+      <p:sp>
+        <p:nvSpPr>
+          <p:cNvPr id="3" name="备注占位符 2"/>
+          <p:cNvSpPr>
+            <a:spLocks noGrp="1"/>
+          </p:cNvSpPr>
+          <p:nvPr>
+            <p:ph type="body" idx="1"/>
+          </p:nvPr>
+        </p:nvSpPr>
+        <p:spPr/>
+        <p:txBody>
+          <a:bodyPr/>
+          <a:lstStyle/>
+          <a:p>
+            <a:r>
+              <a:rPr lang="en-US" dirty="0" smtClean="0"/>
+              <a:t>This</a:t>
+            </a:r>
+            <a:r>
+              <a:rPr lang="en-US" baseline="0" dirty="0" smtClean="0"/>
+              <a:t> is the flask web app prototype for the project. It contains a </a:t>
+            </a:r>
+            <a:r>
+              <a:rPr lang="en-US" baseline="0" dirty="0" err="1" smtClean="0"/>
+              <a:t>chatbot</a:t>
+            </a:r>
+            <a:r>
+              <a:rPr lang="en-US" baseline="0" dirty="0" smtClean="0"/>
+              <a:t> on the home page which developed by using the </a:t>
+            </a:r>
+            <a:r>
+              <a:rPr lang="en-US" baseline="0" dirty="0" err="1" smtClean="0"/>
+              <a:t>Dialogflow</a:t>
+            </a:r>
+            <a:r>
+              <a:rPr lang="en-US" baseline="0" dirty="0" smtClean="0"/>
+              <a:t> platform. The website is using Google API to send and receive message from </a:t>
+            </a:r>
+            <a:r>
+              <a:rPr lang="en-US" baseline="0" dirty="0" err="1" smtClean="0"/>
+              <a:t>Dialogflow</a:t>
+            </a:r>
+            <a:r>
+              <a:rPr lang="en-US" baseline="0" dirty="0" smtClean="0"/>
+              <a:t> and display on the </a:t>
+            </a:r>
+            <a:r>
+              <a:rPr lang="en-US" baseline="0" dirty="0" err="1" smtClean="0"/>
+              <a:t>chatbox</a:t>
+            </a:r>
+            <a:r>
+              <a:rPr lang="en-US" baseline="0" dirty="0" smtClean="0"/>
+              <a:t>. </a:t>
+            </a:r>
+            <a:endParaRPr lang="en-US" dirty="0"/>
+          </a:p>
+        </p:txBody>
+      </p:sp>
+    </p:spTree>
+  </p:cSld>
+  <p:clrMapOvr>
+    <a:masterClrMapping/>
+  </p:clrMapOvr>
+</p:notes>
+</file>
+
+<file path=ppt/notesSlides/notesSlide29.xml><?xml version="1.0" encoding="utf-8"?>
+<p:notes xmlns:a="http://schemas.openxmlformats.org/drawingml/2006/main" xmlns:r="http://schemas.openxmlformats.org/officeDocument/2006/relationships" xmlns:p="http://schemas.openxmlformats.org/presentationml/2006/main">
+  <p:cSld>
+    <p:spTree>
+      <p:nvGrpSpPr>
+        <p:cNvPr id="1" name=""/>
+        <p:cNvGrpSpPr/>
+        <p:nvPr/>
+      </p:nvGrpSpPr>
+      <p:grpSpPr>
+        <a:xfrm>
+          <a:off x="0" y="0"/>
+          <a:ext cx="0" cy="0"/>
+          <a:chOff x="0" y="0"/>
+          <a:chExt cx="0" cy="0"/>
+        </a:xfrm>
+      </p:grpSpPr>
+      <p:sp>
+        <p:nvSpPr>
+          <p:cNvPr id="33793" name="幻灯片图像占位符 1"/>
+          <p:cNvSpPr>
+            <a:spLocks noGrp="1" noRot="1" noChangeAspect="1"/>
+          </p:cNvSpPr>
+          <p:nvPr>
+            <p:ph type="sldImg"/>
+          </p:nvPr>
+        </p:nvSpPr>
+        <p:spPr/>
+      </p:sp>
+      <p:sp>
+        <p:nvSpPr>
+          <p:cNvPr id="33794" name="备注占位符 2"/>
+          <p:cNvSpPr>
+            <a:spLocks noGrp="1"/>
+          </p:cNvSpPr>
+          <p:nvPr>
+            <p:ph type="body"/>
+          </p:nvPr>
+        </p:nvSpPr>
+        <p:spPr/>
+        <p:txBody>
+          <a:bodyPr lIns="91440" tIns="45720" rIns="91440" bIns="45720" anchor="t" anchorCtr="0"/>
+          <a:lstStyle/>
+          <a:p>
+            <a:pPr lvl="0"/>
+            <a:endParaRPr lang="en-US" altLang="zh-CN" dirty="0">
+              <a:solidFill>
+                <a:srgbClr val="00B0F0"/>
+              </a:solidFill>
+              <a:latin typeface="微软雅黑" panose="020B0503020204020204" pitchFamily="34" charset="-122"/>
+              <a:ea typeface="微软雅黑" panose="020B0503020204020204" pitchFamily="34" charset="-122"/>
+            </a:endParaRPr>
+          </a:p>
+        </p:txBody>
+      </p:sp>
+      <p:sp>
+        <p:nvSpPr>
+          <p:cNvPr id="33795" name="灯片编号占位符 3"/>
+          <p:cNvSpPr>
+            <a:spLocks noGrp="1"/>
+          </p:cNvSpPr>
+          <p:nvPr>
+            <p:ph type="sldNum" sz="quarter"/>
+          </p:nvPr>
+        </p:nvSpPr>
+        <p:spPr>
+          <a:xfrm>
+            <a:off x="3884613" y="8685213"/>
+            <a:ext cx="2971800" cy="458787"/>
+          </a:xfrm>
+          <a:prstGeom prst="rect">
+            <a:avLst/>
+          </a:prstGeom>
+          <a:noFill/>
+          <a:ln w="9525">
+            <a:noFill/>
+          </a:ln>
+        </p:spPr>
+        <p:txBody>
+          <a:bodyPr vert="horz" lIns="91440" tIns="45720" rIns="91440" bIns="45720" anchor="b" anchorCtr="0"/>
+          <a:lstStyle/>
+          <a:p>
+            <a:pPr lvl="0" algn="r"/>
+            <a:fld id="{9A0DB2DC-4C9A-4742-B13C-FB6460FD3503}" type="slidenum">
+              <a:rPr lang="zh-CN" altLang="en-US" sz="1200">
+                <a:latin typeface="Calibri" panose="020F0502020204030204" charset="0"/>
+                <a:ea typeface="宋体" panose="02010600030101010101" pitchFamily="2" charset="-122"/>
+              </a:rPr>
+            </a:fld>
+            <a:endParaRPr lang="zh-CN" altLang="en-US" sz="1200">
+              <a:latin typeface="Calibri" panose="020F0502020204030204" charset="0"/>
+              <a:ea typeface="宋体" panose="02010600030101010101" pitchFamily="2" charset="-122"/>
+            </a:endParaRPr>
+          </a:p>
+        </p:txBody>
+      </p:sp>
+    </p:spTree>
+  </p:cSld>
+  <p:clrMapOvr>
+    <a:masterClrMapping/>
+  </p:clrMapOvr>
+</p:notes>
+</file>
+
+<file path=ppt/notesSlides/notesSlide3.xml><?xml version="1.0" encoding="utf-8"?>
+<p:notes xmlns:a="http://schemas.openxmlformats.org/drawingml/2006/main" xmlns:r="http://schemas.openxmlformats.org/officeDocument/2006/relationships" xmlns:p="http://schemas.openxmlformats.org/presentationml/2006/main">
+  <p:cSld>
+    <p:spTree>
+      <p:nvGrpSpPr>
+        <p:cNvPr id="1" name=""/>
+        <p:cNvGrpSpPr/>
+        <p:nvPr/>
+      </p:nvGrpSpPr>
+      <p:grpSpPr>
+        <a:xfrm>
+          <a:off x="0" y="0"/>
+          <a:ext cx="0" cy="0"/>
+          <a:chOff x="0" y="0"/>
+          <a:chExt cx="0" cy="0"/>
+        </a:xfrm>
+      </p:grpSpPr>
+      <p:sp>
+        <p:nvSpPr>
+          <p:cNvPr id="19457" name="幻灯片图像占位符 1"/>
+          <p:cNvSpPr>
+            <a:spLocks noGrp="1" noRot="1" noChangeAspect="1"/>
+          </p:cNvSpPr>
+          <p:nvPr>
+            <p:ph type="sldImg"/>
+          </p:nvPr>
+        </p:nvSpPr>
+        <p:spPr/>
+      </p:sp>
+      <p:sp>
+        <p:nvSpPr>
+          <p:cNvPr id="19458" name="备注占位符 2"/>
+          <p:cNvSpPr>
+            <a:spLocks noGrp="1"/>
+          </p:cNvSpPr>
+          <p:nvPr>
+            <p:ph type="body"/>
+          </p:nvPr>
+        </p:nvSpPr>
+        <p:spPr/>
+        <p:txBody>
+          <a:bodyPr lIns="91440" tIns="45720" rIns="91440" bIns="45720" anchor="t" anchorCtr="0"/>
+          <a:lstStyle/>
+          <a:p>
+            <a:pPr lvl="0"/>
+            <a:endParaRPr lang="en-US" altLang="zh-CN" dirty="0">
+              <a:solidFill>
+                <a:srgbClr val="00B0F0"/>
+              </a:solidFill>
+              <a:latin typeface="微软雅黑" panose="020B0503020204020204" pitchFamily="34" charset="-122"/>
+              <a:ea typeface="微软雅黑" panose="020B0503020204020204" pitchFamily="34" charset="-122"/>
+            </a:endParaRPr>
+          </a:p>
+        </p:txBody>
+      </p:sp>
+      <p:sp>
+        <p:nvSpPr>
+          <p:cNvPr id="19459" name="灯片编号占位符 3"/>
+          <p:cNvSpPr>
+            <a:spLocks noGrp="1"/>
+          </p:cNvSpPr>
+          <p:nvPr>
+            <p:ph type="sldNum" sz="quarter"/>
+          </p:nvPr>
+        </p:nvSpPr>
+        <p:spPr>
+          <a:xfrm>
+            <a:off x="3884613" y="8685213"/>
+            <a:ext cx="2971800" cy="458787"/>
+          </a:xfrm>
+          <a:prstGeom prst="rect">
+            <a:avLst/>
+          </a:prstGeom>
+          <a:noFill/>
+          <a:ln w="9525">
+            <a:noFill/>
+          </a:ln>
+        </p:spPr>
+        <p:txBody>
+          <a:bodyPr vert="horz" lIns="91440" tIns="45720" rIns="91440" bIns="45720" anchor="b" anchorCtr="0"/>
+          <a:lstStyle/>
+          <a:p>
+            <a:pPr lvl="0" algn="r"/>
+            <a:fld id="{9A0DB2DC-4C9A-4742-B13C-FB6460FD3503}" type="slidenum">
+              <a:rPr lang="zh-CN" altLang="en-US" sz="1200">
+                <a:latin typeface="Calibri" panose="020F0502020204030204" charset="0"/>
+                <a:ea typeface="宋体" panose="02010600030101010101" pitchFamily="2" charset="-122"/>
+              </a:rPr>
+            </a:fld>
+            <a:endParaRPr lang="zh-CN" altLang="en-US" sz="1200">
+              <a:latin typeface="Calibri" panose="020F0502020204030204" charset="0"/>
+              <a:ea typeface="宋体" panose="02010600030101010101" pitchFamily="2" charset="-122"/>
+            </a:endParaRPr>
+          </a:p>
+        </p:txBody>
+      </p:sp>
+    </p:spTree>
+  </p:cSld>
+  <p:clrMapOvr>
+    <a:masterClrMapping/>
+  </p:clrMapOvr>
+</p:notes>
+</file>
+
+<file path=ppt/notesSlides/notesSlide30.xml><?xml version="1.0" encoding="utf-8"?>
 <p:notes xmlns:a="http://schemas.openxmlformats.org/drawingml/2006/main" xmlns:r="http://schemas.openxmlformats.org/officeDocument/2006/relationships" xmlns:p="http://schemas.openxmlformats.org/presentationml/2006/main">
   <p:cSld>
     <p:spTree>
@@ -3526,7 +3900,7 @@
 </p:notes>
 </file>
 
-<file path=ppt/notesSlides/notesSlide29.xml><?xml version="1.0" encoding="utf-8"?>
+<file path=ppt/notesSlides/notesSlide31.xml><?xml version="1.0" encoding="utf-8"?>
 <p:notes xmlns:a="http://schemas.openxmlformats.org/drawingml/2006/main" xmlns:r="http://schemas.openxmlformats.org/officeDocument/2006/relationships" xmlns:p="http://schemas.openxmlformats.org/presentationml/2006/main">
   <p:cSld>
     <p:spTree>
@@ -3578,110 +3952,6 @@
       <p:sp>
         <p:nvSpPr>
           <p:cNvPr id="40963" name="灯片编号占位符 3"/>
-          <p:cNvSpPr>
-            <a:spLocks noGrp="1"/>
-          </p:cNvSpPr>
-          <p:nvPr>
-            <p:ph type="sldNum" sz="quarter"/>
-          </p:nvPr>
-        </p:nvSpPr>
-        <p:spPr>
-          <a:xfrm>
-            <a:off x="3884613" y="8685213"/>
-            <a:ext cx="2971800" cy="458787"/>
-          </a:xfrm>
-          <a:prstGeom prst="rect">
-            <a:avLst/>
-          </a:prstGeom>
-          <a:noFill/>
-          <a:ln w="9525">
-            <a:noFill/>
-          </a:ln>
-        </p:spPr>
-        <p:txBody>
-          <a:bodyPr vert="horz" lIns="91440" tIns="45720" rIns="91440" bIns="45720" anchor="b" anchorCtr="0"/>
-          <a:lstStyle/>
-          <a:p>
-            <a:pPr lvl="0" algn="r"/>
-            <a:fld id="{9A0DB2DC-4C9A-4742-B13C-FB6460FD3503}" type="slidenum">
-              <a:rPr lang="zh-CN" altLang="en-US" sz="1200">
-                <a:latin typeface="Calibri" panose="020F0502020204030204" charset="0"/>
-                <a:ea typeface="宋体" panose="02010600030101010101" pitchFamily="2" charset="-122"/>
-              </a:rPr>
-            </a:fld>
-            <a:endParaRPr lang="zh-CN" altLang="en-US" sz="1200">
-              <a:latin typeface="Calibri" panose="020F0502020204030204" charset="0"/>
-              <a:ea typeface="宋体" panose="02010600030101010101" pitchFamily="2" charset="-122"/>
-            </a:endParaRPr>
-          </a:p>
-        </p:txBody>
-      </p:sp>
-    </p:spTree>
-  </p:cSld>
-  <p:clrMapOvr>
-    <a:masterClrMapping/>
-  </p:clrMapOvr>
-</p:notes>
-</file>
-
-<file path=ppt/notesSlides/notesSlide3.xml><?xml version="1.0" encoding="utf-8"?>
-<p:notes xmlns:a="http://schemas.openxmlformats.org/drawingml/2006/main" xmlns:r="http://schemas.openxmlformats.org/officeDocument/2006/relationships" xmlns:p="http://schemas.openxmlformats.org/presentationml/2006/main">
-  <p:cSld>
-    <p:spTree>
-      <p:nvGrpSpPr>
-        <p:cNvPr id="1" name=""/>
-        <p:cNvGrpSpPr/>
-        <p:nvPr/>
-      </p:nvGrpSpPr>
-      <p:grpSpPr>
-        <a:xfrm>
-          <a:off x="0" y="0"/>
-          <a:ext cx="0" cy="0"/>
-          <a:chOff x="0" y="0"/>
-          <a:chExt cx="0" cy="0"/>
-        </a:xfrm>
-      </p:grpSpPr>
-      <p:sp>
-        <p:nvSpPr>
-          <p:cNvPr id="19457" name="幻灯片图像占位符 1"/>
-          <p:cNvSpPr>
-            <a:spLocks noGrp="1" noRot="1" noChangeAspect="1"/>
-          </p:cNvSpPr>
-          <p:nvPr>
-            <p:ph type="sldImg"/>
-          </p:nvPr>
-        </p:nvSpPr>
-        <p:spPr/>
-      </p:sp>
-      <p:sp>
-        <p:nvSpPr>
-          <p:cNvPr id="19458" name="备注占位符 2"/>
-          <p:cNvSpPr>
-            <a:spLocks noGrp="1"/>
-          </p:cNvSpPr>
-          <p:nvPr>
-            <p:ph type="body"/>
-          </p:nvPr>
-        </p:nvSpPr>
-        <p:spPr/>
-        <p:txBody>
-          <a:bodyPr lIns="91440" tIns="45720" rIns="91440" bIns="45720" anchor="t" anchorCtr="0"/>
-          <a:lstStyle/>
-          <a:p>
-            <a:pPr lvl="0"/>
-            <a:endParaRPr lang="en-US" altLang="zh-CN" dirty="0">
-              <a:solidFill>
-                <a:srgbClr val="00B0F0"/>
-              </a:solidFill>
-              <a:latin typeface="微软雅黑" panose="020B0503020204020204" pitchFamily="34" charset="-122"/>
-              <a:ea typeface="微软雅黑" panose="020B0503020204020204" pitchFamily="34" charset="-122"/>
-            </a:endParaRPr>
-          </a:p>
-        </p:txBody>
-      </p:sp>
-      <p:sp>
-        <p:nvSpPr>
-          <p:cNvPr id="19459" name="灯片编号占位符 3"/>
           <p:cNvSpPr>
             <a:spLocks noGrp="1"/>
           </p:cNvSpPr>
@@ -16516,7 +16786,7 @@
         </p:nvSpPr>
         <p:spPr>
           <a:xfrm flipH="1">
-            <a:off x="7394643" y="1593219"/>
+            <a:off x="7394643" y="1340489"/>
             <a:ext cx="3530600" cy="376246"/>
           </a:xfrm>
           <a:prstGeom prst="rect">
@@ -16571,7 +16841,7 @@
         </p:blipFill>
         <p:spPr>
           <a:xfrm>
-            <a:off x="6962774" y="1185951"/>
+            <a:off x="6962774" y="933221"/>
             <a:ext cx="829041" cy="830265"/>
           </a:xfrm>
           <a:prstGeom prst="rect">
@@ -16591,7 +16861,7 @@
         </p:nvSpPr>
         <p:spPr>
           <a:xfrm>
-            <a:off x="7174808" y="1345588"/>
+            <a:off x="7174808" y="1092858"/>
             <a:ext cx="393700" cy="522282"/>
           </a:xfrm>
           <a:prstGeom prst="rect">
@@ -16638,7 +16908,7 @@
         </p:nvSpPr>
         <p:spPr>
           <a:xfrm flipH="1">
-            <a:off x="7394643" y="809705"/>
+            <a:off x="7394643" y="556975"/>
             <a:ext cx="3530600" cy="376246"/>
           </a:xfrm>
           <a:prstGeom prst="rect">
@@ -16693,7 +16963,7 @@
         </p:blipFill>
         <p:spPr>
           <a:xfrm>
-            <a:off x="6962774" y="402437"/>
+            <a:off x="6962774" y="149707"/>
             <a:ext cx="829041" cy="830265"/>
           </a:xfrm>
           <a:prstGeom prst="rect">
@@ -16713,7 +16983,7 @@
         </p:nvSpPr>
         <p:spPr>
           <a:xfrm>
-            <a:off x="7179137" y="562074"/>
+            <a:off x="7179137" y="309344"/>
             <a:ext cx="385042" cy="523220"/>
           </a:xfrm>
           <a:prstGeom prst="rect">
@@ -16759,7 +17029,7 @@
         </p:nvSpPr>
         <p:spPr>
           <a:xfrm flipH="1">
-            <a:off x="7394643" y="2376733"/>
+            <a:off x="7394643" y="2124003"/>
             <a:ext cx="3530600" cy="376246"/>
           </a:xfrm>
           <a:prstGeom prst="rect">
@@ -16814,7 +17084,7 @@
         </p:blipFill>
         <p:spPr>
           <a:xfrm>
-            <a:off x="6962774" y="1969465"/>
+            <a:off x="6962774" y="1716735"/>
             <a:ext cx="829041" cy="830265"/>
           </a:xfrm>
           <a:prstGeom prst="rect">
@@ -16834,7 +17104,7 @@
         </p:nvSpPr>
         <p:spPr>
           <a:xfrm>
-            <a:off x="7179137" y="2129102"/>
+            <a:off x="7179137" y="1876372"/>
             <a:ext cx="385042" cy="523220"/>
           </a:xfrm>
           <a:prstGeom prst="rect">
@@ -16880,7 +17150,7 @@
         </p:nvSpPr>
         <p:spPr>
           <a:xfrm flipH="1">
-            <a:off x="7394643" y="3172476"/>
+            <a:off x="7394643" y="2919746"/>
             <a:ext cx="3530600" cy="376246"/>
           </a:xfrm>
           <a:prstGeom prst="rect">
@@ -16935,7 +17205,7 @@
         </p:blipFill>
         <p:spPr>
           <a:xfrm>
-            <a:off x="6962774" y="2765208"/>
+            <a:off x="6962774" y="2512478"/>
             <a:ext cx="829041" cy="830265"/>
           </a:xfrm>
           <a:prstGeom prst="rect">
@@ -16955,7 +17225,7 @@
         </p:nvSpPr>
         <p:spPr>
           <a:xfrm>
-            <a:off x="7179137" y="2924845"/>
+            <a:off x="7179137" y="2672115"/>
             <a:ext cx="385042" cy="523220"/>
           </a:xfrm>
           <a:prstGeom prst="rect">
@@ -17001,7 +17271,7 @@
         </p:nvSpPr>
         <p:spPr>
           <a:xfrm flipH="1">
-            <a:off x="7394643" y="3979873"/>
+            <a:off x="7394643" y="3727143"/>
             <a:ext cx="3530600" cy="376246"/>
           </a:xfrm>
           <a:prstGeom prst="rect">
@@ -17055,7 +17325,7 @@
         </p:blipFill>
         <p:spPr>
           <a:xfrm>
-            <a:off x="6962774" y="3572605"/>
+            <a:off x="6962774" y="3319875"/>
             <a:ext cx="829041" cy="830265"/>
           </a:xfrm>
           <a:prstGeom prst="rect">
@@ -17075,7 +17345,7 @@
         </p:nvSpPr>
         <p:spPr>
           <a:xfrm>
-            <a:off x="7179137" y="3732242"/>
+            <a:off x="7179137" y="3479512"/>
             <a:ext cx="385042" cy="523220"/>
           </a:xfrm>
           <a:prstGeom prst="rect">
@@ -17121,7 +17391,7 @@
         </p:nvSpPr>
         <p:spPr>
           <a:xfrm flipH="1">
-            <a:off x="7394643" y="4802273"/>
+            <a:off x="7394643" y="4549543"/>
             <a:ext cx="3530600" cy="376246"/>
           </a:xfrm>
           <a:prstGeom prst="rect">
@@ -17186,7 +17456,7 @@
         </p:blipFill>
         <p:spPr>
           <a:xfrm>
-            <a:off x="6962774" y="4395005"/>
+            <a:off x="6962774" y="4142275"/>
             <a:ext cx="829041" cy="830265"/>
           </a:xfrm>
           <a:prstGeom prst="rect">
@@ -17206,7 +17476,7 @@
         </p:nvSpPr>
         <p:spPr>
           <a:xfrm>
-            <a:off x="7179137" y="4554642"/>
+            <a:off x="7179137" y="4301912"/>
             <a:ext cx="385042" cy="523220"/>
           </a:xfrm>
           <a:prstGeom prst="rect">
@@ -17252,7 +17522,7 @@
         </p:nvSpPr>
         <p:spPr>
           <a:xfrm flipH="1">
-            <a:off x="7394643" y="5659667"/>
+            <a:off x="7394643" y="5406937"/>
             <a:ext cx="3530600" cy="376246"/>
           </a:xfrm>
           <a:prstGeom prst="rect">
@@ -17279,7 +17549,7 @@
                 <a:ea typeface="宋体" panose="02010600030101010101" pitchFamily="2" charset="-122"/>
                 <a:cs typeface="Arial" panose="020B0604020202020204" pitchFamily="34" charset="0"/>
               </a:rPr>
-              <a:t>Expected Outcomes</a:t>
+              <a:t>System Integration</a:t>
             </a:r>
             <a:endParaRPr lang="zh-CN" altLang="en-US" sz="1600" dirty="0">
               <a:solidFill>
@@ -17307,7 +17577,7 @@
         </p:blipFill>
         <p:spPr>
           <a:xfrm>
-            <a:off x="6962774" y="5252399"/>
+            <a:off x="6962774" y="4999669"/>
             <a:ext cx="829041" cy="830265"/>
           </a:xfrm>
           <a:prstGeom prst="rect">
@@ -17327,7 +17597,7 @@
         </p:nvSpPr>
         <p:spPr>
           <a:xfrm>
-            <a:off x="7179137" y="5412036"/>
+            <a:off x="7179137" y="5159306"/>
             <a:ext cx="385042" cy="523220"/>
           </a:xfrm>
           <a:prstGeom prst="rect">
@@ -17356,6 +17626,125 @@
               <a:t>7</a:t>
             </a:r>
             <a:endParaRPr lang="zh-CN" altLang="en-US" sz="2800" dirty="0">
+              <a:solidFill>
+                <a:srgbClr val="262626"/>
+              </a:solidFill>
+              <a:latin typeface="Arial" panose="020B0604020202020204" pitchFamily="34" charset="0"/>
+              <a:ea typeface="Arial" panose="020B0604020202020204" pitchFamily="34" charset="0"/>
+            </a:endParaRPr>
+          </a:p>
+        </p:txBody>
+      </p:sp>
+      <p:sp>
+        <p:nvSpPr>
+          <p:cNvPr id="2" name="文本框 31"/>
+          <p:cNvSpPr txBox="1"/>
+          <p:nvPr/>
+        </p:nvSpPr>
+        <p:spPr>
+          <a:xfrm flipH="1">
+            <a:off x="7394643" y="6251487"/>
+            <a:ext cx="3530600" cy="376246"/>
+          </a:xfrm>
+          <a:prstGeom prst="rect">
+            <a:avLst/>
+          </a:prstGeom>
+          <a:solidFill>
+            <a:srgbClr val="262626"/>
+          </a:solidFill>
+          <a:ln w="9525">
+            <a:noFill/>
+          </a:ln>
+        </p:spPr>
+        <p:txBody>
+          <a:bodyPr lIns="180000" anchor="ctr" anchorCtr="0"/>
+          <a:p>
+            <a:pPr algn="ctr"/>
+            <a:r>
+              <a:rPr lang="en-US" altLang="zh-CN" sz="1600" dirty="0" smtClean="0">
+                <a:solidFill>
+                  <a:schemeClr val="bg1"/>
+                </a:solidFill>
+                <a:latin typeface="Arial" panose="020B0604020202020204" pitchFamily="34" charset="0"/>
+                <a:ea typeface="宋体" panose="02010600030101010101" pitchFamily="2" charset="-122"/>
+                <a:cs typeface="Arial" panose="020B0604020202020204" pitchFamily="34" charset="0"/>
+              </a:rPr>
+              <a:t>Outcomes</a:t>
+            </a:r>
+            <a:endParaRPr lang="zh-CN" altLang="en-US" sz="1600" dirty="0">
+              <a:solidFill>
+                <a:schemeClr val="bg1"/>
+              </a:solidFill>
+              <a:latin typeface="Arial" panose="020B0604020202020204" pitchFamily="34" charset="0"/>
+              <a:ea typeface="Arial" panose="020B0604020202020204" pitchFamily="34" charset="0"/>
+            </a:endParaRPr>
+          </a:p>
+        </p:txBody>
+      </p:sp>
+      <p:pic>
+        <p:nvPicPr>
+          <p:cNvPr id="3" name="图片 32"/>
+          <p:cNvPicPr>
+            <a:picLocks noChangeAspect="1"/>
+          </p:cNvPicPr>
+          <p:nvPr/>
+        </p:nvPicPr>
+        <p:blipFill>
+          <a:blip r:embed="rId2"/>
+          <a:stretch>
+            <a:fillRect/>
+          </a:stretch>
+        </p:blipFill>
+        <p:spPr>
+          <a:xfrm>
+            <a:off x="6962774" y="5844219"/>
+            <a:ext cx="829041" cy="830265"/>
+          </a:xfrm>
+          <a:prstGeom prst="rect">
+            <a:avLst/>
+          </a:prstGeom>
+          <a:noFill/>
+          <a:ln w="9525">
+            <a:noFill/>
+          </a:ln>
+        </p:spPr>
+      </p:pic>
+      <p:sp>
+        <p:nvSpPr>
+          <p:cNvPr id="4" name="矩形 30"/>
+          <p:cNvSpPr/>
+          <p:nvPr/>
+        </p:nvSpPr>
+        <p:spPr>
+          <a:xfrm>
+            <a:off x="7181476" y="6003856"/>
+            <a:ext cx="380365" cy="521970"/>
+          </a:xfrm>
+          <a:prstGeom prst="rect">
+            <a:avLst/>
+          </a:prstGeom>
+          <a:noFill/>
+          <a:ln w="9525">
+            <a:noFill/>
+          </a:ln>
+        </p:spPr>
+        <p:txBody>
+          <a:bodyPr wrap="none" anchor="t" anchorCtr="0">
+            <a:spAutoFit/>
+          </a:bodyPr>
+          <a:p>
+            <a:pPr algn="ctr"/>
+            <a:r>
+              <a:rPr lang="en-US" altLang="zh-CN" sz="2800" dirty="0">
+                <a:solidFill>
+                  <a:srgbClr val="262626"/>
+                </a:solidFill>
+                <a:latin typeface="Arial" panose="020B0604020202020204" pitchFamily="34" charset="0"/>
+                <a:ea typeface="Arial" panose="020B0604020202020204" pitchFamily="34" charset="0"/>
+              </a:rPr>
+              <a:t>8</a:t>
+            </a:r>
+            <a:endParaRPr lang="en-US" altLang="zh-CN" sz="2800" dirty="0">
               <a:solidFill>
                 <a:srgbClr val="262626"/>
               </a:solidFill>
@@ -31504,6 +31893,430 @@
         <p:spPr>
           <a:xfrm>
             <a:off x="266303" y="283984"/>
+            <a:ext cx="9473407" cy="706755"/>
+          </a:xfrm>
+          <a:prstGeom prst="rect">
+            <a:avLst/>
+          </a:prstGeom>
+          <a:solidFill>
+            <a:schemeClr val="bg1"/>
+          </a:solidFill>
+          <a:ln w="9525">
+            <a:noFill/>
+          </a:ln>
+        </p:spPr>
+        <p:txBody>
+          <a:bodyPr wrap="square" anchor="t" anchorCtr="0">
+            <a:spAutoFit/>
+          </a:bodyPr>
+          <a:lstStyle/>
+          <a:p>
+            <a:r>
+              <a:rPr lang="en-US" altLang="zh-CN" sz="4000" dirty="0" smtClean="0">
+                <a:solidFill>
+                  <a:srgbClr val="141214"/>
+                </a:solidFill>
+                <a:latin typeface="Arial" panose="020B0604020202020204" pitchFamily="34" charset="0"/>
+                <a:cs typeface="Arial" panose="020B0604020202020204" pitchFamily="34" charset="0"/>
+              </a:rPr>
+              <a:t>Hybrid Model</a:t>
+            </a:r>
+            <a:endParaRPr lang="en-US" altLang="zh-CN" sz="4000" dirty="0">
+              <a:solidFill>
+                <a:srgbClr val="141214"/>
+              </a:solidFill>
+              <a:latin typeface="Arial" panose="020B0604020202020204" pitchFamily="34" charset="0"/>
+              <a:cs typeface="Arial" panose="020B0604020202020204" pitchFamily="34" charset="0"/>
+            </a:endParaRPr>
+          </a:p>
+        </p:txBody>
+      </p:sp>
+      <p:pic>
+        <p:nvPicPr>
+          <p:cNvPr id="14" name="Picture 13"/>
+          <p:cNvPicPr>
+            <a:picLocks noChangeAspect="1"/>
+          </p:cNvPicPr>
+          <p:nvPr/>
+        </p:nvPicPr>
+        <p:blipFill>
+          <a:blip r:embed="rId1"/>
+          <a:stretch>
+            <a:fillRect/>
+          </a:stretch>
+        </p:blipFill>
+        <p:spPr>
+          <a:xfrm>
+            <a:off x="578485" y="4563110"/>
+            <a:ext cx="11437620" cy="2091055"/>
+          </a:xfrm>
+          <a:prstGeom prst="rect">
+            <a:avLst/>
+          </a:prstGeom>
+        </p:spPr>
+      </p:pic>
+      <p:grpSp>
+        <p:nvGrpSpPr>
+          <p:cNvPr id="18" name="组合 1"/>
+          <p:cNvGrpSpPr/>
+          <p:nvPr/>
+        </p:nvGrpSpPr>
+        <p:grpSpPr>
+          <a:xfrm>
+            <a:off x="445135" y="1149350"/>
+            <a:ext cx="11082655" cy="771525"/>
+            <a:chOff x="0" y="6227623"/>
+            <a:chExt cx="12192000" cy="630377"/>
+          </a:xfrm>
+        </p:grpSpPr>
+        <p:sp>
+          <p:nvSpPr>
+            <p:cNvPr id="19" name="矩形 4"/>
+            <p:cNvSpPr/>
+            <p:nvPr/>
+          </p:nvSpPr>
+          <p:spPr>
+            <a:xfrm>
+              <a:off x="0" y="6256185"/>
+              <a:ext cx="12192000" cy="601815"/>
+            </a:xfrm>
+            <a:prstGeom prst="rect">
+              <a:avLst/>
+            </a:prstGeom>
+            <a:solidFill>
+              <a:srgbClr val="F5A61C"/>
+            </a:solidFill>
+            <a:ln>
+              <a:noFill/>
+            </a:ln>
+          </p:spPr>
+          <p:style>
+            <a:lnRef idx="2">
+              <a:schemeClr val="accent1">
+                <a:shade val="50000"/>
+              </a:schemeClr>
+            </a:lnRef>
+            <a:fillRef idx="1">
+              <a:schemeClr val="accent1"/>
+            </a:fillRef>
+            <a:effectRef idx="0">
+              <a:schemeClr val="accent1"/>
+            </a:effectRef>
+            <a:fontRef idx="minor">
+              <a:schemeClr val="lt1"/>
+            </a:fontRef>
+          </p:style>
+          <p:txBody>
+            <a:bodyPr rtlCol="0" anchor="ctr"/>
+            <a:p>
+              <a:pPr algn="ctr" fontAlgn="auto"/>
+              <a:endParaRPr lang="zh-CN" altLang="en-US" strike="noStrike" noProof="1"/>
+            </a:p>
+          </p:txBody>
+        </p:sp>
+        <p:sp>
+          <p:nvSpPr>
+            <p:cNvPr id="20" name="矩形 5"/>
+            <p:cNvSpPr/>
+            <p:nvPr/>
+          </p:nvSpPr>
+          <p:spPr>
+            <a:xfrm>
+              <a:off x="0" y="6227623"/>
+              <a:ext cx="12192000" cy="28562"/>
+            </a:xfrm>
+            <a:prstGeom prst="rect">
+              <a:avLst/>
+            </a:prstGeom>
+            <a:solidFill>
+              <a:schemeClr val="tx1">
+                <a:lumMod val="75000"/>
+                <a:lumOff val="25000"/>
+              </a:schemeClr>
+            </a:solidFill>
+            <a:ln>
+              <a:noFill/>
+            </a:ln>
+          </p:spPr>
+          <p:style>
+            <a:lnRef idx="2">
+              <a:schemeClr val="accent1">
+                <a:shade val="50000"/>
+              </a:schemeClr>
+            </a:lnRef>
+            <a:fillRef idx="1">
+              <a:schemeClr val="accent1"/>
+            </a:fillRef>
+            <a:effectRef idx="0">
+              <a:schemeClr val="accent1"/>
+            </a:effectRef>
+            <a:fontRef idx="minor">
+              <a:schemeClr val="lt1"/>
+            </a:fontRef>
+          </p:style>
+          <p:txBody>
+            <a:bodyPr rtlCol="0" anchor="ctr"/>
+            <a:p>
+              <a:pPr algn="ctr" fontAlgn="auto"/>
+              <a:endParaRPr lang="zh-CN" altLang="en-US" strike="noStrike" noProof="1"/>
+            </a:p>
+          </p:txBody>
+        </p:sp>
+      </p:grpSp>
+      <p:sp>
+        <p:nvSpPr>
+          <p:cNvPr id="21" name="TextBox 15"/>
+          <p:cNvSpPr txBox="1"/>
+          <p:nvPr/>
+        </p:nvSpPr>
+        <p:spPr>
+          <a:xfrm>
+            <a:off x="577850" y="1183005"/>
+            <a:ext cx="10141585" cy="737235"/>
+          </a:xfrm>
+          <a:prstGeom prst="rect">
+            <a:avLst/>
+          </a:prstGeom>
+          <a:noFill/>
+          <a:ln w="9525">
+            <a:noFill/>
+          </a:ln>
+        </p:spPr>
+        <p:txBody>
+          <a:bodyPr wrap="square" anchor="t" anchorCtr="0">
+            <a:spAutoFit/>
+          </a:bodyPr>
+          <a:p>
+            <a:pPr>
+              <a:lnSpc>
+                <a:spcPct val="150000"/>
+              </a:lnSpc>
+            </a:pPr>
+            <a:r>
+              <a:rPr lang="en-US" altLang="zh-CN" sz="1400" dirty="0">
+                <a:solidFill>
+                  <a:srgbClr val="262626"/>
+                </a:solidFill>
+                <a:latin typeface="Arial" panose="020B0604020202020204" pitchFamily="34" charset="0"/>
+                <a:cs typeface="Arial" panose="020B0604020202020204" pitchFamily="34" charset="0"/>
+              </a:rPr>
+              <a:t>The recommendation result shows that the hybrid model is suggesting more products that are similar to the product ID B0001YH10C for customer ID A1CY6CQC5HPQGL</a:t>
+            </a:r>
+            <a:endParaRPr lang="en-US" altLang="zh-CN" sz="1400" dirty="0">
+              <a:solidFill>
+                <a:srgbClr val="262626"/>
+              </a:solidFill>
+              <a:latin typeface="Arial" panose="020B0604020202020204" pitchFamily="34" charset="0"/>
+              <a:cs typeface="Arial" panose="020B0604020202020204" pitchFamily="34" charset="0"/>
+            </a:endParaRPr>
+          </a:p>
+        </p:txBody>
+      </p:sp>
+      <p:pic>
+        <p:nvPicPr>
+          <p:cNvPr id="22" name="Picture 21"/>
+          <p:cNvPicPr>
+            <a:picLocks noChangeAspect="1"/>
+          </p:cNvPicPr>
+          <p:nvPr/>
+        </p:nvPicPr>
+        <p:blipFill>
+          <a:blip r:embed="rId2"/>
+          <a:stretch>
+            <a:fillRect/>
+          </a:stretch>
+        </p:blipFill>
+        <p:spPr>
+          <a:xfrm>
+            <a:off x="444500" y="2148840"/>
+            <a:ext cx="11420475" cy="2328545"/>
+          </a:xfrm>
+          <a:prstGeom prst="rect">
+            <a:avLst/>
+          </a:prstGeom>
+        </p:spPr>
+      </p:pic>
+    </p:spTree>
+  </p:cSld>
+  <p:clrMapOvr>
+    <a:masterClrMapping/>
+  </p:clrMapOvr>
+  <mc:AlternateContent xmlns:mc="http://schemas.openxmlformats.org/markup-compatibility/2006">
+    <mc:Choice xmlns:p14="http://schemas.microsoft.com/office/powerpoint/2010/main" Requires="p14">
+      <p:transition spd="med" p14:dur="700">
+        <p:fade/>
+      </p:transition>
+    </mc:Choice>
+    <mc:Fallback>
+      <p:transition spd="med">
+        <p:fade/>
+      </p:transition>
+    </mc:Fallback>
+  </mc:AlternateContent>
+  <p:timing>
+    <p:tnLst>
+      <p:par>
+        <p:cTn id="1" dur="indefinite" restart="never" nodeType="tmRoot"/>
+      </p:par>
+    </p:tnLst>
+  </p:timing>
+</p:sld>
+</file>
+
+<file path=ppt/slides/slide39.xml><?xml version="1.0" encoding="utf-8"?>
+<p:sld xmlns:a="http://schemas.openxmlformats.org/drawingml/2006/main" xmlns:r="http://schemas.openxmlformats.org/officeDocument/2006/relationships" xmlns:p="http://schemas.openxmlformats.org/presentationml/2006/main">
+  <p:cSld>
+    <p:spTree>
+      <p:nvGrpSpPr>
+        <p:cNvPr id="1" name=""/>
+        <p:cNvGrpSpPr/>
+        <p:nvPr/>
+      </p:nvGrpSpPr>
+      <p:grpSpPr>
+        <a:xfrm>
+          <a:off x="0" y="0"/>
+          <a:ext cx="0" cy="0"/>
+          <a:chOff x="0" y="0"/>
+          <a:chExt cx="0" cy="0"/>
+        </a:xfrm>
+      </p:grpSpPr>
+      <p:sp>
+        <p:nvSpPr>
+          <p:cNvPr id="32769" name="矩形 11"/>
+          <p:cNvSpPr/>
+          <p:nvPr/>
+        </p:nvSpPr>
+        <p:spPr>
+          <a:xfrm>
+            <a:off x="3500604" y="4916488"/>
+            <a:ext cx="5211445" cy="768350"/>
+          </a:xfrm>
+          <a:prstGeom prst="rect">
+            <a:avLst/>
+          </a:prstGeom>
+          <a:noFill/>
+          <a:ln w="9525">
+            <a:noFill/>
+          </a:ln>
+        </p:spPr>
+        <p:txBody>
+          <a:bodyPr wrap="none" anchor="t" anchorCtr="0">
+            <a:spAutoFit/>
+          </a:bodyPr>
+          <a:lstStyle/>
+          <a:p>
+            <a:pPr algn="ctr"/>
+            <a:r>
+              <a:rPr lang="en-US" altLang="zh-CN" sz="4400" b="1" dirty="0" smtClean="0">
+                <a:solidFill>
+                  <a:srgbClr val="262626"/>
+                </a:solidFill>
+                <a:latin typeface="Arial" panose="020B0604020202020204" pitchFamily="34" charset="0"/>
+                <a:ea typeface="宋体" panose="02010600030101010101" pitchFamily="2" charset="-122"/>
+                <a:cs typeface="Arial" panose="020B0604020202020204" pitchFamily="34" charset="0"/>
+              </a:rPr>
+              <a:t>System Integration</a:t>
+            </a:r>
+            <a:endParaRPr lang="en-US" altLang="zh-CN" sz="4400" b="1" dirty="0">
+              <a:solidFill>
+                <a:srgbClr val="262626"/>
+              </a:solidFill>
+              <a:latin typeface="Arial" panose="020B0604020202020204" pitchFamily="34" charset="0"/>
+              <a:ea typeface="Arial" panose="020B0604020202020204" pitchFamily="34" charset="0"/>
+            </a:endParaRPr>
+          </a:p>
+        </p:txBody>
+      </p:sp>
+      <p:sp>
+        <p:nvSpPr>
+          <p:cNvPr id="32771" name="矩形 1"/>
+          <p:cNvSpPr/>
+          <p:nvPr/>
+        </p:nvSpPr>
+        <p:spPr>
+          <a:xfrm>
+            <a:off x="5294338" y="869950"/>
+            <a:ext cx="1603324" cy="3154710"/>
+          </a:xfrm>
+          <a:prstGeom prst="rect">
+            <a:avLst/>
+          </a:prstGeom>
+          <a:noFill/>
+          <a:ln w="9525">
+            <a:noFill/>
+          </a:ln>
+        </p:spPr>
+        <p:txBody>
+          <a:bodyPr wrap="none" anchor="t" anchorCtr="0">
+            <a:spAutoFit/>
+          </a:bodyPr>
+          <a:lstStyle/>
+          <a:p>
+            <a:pPr algn="ctr"/>
+            <a:r>
+              <a:rPr lang="en-US" altLang="zh-CN" sz="19900" b="1" dirty="0">
+                <a:solidFill>
+                  <a:srgbClr val="262626"/>
+                </a:solidFill>
+                <a:latin typeface="Arial" panose="020B0604020202020204" pitchFamily="34" charset="0"/>
+                <a:cs typeface="Arial" panose="020B0604020202020204" pitchFamily="34" charset="0"/>
+              </a:rPr>
+              <a:t>7</a:t>
+            </a:r>
+            <a:endParaRPr lang="zh-CN" altLang="en-US" sz="19900" b="1" dirty="0">
+              <a:solidFill>
+                <a:srgbClr val="262626"/>
+              </a:solidFill>
+              <a:latin typeface="Arial" panose="020B0604020202020204" pitchFamily="34" charset="0"/>
+              <a:ea typeface="Arial" panose="020B0604020202020204" pitchFamily="34" charset="0"/>
+            </a:endParaRPr>
+          </a:p>
+        </p:txBody>
+      </p:sp>
+    </p:spTree>
+  </p:cSld>
+  <p:clrMapOvr>
+    <a:masterClrMapping/>
+  </p:clrMapOvr>
+  <p:transition spd="med">
+    <p:fade/>
+  </p:transition>
+  <p:timing>
+    <p:tnLst>
+      <p:par>
+        <p:cTn id="1" dur="indefinite" restart="never" nodeType="tmRoot"/>
+      </p:par>
+    </p:tnLst>
+  </p:timing>
+</p:sld>
+</file>
+
+<file path=ppt/slides/slide4.xml><?xml version="1.0" encoding="utf-8"?>
+<p:sld xmlns:a="http://schemas.openxmlformats.org/drawingml/2006/main" xmlns:r="http://schemas.openxmlformats.org/officeDocument/2006/relationships" xmlns:p="http://schemas.openxmlformats.org/presentationml/2006/main">
+  <p:cSld>
+    <p:spTree>
+      <p:nvGrpSpPr>
+        <p:cNvPr id="1" name=""/>
+        <p:cNvGrpSpPr/>
+        <p:nvPr/>
+      </p:nvGrpSpPr>
+      <p:grpSpPr>
+        <a:xfrm>
+          <a:off x="0" y="0"/>
+          <a:ext cx="0" cy="0"/>
+          <a:chOff x="0" y="0"/>
+          <a:chExt cx="0" cy="0"/>
+        </a:xfrm>
+      </p:grpSpPr>
+      <p:sp>
+        <p:nvSpPr>
+          <p:cNvPr id="2" name="文本框 48"/>
+          <p:cNvSpPr txBox="1"/>
+          <p:nvPr/>
+        </p:nvSpPr>
+        <p:spPr>
+          <a:xfrm>
+            <a:off x="247253" y="226834"/>
             <a:ext cx="9473407" cy="707886"/>
           </a:xfrm>
           <a:prstGeom prst="rect">
@@ -31530,9 +32343,311 @@
                 <a:latin typeface="Arial" panose="020B0604020202020204" pitchFamily="34" charset="0"/>
                 <a:cs typeface="Arial" panose="020B0604020202020204" pitchFamily="34" charset="0"/>
               </a:rPr>
-              <a:t>ML Models – Integration/Deployment</a:t>
+              <a:t>Introduction</a:t>
             </a:r>
-            <a:endParaRPr lang="en-US" altLang="zh-CN" sz="4000" dirty="0">
+            <a:endParaRPr lang="en-US" altLang="zh-CN" sz="4000" dirty="0" smtClean="0">
+              <a:solidFill>
+                <a:srgbClr val="141214"/>
+              </a:solidFill>
+              <a:latin typeface="Arial" panose="020B0604020202020204" pitchFamily="34" charset="0"/>
+              <a:cs typeface="Arial" panose="020B0604020202020204" pitchFamily="34" charset="0"/>
+            </a:endParaRPr>
+          </a:p>
+        </p:txBody>
+      </p:sp>
+      <p:sp>
+        <p:nvSpPr>
+          <p:cNvPr id="4" name="文本框 3"/>
+          <p:cNvSpPr txBox="1"/>
+          <p:nvPr/>
+        </p:nvSpPr>
+        <p:spPr>
+          <a:xfrm>
+            <a:off x="427562" y="3902834"/>
+            <a:ext cx="10839450" cy="2862322"/>
+          </a:xfrm>
+          <a:prstGeom prst="rect">
+            <a:avLst/>
+          </a:prstGeom>
+          <a:noFill/>
+        </p:spPr>
+        <p:txBody>
+          <a:bodyPr wrap="square" rtlCol="0">
+            <a:spAutoFit/>
+          </a:bodyPr>
+          <a:lstStyle/>
+          <a:p>
+            <a:r>
+              <a:rPr lang="en-US" dirty="0" smtClean="0">
+                <a:latin typeface="Arial" panose="020B0604020202020204" pitchFamily="34" charset="0"/>
+                <a:cs typeface="Arial" panose="020B0604020202020204" pitchFamily="34" charset="0"/>
+              </a:rPr>
+              <a:t>Why recommender system is important?</a:t>
+            </a:r>
+            <a:endParaRPr lang="en-US" dirty="0" smtClean="0">
+              <a:latin typeface="Arial" panose="020B0604020202020204" pitchFamily="34" charset="0"/>
+              <a:cs typeface="Arial" panose="020B0604020202020204" pitchFamily="34" charset="0"/>
+            </a:endParaRPr>
+          </a:p>
+          <a:p>
+            <a:pPr marL="285750" indent="-285750">
+              <a:buFont typeface="Arial" panose="020B0604020202020204" pitchFamily="34" charset="0"/>
+              <a:buChar char="•"/>
+            </a:pPr>
+            <a:r>
+              <a:rPr lang="en-US" dirty="0" smtClean="0">
+                <a:latin typeface="Arial" panose="020B0604020202020204" pitchFamily="34" charset="0"/>
+                <a:cs typeface="Arial" panose="020B0604020202020204" pitchFamily="34" charset="0"/>
+              </a:rPr>
+              <a:t>It </a:t>
+            </a:r>
+            <a:r>
+              <a:rPr lang="en-US" dirty="0">
+                <a:latin typeface="Arial" panose="020B0604020202020204" pitchFamily="34" charset="0"/>
+                <a:cs typeface="Arial" panose="020B0604020202020204" pitchFamily="34" charset="0"/>
+              </a:rPr>
+              <a:t>can drive traffic through personalized email messages to the store site and increase average order value</a:t>
+            </a:r>
+            <a:r>
+              <a:rPr lang="en-US" dirty="0" smtClean="0">
+                <a:latin typeface="Arial" panose="020B0604020202020204" pitchFamily="34" charset="0"/>
+                <a:cs typeface="Arial" panose="020B0604020202020204" pitchFamily="34" charset="0"/>
+              </a:rPr>
+              <a:t>.</a:t>
+            </a:r>
+            <a:endParaRPr lang="en-US" dirty="0" smtClean="0">
+              <a:latin typeface="Arial" panose="020B0604020202020204" pitchFamily="34" charset="0"/>
+              <a:cs typeface="Arial" panose="020B0604020202020204" pitchFamily="34" charset="0"/>
+            </a:endParaRPr>
+          </a:p>
+          <a:p>
+            <a:pPr marL="285750" indent="-285750">
+              <a:buFont typeface="Arial" panose="020B0604020202020204" pitchFamily="34" charset="0"/>
+              <a:buChar char="•"/>
+            </a:pPr>
+            <a:r>
+              <a:rPr lang="en-US" dirty="0" smtClean="0">
+                <a:latin typeface="Arial" panose="020B0604020202020204" pitchFamily="34" charset="0"/>
+                <a:cs typeface="Arial" panose="020B0604020202020204" pitchFamily="34" charset="0"/>
+              </a:rPr>
+              <a:t>It </a:t>
+            </a:r>
+            <a:r>
+              <a:rPr lang="en-US" dirty="0">
+                <a:latin typeface="Arial" panose="020B0604020202020204" pitchFamily="34" charset="0"/>
+                <a:cs typeface="Arial" panose="020B0604020202020204" pitchFamily="34" charset="0"/>
+              </a:rPr>
+              <a:t>also enhances the shopping experience by delivering relevant content based on personalized preferences. </a:t>
+            </a:r>
+            <a:endParaRPr lang="en-US" dirty="0" smtClean="0">
+              <a:latin typeface="Arial" panose="020B0604020202020204" pitchFamily="34" charset="0"/>
+              <a:cs typeface="Arial" panose="020B0604020202020204" pitchFamily="34" charset="0"/>
+            </a:endParaRPr>
+          </a:p>
+          <a:p>
+            <a:pPr marL="285750" indent="-285750">
+              <a:buFont typeface="Arial" panose="020B0604020202020204" pitchFamily="34" charset="0"/>
+              <a:buChar char="•"/>
+            </a:pPr>
+            <a:r>
+              <a:rPr lang="en-US" dirty="0" smtClean="0">
+                <a:latin typeface="Arial" panose="020B0604020202020204" pitchFamily="34" charset="0"/>
+                <a:cs typeface="Arial" panose="020B0604020202020204" pitchFamily="34" charset="0"/>
+              </a:rPr>
+              <a:t>It </a:t>
+            </a:r>
+            <a:r>
+              <a:rPr lang="en-US" dirty="0">
+                <a:latin typeface="Arial" panose="020B0604020202020204" pitchFamily="34" charset="0"/>
+                <a:cs typeface="Arial" panose="020B0604020202020204" pitchFamily="34" charset="0"/>
+              </a:rPr>
+              <a:t>can reduce workload for inventory management and boost work effectiveness. </a:t>
+            </a:r>
+            <a:endParaRPr lang="en-US" dirty="0" smtClean="0">
+              <a:latin typeface="Arial" panose="020B0604020202020204" pitchFamily="34" charset="0"/>
+              <a:cs typeface="Arial" panose="020B0604020202020204" pitchFamily="34" charset="0"/>
+            </a:endParaRPr>
+          </a:p>
+          <a:p>
+            <a:pPr marL="285750" indent="-285750">
+              <a:buFont typeface="Arial" panose="020B0604020202020204" pitchFamily="34" charset="0"/>
+              <a:buChar char="•"/>
+            </a:pPr>
+            <a:r>
+              <a:rPr lang="en-US" dirty="0" smtClean="0">
+                <a:latin typeface="Arial" panose="020B0604020202020204" pitchFamily="34" charset="0"/>
+                <a:cs typeface="Arial" panose="020B0604020202020204" pitchFamily="34" charset="0"/>
+              </a:rPr>
+              <a:t>It </a:t>
+            </a:r>
+            <a:r>
+              <a:rPr lang="en-US" dirty="0">
+                <a:latin typeface="Arial" panose="020B0604020202020204" pitchFamily="34" charset="0"/>
+                <a:cs typeface="Arial" panose="020B0604020202020204" pitchFamily="34" charset="0"/>
+              </a:rPr>
+              <a:t>can create comprehensive reports to support making the right decision for business direction.</a:t>
+            </a:r>
+            <a:endParaRPr lang="en-US" dirty="0" smtClean="0">
+              <a:latin typeface="Arial" panose="020B0604020202020204" pitchFamily="34" charset="0"/>
+              <a:cs typeface="Arial" panose="020B0604020202020204" pitchFamily="34" charset="0"/>
+            </a:endParaRPr>
+          </a:p>
+          <a:p>
+            <a:pPr marL="285750" indent="-285750">
+              <a:buFont typeface="Arial" panose="020B0604020202020204" pitchFamily="34" charset="0"/>
+              <a:buChar char="•"/>
+            </a:pPr>
+            <a:r>
+              <a:rPr lang="en-US" dirty="0" smtClean="0">
+                <a:latin typeface="Arial" panose="020B0604020202020204" pitchFamily="34" charset="0"/>
+                <a:cs typeface="Arial" panose="020B0604020202020204" pitchFamily="34" charset="0"/>
+              </a:rPr>
+              <a:t>Overall</a:t>
+            </a:r>
+            <a:r>
+              <a:rPr lang="en-US" dirty="0">
+                <a:latin typeface="Arial" panose="020B0604020202020204" pitchFamily="34" charset="0"/>
+                <a:cs typeface="Arial" panose="020B0604020202020204" pitchFamily="34" charset="0"/>
+              </a:rPr>
+              <a:t>, product recommender systems not only boost the companies’ revenue but also increase customer satisfaction and loyalty.</a:t>
+            </a:r>
+            <a:endParaRPr lang="en-US" dirty="0" smtClean="0">
+              <a:latin typeface="Arial" panose="020B0604020202020204" pitchFamily="34" charset="0"/>
+              <a:cs typeface="Arial" panose="020B0604020202020204" pitchFamily="34" charset="0"/>
+            </a:endParaRPr>
+          </a:p>
+          <a:p>
+            <a:pPr marL="285750" indent="-285750">
+              <a:buFont typeface="Arial" panose="020B0604020202020204" pitchFamily="34" charset="0"/>
+              <a:buChar char="•"/>
+            </a:pPr>
+            <a:endParaRPr lang="en-US" dirty="0"/>
+          </a:p>
+        </p:txBody>
+      </p:sp>
+      <p:pic>
+        <p:nvPicPr>
+          <p:cNvPr id="1026" name="Picture 2" descr="Introduction to recommender systems - Things Solver"/>
+          <p:cNvPicPr>
+            <a:picLocks noChangeAspect="1" noChangeArrowheads="1"/>
+          </p:cNvPicPr>
+          <p:nvPr/>
+        </p:nvPicPr>
+        <p:blipFill>
+          <a:blip r:embed="rId1" cstate="print">
+            <a:extLst>
+              <a:ext uri="{28A0092B-C50C-407E-A947-70E740481C1C}">
+                <a14:useLocalDpi xmlns:a14="http://schemas.microsoft.com/office/drawing/2010/main" val="0"/>
+              </a:ext>
+            </a:extLst>
+          </a:blip>
+          <a:srcRect/>
+          <a:stretch>
+            <a:fillRect/>
+          </a:stretch>
+        </p:blipFill>
+        <p:spPr bwMode="auto">
+          <a:xfrm>
+            <a:off x="1843229" y="816040"/>
+            <a:ext cx="8008116" cy="3086794"/>
+          </a:xfrm>
+          <a:prstGeom prst="rect">
+            <a:avLst/>
+          </a:prstGeom>
+          <a:noFill/>
+          <a:extLst>
+            <a:ext uri="{909E8E84-426E-40DD-AFC4-6F175D3DCCD1}">
+              <a14:hiddenFill xmlns:a14="http://schemas.microsoft.com/office/drawing/2010/main">
+                <a:solidFill>
+                  <a:srgbClr val="FFFFFF"/>
+                </a:solidFill>
+              </a14:hiddenFill>
+            </a:ext>
+          </a:extLst>
+        </p:spPr>
+      </p:pic>
+    </p:spTree>
+  </p:cSld>
+  <p:clrMapOvr>
+    <a:masterClrMapping/>
+  </p:clrMapOvr>
+  <mc:AlternateContent xmlns:mc="http://schemas.openxmlformats.org/markup-compatibility/2006">
+    <mc:Choice xmlns:p14="http://schemas.microsoft.com/office/powerpoint/2010/main" Requires="p14">
+      <p:transition spd="med" p14:dur="700">
+        <p:fade/>
+      </p:transition>
+    </mc:Choice>
+    <mc:Fallback>
+      <p:transition spd="med">
+        <p:fade/>
+      </p:transition>
+    </mc:Fallback>
+  </mc:AlternateContent>
+  <p:timing>
+    <p:tnLst>
+      <p:par>
+        <p:cTn id="1" dur="indefinite" restart="never" nodeType="tmRoot"/>
+      </p:par>
+    </p:tnLst>
+  </p:timing>
+</p:sld>
+</file>
+
+<file path=ppt/slides/slide40.xml><?xml version="1.0" encoding="utf-8"?>
+<p:sld xmlns:a="http://schemas.openxmlformats.org/drawingml/2006/main" xmlns:r="http://schemas.openxmlformats.org/officeDocument/2006/relationships" xmlns:p="http://schemas.openxmlformats.org/presentationml/2006/main">
+  <p:cSld>
+    <p:spTree>
+      <p:nvGrpSpPr>
+        <p:cNvPr id="1" name=""/>
+        <p:cNvGrpSpPr/>
+        <p:nvPr/>
+      </p:nvGrpSpPr>
+      <p:grpSpPr>
+        <a:xfrm>
+          <a:off x="0" y="0"/>
+          <a:ext cx="0" cy="0"/>
+          <a:chOff x="0" y="0"/>
+          <a:chExt cx="0" cy="0"/>
+        </a:xfrm>
+      </p:grpSpPr>
+      <p:sp>
+        <p:nvSpPr>
+          <p:cNvPr id="2" name="文本框 48"/>
+          <p:cNvSpPr txBox="1"/>
+          <p:nvPr/>
+        </p:nvSpPr>
+        <p:spPr>
+          <a:xfrm>
+            <a:off x="266303" y="283984"/>
+            <a:ext cx="9473407" cy="706755"/>
+          </a:xfrm>
+          <a:prstGeom prst="rect">
+            <a:avLst/>
+          </a:prstGeom>
+          <a:solidFill>
+            <a:schemeClr val="bg1"/>
+          </a:solidFill>
+          <a:ln w="9525">
+            <a:noFill/>
+          </a:ln>
+        </p:spPr>
+        <p:txBody>
+          <a:bodyPr wrap="square" anchor="t" anchorCtr="0">
+            <a:spAutoFit/>
+          </a:bodyPr>
+          <a:lstStyle/>
+          <a:p>
+            <a:r>
+              <a:rPr lang="en-US" altLang="zh-CN" sz="4000" dirty="0" smtClean="0">
+                <a:solidFill>
+                  <a:srgbClr val="141214"/>
+                </a:solidFill>
+                <a:latin typeface="Arial" panose="020B0604020202020204" pitchFamily="34" charset="0"/>
+                <a:cs typeface="Arial" panose="020B0604020202020204" pitchFamily="34" charset="0"/>
+              </a:rPr>
+              <a:t>System Integration</a:t>
+            </a:r>
+            <a:endParaRPr lang="en-US" altLang="zh-CN" sz="4000" dirty="0" smtClean="0">
               <a:solidFill>
                 <a:srgbClr val="141214"/>
               </a:solidFill>
@@ -32072,7 +33187,7 @@
 </p:sld>
 </file>
 
-<file path=ppt/slides/slide39.xml><?xml version="1.0" encoding="utf-8"?>
+<file path=ppt/slides/slide41.xml><?xml version="1.0" encoding="utf-8"?>
 <p:sld xmlns:a="http://schemas.openxmlformats.org/drawingml/2006/main" xmlns:r="http://schemas.openxmlformats.org/officeDocument/2006/relationships" xmlns:p="http://schemas.openxmlformats.org/presentationml/2006/main">
   <p:cSld>
     <p:spTree>
@@ -32089,93 +33204,6 @@
           <a:chExt cx="0" cy="0"/>
         </a:xfrm>
       </p:grpSpPr>
-      <p:sp>
-        <p:nvSpPr>
-          <p:cNvPr id="2" name="文本框 48"/>
-          <p:cNvSpPr txBox="1"/>
-          <p:nvPr/>
-        </p:nvSpPr>
-        <p:spPr>
-          <a:xfrm>
-            <a:off x="266303" y="283984"/>
-            <a:ext cx="9473407" cy="707886"/>
-          </a:xfrm>
-          <a:prstGeom prst="rect">
-            <a:avLst/>
-          </a:prstGeom>
-          <a:solidFill>
-            <a:schemeClr val="bg1"/>
-          </a:solidFill>
-          <a:ln w="9525">
-            <a:noFill/>
-          </a:ln>
-        </p:spPr>
-        <p:txBody>
-          <a:bodyPr wrap="square" anchor="t" anchorCtr="0">
-            <a:spAutoFit/>
-          </a:bodyPr>
-          <a:lstStyle/>
-          <a:p>
-            <a:r>
-              <a:rPr lang="en-US" altLang="zh-CN" sz="4000" dirty="0" smtClean="0">
-                <a:solidFill>
-                  <a:srgbClr val="141214"/>
-                </a:solidFill>
-                <a:latin typeface="Arial" panose="020B0604020202020204" pitchFamily="34" charset="0"/>
-                <a:cs typeface="Arial" panose="020B0604020202020204" pitchFamily="34" charset="0"/>
-              </a:rPr>
-              <a:t>ML </a:t>
-            </a:r>
-            <a:r>
-              <a:rPr lang="en-US" altLang="zh-CN" sz="4000" dirty="0">
-                <a:solidFill>
-                  <a:srgbClr val="141214"/>
-                </a:solidFill>
-                <a:latin typeface="Arial" panose="020B0604020202020204" pitchFamily="34" charset="0"/>
-                <a:cs typeface="Arial" panose="020B0604020202020204" pitchFamily="34" charset="0"/>
-              </a:rPr>
-              <a:t>Models </a:t>
-            </a:r>
-            <a:r>
-              <a:rPr lang="en-US" altLang="zh-CN" sz="4000" dirty="0" smtClean="0">
-                <a:solidFill>
-                  <a:srgbClr val="141214"/>
-                </a:solidFill>
-                <a:latin typeface="Arial" panose="020B0604020202020204" pitchFamily="34" charset="0"/>
-                <a:cs typeface="Arial" panose="020B0604020202020204" pitchFamily="34" charset="0"/>
-              </a:rPr>
-              <a:t>– Web </a:t>
-            </a:r>
-            <a:r>
-              <a:rPr lang="en-US" altLang="zh-CN" sz="4000" dirty="0">
-                <a:solidFill>
-                  <a:srgbClr val="141214"/>
-                </a:solidFill>
-                <a:latin typeface="Arial" panose="020B0604020202020204" pitchFamily="34" charset="0"/>
-                <a:cs typeface="Arial" panose="020B0604020202020204" pitchFamily="34" charset="0"/>
-              </a:rPr>
-              <a:t>App </a:t>
-            </a:r>
-            <a:r>
-              <a:rPr lang="en-US" altLang="zh-CN" sz="4000" dirty="0" smtClean="0">
-                <a:solidFill>
-                  <a:srgbClr val="141214"/>
-                </a:solidFill>
-                <a:latin typeface="Arial" panose="020B0604020202020204" pitchFamily="34" charset="0"/>
-                <a:cs typeface="Arial" panose="020B0604020202020204" pitchFamily="34" charset="0"/>
-              </a:rPr>
-              <a:t>Prototype</a:t>
-            </a:r>
-            <a:endParaRPr lang="en-US" altLang="zh-CN" sz="4000" dirty="0">
-              <a:solidFill>
-                <a:srgbClr val="141214"/>
-              </a:solidFill>
-              <a:latin typeface="Arial" panose="020B0604020202020204" pitchFamily="34" charset="0"/>
-              <a:cs typeface="Arial" panose="020B0604020202020204" pitchFamily="34" charset="0"/>
-            </a:endParaRPr>
-          </a:p>
-        </p:txBody>
-      </p:sp>
       <p:grpSp>
         <p:nvGrpSpPr>
           <p:cNvPr id="14" name="组合 1"/>
@@ -32384,6 +33412,53 @@
           </a:prstGeom>
         </p:spPr>
       </p:pic>
+      <p:sp>
+        <p:nvSpPr>
+          <p:cNvPr id="4" name="文本框 48"/>
+          <p:cNvSpPr txBox="1"/>
+          <p:nvPr/>
+        </p:nvSpPr>
+        <p:spPr>
+          <a:xfrm>
+            <a:off x="266303" y="283984"/>
+            <a:ext cx="9473407" cy="706755"/>
+          </a:xfrm>
+          <a:prstGeom prst="rect">
+            <a:avLst/>
+          </a:prstGeom>
+          <a:solidFill>
+            <a:schemeClr val="bg1"/>
+          </a:solidFill>
+          <a:ln w="9525">
+            <a:noFill/>
+          </a:ln>
+        </p:spPr>
+        <p:txBody>
+          <a:bodyPr wrap="square" anchor="t" anchorCtr="0">
+            <a:spAutoFit/>
+          </a:bodyPr>
+          <a:lstStyle/>
+          <a:p>
+            <a:r>
+              <a:rPr lang="en-US" altLang="zh-CN" sz="4000" dirty="0" smtClean="0">
+                <a:solidFill>
+                  <a:srgbClr val="141214"/>
+                </a:solidFill>
+                <a:latin typeface="Arial" panose="020B0604020202020204" pitchFamily="34" charset="0"/>
+                <a:cs typeface="Arial" panose="020B0604020202020204" pitchFamily="34" charset="0"/>
+              </a:rPr>
+              <a:t>System Integration</a:t>
+            </a:r>
+            <a:endParaRPr lang="en-US" altLang="zh-CN" sz="4000" dirty="0" smtClean="0">
+              <a:solidFill>
+                <a:srgbClr val="141214"/>
+              </a:solidFill>
+              <a:latin typeface="Arial" panose="020B0604020202020204" pitchFamily="34" charset="0"/>
+              <a:cs typeface="Arial" panose="020B0604020202020204" pitchFamily="34" charset="0"/>
+            </a:endParaRPr>
+          </a:p>
+        </p:txBody>
+      </p:sp>
     </p:spTree>
   </p:cSld>
   <p:clrMapOvr>
@@ -32411,309 +33486,7 @@
 </p:sld>
 </file>
 
-<file path=ppt/slides/slide4.xml><?xml version="1.0" encoding="utf-8"?>
-<p:sld xmlns:a="http://schemas.openxmlformats.org/drawingml/2006/main" xmlns:r="http://schemas.openxmlformats.org/officeDocument/2006/relationships" xmlns:p="http://schemas.openxmlformats.org/presentationml/2006/main">
-  <p:cSld>
-    <p:spTree>
-      <p:nvGrpSpPr>
-        <p:cNvPr id="1" name=""/>
-        <p:cNvGrpSpPr/>
-        <p:nvPr/>
-      </p:nvGrpSpPr>
-      <p:grpSpPr>
-        <a:xfrm>
-          <a:off x="0" y="0"/>
-          <a:ext cx="0" cy="0"/>
-          <a:chOff x="0" y="0"/>
-          <a:chExt cx="0" cy="0"/>
-        </a:xfrm>
-      </p:grpSpPr>
-      <p:sp>
-        <p:nvSpPr>
-          <p:cNvPr id="2" name="文本框 48"/>
-          <p:cNvSpPr txBox="1"/>
-          <p:nvPr/>
-        </p:nvSpPr>
-        <p:spPr>
-          <a:xfrm>
-            <a:off x="247253" y="226834"/>
-            <a:ext cx="9473407" cy="707886"/>
-          </a:xfrm>
-          <a:prstGeom prst="rect">
-            <a:avLst/>
-          </a:prstGeom>
-          <a:solidFill>
-            <a:schemeClr val="bg1"/>
-          </a:solidFill>
-          <a:ln w="9525">
-            <a:noFill/>
-          </a:ln>
-        </p:spPr>
-        <p:txBody>
-          <a:bodyPr wrap="square" anchor="t" anchorCtr="0">
-            <a:spAutoFit/>
-          </a:bodyPr>
-          <a:lstStyle/>
-          <a:p>
-            <a:r>
-              <a:rPr lang="en-US" altLang="zh-CN" sz="4000" dirty="0" smtClean="0">
-                <a:solidFill>
-                  <a:srgbClr val="141214"/>
-                </a:solidFill>
-                <a:latin typeface="Arial" panose="020B0604020202020204" pitchFamily="34" charset="0"/>
-                <a:cs typeface="Arial" panose="020B0604020202020204" pitchFamily="34" charset="0"/>
-              </a:rPr>
-              <a:t>Introduction</a:t>
-            </a:r>
-            <a:endParaRPr lang="en-US" altLang="zh-CN" sz="4000" dirty="0" smtClean="0">
-              <a:solidFill>
-                <a:srgbClr val="141214"/>
-              </a:solidFill>
-              <a:latin typeface="Arial" panose="020B0604020202020204" pitchFamily="34" charset="0"/>
-              <a:cs typeface="Arial" panose="020B0604020202020204" pitchFamily="34" charset="0"/>
-            </a:endParaRPr>
-          </a:p>
-        </p:txBody>
-      </p:sp>
-      <p:sp>
-        <p:nvSpPr>
-          <p:cNvPr id="4" name="文本框 3"/>
-          <p:cNvSpPr txBox="1"/>
-          <p:nvPr/>
-        </p:nvSpPr>
-        <p:spPr>
-          <a:xfrm>
-            <a:off x="427562" y="3902834"/>
-            <a:ext cx="10839450" cy="2862322"/>
-          </a:xfrm>
-          <a:prstGeom prst="rect">
-            <a:avLst/>
-          </a:prstGeom>
-          <a:noFill/>
-        </p:spPr>
-        <p:txBody>
-          <a:bodyPr wrap="square" rtlCol="0">
-            <a:spAutoFit/>
-          </a:bodyPr>
-          <a:lstStyle/>
-          <a:p>
-            <a:r>
-              <a:rPr lang="en-US" dirty="0" smtClean="0">
-                <a:latin typeface="Arial" panose="020B0604020202020204" pitchFamily="34" charset="0"/>
-                <a:cs typeface="Arial" panose="020B0604020202020204" pitchFamily="34" charset="0"/>
-              </a:rPr>
-              <a:t>Why recommender system is important?</a:t>
-            </a:r>
-            <a:endParaRPr lang="en-US" dirty="0" smtClean="0">
-              <a:latin typeface="Arial" panose="020B0604020202020204" pitchFamily="34" charset="0"/>
-              <a:cs typeface="Arial" panose="020B0604020202020204" pitchFamily="34" charset="0"/>
-            </a:endParaRPr>
-          </a:p>
-          <a:p>
-            <a:pPr marL="285750" indent="-285750">
-              <a:buFont typeface="Arial" panose="020B0604020202020204" pitchFamily="34" charset="0"/>
-              <a:buChar char="•"/>
-            </a:pPr>
-            <a:r>
-              <a:rPr lang="en-US" dirty="0" smtClean="0">
-                <a:latin typeface="Arial" panose="020B0604020202020204" pitchFamily="34" charset="0"/>
-                <a:cs typeface="Arial" panose="020B0604020202020204" pitchFamily="34" charset="0"/>
-              </a:rPr>
-              <a:t>It </a:t>
-            </a:r>
-            <a:r>
-              <a:rPr lang="en-US" dirty="0">
-                <a:latin typeface="Arial" panose="020B0604020202020204" pitchFamily="34" charset="0"/>
-                <a:cs typeface="Arial" panose="020B0604020202020204" pitchFamily="34" charset="0"/>
-              </a:rPr>
-              <a:t>can drive traffic through personalized email messages to the store site and increase average order value</a:t>
-            </a:r>
-            <a:r>
-              <a:rPr lang="en-US" dirty="0" smtClean="0">
-                <a:latin typeface="Arial" panose="020B0604020202020204" pitchFamily="34" charset="0"/>
-                <a:cs typeface="Arial" panose="020B0604020202020204" pitchFamily="34" charset="0"/>
-              </a:rPr>
-              <a:t>.</a:t>
-            </a:r>
-            <a:endParaRPr lang="en-US" dirty="0" smtClean="0">
-              <a:latin typeface="Arial" panose="020B0604020202020204" pitchFamily="34" charset="0"/>
-              <a:cs typeface="Arial" panose="020B0604020202020204" pitchFamily="34" charset="0"/>
-            </a:endParaRPr>
-          </a:p>
-          <a:p>
-            <a:pPr marL="285750" indent="-285750">
-              <a:buFont typeface="Arial" panose="020B0604020202020204" pitchFamily="34" charset="0"/>
-              <a:buChar char="•"/>
-            </a:pPr>
-            <a:r>
-              <a:rPr lang="en-US" dirty="0" smtClean="0">
-                <a:latin typeface="Arial" panose="020B0604020202020204" pitchFamily="34" charset="0"/>
-                <a:cs typeface="Arial" panose="020B0604020202020204" pitchFamily="34" charset="0"/>
-              </a:rPr>
-              <a:t>It </a:t>
-            </a:r>
-            <a:r>
-              <a:rPr lang="en-US" dirty="0">
-                <a:latin typeface="Arial" panose="020B0604020202020204" pitchFamily="34" charset="0"/>
-                <a:cs typeface="Arial" panose="020B0604020202020204" pitchFamily="34" charset="0"/>
-              </a:rPr>
-              <a:t>also enhances the shopping experience by delivering relevant content based on personalized preferences. </a:t>
-            </a:r>
-            <a:endParaRPr lang="en-US" dirty="0" smtClean="0">
-              <a:latin typeface="Arial" panose="020B0604020202020204" pitchFamily="34" charset="0"/>
-              <a:cs typeface="Arial" panose="020B0604020202020204" pitchFamily="34" charset="0"/>
-            </a:endParaRPr>
-          </a:p>
-          <a:p>
-            <a:pPr marL="285750" indent="-285750">
-              <a:buFont typeface="Arial" panose="020B0604020202020204" pitchFamily="34" charset="0"/>
-              <a:buChar char="•"/>
-            </a:pPr>
-            <a:r>
-              <a:rPr lang="en-US" dirty="0" smtClean="0">
-                <a:latin typeface="Arial" panose="020B0604020202020204" pitchFamily="34" charset="0"/>
-                <a:cs typeface="Arial" panose="020B0604020202020204" pitchFamily="34" charset="0"/>
-              </a:rPr>
-              <a:t>It </a:t>
-            </a:r>
-            <a:r>
-              <a:rPr lang="en-US" dirty="0">
-                <a:latin typeface="Arial" panose="020B0604020202020204" pitchFamily="34" charset="0"/>
-                <a:cs typeface="Arial" panose="020B0604020202020204" pitchFamily="34" charset="0"/>
-              </a:rPr>
-              <a:t>can reduce workload for inventory management and boost work effectiveness. </a:t>
-            </a:r>
-            <a:endParaRPr lang="en-US" dirty="0" smtClean="0">
-              <a:latin typeface="Arial" panose="020B0604020202020204" pitchFamily="34" charset="0"/>
-              <a:cs typeface="Arial" panose="020B0604020202020204" pitchFamily="34" charset="0"/>
-            </a:endParaRPr>
-          </a:p>
-          <a:p>
-            <a:pPr marL="285750" indent="-285750">
-              <a:buFont typeface="Arial" panose="020B0604020202020204" pitchFamily="34" charset="0"/>
-              <a:buChar char="•"/>
-            </a:pPr>
-            <a:r>
-              <a:rPr lang="en-US" dirty="0" smtClean="0">
-                <a:latin typeface="Arial" panose="020B0604020202020204" pitchFamily="34" charset="0"/>
-                <a:cs typeface="Arial" panose="020B0604020202020204" pitchFamily="34" charset="0"/>
-              </a:rPr>
-              <a:t>It </a:t>
-            </a:r>
-            <a:r>
-              <a:rPr lang="en-US" dirty="0">
-                <a:latin typeface="Arial" panose="020B0604020202020204" pitchFamily="34" charset="0"/>
-                <a:cs typeface="Arial" panose="020B0604020202020204" pitchFamily="34" charset="0"/>
-              </a:rPr>
-              <a:t>can create comprehensive reports to support making the right decision for business direction.</a:t>
-            </a:r>
-            <a:endParaRPr lang="en-US" dirty="0" smtClean="0">
-              <a:latin typeface="Arial" panose="020B0604020202020204" pitchFamily="34" charset="0"/>
-              <a:cs typeface="Arial" panose="020B0604020202020204" pitchFamily="34" charset="0"/>
-            </a:endParaRPr>
-          </a:p>
-          <a:p>
-            <a:pPr marL="285750" indent="-285750">
-              <a:buFont typeface="Arial" panose="020B0604020202020204" pitchFamily="34" charset="0"/>
-              <a:buChar char="•"/>
-            </a:pPr>
-            <a:r>
-              <a:rPr lang="en-US" dirty="0" smtClean="0">
-                <a:latin typeface="Arial" panose="020B0604020202020204" pitchFamily="34" charset="0"/>
-                <a:cs typeface="Arial" panose="020B0604020202020204" pitchFamily="34" charset="0"/>
-              </a:rPr>
-              <a:t>Overall</a:t>
-            </a:r>
-            <a:r>
-              <a:rPr lang="en-US" dirty="0">
-                <a:latin typeface="Arial" panose="020B0604020202020204" pitchFamily="34" charset="0"/>
-                <a:cs typeface="Arial" panose="020B0604020202020204" pitchFamily="34" charset="0"/>
-              </a:rPr>
-              <a:t>, product recommender systems not only boost the companies’ revenue but also increase customer satisfaction and loyalty.</a:t>
-            </a:r>
-            <a:endParaRPr lang="en-US" dirty="0" smtClean="0">
-              <a:latin typeface="Arial" panose="020B0604020202020204" pitchFamily="34" charset="0"/>
-              <a:cs typeface="Arial" panose="020B0604020202020204" pitchFamily="34" charset="0"/>
-            </a:endParaRPr>
-          </a:p>
-          <a:p>
-            <a:pPr marL="285750" indent="-285750">
-              <a:buFont typeface="Arial" panose="020B0604020202020204" pitchFamily="34" charset="0"/>
-              <a:buChar char="•"/>
-            </a:pPr>
-            <a:endParaRPr lang="en-US" dirty="0"/>
-          </a:p>
-        </p:txBody>
-      </p:sp>
-      <p:pic>
-        <p:nvPicPr>
-          <p:cNvPr id="1026" name="Picture 2" descr="Introduction to recommender systems - Things Solver"/>
-          <p:cNvPicPr>
-            <a:picLocks noChangeAspect="1" noChangeArrowheads="1"/>
-          </p:cNvPicPr>
-          <p:nvPr/>
-        </p:nvPicPr>
-        <p:blipFill>
-          <a:blip r:embed="rId1" cstate="print">
-            <a:extLst>
-              <a:ext uri="{28A0092B-C50C-407E-A947-70E740481C1C}">
-                <a14:useLocalDpi xmlns:a14="http://schemas.microsoft.com/office/drawing/2010/main" val="0"/>
-              </a:ext>
-            </a:extLst>
-          </a:blip>
-          <a:srcRect/>
-          <a:stretch>
-            <a:fillRect/>
-          </a:stretch>
-        </p:blipFill>
-        <p:spPr bwMode="auto">
-          <a:xfrm>
-            <a:off x="1843229" y="816040"/>
-            <a:ext cx="8008116" cy="3086794"/>
-          </a:xfrm>
-          <a:prstGeom prst="rect">
-            <a:avLst/>
-          </a:prstGeom>
-          <a:noFill/>
-          <a:extLst>
-            <a:ext uri="{909E8E84-426E-40DD-AFC4-6F175D3DCCD1}">
-              <a14:hiddenFill xmlns:a14="http://schemas.microsoft.com/office/drawing/2010/main">
-                <a:solidFill>
-                  <a:srgbClr val="FFFFFF"/>
-                </a:solidFill>
-              </a14:hiddenFill>
-            </a:ext>
-          </a:extLst>
-        </p:spPr>
-      </p:pic>
-    </p:spTree>
-  </p:cSld>
-  <p:clrMapOvr>
-    <a:masterClrMapping/>
-  </p:clrMapOvr>
-  <mc:AlternateContent xmlns:mc="http://schemas.openxmlformats.org/markup-compatibility/2006">
-    <mc:Choice xmlns:p14="http://schemas.microsoft.com/office/powerpoint/2010/main" Requires="p14">
-      <p:transition spd="med" p14:dur="700">
-        <p:fade/>
-      </p:transition>
-    </mc:Choice>
-    <mc:Fallback>
-      <p:transition spd="med">
-        <p:fade/>
-      </p:transition>
-    </mc:Fallback>
-  </mc:AlternateContent>
-  <p:timing>
-    <p:tnLst>
-      <p:par>
-        <p:cTn id="1" dur="indefinite" restart="never" nodeType="tmRoot"/>
-      </p:par>
-    </p:tnLst>
-  </p:timing>
-</p:sld>
-</file>
-
-<file path=ppt/slides/slide40.xml><?xml version="1.0" encoding="utf-8"?>
+<file path=ppt/slides/slide42.xml><?xml version="1.0" encoding="utf-8"?>
 <p:sld xmlns:a="http://schemas.openxmlformats.org/drawingml/2006/main" xmlns:r="http://schemas.openxmlformats.org/officeDocument/2006/relationships" xmlns:p="http://schemas.openxmlformats.org/presentationml/2006/main">
   <p:cSld>
     <p:spTree>
@@ -32738,8 +33511,8 @@
         </p:nvSpPr>
         <p:spPr>
           <a:xfrm>
-            <a:off x="3300109" y="4916488"/>
-            <a:ext cx="5612434" cy="769441"/>
+            <a:off x="4649001" y="4916488"/>
+            <a:ext cx="2914650" cy="768350"/>
           </a:xfrm>
           <a:prstGeom prst="rect">
             <a:avLst/>
@@ -32765,7 +33538,7 @@
                 <a:ea typeface="宋体" panose="02010600030101010101" pitchFamily="2" charset="-122"/>
                 <a:cs typeface="Arial" panose="020B0604020202020204" pitchFamily="34" charset="0"/>
               </a:rPr>
-              <a:t>Expected Outcomes</a:t>
+              <a:t>Outcomes</a:t>
             </a:r>
             <a:endParaRPr lang="en-US" altLang="zh-CN" sz="4400" b="1" dirty="0">
               <a:solidFill>
@@ -32785,8 +33558,8 @@
         </p:nvSpPr>
         <p:spPr>
           <a:xfrm>
-            <a:off x="5294338" y="869950"/>
-            <a:ext cx="1603324" cy="3154710"/>
+            <a:off x="5301933" y="869950"/>
+            <a:ext cx="1588135" cy="3153410"/>
           </a:xfrm>
           <a:prstGeom prst="rect">
             <a:avLst/>
@@ -32809,11 +33582,11 @@
                   <a:srgbClr val="262626"/>
                 </a:solidFill>
                 <a:latin typeface="Arial" panose="020B0604020202020204" pitchFamily="34" charset="0"/>
-                <a:cs typeface="Arial" panose="020B0604020202020204" pitchFamily="34" charset="0"/>
+                <a:ea typeface="Arial" panose="020B0604020202020204" pitchFamily="34" charset="0"/>
               </a:rPr>
-              <a:t>7</a:t>
+              <a:t>8</a:t>
             </a:r>
-            <a:endParaRPr lang="zh-CN" altLang="en-US" sz="19900" b="1" dirty="0">
+            <a:endParaRPr lang="en-US" altLang="zh-CN" sz="19900" b="1" dirty="0">
               <a:solidFill>
                 <a:srgbClr val="262626"/>
               </a:solidFill>
@@ -32841,7 +33614,7 @@
 </p:sld>
 </file>
 
-<file path=ppt/slides/slide41.xml><?xml version="1.0" encoding="utf-8"?>
+<file path=ppt/slides/slide43.xml><?xml version="1.0" encoding="utf-8"?>
 <p:sld xmlns:a="http://schemas.openxmlformats.org/drawingml/2006/main" xmlns:r="http://schemas.openxmlformats.org/officeDocument/2006/relationships" xmlns:p="http://schemas.openxmlformats.org/presentationml/2006/main">
   <p:cSld>
     <p:spTree>
@@ -33441,7 +34214,7 @@
 </p:sld>
 </file>
 
-<file path=ppt/slides/slide42.xml><?xml version="1.0" encoding="utf-8"?>
+<file path=ppt/slides/slide44.xml><?xml version="1.0" encoding="utf-8"?>
 <p:sld xmlns:a="http://schemas.openxmlformats.org/drawingml/2006/main" xmlns:r="http://schemas.openxmlformats.org/officeDocument/2006/relationships" xmlns:p="http://schemas.openxmlformats.org/presentationml/2006/main">
   <p:cSld>
     <p:spTree>
@@ -33772,7 +34545,7 @@
 </p:sld>
 </file>
 
-<file path=ppt/slides/slide43.xml><?xml version="1.0" encoding="utf-8"?>
+<file path=ppt/slides/slide45.xml><?xml version="1.0" encoding="utf-8"?>
 <p:sld xmlns:a="http://schemas.openxmlformats.org/drawingml/2006/main" xmlns:r="http://schemas.openxmlformats.org/officeDocument/2006/relationships" xmlns:p="http://schemas.openxmlformats.org/presentationml/2006/main">
   <p:cSld>
     <p:spTree>

--- a/presentation/Project_Presentation_Final.pptx
+++ b/presentation/Project_Presentation_Final.pptx
@@ -8,7 +8,7 @@
     <p:notesMasterId r:id="rId6"/>
   </p:notesMasterIdLst>
   <p:handoutMasterIdLst>
-    <p:handoutMasterId r:id="rId49"/>
+    <p:handoutMasterId r:id="rId51"/>
   </p:handoutMasterIdLst>
   <p:sldIdLst>
     <p:sldId id="422" r:id="rId3"/>
@@ -51,11 +51,13 @@
     <p:sldId id="508" r:id="rId41"/>
     <p:sldId id="507" r:id="rId42"/>
     <p:sldId id="454" r:id="rId43"/>
-    <p:sldId id="456" r:id="rId44"/>
-    <p:sldId id="434" r:id="rId45"/>
-    <p:sldId id="342" r:id="rId46"/>
-    <p:sldId id="440" r:id="rId47"/>
-    <p:sldId id="387" r:id="rId48"/>
+    <p:sldId id="518" r:id="rId44"/>
+    <p:sldId id="517" r:id="rId45"/>
+    <p:sldId id="456" r:id="rId46"/>
+    <p:sldId id="434" r:id="rId47"/>
+    <p:sldId id="342" r:id="rId48"/>
+    <p:sldId id="440" r:id="rId49"/>
+    <p:sldId id="387" r:id="rId50"/>
   </p:sldIdLst>
   <p:sldSz cx="12192000" cy="6858000"/>
   <p:notesSz cx="6858000" cy="9144000"/>
@@ -3432,33 +3434,63 @@
           <a:p>
             <a:r>
               <a:rPr lang="en-US" dirty="0" smtClean="0"/>
-              <a:t>Finally</a:t>
+              <a:t>For recommendation system deployment, a user interface was developed by integrating with multiple platforms and servers. This section will illustrate the system integration details and provide a live recommendation website at the end.</a:t>
+            </a:r>
+            <a:endParaRPr lang="en-US" dirty="0" smtClean="0"/>
+          </a:p>
+          <a:p>
+            <a:endParaRPr lang="en-US" dirty="0" smtClean="0"/>
+          </a:p>
+          <a:p>
+            <a:r>
+              <a:rPr lang="en-US" dirty="0" smtClean="0">
+                <a:sym typeface="+mn-ea"/>
+              </a:rPr>
+              <a:t>First of all, let’s introduce some key components of the system. </a:t>
+            </a:r>
+            <a:endParaRPr lang="en-US" dirty="0" smtClean="0"/>
+          </a:p>
+          <a:p>
+            <a:endParaRPr lang="en-US" dirty="0" smtClean="0"/>
+          </a:p>
+          <a:p>
+            <a:r>
+              <a:rPr lang="en-US" dirty="0" smtClean="0">
+                <a:sym typeface="+mn-ea"/>
+              </a:rPr>
+              <a:t>The first one is the web hosting service that runs our web application and recommendation models. I chose PythonAnywhere because it is free and it provides the ability to run and execute Python codes within the environment from any machine, any location. The only drawback is free server has limited computing and storage power.</a:t>
+            </a:r>
+            <a:endParaRPr lang="en-US" dirty="0" smtClean="0"/>
+          </a:p>
+          <a:p>
+            <a:endParaRPr lang="en-US" dirty="0" smtClean="0"/>
+          </a:p>
+          <a:p>
+            <a:r>
+              <a:rPr lang="en-US" dirty="0" smtClean="0">
+                <a:sym typeface="+mn-ea"/>
+              </a:rPr>
+              <a:t>The second tool is the chatbot development platform that connect user input with </a:t>
             </a:r>
             <a:r>
-              <a:rPr lang="en-US" smtClean="0"/>
-              <a:t>, for </a:t>
+              <a:rPr lang="en-US" dirty="0" smtClean="0">
+                <a:sym typeface="+mn-ea"/>
+              </a:rPr>
+              <a:t>recommendation models. I chose DialogFlow because it is powered by Google’s machine learning, easy to use, and supports fulfillment.</a:t>
             </a:r>
+            <a:endParaRPr lang="en-US" dirty="0" smtClean="0">
+              <a:sym typeface="+mn-ea"/>
+            </a:endParaRPr>
+          </a:p>
+          <a:p>
+            <a:endParaRPr lang="en-US" dirty="0" smtClean="0"/>
+          </a:p>
+          <a:p>
             <a:r>
               <a:rPr lang="en-US" dirty="0" smtClean="0"/>
-              <a:t>recommendation system integration and deployment. I would like to develop a user interface for better using experience. I will develop a Flask website and use </a:t>
+              <a:t>So now we have our machine learning model, web application, web hosting service, and chatbot ready, let’s integrate them into a functioning system</a:t>
             </a:r>
-            <a:r>
-              <a:rPr lang="en-US" dirty="0" err="1" smtClean="0"/>
-              <a:t>PythonAnywhere</a:t>
-            </a:r>
-            <a:r>
-              <a:rPr lang="en-US" dirty="0" smtClean="0"/>
-              <a:t> web hosting service to host our recommender system. Next, I will develop a Chabot using </a:t>
-            </a:r>
-            <a:r>
-              <a:rPr lang="en-US" dirty="0" err="1" smtClean="0"/>
-              <a:t>DialogFlow</a:t>
-            </a:r>
-            <a:r>
-              <a:rPr lang="en-US" dirty="0" smtClean="0"/>
-              <a:t> platform to assist users for product recommendation and integrate it with the Flask website.</a:t>
-            </a:r>
-            <a:endParaRPr lang="en-US" dirty="0"/>
+            <a:endParaRPr lang="en-US" dirty="0" smtClean="0"/>
           </a:p>
         </p:txBody>
       </p:sp>
@@ -3515,44 +3547,38 @@
           <a:lstStyle/>
           <a:p>
             <a:r>
-              <a:rPr lang="en-US" dirty="0" smtClean="0"/>
-              <a:t>This</a:t>
+              <a:rPr lang="en-US" dirty="0"/>
+              <a:t>This is a system architecture diagram for this project, it shows the interaction flow between each component and their roles in this integrated system.</a:t>
             </a:r>
+            <a:endParaRPr lang="en-US" dirty="0"/>
+          </a:p>
+          <a:p>
+            <a:endParaRPr lang="en-US" dirty="0"/>
+          </a:p>
+          <a:p>
             <a:r>
-              <a:rPr lang="en-US" baseline="0" dirty="0" smtClean="0"/>
-              <a:t> is the flask web app prototype for the project. It contains a </a:t>
+              <a:rPr lang="en-US" dirty="0"/>
+              <a:t>Let’s start with the backend where our core components reside on. We have two web servers, one is hosting our web application, which handles message transmission with Dialogflow. another one is hosting our webhook API for handling recommendation model-related responses. Then we have a chatbot in the middle to connect these two web servers. The chatbot utilizes Google Cloud Platform for external use and it handles conversation and collects user inputs. Normally, the standalone chatbot can handle the regular conversation, but if any chat responses require machine learning results, it will send a request with user input IDs to our webhook API. Then our web API will run the model and send back the result.</a:t>
             </a:r>
+            <a:endParaRPr lang="en-US" dirty="0"/>
+          </a:p>
+          <a:p>
+            <a:endParaRPr lang="en-US" dirty="0"/>
+          </a:p>
+          <a:p>
             <a:r>
-              <a:rPr lang="en-US" baseline="0" dirty="0" err="1" smtClean="0"/>
-              <a:t>chatbot</a:t>
+              <a:rPr lang="en-US" dirty="0"/>
+              <a:t>Finally, all chat responses will go through our first web server and be displayed on the frontend to the user. </a:t>
             </a:r>
+            <a:endParaRPr lang="en-US" dirty="0"/>
+          </a:p>
+          <a:p>
+            <a:endParaRPr lang="en-US" dirty="0"/>
+          </a:p>
+          <a:p>
             <a:r>
-              <a:rPr lang="en-US" baseline="0" dirty="0" smtClean="0"/>
-              <a:t> on the home page which developed by using the </a:t>
-            </a:r>
-            <a:r>
-              <a:rPr lang="en-US" baseline="0" dirty="0" err="1" smtClean="0"/>
-              <a:t>Dialogflow</a:t>
-            </a:r>
-            <a:r>
-              <a:rPr lang="en-US" baseline="0" dirty="0" smtClean="0"/>
-              <a:t> platform. The website is using Google API to send and receive message from </a:t>
-            </a:r>
-            <a:r>
-              <a:rPr lang="en-US" baseline="0" dirty="0" err="1" smtClean="0"/>
-              <a:t>Dialogflow</a:t>
-            </a:r>
-            <a:r>
-              <a:rPr lang="en-US" baseline="0" dirty="0" smtClean="0"/>
-              <a:t> and display on the </a:t>
-            </a:r>
-            <a:r>
-              <a:rPr lang="en-US" baseline="0" dirty="0" err="1" smtClean="0"/>
-              <a:t>chatbox</a:t>
-            </a:r>
-            <a:r>
-              <a:rPr lang="en-US" baseline="0" dirty="0" smtClean="0"/>
-              <a:t>. </a:t>
+              <a:rPr lang="en-US" dirty="0"/>
+              <a:t>The architecture is straightforward, but our chatbot doesn’t know when to call our webhook API unless we tell it to do so, so the next step is to design our chatbot conversation flow to set conditions for collecting the necessary input from the users for calling our recommendation models.</a:t>
             </a:r>
             <a:endParaRPr lang="en-US" dirty="0"/>
           </a:p>
@@ -3585,7 +3611,7 @@
       </p:grpSpPr>
       <p:sp>
         <p:nvSpPr>
-          <p:cNvPr id="33793" name="幻灯片图像占位符 1"/>
+          <p:cNvPr id="2" name="幻灯片图像占位符 1"/>
           <p:cNvSpPr>
             <a:spLocks noGrp="1" noRot="1" noChangeAspect="1"/>
           </p:cNvSpPr>
@@ -3597,68 +3623,20 @@
       </p:sp>
       <p:sp>
         <p:nvSpPr>
-          <p:cNvPr id="33794" name="备注占位符 2"/>
+          <p:cNvPr id="3" name="备注占位符 2"/>
           <p:cNvSpPr>
             <a:spLocks noGrp="1"/>
           </p:cNvSpPr>
           <p:nvPr>
-            <p:ph type="body"/>
+            <p:ph type="body" idx="1"/>
           </p:nvPr>
         </p:nvSpPr>
         <p:spPr/>
         <p:txBody>
-          <a:bodyPr lIns="91440" tIns="45720" rIns="91440" bIns="45720" anchor="t" anchorCtr="0"/>
+          <a:bodyPr/>
           <a:lstStyle/>
           <a:p>
-            <a:pPr lvl="0"/>
-            <a:endParaRPr lang="en-US" altLang="zh-CN" dirty="0">
-              <a:solidFill>
-                <a:srgbClr val="00B0F0"/>
-              </a:solidFill>
-              <a:latin typeface="微软雅黑" panose="020B0503020204020204" pitchFamily="34" charset="-122"/>
-              <a:ea typeface="微软雅黑" panose="020B0503020204020204" pitchFamily="34" charset="-122"/>
-            </a:endParaRPr>
-          </a:p>
-        </p:txBody>
-      </p:sp>
-      <p:sp>
-        <p:nvSpPr>
-          <p:cNvPr id="33795" name="灯片编号占位符 3"/>
-          <p:cNvSpPr>
-            <a:spLocks noGrp="1"/>
-          </p:cNvSpPr>
-          <p:nvPr>
-            <p:ph type="sldNum" sz="quarter"/>
-          </p:nvPr>
-        </p:nvSpPr>
-        <p:spPr>
-          <a:xfrm>
-            <a:off x="3884613" y="8685213"/>
-            <a:ext cx="2971800" cy="458787"/>
-          </a:xfrm>
-          <a:prstGeom prst="rect">
-            <a:avLst/>
-          </a:prstGeom>
-          <a:noFill/>
-          <a:ln w="9525">
-            <a:noFill/>
-          </a:ln>
-        </p:spPr>
-        <p:txBody>
-          <a:bodyPr vert="horz" lIns="91440" tIns="45720" rIns="91440" bIns="45720" anchor="b" anchorCtr="0"/>
-          <a:lstStyle/>
-          <a:p>
-            <a:pPr lvl="0" algn="r"/>
-            <a:fld id="{9A0DB2DC-4C9A-4742-B13C-FB6460FD3503}" type="slidenum">
-              <a:rPr lang="zh-CN" altLang="en-US" sz="1200">
-                <a:latin typeface="Calibri" panose="020F0502020204030204" charset="0"/>
-                <a:ea typeface="宋体" panose="02010600030101010101" pitchFamily="2" charset="-122"/>
-              </a:rPr>
-            </a:fld>
-            <a:endParaRPr lang="zh-CN" altLang="en-US" sz="1200">
-              <a:latin typeface="Calibri" panose="020F0502020204030204" charset="0"/>
-              <a:ea typeface="宋体" panose="02010600030101010101" pitchFamily="2" charset="-122"/>
-            </a:endParaRPr>
+            <a:endParaRPr lang="en-US" dirty="0"/>
           </a:p>
         </p:txBody>
       </p:sp>
@@ -3818,6 +3796,170 @@
           <a:bodyPr/>
           <a:lstStyle/>
           <a:p>
+            <a:r>
+              <a:rPr lang="en-US"/>
+              <a:t>This is the recommendation chatbot website for the project. It contains a chatbot on the home page, and in the navigation bar, it has a product and customer tab that will redirect users to the ID lookup tables</a:t>
+            </a:r>
+            <a:endParaRPr lang="en-US"/>
+          </a:p>
+        </p:txBody>
+      </p:sp>
+    </p:spTree>
+  </p:cSld>
+  <p:clrMapOvr>
+    <a:masterClrMapping/>
+  </p:clrMapOvr>
+</p:notes>
+</file>
+
+<file path=ppt/notesSlides/notesSlide31.xml><?xml version="1.0" encoding="utf-8"?>
+<p:notes xmlns:a="http://schemas.openxmlformats.org/drawingml/2006/main" xmlns:r="http://schemas.openxmlformats.org/officeDocument/2006/relationships" xmlns:p="http://schemas.openxmlformats.org/presentationml/2006/main">
+  <p:cSld>
+    <p:spTree>
+      <p:nvGrpSpPr>
+        <p:cNvPr id="1" name=""/>
+        <p:cNvGrpSpPr/>
+        <p:nvPr/>
+      </p:nvGrpSpPr>
+      <p:grpSpPr>
+        <a:xfrm>
+          <a:off x="0" y="0"/>
+          <a:ext cx="0" cy="0"/>
+          <a:chOff x="0" y="0"/>
+          <a:chExt cx="0" cy="0"/>
+        </a:xfrm>
+      </p:grpSpPr>
+      <p:sp>
+        <p:nvSpPr>
+          <p:cNvPr id="33793" name="幻灯片图像占位符 1"/>
+          <p:cNvSpPr>
+            <a:spLocks noGrp="1" noRot="1" noChangeAspect="1"/>
+          </p:cNvSpPr>
+          <p:nvPr>
+            <p:ph type="sldImg"/>
+          </p:nvPr>
+        </p:nvSpPr>
+        <p:spPr/>
+      </p:sp>
+      <p:sp>
+        <p:nvSpPr>
+          <p:cNvPr id="33794" name="备注占位符 2"/>
+          <p:cNvSpPr>
+            <a:spLocks noGrp="1"/>
+          </p:cNvSpPr>
+          <p:nvPr>
+            <p:ph type="body"/>
+          </p:nvPr>
+        </p:nvSpPr>
+        <p:spPr/>
+        <p:txBody>
+          <a:bodyPr lIns="91440" tIns="45720" rIns="91440" bIns="45720" anchor="t" anchorCtr="0"/>
+          <a:lstStyle/>
+          <a:p>
+            <a:pPr lvl="0"/>
+            <a:endParaRPr lang="en-US" altLang="zh-CN" dirty="0">
+              <a:solidFill>
+                <a:srgbClr val="00B0F0"/>
+              </a:solidFill>
+              <a:latin typeface="微软雅黑" panose="020B0503020204020204" pitchFamily="34" charset="-122"/>
+              <a:ea typeface="微软雅黑" panose="020B0503020204020204" pitchFamily="34" charset="-122"/>
+            </a:endParaRPr>
+          </a:p>
+        </p:txBody>
+      </p:sp>
+      <p:sp>
+        <p:nvSpPr>
+          <p:cNvPr id="33795" name="灯片编号占位符 3"/>
+          <p:cNvSpPr>
+            <a:spLocks noGrp="1"/>
+          </p:cNvSpPr>
+          <p:nvPr>
+            <p:ph type="sldNum" sz="quarter"/>
+          </p:nvPr>
+        </p:nvSpPr>
+        <p:spPr>
+          <a:xfrm>
+            <a:off x="3884613" y="8685213"/>
+            <a:ext cx="2971800" cy="458787"/>
+          </a:xfrm>
+          <a:prstGeom prst="rect">
+            <a:avLst/>
+          </a:prstGeom>
+          <a:noFill/>
+          <a:ln w="9525">
+            <a:noFill/>
+          </a:ln>
+        </p:spPr>
+        <p:txBody>
+          <a:bodyPr vert="horz" lIns="91440" tIns="45720" rIns="91440" bIns="45720" anchor="b" anchorCtr="0"/>
+          <a:lstStyle/>
+          <a:p>
+            <a:pPr lvl="0" algn="r"/>
+            <a:fld id="{9A0DB2DC-4C9A-4742-B13C-FB6460FD3503}" type="slidenum">
+              <a:rPr lang="zh-CN" altLang="en-US" sz="1200">
+                <a:latin typeface="Calibri" panose="020F0502020204030204" charset="0"/>
+                <a:ea typeface="宋体" panose="02010600030101010101" pitchFamily="2" charset="-122"/>
+              </a:rPr>
+            </a:fld>
+            <a:endParaRPr lang="zh-CN" altLang="en-US" sz="1200">
+              <a:latin typeface="Calibri" panose="020F0502020204030204" charset="0"/>
+              <a:ea typeface="宋体" panose="02010600030101010101" pitchFamily="2" charset="-122"/>
+            </a:endParaRPr>
+          </a:p>
+        </p:txBody>
+      </p:sp>
+    </p:spTree>
+  </p:cSld>
+  <p:clrMapOvr>
+    <a:masterClrMapping/>
+  </p:clrMapOvr>
+</p:notes>
+</file>
+
+<file path=ppt/notesSlides/notesSlide32.xml><?xml version="1.0" encoding="utf-8"?>
+<p:notes xmlns:a="http://schemas.openxmlformats.org/drawingml/2006/main" xmlns:r="http://schemas.openxmlformats.org/officeDocument/2006/relationships" xmlns:p="http://schemas.openxmlformats.org/presentationml/2006/main">
+  <p:cSld>
+    <p:spTree>
+      <p:nvGrpSpPr>
+        <p:cNvPr id="1" name=""/>
+        <p:cNvGrpSpPr/>
+        <p:nvPr/>
+      </p:nvGrpSpPr>
+      <p:grpSpPr>
+        <a:xfrm>
+          <a:off x="0" y="0"/>
+          <a:ext cx="0" cy="0"/>
+          <a:chOff x="0" y="0"/>
+          <a:chExt cx="0" cy="0"/>
+        </a:xfrm>
+      </p:grpSpPr>
+      <p:sp>
+        <p:nvSpPr>
+          <p:cNvPr id="2" name="幻灯片图像占位符 1"/>
+          <p:cNvSpPr>
+            <a:spLocks noGrp="1" noRot="1" noChangeAspect="1"/>
+          </p:cNvSpPr>
+          <p:nvPr>
+            <p:ph type="sldImg"/>
+          </p:nvPr>
+        </p:nvSpPr>
+        <p:spPr/>
+      </p:sp>
+      <p:sp>
+        <p:nvSpPr>
+          <p:cNvPr id="3" name="备注占位符 2"/>
+          <p:cNvSpPr>
+            <a:spLocks noGrp="1"/>
+          </p:cNvSpPr>
+          <p:nvPr>
+            <p:ph type="body" idx="1"/>
+          </p:nvPr>
+        </p:nvSpPr>
+        <p:spPr/>
+        <p:txBody>
+          <a:bodyPr/>
+          <a:lstStyle/>
+          <a:p>
             <a:pPr marL="0" marR="0" lvl="0" indent="0" algn="l" defTabSz="914400" rtl="0" eaLnBrk="1" fontAlgn="auto" latinLnBrk="0" hangingPunct="1">
               <a:lnSpc>
                 <a:spcPct val="100000"/>
@@ -3900,7 +4042,7 @@
 </p:notes>
 </file>
 
-<file path=ppt/notesSlides/notesSlide31.xml><?xml version="1.0" encoding="utf-8"?>
+<file path=ppt/notesSlides/notesSlide33.xml><?xml version="1.0" encoding="utf-8"?>
 <p:notes xmlns:a="http://schemas.openxmlformats.org/drawingml/2006/main" xmlns:r="http://schemas.openxmlformats.org/officeDocument/2006/relationships" xmlns:p="http://schemas.openxmlformats.org/presentationml/2006/main">
   <p:cSld>
     <p:spTree>
@@ -33160,6 +33302,58 @@
           </a:p>
         </p:txBody>
       </p:sp>
+      <p:pic>
+        <p:nvPicPr>
+          <p:cNvPr id="100" name="Picture 99"/>
+          <p:cNvPicPr/>
+          <p:nvPr/>
+        </p:nvPicPr>
+        <p:blipFill>
+          <a:blip r:embed="rId2"/>
+          <a:stretch>
+            <a:fillRect/>
+          </a:stretch>
+        </p:blipFill>
+        <p:spPr>
+          <a:xfrm>
+            <a:off x="4266565" y="1181735"/>
+            <a:ext cx="3092450" cy="1083310"/>
+          </a:xfrm>
+          <a:prstGeom prst="rect">
+            <a:avLst/>
+          </a:prstGeom>
+          <a:noFill/>
+          <a:ln w="9525">
+            <a:noFill/>
+          </a:ln>
+        </p:spPr>
+      </p:pic>
+      <p:pic>
+        <p:nvPicPr>
+          <p:cNvPr id="101" name="Picture 100"/>
+          <p:cNvPicPr/>
+          <p:nvPr/>
+        </p:nvPicPr>
+        <p:blipFill>
+          <a:blip r:embed="rId3"/>
+          <a:stretch>
+            <a:fillRect/>
+          </a:stretch>
+        </p:blipFill>
+        <p:spPr>
+          <a:xfrm>
+            <a:off x="7573645" y="1254125"/>
+            <a:ext cx="2972435" cy="1010920"/>
+          </a:xfrm>
+          <a:prstGeom prst="rect">
+            <a:avLst/>
+          </a:prstGeom>
+          <a:noFill/>
+          <a:ln w="9525">
+            <a:noFill/>
+          </a:ln>
+        </p:spPr>
+      </p:pic>
     </p:spTree>
   </p:cSld>
   <p:clrMapOvr>
@@ -33204,6 +33398,216 @@
           <a:chExt cx="0" cy="0"/>
         </a:xfrm>
       </p:grpSpPr>
+      <p:sp>
+        <p:nvSpPr>
+          <p:cNvPr id="2" name="文本框 48"/>
+          <p:cNvSpPr txBox="1"/>
+          <p:nvPr/>
+        </p:nvSpPr>
+        <p:spPr>
+          <a:xfrm>
+            <a:off x="266303" y="283984"/>
+            <a:ext cx="9473407" cy="706755"/>
+          </a:xfrm>
+          <a:prstGeom prst="rect">
+            <a:avLst/>
+          </a:prstGeom>
+          <a:solidFill>
+            <a:schemeClr val="bg1"/>
+          </a:solidFill>
+          <a:ln w="9525">
+            <a:noFill/>
+          </a:ln>
+        </p:spPr>
+        <p:txBody>
+          <a:bodyPr wrap="square" anchor="t" anchorCtr="0">
+            <a:spAutoFit/>
+          </a:bodyPr>
+          <a:lstStyle/>
+          <a:p>
+            <a:endParaRPr lang="en-US" altLang="zh-CN" sz="4000" dirty="0" smtClean="0">
+              <a:solidFill>
+                <a:srgbClr val="141214"/>
+              </a:solidFill>
+              <a:latin typeface="Arial" panose="020B0604020202020204" pitchFamily="34" charset="0"/>
+              <a:cs typeface="Arial" panose="020B0604020202020204" pitchFamily="34" charset="0"/>
+            </a:endParaRPr>
+          </a:p>
+        </p:txBody>
+      </p:sp>
+      <p:pic>
+        <p:nvPicPr>
+          <p:cNvPr id="3" name="Picture 2"/>
+          <p:cNvPicPr>
+            <a:picLocks noChangeAspect="1"/>
+          </p:cNvPicPr>
+          <p:nvPr/>
+        </p:nvPicPr>
+        <p:blipFill>
+          <a:blip r:embed="rId1"/>
+          <a:stretch>
+            <a:fillRect/>
+          </a:stretch>
+        </p:blipFill>
+        <p:spPr>
+          <a:xfrm>
+            <a:off x="1127125" y="0"/>
+            <a:ext cx="9937750" cy="6748145"/>
+          </a:xfrm>
+          <a:prstGeom prst="rect">
+            <a:avLst/>
+          </a:prstGeom>
+        </p:spPr>
+      </p:pic>
+    </p:spTree>
+  </p:cSld>
+  <p:clrMapOvr>
+    <a:masterClrMapping/>
+  </p:clrMapOvr>
+  <mc:AlternateContent xmlns:mc="http://schemas.openxmlformats.org/markup-compatibility/2006">
+    <mc:Choice xmlns:p14="http://schemas.microsoft.com/office/powerpoint/2010/main" Requires="p14">
+      <p:transition spd="med" p14:dur="700">
+        <p:fade/>
+      </p:transition>
+    </mc:Choice>
+    <mc:Fallback>
+      <p:transition spd="med">
+        <p:fade/>
+      </p:transition>
+    </mc:Fallback>
+  </mc:AlternateContent>
+  <p:timing>
+    <p:tnLst>
+      <p:par>
+        <p:cTn id="1" dur="indefinite" restart="never" nodeType="tmRoot"/>
+      </p:par>
+    </p:tnLst>
+  </p:timing>
+</p:sld>
+</file>
+
+<file path=ppt/slides/slide42.xml><?xml version="1.0" encoding="utf-8"?>
+<p:sld xmlns:a="http://schemas.openxmlformats.org/drawingml/2006/main" xmlns:r="http://schemas.openxmlformats.org/officeDocument/2006/relationships" xmlns:p="http://schemas.openxmlformats.org/presentationml/2006/main">
+  <p:cSld>
+    <p:spTree>
+      <p:nvGrpSpPr>
+        <p:cNvPr id="1" name=""/>
+        <p:cNvGrpSpPr/>
+        <p:nvPr/>
+      </p:nvGrpSpPr>
+      <p:grpSpPr>
+        <a:xfrm>
+          <a:off x="0" y="0"/>
+          <a:ext cx="0" cy="0"/>
+          <a:chOff x="0" y="0"/>
+          <a:chExt cx="0" cy="0"/>
+        </a:xfrm>
+      </p:grpSpPr>
+      <p:sp>
+        <p:nvSpPr>
+          <p:cNvPr id="2" name="文本框 48"/>
+          <p:cNvSpPr txBox="1"/>
+          <p:nvPr/>
+        </p:nvSpPr>
+        <p:spPr>
+          <a:xfrm>
+            <a:off x="266303" y="283984"/>
+            <a:ext cx="9473407" cy="706755"/>
+          </a:xfrm>
+          <a:prstGeom prst="rect">
+            <a:avLst/>
+          </a:prstGeom>
+          <a:solidFill>
+            <a:schemeClr val="bg1"/>
+          </a:solidFill>
+          <a:ln w="9525">
+            <a:noFill/>
+          </a:ln>
+        </p:spPr>
+        <p:txBody>
+          <a:bodyPr wrap="square" anchor="t" anchorCtr="0">
+            <a:spAutoFit/>
+          </a:bodyPr>
+          <a:lstStyle/>
+          <a:p>
+            <a:endParaRPr lang="en-US" altLang="zh-CN" sz="4000" dirty="0" smtClean="0">
+              <a:solidFill>
+                <a:srgbClr val="141214"/>
+              </a:solidFill>
+              <a:latin typeface="Arial" panose="020B0604020202020204" pitchFamily="34" charset="0"/>
+              <a:cs typeface="Arial" panose="020B0604020202020204" pitchFamily="34" charset="0"/>
+            </a:endParaRPr>
+          </a:p>
+        </p:txBody>
+      </p:sp>
+      <p:pic>
+        <p:nvPicPr>
+          <p:cNvPr id="5" name="Picture 4"/>
+          <p:cNvPicPr>
+            <a:picLocks noChangeAspect="1"/>
+          </p:cNvPicPr>
+          <p:nvPr/>
+        </p:nvPicPr>
+        <p:blipFill>
+          <a:blip r:embed="rId1"/>
+          <a:stretch>
+            <a:fillRect/>
+          </a:stretch>
+        </p:blipFill>
+        <p:spPr>
+          <a:xfrm>
+            <a:off x="2225675" y="-142240"/>
+            <a:ext cx="7629525" cy="6877050"/>
+          </a:xfrm>
+          <a:prstGeom prst="rect">
+            <a:avLst/>
+          </a:prstGeom>
+        </p:spPr>
+      </p:pic>
+    </p:spTree>
+  </p:cSld>
+  <p:clrMapOvr>
+    <a:masterClrMapping/>
+  </p:clrMapOvr>
+  <mc:AlternateContent xmlns:mc="http://schemas.openxmlformats.org/markup-compatibility/2006">
+    <mc:Choice xmlns:p14="http://schemas.microsoft.com/office/powerpoint/2010/main" Requires="p14">
+      <p:transition spd="med" p14:dur="700">
+        <p:fade/>
+      </p:transition>
+    </mc:Choice>
+    <mc:Fallback>
+      <p:transition spd="med">
+        <p:fade/>
+      </p:transition>
+    </mc:Fallback>
+  </mc:AlternateContent>
+  <p:timing>
+    <p:tnLst>
+      <p:par>
+        <p:cTn id="1" dur="indefinite" restart="never" nodeType="tmRoot"/>
+      </p:par>
+    </p:tnLst>
+  </p:timing>
+</p:sld>
+</file>
+
+<file path=ppt/slides/slide43.xml><?xml version="1.0" encoding="utf-8"?>
+<p:sld xmlns:a="http://schemas.openxmlformats.org/drawingml/2006/main" xmlns:r="http://schemas.openxmlformats.org/officeDocument/2006/relationships" xmlns:p="http://schemas.openxmlformats.org/presentationml/2006/main">
+  <p:cSld>
+    <p:spTree>
+      <p:nvGrpSpPr>
+        <p:cNvPr id="1" name=""/>
+        <p:cNvGrpSpPr/>
+        <p:nvPr/>
+      </p:nvGrpSpPr>
+      <p:grpSpPr>
+        <a:xfrm>
+          <a:off x="0" y="0"/>
+          <a:ext cx="0" cy="0"/>
+          <a:chOff x="0" y="0"/>
+          <a:chExt cx="0" cy="0"/>
+        </a:xfrm>
+      </p:grpSpPr>
       <p:grpSp>
         <p:nvGrpSpPr>
           <p:cNvPr id="14" name="组合 1"/>
@@ -33212,8 +33616,8 @@
         </p:nvGrpSpPr>
         <p:grpSpPr>
           <a:xfrm>
-            <a:off x="899235" y="1284437"/>
-            <a:ext cx="10058399" cy="619667"/>
+            <a:off x="899160" y="1284605"/>
+            <a:ext cx="10058400" cy="497840"/>
             <a:chOff x="0" y="6227623"/>
             <a:chExt cx="12192000" cy="630377"/>
           </a:xfrm>
@@ -33322,8 +33726,8 @@
         </p:nvSpPr>
         <p:spPr>
           <a:xfrm>
-            <a:off x="1204033" y="1370811"/>
-            <a:ext cx="9564371" cy="369332"/>
+            <a:off x="1052195" y="1312545"/>
+            <a:ext cx="10287635" cy="368300"/>
           </a:xfrm>
           <a:prstGeom prst="rect">
             <a:avLst/>
@@ -33349,69 +33753,23 @@
                 <a:latin typeface="Arial" panose="020B0604020202020204" pitchFamily="34" charset="0"/>
                 <a:cs typeface="Arial" panose="020B0604020202020204" pitchFamily="34" charset="0"/>
               </a:rPr>
-              <a:t>The flask app prototype is </a:t>
-            </a:r>
-            <a:r>
-              <a:rPr lang="en-US" dirty="0" smtClean="0">
-                <a:latin typeface="Arial" panose="020B0604020202020204" pitchFamily="34" charset="0"/>
-                <a:cs typeface="Arial" panose="020B0604020202020204" pitchFamily="34" charset="0"/>
-              </a:rPr>
-              <a:t>hosted at </a:t>
+              <a:t>The recommendation chatbot website is hosted at: </a:t>
             </a:r>
             <a:r>
               <a:rPr lang="en-US" dirty="0">
                 <a:latin typeface="Arial" panose="020B0604020202020204" pitchFamily="34" charset="0"/>
                 <a:cs typeface="Arial" panose="020B0604020202020204" pitchFamily="34" charset="0"/>
-              </a:rPr>
-              <a:t>the url: </a:t>
-            </a:r>
-            <a:r>
-              <a:rPr lang="en-US" dirty="0">
-                <a:latin typeface="Arial" panose="020B0604020202020204" pitchFamily="34" charset="0"/>
-                <a:cs typeface="Arial" panose="020B0604020202020204" pitchFamily="34" charset="0"/>
-                <a:hlinkClick r:id="rId1"/>
+                <a:hlinkClick r:id="rId1" tooltip="" action="ppaction://hlinkfile"/>
               </a:rPr>
               <a:t>https://data606project.pythonanywhere.com</a:t>
             </a:r>
-            <a:r>
-              <a:rPr lang="en-US" dirty="0" smtClean="0">
-                <a:latin typeface="Arial" panose="020B0604020202020204" pitchFamily="34" charset="0"/>
-                <a:cs typeface="Arial" panose="020B0604020202020204" pitchFamily="34" charset="0"/>
-                <a:hlinkClick r:id="rId1"/>
-              </a:rPr>
-              <a:t>/</a:t>
-            </a:r>
-            <a:endParaRPr lang="en-US" dirty="0" smtClean="0">
+            <a:endParaRPr lang="en-US" dirty="0">
               <a:latin typeface="Arial" panose="020B0604020202020204" pitchFamily="34" charset="0"/>
               <a:cs typeface="Arial" panose="020B0604020202020204" pitchFamily="34" charset="0"/>
             </a:endParaRPr>
           </a:p>
         </p:txBody>
       </p:sp>
-      <p:pic>
-        <p:nvPicPr>
-          <p:cNvPr id="18" name="图片 17"/>
-          <p:cNvPicPr>
-            <a:picLocks noChangeAspect="1"/>
-          </p:cNvPicPr>
-          <p:nvPr/>
-        </p:nvPicPr>
-        <p:blipFill>
-          <a:blip r:embed="rId2"/>
-          <a:stretch>
-            <a:fillRect/>
-          </a:stretch>
-        </p:blipFill>
-        <p:spPr>
-          <a:xfrm>
-            <a:off x="1204033" y="1962401"/>
-            <a:ext cx="9417407" cy="4760285"/>
-          </a:xfrm>
-          <a:prstGeom prst="rect">
-            <a:avLst/>
-          </a:prstGeom>
-        </p:spPr>
-      </p:pic>
       <p:sp>
         <p:nvSpPr>
           <p:cNvPr id="4" name="文本框 48"/>
@@ -33447,7 +33805,7 @@
                 <a:latin typeface="Arial" panose="020B0604020202020204" pitchFamily="34" charset="0"/>
                 <a:cs typeface="Arial" panose="020B0604020202020204" pitchFamily="34" charset="0"/>
               </a:rPr>
-              <a:t>System Integration</a:t>
+              <a:t>Live Recommender System</a:t>
             </a:r>
             <a:endParaRPr lang="en-US" altLang="zh-CN" sz="4000" dirty="0" smtClean="0">
               <a:solidFill>
@@ -33459,6 +33817,32 @@
           </a:p>
         </p:txBody>
       </p:sp>
+      <p:pic>
+        <p:nvPicPr>
+          <p:cNvPr id="102" name="Picture 101"/>
+          <p:cNvPicPr/>
+          <p:nvPr/>
+        </p:nvPicPr>
+        <p:blipFill>
+          <a:blip r:embed="rId2"/>
+          <a:stretch>
+            <a:fillRect/>
+          </a:stretch>
+        </p:blipFill>
+        <p:spPr>
+          <a:xfrm>
+            <a:off x="899160" y="1894205"/>
+            <a:ext cx="10057765" cy="4801235"/>
+          </a:xfrm>
+          <a:prstGeom prst="rect">
+            <a:avLst/>
+          </a:prstGeom>
+          <a:noFill/>
+          <a:ln w="9525">
+            <a:noFill/>
+          </a:ln>
+        </p:spPr>
+      </p:pic>
     </p:spTree>
   </p:cSld>
   <p:clrMapOvr>
@@ -33486,7 +33870,7 @@
 </p:sld>
 </file>
 
-<file path=ppt/slides/slide42.xml><?xml version="1.0" encoding="utf-8"?>
+<file path=ppt/slides/slide44.xml><?xml version="1.0" encoding="utf-8"?>
 <p:sld xmlns:a="http://schemas.openxmlformats.org/drawingml/2006/main" xmlns:r="http://schemas.openxmlformats.org/officeDocument/2006/relationships" xmlns:p="http://schemas.openxmlformats.org/presentationml/2006/main">
   <p:cSld>
     <p:spTree>
@@ -33614,7 +33998,7 @@
 </p:sld>
 </file>
 
-<file path=ppt/slides/slide43.xml><?xml version="1.0" encoding="utf-8"?>
+<file path=ppt/slides/slide45.xml><?xml version="1.0" encoding="utf-8"?>
 <p:sld xmlns:a="http://schemas.openxmlformats.org/drawingml/2006/main" xmlns:r="http://schemas.openxmlformats.org/officeDocument/2006/relationships" xmlns:p="http://schemas.openxmlformats.org/presentationml/2006/main">
   <p:cSld>
     <p:spTree>
@@ -33884,7 +34268,7 @@
         <p:spPr>
           <a:xfrm>
             <a:off x="266303" y="283984"/>
-            <a:ext cx="9473407" cy="707886"/>
+            <a:ext cx="9473407" cy="706755"/>
           </a:xfrm>
           <a:prstGeom prst="rect">
             <a:avLst/>
@@ -33910,7 +34294,7 @@
                 <a:latin typeface="Arial" panose="020B0604020202020204" pitchFamily="34" charset="0"/>
                 <a:cs typeface="Arial" panose="020B0604020202020204" pitchFamily="34" charset="0"/>
               </a:rPr>
-              <a:t>Expected Outcomes</a:t>
+              <a:t>Outcomes</a:t>
             </a:r>
             <a:endParaRPr lang="en-US" altLang="zh-CN" sz="4000" dirty="0">
               <a:solidFill>
@@ -34214,7 +34598,7 @@
 </p:sld>
 </file>
 
-<file path=ppt/slides/slide44.xml><?xml version="1.0" encoding="utf-8"?>
+<file path=ppt/slides/slide46.xml><?xml version="1.0" encoding="utf-8"?>
 <p:sld xmlns:a="http://schemas.openxmlformats.org/drawingml/2006/main" xmlns:r="http://schemas.openxmlformats.org/officeDocument/2006/relationships" xmlns:p="http://schemas.openxmlformats.org/presentationml/2006/main">
   <p:cSld>
     <p:spTree>
@@ -34545,7 +34929,7 @@
 </p:sld>
 </file>
 
-<file path=ppt/slides/slide45.xml><?xml version="1.0" encoding="utf-8"?>
+<file path=ppt/slides/slide47.xml><?xml version="1.0" encoding="utf-8"?>
 <p:sld xmlns:a="http://schemas.openxmlformats.org/drawingml/2006/main" xmlns:r="http://schemas.openxmlformats.org/officeDocument/2006/relationships" xmlns:p="http://schemas.openxmlformats.org/presentationml/2006/main">
   <p:cSld>
     <p:spTree>

--- a/presentation/Project_Presentation_Final.pptx
+++ b/presentation/Project_Presentation_Final.pptx
@@ -8,7 +8,7 @@
     <p:notesMasterId r:id="rId6"/>
   </p:notesMasterIdLst>
   <p:handoutMasterIdLst>
-    <p:handoutMasterId r:id="rId51"/>
+    <p:handoutMasterId r:id="rId53"/>
   </p:handoutMasterIdLst>
   <p:sldIdLst>
     <p:sldId id="422" r:id="rId3"/>
@@ -56,8 +56,10 @@
     <p:sldId id="456" r:id="rId46"/>
     <p:sldId id="434" r:id="rId47"/>
     <p:sldId id="342" r:id="rId48"/>
-    <p:sldId id="440" r:id="rId49"/>
-    <p:sldId id="387" r:id="rId50"/>
+    <p:sldId id="525" r:id="rId49"/>
+    <p:sldId id="526" r:id="rId50"/>
+    <p:sldId id="440" r:id="rId51"/>
+    <p:sldId id="387" r:id="rId52"/>
   </p:sldIdLst>
   <p:sldSz cx="12192000" cy="6858000"/>
   <p:notesSz cx="6858000" cy="9144000"/>
@@ -1908,7 +1910,7 @@
                 <a:cs typeface="Arial" panose="020B0604020202020204" pitchFamily="34" charset="0"/>
                 <a:sym typeface="+mn-ea"/>
               </a:rPr>
-              <a:t>For this project, we are not deploying a model that takes user inputs like mentioned the above. Instead, we sort the product lists by rating mean and review counts for a recommendation. This is the base model we would use if the users don't have a customer ID and product ID for our recommender system.</a:t>
+              <a:t>For this project, we are not deploying a model that takes user inputs like mentioned. Instead, we sort the product lists by rating mean and review counts for a recommendation. This is the base model we would use if the users don't have a customer ID and product ID for our recommender system.</a:t>
             </a:r>
             <a:endParaRPr lang="en-US" dirty="0"/>
           </a:p>
@@ -3329,6 +3331,16 @@
           <a:lstStyle/>
           <a:p>
             <a:pPr lvl="0"/>
+            <a:r>
+              <a:rPr lang="en-US" dirty="0" smtClean="0">
+                <a:sym typeface="+mn-ea"/>
+              </a:rPr>
+              <a:t>For recommendation system deployment, a user interface was developed by integrating with multiple platforms and servers. This section will illustrate the system integration details and provide a live recommendation website at the end.</a:t>
+            </a:r>
+            <a:endParaRPr lang="en-US" dirty="0" smtClean="0"/>
+          </a:p>
+          <a:p>
+            <a:pPr lvl="0"/>
             <a:endParaRPr lang="en-US" altLang="zh-CN" dirty="0">
               <a:solidFill>
                 <a:srgbClr val="00B0F0"/>
@@ -3431,16 +3443,6 @@
         <p:txBody>
           <a:bodyPr/>
           <a:lstStyle/>
-          <a:p>
-            <a:r>
-              <a:rPr lang="en-US" dirty="0" smtClean="0"/>
-              <a:t>For recommendation system deployment, a user interface was developed by integrating with multiple platforms and servers. This section will illustrate the system integration details and provide a live recommendation website at the end.</a:t>
-            </a:r>
-            <a:endParaRPr lang="en-US" dirty="0" smtClean="0"/>
-          </a:p>
-          <a:p>
-            <a:endParaRPr lang="en-US" dirty="0" smtClean="0"/>
-          </a:p>
           <a:p>
             <a:r>
               <a:rPr lang="en-US" dirty="0" smtClean="0">
@@ -3558,7 +3560,7 @@
           <a:p>
             <a:r>
               <a:rPr lang="en-US" dirty="0"/>
-              <a:t>Let’s start with the backend where our core components reside on. We have two web servers, one is hosting our web application, which handles message transmission with Dialogflow. another one is hosting our webhook API for handling recommendation model-related responses. Then we have a chatbot in the middle to connect these two web servers. The chatbot utilizes Google Cloud Platform for external use and it handles conversation and collects user inputs. Normally, the standalone chatbot can handle the regular conversation, but if any chat responses require machine learning results, it will send a request with user input IDs to our webhook API. Then our web API will run the model and send back the result.</a:t>
+              <a:t>Let’s start with the backend where our core components reside on. We have two web servers, one is hosting our web application, which handles message transmission with Dialogflow. another one is hosting our webhook API for handling recommendation model-related responses. Then we have a chatbot in the middle to connect these two web servers. The chatbot utilizes Google Cloud Platform for external use and it handles conversation and collects user inputs. Normally, the standalone chatbot can handle the regular conversation, but if any chat responses require machine learning results, it will send a request with user input IDs to our web API. Then our web API will run the model and send back the result.</a:t>
             </a:r>
             <a:endParaRPr lang="en-US" dirty="0"/>
           </a:p>
@@ -3578,7 +3580,7 @@
           <a:p>
             <a:r>
               <a:rPr lang="en-US" dirty="0"/>
-              <a:t>The architecture is straightforward, but our chatbot doesn’t know when to call our webhook API unless we tell it to do so, so the next step is to design our chatbot conversation flow to set conditions for collecting the necessary input from the users for calling our recommendation models.</a:t>
+              <a:t>The architecture is straightforward, but our chatbot doesn’t know when to call our web API unless we tell it to do so, so the next step is to design our chatbot conversation flow to set conditions for collecting the necessary input from the users for calling our recommendation models.</a:t>
             </a:r>
             <a:endParaRPr lang="en-US" dirty="0"/>
           </a:p>
@@ -3636,6 +3638,34 @@
           <a:bodyPr/>
           <a:lstStyle/>
           <a:p>
+            <a:r>
+              <a:rPr lang="en-US" dirty="0">
+                <a:sym typeface="+mn-ea"/>
+              </a:rPr>
+              <a:t>This is the chatbot conversation flow chart for the project, it bascially illustrate the how the chatbot help us to collect information through the conversation. </a:t>
+            </a:r>
+            <a:endParaRPr lang="en-US" dirty="0">
+              <a:sym typeface="+mn-ea"/>
+            </a:endParaRPr>
+          </a:p>
+          <a:p>
+            <a:endParaRPr lang="en-US" dirty="0"/>
+          </a:p>
+          <a:p>
+            <a:r>
+              <a:rPr lang="en-US" dirty="0"/>
+              <a:t>In this chart, the orange color represents users and the black color represents the chatbot agent. If users ask for recommendations, the agent will ask if they have a customer ID, if they respond yes, then the agent will take the left path and vice versa. With the subsequent similar conversations, the agent will collect the necessary customer ID and product ID and store them as parameters.</a:t>
+            </a:r>
+            <a:endParaRPr lang="en-US" dirty="0"/>
+          </a:p>
+          <a:p>
+            <a:endParaRPr lang="en-US" dirty="0"/>
+          </a:p>
+          <a:p>
+            <a:r>
+              <a:rPr lang="en-US" dirty="0"/>
+              <a:t>After the information is collected, the chatbot will send those parameters to our machine learning models Web API, and the API will generate recommendations using the appropriate model based on the input data.</a:t>
+            </a:r>
             <a:endParaRPr lang="en-US" dirty="0"/>
           </a:p>
         </p:txBody>
@@ -3798,7 +3828,17 @@
           <a:p>
             <a:r>
               <a:rPr lang="en-US"/>
-              <a:t>This is the recommendation chatbot website for the project. It contains a chatbot on the home page, and in the navigation bar, it has a product and customer tab that will redirect users to the ID lookup tables</a:t>
+              <a:t>Now we understand the system infrastructure and chatbot conversation flow, let’s see the integrated system in action.</a:t>
+            </a:r>
+            <a:endParaRPr lang="en-US"/>
+          </a:p>
+          <a:p>
+            <a:endParaRPr lang="en-US"/>
+          </a:p>
+          <a:p>
+            <a:r>
+              <a:rPr lang="en-US"/>
+              <a:t>The live recommender system website is hosted at this address. It contains a chatbot on the home page, and in the navigation bar, it has a product and customer tab that will redirect users to the ID lookup tables, so we can use these tables for testing the chatbot.</a:t>
             </a:r>
             <a:endParaRPr lang="en-US"/>
           </a:p>
@@ -3987,35 +4027,109 @@
                 <a:cs typeface="+mn-cs"/>
                 <a:sym typeface="Arial" panose="020B0604020202020204" pitchFamily="34" charset="0"/>
               </a:rPr>
-              <a:t>I intend to achieve through this project is to develop product recommender systems/models that can accurately predict customers' preferences, identify the most useful characteristics to promote certain products to customers, understand the role of text data in recommender systems, </a:t>
+              <a:t>Through the research process for this project, I have developed a comprehensive product recommender system that can accurately predict customer’s preferences.</a:t>
             </a:r>
+            <a:endParaRPr lang="en-US" sz="1200" b="0" i="0" kern="1200" dirty="0" smtClean="0">
+              <a:solidFill>
+                <a:schemeClr val="tx1"/>
+              </a:solidFill>
+              <a:effectLst/>
+              <a:latin typeface="+mn-lt"/>
+              <a:ea typeface="Arial" panose="020B0604020202020204" pitchFamily="34" charset="0"/>
+              <a:cs typeface="+mn-cs"/>
+              <a:sym typeface="Arial" panose="020B0604020202020204" pitchFamily="34" charset="0"/>
+            </a:endParaRPr>
+          </a:p>
+          <a:p>
+            <a:pPr marL="0" marR="0" lvl="0" indent="0" algn="l" defTabSz="914400" rtl="0" eaLnBrk="1" fontAlgn="auto" latinLnBrk="0" hangingPunct="1">
+              <a:lnSpc>
+                <a:spcPct val="100000"/>
+              </a:lnSpc>
+              <a:spcBef>
+                <a:spcPts val="0"/>
+              </a:spcBef>
+              <a:spcAft>
+                <a:spcPts val="0"/>
+              </a:spcAft>
+              <a:buClrTx/>
+              <a:buSzTx/>
+              <a:buFontTx/>
+              <a:buNone/>
+              <a:defRPr/>
+            </a:pPr>
+            <a:endParaRPr lang="en-US" sz="1200" b="0" i="0" kern="1200" dirty="0" smtClean="0">
+              <a:solidFill>
+                <a:schemeClr val="tx1"/>
+              </a:solidFill>
+              <a:effectLst/>
+              <a:latin typeface="+mn-lt"/>
+              <a:ea typeface="Arial" panose="020B0604020202020204" pitchFamily="34" charset="0"/>
+              <a:cs typeface="+mn-cs"/>
+              <a:sym typeface="Arial" panose="020B0604020202020204" pitchFamily="34" charset="0"/>
+            </a:endParaRPr>
+          </a:p>
+          <a:p>
+            <a:pPr marL="0" marR="0" lvl="0" indent="0" algn="l" defTabSz="914400" rtl="0" eaLnBrk="1" fontAlgn="auto" latinLnBrk="0" hangingPunct="1">
+              <a:lnSpc>
+                <a:spcPct val="100000"/>
+              </a:lnSpc>
+              <a:spcBef>
+                <a:spcPts val="0"/>
+              </a:spcBef>
+              <a:spcAft>
+                <a:spcPts val="0"/>
+              </a:spcAft>
+              <a:buClrTx/>
+              <a:buSzTx/>
+              <a:buFontTx/>
+              <a:buNone/>
+              <a:defRPr/>
+            </a:pPr>
             <a:r>
-              <a:rPr lang="en-US" sz="1200" dirty="0" smtClean="0">
-                <a:latin typeface="Arial" panose="020B0604020202020204" pitchFamily="34" charset="0"/>
-                <a:cs typeface="Arial" panose="020B0604020202020204" pitchFamily="34" charset="0"/>
-              </a:rPr>
-              <a:t>provide a website and </a:t>
+              <a:rPr lang="en-US" dirty="0"/>
+              <a:t>By the EDA analysis and machine learning model development, we can conclude that there is no optimal recommendation algorithm/method, all algorithms are practical but also come with their own drawback. That’s why in real-world scenarios, a hybrid model is more likely to be used. </a:t>
             </a:r>
+            <a:endParaRPr lang="en-US" dirty="0"/>
+          </a:p>
+          <a:p>
+            <a:pPr marL="0" marR="0" lvl="0" indent="0" algn="l" defTabSz="914400" rtl="0" eaLnBrk="1" fontAlgn="auto" latinLnBrk="0" hangingPunct="1">
+              <a:lnSpc>
+                <a:spcPct val="100000"/>
+              </a:lnSpc>
+              <a:spcBef>
+                <a:spcPts val="0"/>
+              </a:spcBef>
+              <a:spcAft>
+                <a:spcPts val="0"/>
+              </a:spcAft>
+              <a:buClrTx/>
+              <a:buSzTx/>
+              <a:buFontTx/>
+              <a:buNone/>
+              <a:defRPr/>
+            </a:pPr>
+            <a:endParaRPr lang="en-US" dirty="0"/>
+          </a:p>
+          <a:p>
+            <a:pPr marL="0" marR="0" lvl="0" indent="0" algn="l" defTabSz="914400" rtl="0" eaLnBrk="1" fontAlgn="auto" latinLnBrk="0" hangingPunct="1">
+              <a:lnSpc>
+                <a:spcPct val="100000"/>
+              </a:lnSpc>
+              <a:spcBef>
+                <a:spcPts val="0"/>
+              </a:spcBef>
+              <a:spcAft>
+                <a:spcPts val="0"/>
+              </a:spcAft>
+              <a:buClrTx/>
+              <a:buSzTx/>
+              <a:buFontTx/>
+              <a:buNone/>
+              <a:defRPr/>
+            </a:pPr>
             <a:r>
-              <a:rPr lang="en-US" sz="1200" dirty="0" err="1" smtClean="0">
-                <a:latin typeface="Arial" panose="020B0604020202020204" pitchFamily="34" charset="0"/>
-                <a:cs typeface="Arial" panose="020B0604020202020204" pitchFamily="34" charset="0"/>
-              </a:rPr>
-              <a:t>Chatbot</a:t>
-            </a:r>
-            <a:r>
-              <a:rPr lang="en-US" sz="1200" dirty="0" smtClean="0">
-                <a:latin typeface="Arial" panose="020B0604020202020204" pitchFamily="34" charset="0"/>
-                <a:cs typeface="Arial" panose="020B0604020202020204" pitchFamily="34" charset="0"/>
-              </a:rPr>
-              <a:t> to assist amazon users to make purchase decisions,</a:t>
-            </a:r>
-            <a:r>
-              <a:rPr lang="en-US" sz="1200" baseline="0" dirty="0" smtClean="0">
-                <a:latin typeface="Arial" panose="020B0604020202020204" pitchFamily="34" charset="0"/>
-                <a:cs typeface="Arial" panose="020B0604020202020204" pitchFamily="34" charset="0"/>
-              </a:rPr>
-              <a:t> </a:t>
+              <a:rPr lang="en-US" dirty="0"/>
+              <a:t>However, we find that t</a:t>
             </a:r>
             <a:r>
               <a:rPr lang="en-US" sz="1200" b="0" i="0" kern="1200" dirty="0" smtClean="0">
@@ -4028,7 +4142,447 @@
                 <a:cs typeface="+mn-cs"/>
                 <a:sym typeface="Arial" panose="020B0604020202020204" pitchFamily="34" charset="0"/>
               </a:rPr>
-              <a:t>and provide a comprehensive report of recommender systems for the business owners.</a:t>
+              <a:t>he most useful characteristics to promote products are based on what recommendation method we use. For content-based filtering, product description is the key feature. For collaborative filtering, review rating is the most important factor.</a:t>
+            </a:r>
+            <a:endParaRPr lang="en-US" sz="1200" b="0" i="0" kern="1200" dirty="0" smtClean="0">
+              <a:solidFill>
+                <a:schemeClr val="tx1"/>
+              </a:solidFill>
+              <a:effectLst/>
+              <a:latin typeface="+mn-lt"/>
+              <a:ea typeface="Arial" panose="020B0604020202020204" pitchFamily="34" charset="0"/>
+              <a:cs typeface="+mn-cs"/>
+              <a:sym typeface="Arial" panose="020B0604020202020204" pitchFamily="34" charset="0"/>
+            </a:endParaRPr>
+          </a:p>
+          <a:p>
+            <a:pPr marL="0" marR="0" lvl="0" indent="0" algn="l" defTabSz="914400" rtl="0" eaLnBrk="1" fontAlgn="auto" latinLnBrk="0" hangingPunct="1">
+              <a:lnSpc>
+                <a:spcPct val="100000"/>
+              </a:lnSpc>
+              <a:spcBef>
+                <a:spcPts val="0"/>
+              </a:spcBef>
+              <a:spcAft>
+                <a:spcPts val="0"/>
+              </a:spcAft>
+              <a:buClrTx/>
+              <a:buSzTx/>
+              <a:buFontTx/>
+              <a:buNone/>
+              <a:defRPr/>
+            </a:pPr>
+            <a:endParaRPr lang="en-US" sz="1200" b="0" i="0" kern="1200" dirty="0" smtClean="0">
+              <a:solidFill>
+                <a:schemeClr val="tx1"/>
+              </a:solidFill>
+              <a:effectLst/>
+              <a:latin typeface="+mn-lt"/>
+              <a:ea typeface="Arial" panose="020B0604020202020204" pitchFamily="34" charset="0"/>
+              <a:cs typeface="+mn-cs"/>
+              <a:sym typeface="Arial" panose="020B0604020202020204" pitchFamily="34" charset="0"/>
+            </a:endParaRPr>
+          </a:p>
+          <a:p>
+            <a:pPr marL="0" marR="0" lvl="0" indent="0" algn="l" defTabSz="914400" rtl="0" eaLnBrk="1" fontAlgn="auto" latinLnBrk="0" hangingPunct="1">
+              <a:lnSpc>
+                <a:spcPct val="100000"/>
+              </a:lnSpc>
+              <a:spcBef>
+                <a:spcPts val="0"/>
+              </a:spcBef>
+              <a:spcAft>
+                <a:spcPts val="0"/>
+              </a:spcAft>
+              <a:buClrTx/>
+              <a:buSzTx/>
+              <a:buFontTx/>
+              <a:buNone/>
+              <a:defRPr/>
+            </a:pPr>
+            <a:r>
+              <a:rPr lang="en-US" sz="1200" b="0" i="0" kern="1200" dirty="0" smtClean="0">
+                <a:solidFill>
+                  <a:schemeClr val="tx1"/>
+                </a:solidFill>
+                <a:effectLst/>
+                <a:latin typeface="+mn-lt"/>
+                <a:ea typeface="Arial" panose="020B0604020202020204" pitchFamily="34" charset="0"/>
+                <a:cs typeface="+mn-cs"/>
+                <a:sym typeface="Arial" panose="020B0604020202020204" pitchFamily="34" charset="0"/>
+              </a:rPr>
+              <a:t>Besides, textual data plays a significant role in recommender systems, either content-based or collaborative filtering can leverage textual data and its sentiment to generate precise recommendations. </a:t>
+            </a:r>
+            <a:endParaRPr lang="en-US" sz="1200" b="0" i="0" kern="1200" dirty="0" smtClean="0">
+              <a:solidFill>
+                <a:schemeClr val="tx1"/>
+              </a:solidFill>
+              <a:effectLst/>
+              <a:latin typeface="+mn-lt"/>
+              <a:ea typeface="Arial" panose="020B0604020202020204" pitchFamily="34" charset="0"/>
+              <a:cs typeface="+mn-cs"/>
+              <a:sym typeface="Arial" panose="020B0604020202020204" pitchFamily="34" charset="0"/>
+            </a:endParaRPr>
+          </a:p>
+          <a:p>
+            <a:pPr marL="0" marR="0" lvl="0" indent="0" algn="l" defTabSz="914400" rtl="0" eaLnBrk="1" fontAlgn="auto" latinLnBrk="0" hangingPunct="1">
+              <a:lnSpc>
+                <a:spcPct val="100000"/>
+              </a:lnSpc>
+              <a:spcBef>
+                <a:spcPts val="0"/>
+              </a:spcBef>
+              <a:spcAft>
+                <a:spcPts val="0"/>
+              </a:spcAft>
+              <a:buClrTx/>
+              <a:buSzTx/>
+              <a:buFontTx/>
+              <a:buNone/>
+              <a:defRPr/>
+            </a:pPr>
+            <a:endParaRPr lang="en-US" sz="1200" b="0" i="0" kern="1200" dirty="0" smtClean="0">
+              <a:solidFill>
+                <a:schemeClr val="tx1"/>
+              </a:solidFill>
+              <a:effectLst/>
+              <a:latin typeface="+mn-lt"/>
+              <a:ea typeface="Arial" panose="020B0604020202020204" pitchFamily="34" charset="0"/>
+              <a:cs typeface="+mn-cs"/>
+              <a:sym typeface="Arial" panose="020B0604020202020204" pitchFamily="34" charset="0"/>
+            </a:endParaRPr>
+          </a:p>
+          <a:p>
+            <a:pPr marL="0" marR="0" lvl="0" indent="0" algn="l" defTabSz="914400" rtl="0" eaLnBrk="1" fontAlgn="auto" latinLnBrk="0" hangingPunct="1">
+              <a:lnSpc>
+                <a:spcPct val="100000"/>
+              </a:lnSpc>
+              <a:spcBef>
+                <a:spcPts val="0"/>
+              </a:spcBef>
+              <a:spcAft>
+                <a:spcPts val="0"/>
+              </a:spcAft>
+              <a:buClrTx/>
+              <a:buSzTx/>
+              <a:buFontTx/>
+              <a:buNone/>
+              <a:defRPr/>
+            </a:pPr>
+            <a:r>
+              <a:rPr lang="en-US" sz="1200" b="0" i="0" kern="1200" dirty="0" smtClean="0">
+                <a:solidFill>
+                  <a:schemeClr val="tx1"/>
+                </a:solidFill>
+                <a:effectLst/>
+                <a:latin typeface="+mn-lt"/>
+                <a:ea typeface="Arial" panose="020B0604020202020204" pitchFamily="34" charset="0"/>
+                <a:cs typeface="+mn-cs"/>
+                <a:sym typeface="Arial" panose="020B0604020202020204" pitchFamily="34" charset="0"/>
+              </a:rPr>
+              <a:t>And to offer a better user experience, I kinda exploded the software and chatbot development, and build a integrated system to assist </a:t>
+            </a:r>
+            <a:r>
+              <a:rPr lang="en-US" dirty="0" smtClean="0">
+                <a:latin typeface="Arial" panose="020B0604020202020204" pitchFamily="34" charset="0"/>
+                <a:cs typeface="Arial" panose="020B0604020202020204" pitchFamily="34" charset="0"/>
+                <a:sym typeface="+mn-ea"/>
+              </a:rPr>
+              <a:t>amazon users to make purchase decisions.</a:t>
+            </a:r>
+            <a:endParaRPr lang="en-US" dirty="0" smtClean="0">
+              <a:latin typeface="Arial" panose="020B0604020202020204" pitchFamily="34" charset="0"/>
+              <a:cs typeface="Arial" panose="020B0604020202020204" pitchFamily="34" charset="0"/>
+              <a:sym typeface="+mn-ea"/>
+            </a:endParaRPr>
+          </a:p>
+          <a:p>
+            <a:pPr marL="0" marR="0" lvl="0" indent="0" algn="l" defTabSz="914400" rtl="0" eaLnBrk="1" fontAlgn="auto" latinLnBrk="0" hangingPunct="1">
+              <a:lnSpc>
+                <a:spcPct val="100000"/>
+              </a:lnSpc>
+              <a:spcBef>
+                <a:spcPts val="0"/>
+              </a:spcBef>
+              <a:spcAft>
+                <a:spcPts val="0"/>
+              </a:spcAft>
+              <a:buClrTx/>
+              <a:buSzTx/>
+              <a:buFontTx/>
+              <a:buNone/>
+              <a:defRPr/>
+            </a:pPr>
+            <a:endParaRPr lang="en-US" sz="1200" b="0" i="0" kern="1200" dirty="0" smtClean="0">
+              <a:solidFill>
+                <a:schemeClr val="tx1"/>
+              </a:solidFill>
+              <a:effectLst/>
+              <a:latin typeface="Arial" panose="020B0604020202020204" pitchFamily="34" charset="0"/>
+              <a:ea typeface="Arial" panose="020B0604020202020204" pitchFamily="34" charset="0"/>
+              <a:cs typeface="Arial" panose="020B0604020202020204" pitchFamily="34" charset="0"/>
+              <a:sym typeface="+mn-ea"/>
+            </a:endParaRPr>
+          </a:p>
+          <a:p>
+            <a:pPr marL="0" marR="0" lvl="0" indent="0" algn="l" defTabSz="914400" rtl="0" eaLnBrk="1" fontAlgn="auto" latinLnBrk="0" hangingPunct="1">
+              <a:lnSpc>
+                <a:spcPct val="100000"/>
+              </a:lnSpc>
+              <a:spcBef>
+                <a:spcPts val="0"/>
+              </a:spcBef>
+              <a:spcAft>
+                <a:spcPts val="0"/>
+              </a:spcAft>
+              <a:buClrTx/>
+              <a:buSzTx/>
+              <a:buFontTx/>
+              <a:buNone/>
+              <a:defRPr/>
+            </a:pPr>
+            <a:r>
+              <a:rPr lang="en-US" sz="1200" b="0" i="0" kern="1200" dirty="0" smtClean="0">
+                <a:solidFill>
+                  <a:schemeClr val="tx1"/>
+                </a:solidFill>
+                <a:effectLst/>
+                <a:latin typeface="+mn-lt"/>
+                <a:ea typeface="Arial" panose="020B0604020202020204" pitchFamily="34" charset="0"/>
+                <a:cs typeface="+mn-cs"/>
+                <a:sym typeface="Arial" panose="020B0604020202020204" pitchFamily="34" charset="0"/>
+              </a:rPr>
+              <a:t>Overall, this project gives a comprehensive report of how recommender systems work. It demonstrates every aspect from collecting data, EDA, machine learning, and system deployment, and hopefully, it can help any audience better understand why and how to create such a system.</a:t>
+            </a:r>
+            <a:endParaRPr lang="en-US" sz="1200" b="0" i="0" kern="1200" dirty="0" smtClean="0">
+              <a:solidFill>
+                <a:schemeClr val="tx1"/>
+              </a:solidFill>
+              <a:effectLst/>
+              <a:latin typeface="+mn-lt"/>
+              <a:ea typeface="Arial" panose="020B0604020202020204" pitchFamily="34" charset="0"/>
+              <a:cs typeface="+mn-cs"/>
+              <a:sym typeface="Arial" panose="020B0604020202020204" pitchFamily="34" charset="0"/>
+            </a:endParaRPr>
+          </a:p>
+          <a:p>
+            <a:pPr marL="0" marR="0" lvl="0" indent="0" algn="l" defTabSz="914400" rtl="0" eaLnBrk="1" fontAlgn="auto" latinLnBrk="0" hangingPunct="1">
+              <a:lnSpc>
+                <a:spcPct val="100000"/>
+              </a:lnSpc>
+              <a:spcBef>
+                <a:spcPts val="0"/>
+              </a:spcBef>
+              <a:spcAft>
+                <a:spcPts val="0"/>
+              </a:spcAft>
+              <a:buClrTx/>
+              <a:buSzTx/>
+              <a:buFontTx/>
+              <a:buNone/>
+              <a:defRPr/>
+            </a:pPr>
+            <a:endParaRPr lang="en-US" dirty="0"/>
+          </a:p>
+        </p:txBody>
+      </p:sp>
+    </p:spTree>
+  </p:cSld>
+  <p:clrMapOvr>
+    <a:masterClrMapping/>
+  </p:clrMapOvr>
+</p:notes>
+</file>
+
+<file path=ppt/notesSlides/notesSlide33.xml><?xml version="1.0" encoding="utf-8"?>
+<p:notes xmlns:a="http://schemas.openxmlformats.org/drawingml/2006/main" xmlns:r="http://schemas.openxmlformats.org/officeDocument/2006/relationships" xmlns:p="http://schemas.openxmlformats.org/presentationml/2006/main">
+  <p:cSld>
+    <p:spTree>
+      <p:nvGrpSpPr>
+        <p:cNvPr id="1" name=""/>
+        <p:cNvGrpSpPr/>
+        <p:nvPr/>
+      </p:nvGrpSpPr>
+      <p:grpSpPr>
+        <a:xfrm>
+          <a:off x="0" y="0"/>
+          <a:ext cx="0" cy="0"/>
+          <a:chOff x="0" y="0"/>
+          <a:chExt cx="0" cy="0"/>
+        </a:xfrm>
+      </p:grpSpPr>
+      <p:sp>
+        <p:nvSpPr>
+          <p:cNvPr id="2" name="幻灯片图像占位符 1"/>
+          <p:cNvSpPr>
+            <a:spLocks noGrp="1" noRot="1" noChangeAspect="1"/>
+          </p:cNvSpPr>
+          <p:nvPr>
+            <p:ph type="sldImg"/>
+          </p:nvPr>
+        </p:nvSpPr>
+        <p:spPr/>
+      </p:sp>
+      <p:sp>
+        <p:nvSpPr>
+          <p:cNvPr id="3" name="备注占位符 2"/>
+          <p:cNvSpPr>
+            <a:spLocks noGrp="1"/>
+          </p:cNvSpPr>
+          <p:nvPr>
+            <p:ph type="body" idx="1"/>
+          </p:nvPr>
+        </p:nvSpPr>
+        <p:spPr/>
+        <p:txBody>
+          <a:bodyPr/>
+          <a:lstStyle/>
+          <a:p>
+            <a:pPr marL="0" marR="0" lvl="0" indent="0" algn="l" defTabSz="914400" rtl="0" eaLnBrk="1" fontAlgn="auto" latinLnBrk="0" hangingPunct="1">
+              <a:lnSpc>
+                <a:spcPct val="100000"/>
+              </a:lnSpc>
+              <a:spcBef>
+                <a:spcPts val="0"/>
+              </a:spcBef>
+              <a:spcAft>
+                <a:spcPts val="0"/>
+              </a:spcAft>
+              <a:buClrTx/>
+              <a:buSzTx/>
+              <a:buFontTx/>
+              <a:buNone/>
+              <a:defRPr/>
+            </a:pPr>
+            <a:r>
+              <a:rPr lang="en-US" dirty="0"/>
+              <a:t>There are some limitation for this project.</a:t>
+            </a:r>
+            <a:endParaRPr lang="en-US" dirty="0"/>
+          </a:p>
+          <a:p>
+            <a:pPr marL="0" marR="0" lvl="0" indent="0" algn="l" defTabSz="914400" rtl="0" eaLnBrk="1" fontAlgn="auto" latinLnBrk="0" hangingPunct="1">
+              <a:lnSpc>
+                <a:spcPct val="100000"/>
+              </a:lnSpc>
+              <a:spcBef>
+                <a:spcPts val="0"/>
+              </a:spcBef>
+              <a:spcAft>
+                <a:spcPts val="0"/>
+              </a:spcAft>
+              <a:buClrTx/>
+              <a:buSzTx/>
+              <a:buFontTx/>
+              <a:buNone/>
+              <a:defRPr/>
+            </a:pPr>
+            <a:endParaRPr lang="en-US" dirty="0"/>
+          </a:p>
+          <a:p>
+            <a:pPr marL="0" marR="0" lvl="0" indent="0" algn="l" defTabSz="914400" rtl="0" eaLnBrk="1" fontAlgn="auto" latinLnBrk="0" hangingPunct="1">
+              <a:lnSpc>
+                <a:spcPct val="100000"/>
+              </a:lnSpc>
+              <a:spcBef>
+                <a:spcPts val="0"/>
+              </a:spcBef>
+              <a:spcAft>
+                <a:spcPts val="0"/>
+              </a:spcAft>
+              <a:buClrTx/>
+              <a:buSzTx/>
+              <a:buFontTx/>
+              <a:buNone/>
+              <a:defRPr/>
+            </a:pPr>
+            <a:r>
+              <a:rPr lang="en-US" dirty="0"/>
+              <a:t>One of them is the data we used, it is only a subset of the original dataset, so the recommender systems will not work for other products in the dataset.</a:t>
+            </a:r>
+            <a:endParaRPr lang="en-US" dirty="0"/>
+          </a:p>
+          <a:p>
+            <a:pPr marL="0" marR="0" lvl="0" indent="0" algn="l" defTabSz="914400" rtl="0" eaLnBrk="1" fontAlgn="auto" latinLnBrk="0" hangingPunct="1">
+              <a:lnSpc>
+                <a:spcPct val="100000"/>
+              </a:lnSpc>
+              <a:spcBef>
+                <a:spcPts val="0"/>
+              </a:spcBef>
+              <a:spcAft>
+                <a:spcPts val="0"/>
+              </a:spcAft>
+              <a:buClrTx/>
+              <a:buSzTx/>
+              <a:buFontTx/>
+              <a:buNone/>
+              <a:defRPr/>
+            </a:pPr>
+            <a:endParaRPr lang="en-US" dirty="0"/>
+          </a:p>
+          <a:p>
+            <a:pPr marL="0" marR="0" lvl="0" indent="0" algn="l" defTabSz="914400" rtl="0" eaLnBrk="1" fontAlgn="auto" latinLnBrk="0" hangingPunct="1">
+              <a:lnSpc>
+                <a:spcPct val="100000"/>
+              </a:lnSpc>
+              <a:spcBef>
+                <a:spcPts val="0"/>
+              </a:spcBef>
+              <a:spcAft>
+                <a:spcPts val="0"/>
+              </a:spcAft>
+              <a:buClrTx/>
+              <a:buSzTx/>
+              <a:buFontTx/>
+              <a:buNone/>
+              <a:defRPr/>
+            </a:pPr>
+            <a:r>
+              <a:rPr lang="en-US" dirty="0"/>
+              <a:t>Another one is the deployed machine learning models. The optimal models are not able to be deployed due to the limited budget and resources, otherwise, users can get more accurate recommendation results.</a:t>
+            </a:r>
+            <a:endParaRPr lang="en-US" dirty="0"/>
+          </a:p>
+          <a:p>
+            <a:pPr marL="0" marR="0" lvl="0" indent="0" algn="l" defTabSz="914400" rtl="0" eaLnBrk="1" fontAlgn="auto" latinLnBrk="0" hangingPunct="1">
+              <a:lnSpc>
+                <a:spcPct val="100000"/>
+              </a:lnSpc>
+              <a:spcBef>
+                <a:spcPts val="0"/>
+              </a:spcBef>
+              <a:spcAft>
+                <a:spcPts val="0"/>
+              </a:spcAft>
+              <a:buClrTx/>
+              <a:buSzTx/>
+              <a:buFontTx/>
+              <a:buNone/>
+              <a:defRPr/>
+            </a:pPr>
+            <a:endParaRPr lang="en-US" dirty="0"/>
+          </a:p>
+          <a:p>
+            <a:pPr marL="0" marR="0" lvl="0" indent="0" algn="l" defTabSz="914400" rtl="0" eaLnBrk="1" fontAlgn="auto" latinLnBrk="0" hangingPunct="1">
+              <a:lnSpc>
+                <a:spcPct val="100000"/>
+              </a:lnSpc>
+              <a:spcBef>
+                <a:spcPts val="0"/>
+              </a:spcBef>
+              <a:spcAft>
+                <a:spcPts val="0"/>
+              </a:spcAft>
+              <a:buClrTx/>
+              <a:buSzTx/>
+              <a:buFontTx/>
+              <a:buNone/>
+              <a:defRPr/>
+            </a:pPr>
+            <a:r>
+              <a:rPr lang="en-US" dirty="0"/>
+              <a:t>And the developed recommender system is an offline recommender which means it cannot generate recommendations for any new customer and product that doesn’t originally exist in the dataset, and it will not update synchronously with new purchases.</a:t>
             </a:r>
             <a:endParaRPr lang="en-US" dirty="0"/>
           </a:p>
@@ -4042,7 +4596,216 @@
 </p:notes>
 </file>
 
-<file path=ppt/notesSlides/notesSlide33.xml><?xml version="1.0" encoding="utf-8"?>
+<file path=ppt/notesSlides/notesSlide34.xml><?xml version="1.0" encoding="utf-8"?>
+<p:notes xmlns:a="http://schemas.openxmlformats.org/drawingml/2006/main" xmlns:r="http://schemas.openxmlformats.org/officeDocument/2006/relationships" xmlns:p="http://schemas.openxmlformats.org/presentationml/2006/main">
+  <p:cSld>
+    <p:spTree>
+      <p:nvGrpSpPr>
+        <p:cNvPr id="1" name=""/>
+        <p:cNvGrpSpPr/>
+        <p:nvPr/>
+      </p:nvGrpSpPr>
+      <p:grpSpPr>
+        <a:xfrm>
+          <a:off x="0" y="0"/>
+          <a:ext cx="0" cy="0"/>
+          <a:chOff x="0" y="0"/>
+          <a:chExt cx="0" cy="0"/>
+        </a:xfrm>
+      </p:grpSpPr>
+      <p:sp>
+        <p:nvSpPr>
+          <p:cNvPr id="2" name="幻灯片图像占位符 1"/>
+          <p:cNvSpPr>
+            <a:spLocks noGrp="1" noRot="1" noChangeAspect="1"/>
+          </p:cNvSpPr>
+          <p:nvPr>
+            <p:ph type="sldImg"/>
+          </p:nvPr>
+        </p:nvSpPr>
+        <p:spPr/>
+      </p:sp>
+      <p:sp>
+        <p:nvSpPr>
+          <p:cNvPr id="3" name="备注占位符 2"/>
+          <p:cNvSpPr>
+            <a:spLocks noGrp="1"/>
+          </p:cNvSpPr>
+          <p:nvPr>
+            <p:ph type="body" idx="1"/>
+          </p:nvPr>
+        </p:nvSpPr>
+        <p:spPr/>
+        <p:txBody>
+          <a:bodyPr/>
+          <a:lstStyle/>
+          <a:p>
+            <a:pPr marL="0" marR="0" lvl="0" indent="0" algn="l" defTabSz="914400" rtl="0" eaLnBrk="1" fontAlgn="auto" latinLnBrk="0" hangingPunct="1">
+              <a:lnSpc>
+                <a:spcPct val="100000"/>
+              </a:lnSpc>
+              <a:spcBef>
+                <a:spcPts val="0"/>
+              </a:spcBef>
+              <a:spcAft>
+                <a:spcPts val="0"/>
+              </a:spcAft>
+              <a:buClrTx/>
+              <a:buSzTx/>
+              <a:buFontTx/>
+              <a:buNone/>
+              <a:defRPr/>
+            </a:pPr>
+            <a:r>
+              <a:rPr lang="en-US" altLang="zh-CN" dirty="0">
+                <a:solidFill>
+                  <a:schemeClr val="bg1"/>
+                </a:solidFill>
+                <a:latin typeface="Arial" panose="020B0604020202020204" pitchFamily="34" charset="0"/>
+              </a:rPr>
+              <a:t>Since we have some limitations for this project, we can extend this project by researching in these directions.</a:t>
+            </a:r>
+            <a:endParaRPr lang="en-US" altLang="zh-CN" dirty="0">
+              <a:solidFill>
+                <a:schemeClr val="bg1"/>
+              </a:solidFill>
+              <a:latin typeface="Arial" panose="020B0604020202020204" pitchFamily="34" charset="0"/>
+            </a:endParaRPr>
+          </a:p>
+          <a:p>
+            <a:pPr marL="0" marR="0" lvl="0" indent="0" algn="l" defTabSz="914400" rtl="0" eaLnBrk="1" fontAlgn="auto" latinLnBrk="0" hangingPunct="1">
+              <a:lnSpc>
+                <a:spcPct val="100000"/>
+              </a:lnSpc>
+              <a:spcBef>
+                <a:spcPts val="0"/>
+              </a:spcBef>
+              <a:spcAft>
+                <a:spcPts val="0"/>
+              </a:spcAft>
+              <a:buClrTx/>
+              <a:buSzTx/>
+              <a:buFontTx/>
+              <a:buNone/>
+              <a:defRPr/>
+            </a:pPr>
+            <a:endParaRPr lang="en-US" altLang="zh-CN" dirty="0">
+              <a:solidFill>
+                <a:schemeClr val="bg1"/>
+              </a:solidFill>
+              <a:latin typeface="Arial" panose="020B0604020202020204" pitchFamily="34" charset="0"/>
+            </a:endParaRPr>
+          </a:p>
+          <a:p>
+            <a:pPr marL="0" marR="0" lvl="0" indent="0" algn="l" defTabSz="914400" rtl="0" eaLnBrk="1" fontAlgn="auto" latinLnBrk="0" hangingPunct="1">
+              <a:lnSpc>
+                <a:spcPct val="100000"/>
+              </a:lnSpc>
+              <a:spcBef>
+                <a:spcPts val="0"/>
+              </a:spcBef>
+              <a:spcAft>
+                <a:spcPts val="0"/>
+              </a:spcAft>
+              <a:buClrTx/>
+              <a:buSzTx/>
+              <a:buFontTx/>
+              <a:buNone/>
+              <a:defRPr/>
+            </a:pPr>
+            <a:r>
+              <a:rPr lang="en-US" altLang="zh-CN" dirty="0">
+                <a:solidFill>
+                  <a:schemeClr val="bg1"/>
+                </a:solidFill>
+                <a:latin typeface="Arial" panose="020B0604020202020204" pitchFamily="34" charset="0"/>
+                <a:sym typeface="+mn-ea"/>
+              </a:rPr>
+              <a:t>One future research option could be to utilize the entire dataset to develop a cross-domain recommender system, it will definitely require more computing resources for handling big data, but the final recommender system can be powerful to recommend any product on the Amazon website.</a:t>
+            </a:r>
+            <a:endParaRPr lang="en-US" altLang="zh-CN" dirty="0">
+              <a:solidFill>
+                <a:schemeClr val="bg1"/>
+              </a:solidFill>
+              <a:latin typeface="Arial" panose="020B0604020202020204" pitchFamily="34" charset="0"/>
+              <a:sym typeface="+mn-ea"/>
+            </a:endParaRPr>
+          </a:p>
+          <a:p>
+            <a:pPr marL="0" marR="0" lvl="0" indent="0" algn="l" defTabSz="914400" rtl="0" eaLnBrk="1" fontAlgn="auto" latinLnBrk="0" hangingPunct="1">
+              <a:lnSpc>
+                <a:spcPct val="100000"/>
+              </a:lnSpc>
+              <a:spcBef>
+                <a:spcPts val="0"/>
+              </a:spcBef>
+              <a:spcAft>
+                <a:spcPts val="0"/>
+              </a:spcAft>
+              <a:buClrTx/>
+              <a:buSzTx/>
+              <a:buFontTx/>
+              <a:buNone/>
+              <a:defRPr/>
+            </a:pPr>
+            <a:endParaRPr lang="en-US" altLang="zh-CN" dirty="0">
+              <a:solidFill>
+                <a:schemeClr val="bg1"/>
+              </a:solidFill>
+              <a:latin typeface="Arial" panose="020B0604020202020204" pitchFamily="34" charset="0"/>
+              <a:sym typeface="+mn-ea"/>
+            </a:endParaRPr>
+          </a:p>
+          <a:p>
+            <a:pPr marL="0" marR="0" lvl="0" indent="0" algn="l" defTabSz="914400" rtl="0" eaLnBrk="1" fontAlgn="auto" latinLnBrk="0" hangingPunct="1">
+              <a:lnSpc>
+                <a:spcPct val="100000"/>
+              </a:lnSpc>
+              <a:spcBef>
+                <a:spcPts val="0"/>
+              </a:spcBef>
+              <a:spcAft>
+                <a:spcPts val="0"/>
+              </a:spcAft>
+              <a:buClrTx/>
+              <a:buSzTx/>
+              <a:buFontTx/>
+              <a:buNone/>
+              <a:defRPr/>
+            </a:pPr>
+            <a:r>
+              <a:rPr lang="en-US" altLang="zh-CN" dirty="0">
+                <a:solidFill>
+                  <a:schemeClr val="bg1"/>
+                </a:solidFill>
+                <a:latin typeface="Arial" panose="020B0604020202020204" pitchFamily="34" charset="0"/>
+                <a:sym typeface="+mn-ea"/>
+              </a:rPr>
+              <a:t>Another research direction is to explode online recommender system approaches, one could be session-based recommender system which rely on the user’s most recent interactions rather than on the user’s historical preferences. </a:t>
+            </a:r>
+            <a:r>
+              <a:rPr lang="en-US" dirty="0">
+                <a:latin typeface="Arial" panose="020B0604020202020204" pitchFamily="34" charset="0"/>
+                <a:sym typeface="+mn-ea"/>
+              </a:rPr>
+              <a:t>Another one could be to utilize reinforcement learning to train the recommendation models based on the most recent user interactions, so the system could be updated synchronously to generate more accurate results. </a:t>
+            </a:r>
+            <a:endParaRPr lang="en-US" dirty="0">
+              <a:latin typeface="Arial" panose="020B0604020202020204" pitchFamily="34" charset="0"/>
+              <a:sym typeface="+mn-ea"/>
+            </a:endParaRPr>
+          </a:p>
+        </p:txBody>
+      </p:sp>
+    </p:spTree>
+  </p:cSld>
+  <p:clrMapOvr>
+    <a:masterClrMapping/>
+  </p:clrMapOvr>
+</p:notes>
+</file>
+
+<file path=ppt/notesSlides/notesSlide35.xml><?xml version="1.0" encoding="utf-8"?>
 <p:notes xmlns:a="http://schemas.openxmlformats.org/drawingml/2006/main" xmlns:r="http://schemas.openxmlformats.org/officeDocument/2006/relationships" xmlns:p="http://schemas.openxmlformats.org/presentationml/2006/main">
   <p:cSld>
     <p:spTree>
@@ -17811,14 +18574,15 @@
                 <a:ea typeface="宋体" panose="02010600030101010101" pitchFamily="2" charset="-122"/>
                 <a:cs typeface="Arial" panose="020B0604020202020204" pitchFamily="34" charset="0"/>
               </a:rPr>
-              <a:t>Outcomes</a:t>
+              <a:t>Conclusion</a:t>
             </a:r>
-            <a:endParaRPr lang="zh-CN" altLang="en-US" sz="1600" dirty="0">
+            <a:endParaRPr lang="en-US" altLang="zh-CN" sz="1600" dirty="0" smtClean="0">
               <a:solidFill>
                 <a:schemeClr val="bg1"/>
               </a:solidFill>
               <a:latin typeface="Arial" panose="020B0604020202020204" pitchFamily="34" charset="0"/>
-              <a:ea typeface="Arial" panose="020B0604020202020204" pitchFamily="34" charset="0"/>
+              <a:ea typeface="宋体" panose="02010600030101010101" pitchFamily="2" charset="-122"/>
+              <a:cs typeface="Arial" panose="020B0604020202020204" pitchFamily="34" charset="0"/>
             </a:endParaRPr>
           </a:p>
         </p:txBody>
@@ -33316,8 +34080,8 @@
         </p:blipFill>
         <p:spPr>
           <a:xfrm>
-            <a:off x="4266565" y="1181735"/>
-            <a:ext cx="3092450" cy="1083310"/>
+            <a:off x="4369435" y="1181735"/>
+            <a:ext cx="3012440" cy="1083310"/>
           </a:xfrm>
           <a:prstGeom prst="rect">
             <a:avLst/>
@@ -33343,7 +34107,7 @@
         <p:spPr>
           <a:xfrm>
             <a:off x="7573645" y="1254125"/>
-            <a:ext cx="2972435" cy="1010920"/>
+            <a:ext cx="2811145" cy="1010920"/>
           </a:xfrm>
           <a:prstGeom prst="rect">
             <a:avLst/>
@@ -33759,7 +34523,7 @@
               <a:rPr lang="en-US" dirty="0">
                 <a:latin typeface="Arial" panose="020B0604020202020204" pitchFamily="34" charset="0"/>
                 <a:cs typeface="Arial" panose="020B0604020202020204" pitchFamily="34" charset="0"/>
-                <a:hlinkClick r:id="rId1" tooltip="" action="ppaction://hlinkfile"/>
+                <a:hlinkClick r:id="rId1" action="ppaction://hlinkfile"/>
               </a:rPr>
               <a:t>https://data606project.pythonanywhere.com</a:t>
             </a:r>
@@ -33895,8 +34659,8 @@
         </p:nvSpPr>
         <p:spPr>
           <a:xfrm>
-            <a:off x="4649001" y="4916488"/>
-            <a:ext cx="2914650" cy="768350"/>
+            <a:off x="4493426" y="4916488"/>
+            <a:ext cx="3225800" cy="768350"/>
           </a:xfrm>
           <a:prstGeom prst="rect">
             <a:avLst/>
@@ -33922,14 +34686,15 @@
                 <a:ea typeface="宋体" panose="02010600030101010101" pitchFamily="2" charset="-122"/>
                 <a:cs typeface="Arial" panose="020B0604020202020204" pitchFamily="34" charset="0"/>
               </a:rPr>
-              <a:t>Outcomes</a:t>
+              <a:t>Conclusion</a:t>
             </a:r>
-            <a:endParaRPr lang="en-US" altLang="zh-CN" sz="4400" b="1" dirty="0">
+            <a:endParaRPr lang="en-US" altLang="zh-CN" sz="4400" b="1" dirty="0" smtClean="0">
               <a:solidFill>
                 <a:srgbClr val="262626"/>
               </a:solidFill>
               <a:latin typeface="Arial" panose="020B0604020202020204" pitchFamily="34" charset="0"/>
-              <a:ea typeface="Arial" panose="020B0604020202020204" pitchFamily="34" charset="0"/>
+              <a:ea typeface="宋体" panose="02010600030101010101" pitchFamily="2" charset="-122"/>
+              <a:cs typeface="Arial" panose="020B0604020202020204" pitchFamily="34" charset="0"/>
             </a:endParaRPr>
           </a:p>
         </p:txBody>
@@ -34213,8 +34978,8 @@
         </p:nvSpPr>
         <p:spPr>
           <a:xfrm>
-            <a:off x="7727950" y="1919288"/>
-            <a:ext cx="3778250" cy="738664"/>
+            <a:off x="7793355" y="1914208"/>
+            <a:ext cx="3778250" cy="737235"/>
           </a:xfrm>
           <a:prstGeom prst="rect">
             <a:avLst/>
@@ -34241,7 +35006,7 @@
                 <a:cs typeface="Arial" panose="020B0604020202020204" pitchFamily="34" charset="0"/>
                 <a:sym typeface="Calibri" panose="020F0502020204030204" charset="0"/>
               </a:rPr>
-              <a:t>Develop </a:t>
+              <a:t>Developed a </a:t>
             </a:r>
             <a:r>
               <a:rPr lang="en-US" altLang="zh-CN" sz="1400" dirty="0">
@@ -34249,7 +35014,7 @@
                 <a:cs typeface="Arial" panose="020B0604020202020204" pitchFamily="34" charset="0"/>
                 <a:sym typeface="Calibri" panose="020F0502020204030204" charset="0"/>
               </a:rPr>
-              <a:t>product recommender systems/models that can accurately predict customers' preferences</a:t>
+              <a:t>product recommender system that can accurately predict customers' preferences</a:t>
             </a:r>
             <a:endParaRPr lang="zh-CN" altLang="en-US" sz="1400" dirty="0">
               <a:latin typeface="Arial" panose="020B0604020202020204" pitchFamily="34" charset="0"/>
@@ -34314,8 +35079,8 @@
         </p:nvSpPr>
         <p:spPr>
           <a:xfrm>
-            <a:off x="7727950" y="2724150"/>
-            <a:ext cx="3778250" cy="523220"/>
+            <a:off x="7793355" y="2868930"/>
+            <a:ext cx="3778250" cy="521970"/>
           </a:xfrm>
           <a:prstGeom prst="rect">
             <a:avLst/>
@@ -34337,20 +35102,12 @@
               </a:buClr>
             </a:pPr>
             <a:r>
-              <a:rPr lang="en-US" altLang="zh-CN" sz="1400" dirty="0" smtClean="0">
-                <a:latin typeface="Arial" panose="020B0604020202020204" pitchFamily="34" charset="0"/>
-                <a:cs typeface="Arial" panose="020B0604020202020204" pitchFamily="34" charset="0"/>
-                <a:sym typeface="Calibri" panose="020F0502020204030204" charset="0"/>
-              </a:rPr>
-              <a:t>Identify </a:t>
-            </a:r>
-            <a:r>
               <a:rPr lang="en-US" altLang="zh-CN" sz="1400" dirty="0">
                 <a:latin typeface="Arial" panose="020B0604020202020204" pitchFamily="34" charset="0"/>
                 <a:cs typeface="Arial" panose="020B0604020202020204" pitchFamily="34" charset="0"/>
                 <a:sym typeface="Calibri" panose="020F0502020204030204" charset="0"/>
               </a:rPr>
-              <a:t>the most useful characteristics to promote certain products to customers</a:t>
+              <a:t>There is no optimal recommendation algorithm/method </a:t>
             </a:r>
             <a:endParaRPr lang="zh-CN" altLang="en-US" sz="1400" dirty="0">
               <a:latin typeface="Arial" panose="020B0604020202020204" pitchFamily="34" charset="0"/>
@@ -34369,7 +35126,7 @@
         <p:spPr>
           <a:xfrm>
             <a:off x="7793037" y="3576171"/>
-            <a:ext cx="3713163" cy="523220"/>
+            <a:ext cx="3713163" cy="737235"/>
           </a:xfrm>
           <a:prstGeom prst="rect">
             <a:avLst/>
@@ -34381,19 +35138,18 @@
           </a:bodyPr>
           <a:lstStyle/>
           <a:p>
+            <a:pPr>
+              <a:buClr>
+                <a:schemeClr val="accent1"/>
+              </a:buClr>
+            </a:pPr>
             <a:r>
-              <a:rPr lang="en-US" sz="1400" dirty="0" smtClean="0">
+              <a:rPr lang="en-US" altLang="zh-CN" sz="1400" dirty="0">
                 <a:latin typeface="Arial" panose="020B0604020202020204" pitchFamily="34" charset="0"/>
                 <a:cs typeface="Arial" panose="020B0604020202020204" pitchFamily="34" charset="0"/>
+                <a:sym typeface="Calibri" panose="020F0502020204030204" charset="0"/>
               </a:rPr>
-              <a:t>Understand </a:t>
-            </a:r>
-            <a:r>
-              <a:rPr lang="en-US" sz="1400" dirty="0">
-                <a:latin typeface="Arial" panose="020B0604020202020204" pitchFamily="34" charset="0"/>
-                <a:cs typeface="Arial" panose="020B0604020202020204" pitchFamily="34" charset="0"/>
-              </a:rPr>
-              <a:t>the role of text data in recommender systems</a:t>
+              <a:t>The most useful characteristics to promote certain products to customers are product description and review rating</a:t>
             </a:r>
             <a:endParaRPr lang="en-US" sz="1400" dirty="0">
               <a:latin typeface="Arial" panose="020B0604020202020204" pitchFamily="34" charset="0"/>
@@ -34411,7 +35167,7 @@
         <p:spPr>
           <a:xfrm>
             <a:off x="7793037" y="4356660"/>
-            <a:ext cx="3713163" cy="523220"/>
+            <a:ext cx="3713163" cy="521970"/>
           </a:xfrm>
           <a:prstGeom prst="rect">
             <a:avLst/>
@@ -34427,29 +35183,9 @@
               <a:rPr lang="en-US" sz="1400" dirty="0">
                 <a:latin typeface="Arial" panose="020B0604020202020204" pitchFamily="34" charset="0"/>
                 <a:cs typeface="Arial" panose="020B0604020202020204" pitchFamily="34" charset="0"/>
+                <a:sym typeface="+mn-ea"/>
               </a:rPr>
-              <a:t>Provide a website and </a:t>
-            </a:r>
-            <a:r>
-              <a:rPr lang="en-US" sz="1400" dirty="0" err="1" smtClean="0">
-                <a:latin typeface="Arial" panose="020B0604020202020204" pitchFamily="34" charset="0"/>
-                <a:cs typeface="Arial" panose="020B0604020202020204" pitchFamily="34" charset="0"/>
-              </a:rPr>
-              <a:t>Chatbot</a:t>
-            </a:r>
-            <a:r>
-              <a:rPr lang="en-US" sz="1400" dirty="0" smtClean="0">
-                <a:latin typeface="Arial" panose="020B0604020202020204" pitchFamily="34" charset="0"/>
-                <a:cs typeface="Arial" panose="020B0604020202020204" pitchFamily="34" charset="0"/>
-              </a:rPr>
-              <a:t> </a:t>
-            </a:r>
-            <a:r>
-              <a:rPr lang="en-US" sz="1400" dirty="0">
-                <a:latin typeface="Arial" panose="020B0604020202020204" pitchFamily="34" charset="0"/>
-                <a:cs typeface="Arial" panose="020B0604020202020204" pitchFamily="34" charset="0"/>
-              </a:rPr>
-              <a:t>to assist amazon users to make purchase decisions.</a:t>
+              <a:t>Textual data plays a significant role in recommender systems</a:t>
             </a:r>
             <a:endParaRPr lang="en-US" sz="1400" dirty="0">
               <a:latin typeface="Arial" panose="020B0604020202020204" pitchFamily="34" charset="0"/>
@@ -34554,7 +35290,7 @@
         <p:spPr>
           <a:xfrm>
             <a:off x="7793037" y="5215601"/>
-            <a:ext cx="3713163" cy="738664"/>
+            <a:ext cx="3713163" cy="521970"/>
           </a:xfrm>
           <a:prstGeom prst="rect">
             <a:avLst/>
@@ -34570,8 +35306,33 @@
               <a:rPr lang="en-US" sz="1400" dirty="0">
                 <a:latin typeface="Arial" panose="020B0604020202020204" pitchFamily="34" charset="0"/>
                 <a:cs typeface="Arial" panose="020B0604020202020204" pitchFamily="34" charset="0"/>
+                <a:sym typeface="+mn-ea"/>
               </a:rPr>
-              <a:t>Provide a comprehensive report of recommender systems for the business owners.</a:t>
+              <a:t>Provide a website and </a:t>
+            </a:r>
+            <a:r>
+              <a:rPr lang="en-US" sz="1400" dirty="0" err="1" smtClean="0">
+                <a:latin typeface="Arial" panose="020B0604020202020204" pitchFamily="34" charset="0"/>
+                <a:cs typeface="Arial" panose="020B0604020202020204" pitchFamily="34" charset="0"/>
+                <a:sym typeface="+mn-ea"/>
+              </a:rPr>
+              <a:t>Chatbot</a:t>
+            </a:r>
+            <a:r>
+              <a:rPr lang="en-US" sz="1400" dirty="0" smtClean="0">
+                <a:latin typeface="Arial" panose="020B0604020202020204" pitchFamily="34" charset="0"/>
+                <a:cs typeface="Arial" panose="020B0604020202020204" pitchFamily="34" charset="0"/>
+                <a:sym typeface="+mn-ea"/>
+              </a:rPr>
+              <a:t> </a:t>
+            </a:r>
+            <a:r>
+              <a:rPr lang="en-US" sz="1400" dirty="0">
+                <a:latin typeface="Arial" panose="020B0604020202020204" pitchFamily="34" charset="0"/>
+                <a:cs typeface="Arial" panose="020B0604020202020204" pitchFamily="34" charset="0"/>
+                <a:sym typeface="+mn-ea"/>
+              </a:rPr>
+              <a:t>to assist amazon users to make purchase decisions.</a:t>
             </a:r>
             <a:endParaRPr lang="en-US" sz="1400" dirty="0">
               <a:latin typeface="Arial" panose="020B0604020202020204" pitchFamily="34" charset="0"/>
@@ -34599,6 +35360,1834 @@
 </file>
 
 <file path=ppt/slides/slide46.xml><?xml version="1.0" encoding="utf-8"?>
+<p:sld xmlns:a="http://schemas.openxmlformats.org/drawingml/2006/main" xmlns:r="http://schemas.openxmlformats.org/officeDocument/2006/relationships" xmlns:p="http://schemas.openxmlformats.org/presentationml/2006/main">
+  <p:cSld>
+    <p:spTree>
+      <p:nvGrpSpPr>
+        <p:cNvPr id="1" name=""/>
+        <p:cNvGrpSpPr/>
+        <p:nvPr/>
+      </p:nvGrpSpPr>
+      <p:grpSpPr>
+        <a:xfrm>
+          <a:off x="0" y="0"/>
+          <a:ext cx="0" cy="0"/>
+          <a:chOff x="0" y="0"/>
+          <a:chExt cx="0" cy="0"/>
+        </a:xfrm>
+      </p:grpSpPr>
+      <p:sp>
+        <p:nvSpPr>
+          <p:cNvPr id="23" name="文本框 48"/>
+          <p:cNvSpPr txBox="1"/>
+          <p:nvPr/>
+        </p:nvSpPr>
+        <p:spPr>
+          <a:xfrm>
+            <a:off x="266303" y="283984"/>
+            <a:ext cx="9473407" cy="706755"/>
+          </a:xfrm>
+          <a:prstGeom prst="rect">
+            <a:avLst/>
+          </a:prstGeom>
+          <a:solidFill>
+            <a:schemeClr val="bg1"/>
+          </a:solidFill>
+          <a:ln w="9525">
+            <a:noFill/>
+          </a:ln>
+        </p:spPr>
+        <p:txBody>
+          <a:bodyPr wrap="square" anchor="t" anchorCtr="0">
+            <a:spAutoFit/>
+          </a:bodyPr>
+          <a:lstStyle/>
+          <a:p>
+            <a:r>
+              <a:rPr lang="en-US" altLang="zh-CN" sz="4000" dirty="0" smtClean="0">
+                <a:solidFill>
+                  <a:srgbClr val="141214"/>
+                </a:solidFill>
+                <a:latin typeface="Arial" panose="020B0604020202020204" pitchFamily="34" charset="0"/>
+                <a:cs typeface="Arial" panose="020B0604020202020204" pitchFamily="34" charset="0"/>
+              </a:rPr>
+              <a:t>Limitation</a:t>
+            </a:r>
+            <a:endParaRPr lang="en-US" altLang="zh-CN" sz="4000" dirty="0">
+              <a:solidFill>
+                <a:srgbClr val="141214"/>
+              </a:solidFill>
+              <a:latin typeface="Arial" panose="020B0604020202020204" pitchFamily="34" charset="0"/>
+              <a:cs typeface="Arial" panose="020B0604020202020204" pitchFamily="34" charset="0"/>
+            </a:endParaRPr>
+          </a:p>
+        </p:txBody>
+      </p:sp>
+      <p:pic>
+        <p:nvPicPr>
+          <p:cNvPr id="100" name="Picture 99"/>
+          <p:cNvPicPr/>
+          <p:nvPr/>
+        </p:nvPicPr>
+        <p:blipFill>
+          <a:blip r:embed="rId1"/>
+          <a:stretch>
+            <a:fillRect/>
+          </a:stretch>
+        </p:blipFill>
+        <p:spPr>
+          <a:xfrm>
+            <a:off x="8345170" y="2034540"/>
+            <a:ext cx="3444875" cy="2730500"/>
+          </a:xfrm>
+          <a:prstGeom prst="rect">
+            <a:avLst/>
+          </a:prstGeom>
+          <a:noFill/>
+          <a:ln w="9525">
+            <a:noFill/>
+          </a:ln>
+        </p:spPr>
+      </p:pic>
+      <p:grpSp>
+        <p:nvGrpSpPr>
+          <p:cNvPr id="6" name="组合 1"/>
+          <p:cNvGrpSpPr/>
+          <p:nvPr/>
+        </p:nvGrpSpPr>
+        <p:grpSpPr>
+          <a:xfrm>
+            <a:off x="885825" y="1997710"/>
+            <a:ext cx="7237730" cy="798195"/>
+            <a:chOff x="0" y="6227623"/>
+            <a:chExt cx="12192000" cy="630377"/>
+          </a:xfrm>
+        </p:grpSpPr>
+        <p:sp>
+          <p:nvSpPr>
+            <p:cNvPr id="2" name="矩形 6"/>
+            <p:cNvSpPr/>
+            <p:nvPr/>
+          </p:nvSpPr>
+          <p:spPr>
+            <a:xfrm>
+              <a:off x="0" y="6256185"/>
+              <a:ext cx="12192000" cy="601815"/>
+            </a:xfrm>
+            <a:prstGeom prst="rect">
+              <a:avLst/>
+            </a:prstGeom>
+            <a:solidFill>
+              <a:srgbClr val="F5A61C"/>
+            </a:solidFill>
+            <a:ln>
+              <a:noFill/>
+            </a:ln>
+          </p:spPr>
+          <p:style>
+            <a:lnRef idx="2">
+              <a:schemeClr val="accent1">
+                <a:shade val="50000"/>
+              </a:schemeClr>
+            </a:lnRef>
+            <a:fillRef idx="1">
+              <a:schemeClr val="accent1"/>
+            </a:fillRef>
+            <a:effectRef idx="0">
+              <a:schemeClr val="accent1"/>
+            </a:effectRef>
+            <a:fontRef idx="minor">
+              <a:schemeClr val="lt1"/>
+            </a:fontRef>
+          </p:style>
+          <p:txBody>
+            <a:bodyPr rtlCol="0" anchor="ctr"/>
+            <a:p>
+              <a:pPr algn="ctr" fontAlgn="auto"/>
+              <a:endParaRPr lang="zh-CN" altLang="en-US" strike="noStrike" noProof="1"/>
+            </a:p>
+          </p:txBody>
+        </p:sp>
+        <p:sp>
+          <p:nvSpPr>
+            <p:cNvPr id="8" name="矩形 7"/>
+            <p:cNvSpPr/>
+            <p:nvPr/>
+          </p:nvSpPr>
+          <p:spPr>
+            <a:xfrm>
+              <a:off x="0" y="6227623"/>
+              <a:ext cx="12192000" cy="28562"/>
+            </a:xfrm>
+            <a:prstGeom prst="rect">
+              <a:avLst/>
+            </a:prstGeom>
+            <a:solidFill>
+              <a:schemeClr val="tx1">
+                <a:lumMod val="75000"/>
+                <a:lumOff val="25000"/>
+              </a:schemeClr>
+            </a:solidFill>
+            <a:ln>
+              <a:noFill/>
+            </a:ln>
+          </p:spPr>
+          <p:style>
+            <a:lnRef idx="2">
+              <a:schemeClr val="accent1">
+                <a:shade val="50000"/>
+              </a:schemeClr>
+            </a:lnRef>
+            <a:fillRef idx="1">
+              <a:schemeClr val="accent1"/>
+            </a:fillRef>
+            <a:effectRef idx="0">
+              <a:schemeClr val="accent1"/>
+            </a:effectRef>
+            <a:fontRef idx="minor">
+              <a:schemeClr val="lt1"/>
+            </a:fontRef>
+          </p:style>
+          <p:txBody>
+            <a:bodyPr rtlCol="0" anchor="ctr"/>
+            <a:p>
+              <a:pPr algn="ctr" fontAlgn="auto"/>
+              <a:endParaRPr lang="zh-CN" altLang="en-US" strike="noStrike" noProof="1"/>
+            </a:p>
+          </p:txBody>
+        </p:sp>
+      </p:grpSp>
+      <p:sp>
+        <p:nvSpPr>
+          <p:cNvPr id="9" name="TextBox 15"/>
+          <p:cNvSpPr txBox="1"/>
+          <p:nvPr/>
+        </p:nvSpPr>
+        <p:spPr>
+          <a:xfrm>
+            <a:off x="1104265" y="2240280"/>
+            <a:ext cx="6513195" cy="368300"/>
+          </a:xfrm>
+          <a:prstGeom prst="rect">
+            <a:avLst/>
+          </a:prstGeom>
+          <a:noFill/>
+          <a:ln w="9525">
+            <a:noFill/>
+          </a:ln>
+        </p:spPr>
+        <p:txBody>
+          <a:bodyPr wrap="square" anchor="t" anchorCtr="0">
+            <a:spAutoFit/>
+          </a:bodyPr>
+          <a:p>
+            <a:pPr>
+              <a:spcBef>
+                <a:spcPts val="0"/>
+              </a:spcBef>
+            </a:pPr>
+            <a:r>
+              <a:rPr lang="en-US" dirty="0">
+                <a:latin typeface="Arial" panose="020B0604020202020204" pitchFamily="34" charset="0"/>
+                <a:cs typeface="Arial" panose="020B0604020202020204" pitchFamily="34" charset="0"/>
+              </a:rPr>
+              <a:t>The data used for this project is a subset of the original data</a:t>
+            </a:r>
+            <a:endParaRPr lang="en-US" dirty="0">
+              <a:latin typeface="Arial" panose="020B0604020202020204" pitchFamily="34" charset="0"/>
+              <a:cs typeface="Arial" panose="020B0604020202020204" pitchFamily="34" charset="0"/>
+            </a:endParaRPr>
+          </a:p>
+        </p:txBody>
+      </p:sp>
+      <p:grpSp>
+        <p:nvGrpSpPr>
+          <p:cNvPr id="10" name="组合 8"/>
+          <p:cNvGrpSpPr/>
+          <p:nvPr/>
+        </p:nvGrpSpPr>
+        <p:grpSpPr>
+          <a:xfrm>
+            <a:off x="885825" y="3033395"/>
+            <a:ext cx="7237730" cy="799465"/>
+            <a:chOff x="0" y="6227623"/>
+            <a:chExt cx="12192000" cy="312767"/>
+          </a:xfrm>
+        </p:grpSpPr>
+        <p:sp>
+          <p:nvSpPr>
+            <p:cNvPr id="11" name="矩形 10"/>
+            <p:cNvSpPr/>
+            <p:nvPr/>
+          </p:nvSpPr>
+          <p:spPr>
+            <a:xfrm>
+              <a:off x="0" y="6256185"/>
+              <a:ext cx="12192000" cy="284205"/>
+            </a:xfrm>
+            <a:prstGeom prst="rect">
+              <a:avLst/>
+            </a:prstGeom>
+            <a:solidFill>
+              <a:schemeClr val="tx1">
+                <a:lumMod val="75000"/>
+                <a:lumOff val="25000"/>
+              </a:schemeClr>
+            </a:solidFill>
+            <a:ln>
+              <a:noFill/>
+            </a:ln>
+          </p:spPr>
+          <p:style>
+            <a:lnRef idx="2">
+              <a:schemeClr val="accent1">
+                <a:shade val="50000"/>
+              </a:schemeClr>
+            </a:lnRef>
+            <a:fillRef idx="1">
+              <a:schemeClr val="accent1"/>
+            </a:fillRef>
+            <a:effectRef idx="0">
+              <a:schemeClr val="accent1"/>
+            </a:effectRef>
+            <a:fontRef idx="minor">
+              <a:schemeClr val="lt1"/>
+            </a:fontRef>
+          </p:style>
+          <p:txBody>
+            <a:bodyPr rtlCol="0" anchor="ctr"/>
+            <a:p>
+              <a:pPr algn="ctr" fontAlgn="auto"/>
+              <a:endParaRPr lang="zh-CN" altLang="en-US" strike="noStrike" noProof="1"/>
+            </a:p>
+          </p:txBody>
+        </p:sp>
+        <p:sp>
+          <p:nvSpPr>
+            <p:cNvPr id="12" name="矩形 11"/>
+            <p:cNvSpPr/>
+            <p:nvPr/>
+          </p:nvSpPr>
+          <p:spPr>
+            <a:xfrm>
+              <a:off x="0" y="6227623"/>
+              <a:ext cx="12192000" cy="28562"/>
+            </a:xfrm>
+            <a:prstGeom prst="rect">
+              <a:avLst/>
+            </a:prstGeom>
+            <a:solidFill>
+              <a:srgbClr val="F5A61C"/>
+            </a:solidFill>
+            <a:ln>
+              <a:noFill/>
+            </a:ln>
+          </p:spPr>
+          <p:style>
+            <a:lnRef idx="2">
+              <a:schemeClr val="accent1">
+                <a:shade val="50000"/>
+              </a:schemeClr>
+            </a:lnRef>
+            <a:fillRef idx="1">
+              <a:schemeClr val="accent1"/>
+            </a:fillRef>
+            <a:effectRef idx="0">
+              <a:schemeClr val="accent1"/>
+            </a:effectRef>
+            <a:fontRef idx="minor">
+              <a:schemeClr val="lt1"/>
+            </a:fontRef>
+          </p:style>
+          <p:txBody>
+            <a:bodyPr rtlCol="0" anchor="ctr"/>
+            <a:p>
+              <a:pPr algn="ctr" fontAlgn="auto"/>
+              <a:endParaRPr lang="zh-CN" altLang="en-US" strike="noStrike" noProof="1"/>
+            </a:p>
+          </p:txBody>
+        </p:sp>
+      </p:grpSp>
+      <p:sp>
+        <p:nvSpPr>
+          <p:cNvPr id="13" name="TextBox 15"/>
+          <p:cNvSpPr txBox="1"/>
+          <p:nvPr/>
+        </p:nvSpPr>
+        <p:spPr>
+          <a:xfrm>
+            <a:off x="1214120" y="3216910"/>
+            <a:ext cx="6436360" cy="506730"/>
+          </a:xfrm>
+          <a:prstGeom prst="rect">
+            <a:avLst/>
+          </a:prstGeom>
+          <a:noFill/>
+          <a:ln w="9525">
+            <a:noFill/>
+          </a:ln>
+        </p:spPr>
+        <p:txBody>
+          <a:bodyPr wrap="square" anchor="t" anchorCtr="0">
+            <a:spAutoFit/>
+          </a:bodyPr>
+          <a:p>
+            <a:pPr>
+              <a:lnSpc>
+                <a:spcPct val="150000"/>
+              </a:lnSpc>
+            </a:pPr>
+            <a:r>
+              <a:rPr lang="en-US" altLang="zh-CN" dirty="0">
+                <a:solidFill>
+                  <a:schemeClr val="bg1"/>
+                </a:solidFill>
+                <a:latin typeface="Arial" panose="020B0604020202020204" pitchFamily="34" charset="0"/>
+                <a:cs typeface="Arial" panose="020B0604020202020204" pitchFamily="34" charset="0"/>
+              </a:rPr>
+              <a:t>The deployed models are not optimal</a:t>
+            </a:r>
+            <a:endParaRPr lang="en-US" altLang="zh-CN" dirty="0">
+              <a:solidFill>
+                <a:schemeClr val="bg1"/>
+              </a:solidFill>
+              <a:latin typeface="Arial" panose="020B0604020202020204" pitchFamily="34" charset="0"/>
+              <a:cs typeface="Arial" panose="020B0604020202020204" pitchFamily="34" charset="0"/>
+            </a:endParaRPr>
+          </a:p>
+        </p:txBody>
+      </p:sp>
+      <p:grpSp>
+        <p:nvGrpSpPr>
+          <p:cNvPr id="16" name="组合 1"/>
+          <p:cNvGrpSpPr/>
+          <p:nvPr/>
+        </p:nvGrpSpPr>
+        <p:grpSpPr>
+          <a:xfrm>
+            <a:off x="877570" y="4069715"/>
+            <a:ext cx="7237730" cy="795020"/>
+            <a:chOff x="0" y="6227623"/>
+            <a:chExt cx="12192000" cy="630377"/>
+          </a:xfrm>
+        </p:grpSpPr>
+        <p:sp>
+          <p:nvSpPr>
+            <p:cNvPr id="17" name="矩形 16"/>
+            <p:cNvSpPr/>
+            <p:nvPr/>
+          </p:nvSpPr>
+          <p:spPr>
+            <a:xfrm>
+              <a:off x="0" y="6256185"/>
+              <a:ext cx="12192000" cy="601815"/>
+            </a:xfrm>
+            <a:prstGeom prst="rect">
+              <a:avLst/>
+            </a:prstGeom>
+            <a:solidFill>
+              <a:srgbClr val="F5A61C"/>
+            </a:solidFill>
+            <a:ln>
+              <a:noFill/>
+            </a:ln>
+          </p:spPr>
+          <p:style>
+            <a:lnRef idx="2">
+              <a:schemeClr val="accent1">
+                <a:shade val="50000"/>
+              </a:schemeClr>
+            </a:lnRef>
+            <a:fillRef idx="1">
+              <a:schemeClr val="accent1"/>
+            </a:fillRef>
+            <a:effectRef idx="0">
+              <a:schemeClr val="accent1"/>
+            </a:effectRef>
+            <a:fontRef idx="minor">
+              <a:schemeClr val="lt1"/>
+            </a:fontRef>
+          </p:style>
+          <p:txBody>
+            <a:bodyPr rtlCol="0" anchor="ctr"/>
+            <a:p>
+              <a:pPr algn="ctr" fontAlgn="auto"/>
+              <a:endParaRPr lang="zh-CN" altLang="en-US" strike="noStrike" noProof="1"/>
+            </a:p>
+          </p:txBody>
+        </p:sp>
+        <p:sp>
+          <p:nvSpPr>
+            <p:cNvPr id="4" name="矩形 17"/>
+            <p:cNvSpPr/>
+            <p:nvPr/>
+          </p:nvSpPr>
+          <p:spPr>
+            <a:xfrm>
+              <a:off x="0" y="6227623"/>
+              <a:ext cx="12192000" cy="28562"/>
+            </a:xfrm>
+            <a:prstGeom prst="rect">
+              <a:avLst/>
+            </a:prstGeom>
+            <a:solidFill>
+              <a:schemeClr val="tx1">
+                <a:lumMod val="75000"/>
+                <a:lumOff val="25000"/>
+              </a:schemeClr>
+            </a:solidFill>
+            <a:ln>
+              <a:noFill/>
+            </a:ln>
+          </p:spPr>
+          <p:style>
+            <a:lnRef idx="2">
+              <a:schemeClr val="accent1">
+                <a:shade val="50000"/>
+              </a:schemeClr>
+            </a:lnRef>
+            <a:fillRef idx="1">
+              <a:schemeClr val="accent1"/>
+            </a:fillRef>
+            <a:effectRef idx="0">
+              <a:schemeClr val="accent1"/>
+            </a:effectRef>
+            <a:fontRef idx="minor">
+              <a:schemeClr val="lt1"/>
+            </a:fontRef>
+          </p:style>
+          <p:txBody>
+            <a:bodyPr rtlCol="0" anchor="ctr"/>
+            <a:p>
+              <a:pPr algn="ctr" fontAlgn="auto"/>
+              <a:endParaRPr lang="zh-CN" altLang="en-US" strike="noStrike" noProof="1"/>
+            </a:p>
+          </p:txBody>
+        </p:sp>
+      </p:grpSp>
+      <p:sp>
+        <p:nvSpPr>
+          <p:cNvPr id="5" name="TextBox 15"/>
+          <p:cNvSpPr txBox="1"/>
+          <p:nvPr/>
+        </p:nvSpPr>
+        <p:spPr>
+          <a:xfrm>
+            <a:off x="1214120" y="4256405"/>
+            <a:ext cx="6370320" cy="368300"/>
+          </a:xfrm>
+          <a:prstGeom prst="rect">
+            <a:avLst/>
+          </a:prstGeom>
+          <a:noFill/>
+          <a:ln w="9525">
+            <a:noFill/>
+          </a:ln>
+        </p:spPr>
+        <p:txBody>
+          <a:bodyPr wrap="square" anchor="t" anchorCtr="0">
+            <a:spAutoFit/>
+          </a:bodyPr>
+          <a:p>
+            <a:pPr>
+              <a:spcBef>
+                <a:spcPts val="0"/>
+              </a:spcBef>
+            </a:pPr>
+            <a:r>
+              <a:rPr lang="en-US" dirty="0">
+                <a:latin typeface="Arial" panose="020B0604020202020204" pitchFamily="34" charset="0"/>
+                <a:cs typeface="Arial" panose="020B0604020202020204" pitchFamily="34" charset="0"/>
+              </a:rPr>
+              <a:t>Offline Recommender System</a:t>
+            </a:r>
+            <a:endParaRPr lang="en-US" dirty="0">
+              <a:latin typeface="Arial" panose="020B0604020202020204" pitchFamily="34" charset="0"/>
+              <a:cs typeface="Arial" panose="020B0604020202020204" pitchFamily="34" charset="0"/>
+            </a:endParaRPr>
+          </a:p>
+        </p:txBody>
+      </p:sp>
+    </p:spTree>
+  </p:cSld>
+  <p:clrMapOvr>
+    <a:masterClrMapping/>
+  </p:clrMapOvr>
+  <p:transition spd="med">
+    <p:fade/>
+  </p:transition>
+  <p:timing>
+    <p:tnLst>
+      <p:par>
+        <p:cTn id="1" dur="indefinite" restart="never" nodeType="tmRoot"/>
+      </p:par>
+    </p:tnLst>
+  </p:timing>
+</p:sld>
+</file>
+
+<file path=ppt/slides/slide47.xml><?xml version="1.0" encoding="utf-8"?>
+<p:sld xmlns:a="http://schemas.openxmlformats.org/drawingml/2006/main" xmlns:r="http://schemas.openxmlformats.org/officeDocument/2006/relationships" xmlns:p="http://schemas.openxmlformats.org/presentationml/2006/main">
+  <p:cSld>
+    <p:spTree>
+      <p:nvGrpSpPr>
+        <p:cNvPr id="1" name=""/>
+        <p:cNvGrpSpPr/>
+        <p:nvPr/>
+      </p:nvGrpSpPr>
+      <p:grpSpPr>
+        <a:xfrm>
+          <a:off x="0" y="0"/>
+          <a:ext cx="0" cy="0"/>
+          <a:chOff x="0" y="0"/>
+          <a:chExt cx="0" cy="0"/>
+        </a:xfrm>
+      </p:grpSpPr>
+      <p:sp>
+        <p:nvSpPr>
+          <p:cNvPr id="23" name="文本框 48"/>
+          <p:cNvSpPr txBox="1"/>
+          <p:nvPr/>
+        </p:nvSpPr>
+        <p:spPr>
+          <a:xfrm>
+            <a:off x="266303" y="283984"/>
+            <a:ext cx="9473407" cy="706755"/>
+          </a:xfrm>
+          <a:prstGeom prst="rect">
+            <a:avLst/>
+          </a:prstGeom>
+          <a:solidFill>
+            <a:schemeClr val="bg1"/>
+          </a:solidFill>
+          <a:ln w="9525">
+            <a:noFill/>
+          </a:ln>
+        </p:spPr>
+        <p:txBody>
+          <a:bodyPr wrap="square" anchor="t" anchorCtr="0">
+            <a:spAutoFit/>
+          </a:bodyPr>
+          <a:lstStyle/>
+          <a:p>
+            <a:r>
+              <a:rPr lang="en-US" altLang="zh-CN" sz="4000" dirty="0" smtClean="0">
+                <a:solidFill>
+                  <a:srgbClr val="141214"/>
+                </a:solidFill>
+                <a:latin typeface="Arial" panose="020B0604020202020204" pitchFamily="34" charset="0"/>
+                <a:cs typeface="Arial" panose="020B0604020202020204" pitchFamily="34" charset="0"/>
+              </a:rPr>
+              <a:t>Future Research</a:t>
+            </a:r>
+            <a:endParaRPr lang="en-US" altLang="zh-CN" sz="4000" dirty="0" smtClean="0">
+              <a:solidFill>
+                <a:srgbClr val="141214"/>
+              </a:solidFill>
+              <a:latin typeface="Arial" panose="020B0604020202020204" pitchFamily="34" charset="0"/>
+              <a:cs typeface="Arial" panose="020B0604020202020204" pitchFamily="34" charset="0"/>
+            </a:endParaRPr>
+          </a:p>
+        </p:txBody>
+      </p:sp>
+      <p:pic>
+        <p:nvPicPr>
+          <p:cNvPr id="101" name="Picture 100"/>
+          <p:cNvPicPr/>
+          <p:nvPr/>
+        </p:nvPicPr>
+        <p:blipFill>
+          <a:blip r:embed="rId1"/>
+          <a:stretch>
+            <a:fillRect/>
+          </a:stretch>
+        </p:blipFill>
+        <p:spPr>
+          <a:xfrm>
+            <a:off x="432435" y="1360170"/>
+            <a:ext cx="5612765" cy="4415155"/>
+          </a:xfrm>
+          <a:prstGeom prst="rect">
+            <a:avLst/>
+          </a:prstGeom>
+          <a:noFill/>
+          <a:ln w="9525">
+            <a:noFill/>
+          </a:ln>
+        </p:spPr>
+      </p:pic>
+      <p:sp>
+        <p:nvSpPr>
+          <p:cNvPr id="4" name="任意多边形 3"/>
+          <p:cNvSpPr/>
+          <p:nvPr/>
+        </p:nvSpPr>
+        <p:spPr>
+          <a:xfrm>
+            <a:off x="6233795" y="3411220"/>
+            <a:ext cx="5408930" cy="932815"/>
+          </a:xfrm>
+          <a:custGeom>
+            <a:avLst/>
+            <a:gdLst>
+              <a:gd name="connsiteX0" fmla="*/ 0 w 11343473"/>
+              <a:gd name="connsiteY0" fmla="*/ 151755 h 1517550"/>
+              <a:gd name="connsiteX1" fmla="*/ 151755 w 11343473"/>
+              <a:gd name="connsiteY1" fmla="*/ 0 h 1517550"/>
+              <a:gd name="connsiteX2" fmla="*/ 11191718 w 11343473"/>
+              <a:gd name="connsiteY2" fmla="*/ 0 h 1517550"/>
+              <a:gd name="connsiteX3" fmla="*/ 11343473 w 11343473"/>
+              <a:gd name="connsiteY3" fmla="*/ 151755 h 1517550"/>
+              <a:gd name="connsiteX4" fmla="*/ 11343473 w 11343473"/>
+              <a:gd name="connsiteY4" fmla="*/ 1365795 h 1517550"/>
+              <a:gd name="connsiteX5" fmla="*/ 11191718 w 11343473"/>
+              <a:gd name="connsiteY5" fmla="*/ 1517550 h 1517550"/>
+              <a:gd name="connsiteX6" fmla="*/ 151755 w 11343473"/>
+              <a:gd name="connsiteY6" fmla="*/ 1517550 h 1517550"/>
+              <a:gd name="connsiteX7" fmla="*/ 0 w 11343473"/>
+              <a:gd name="connsiteY7" fmla="*/ 1365795 h 1517550"/>
+              <a:gd name="connsiteX8" fmla="*/ 0 w 11343473"/>
+              <a:gd name="connsiteY8" fmla="*/ 151755 h 1517550"/>
+            </a:gdLst>
+            <a:ahLst/>
+            <a:cxnLst>
+              <a:cxn ang="0">
+                <a:pos x="connsiteX0" y="connsiteY0"/>
+              </a:cxn>
+              <a:cxn ang="0">
+                <a:pos x="connsiteX1" y="connsiteY1"/>
+              </a:cxn>
+              <a:cxn ang="0">
+                <a:pos x="connsiteX2" y="connsiteY2"/>
+              </a:cxn>
+              <a:cxn ang="0">
+                <a:pos x="connsiteX3" y="connsiteY3"/>
+              </a:cxn>
+              <a:cxn ang="0">
+                <a:pos x="connsiteX4" y="connsiteY4"/>
+              </a:cxn>
+              <a:cxn ang="0">
+                <a:pos x="connsiteX5" y="connsiteY5"/>
+              </a:cxn>
+              <a:cxn ang="0">
+                <a:pos x="connsiteX6" y="connsiteY6"/>
+              </a:cxn>
+              <a:cxn ang="0">
+                <a:pos x="connsiteX7" y="connsiteY7"/>
+              </a:cxn>
+              <a:cxn ang="0">
+                <a:pos x="connsiteX8" y="connsiteY8"/>
+              </a:cxn>
+            </a:cxnLst>
+            <a:rect l="l" t="t" r="r" b="b"/>
+            <a:pathLst>
+              <a:path w="11343473" h="1517550">
+                <a:moveTo>
+                  <a:pt x="0" y="151755"/>
+                </a:moveTo>
+                <a:cubicBezTo>
+                  <a:pt x="0" y="67943"/>
+                  <a:pt x="67943" y="0"/>
+                  <a:pt x="151755" y="0"/>
+                </a:cubicBezTo>
+                <a:lnTo>
+                  <a:pt x="11191718" y="0"/>
+                </a:lnTo>
+                <a:cubicBezTo>
+                  <a:pt x="11275530" y="0"/>
+                  <a:pt x="11343473" y="67943"/>
+                  <a:pt x="11343473" y="151755"/>
+                </a:cubicBezTo>
+                <a:lnTo>
+                  <a:pt x="11343473" y="1365795"/>
+                </a:lnTo>
+                <a:cubicBezTo>
+                  <a:pt x="11343473" y="1449607"/>
+                  <a:pt x="11275530" y="1517550"/>
+                  <a:pt x="11191718" y="1517550"/>
+                </a:cubicBezTo>
+                <a:lnTo>
+                  <a:pt x="151755" y="1517550"/>
+                </a:lnTo>
+                <a:cubicBezTo>
+                  <a:pt x="67943" y="1517550"/>
+                  <a:pt x="0" y="1449607"/>
+                  <a:pt x="0" y="1365795"/>
+                </a:cubicBezTo>
+                <a:lnTo>
+                  <a:pt x="0" y="151755"/>
+                </a:lnTo>
+                <a:close/>
+              </a:path>
+            </a:pathLst>
+          </a:custGeom>
+          <a:solidFill>
+            <a:srgbClr val="F5A61C"/>
+          </a:solidFill>
+        </p:spPr>
+        <p:style>
+          <a:lnRef idx="0">
+            <a:schemeClr val="dk1">
+              <a:hueOff val="0"/>
+              <a:satOff val="0"/>
+              <a:lumOff val="0"/>
+              <a:alphaOff val="0"/>
+            </a:schemeClr>
+          </a:lnRef>
+          <a:fillRef idx="1">
+            <a:schemeClr val="accent2">
+              <a:tint val="40000"/>
+              <a:hueOff val="0"/>
+              <a:satOff val="0"/>
+              <a:lumOff val="0"/>
+              <a:alphaOff val="0"/>
+            </a:schemeClr>
+          </a:fillRef>
+          <a:effectRef idx="0">
+            <a:schemeClr val="accent2">
+              <a:tint val="40000"/>
+              <a:hueOff val="0"/>
+              <a:satOff val="0"/>
+              <a:lumOff val="0"/>
+              <a:alphaOff val="0"/>
+            </a:schemeClr>
+          </a:effectRef>
+          <a:fontRef idx="minor">
+            <a:schemeClr val="dk1">
+              <a:hueOff val="0"/>
+              <a:satOff val="0"/>
+              <a:lumOff val="0"/>
+              <a:alphaOff val="0"/>
+            </a:schemeClr>
+          </a:fontRef>
+        </p:style>
+        <p:txBody>
+          <a:bodyPr spcFirstLastPara="0" vert="horz" wrap="square" lIns="369824" tIns="369824" rIns="8310256" bIns="369824" numCol="1" spcCol="1270" anchor="ctr" anchorCtr="0">
+            <a:noAutofit/>
+          </a:bodyPr>
+          <a:p>
+            <a:pPr lvl="0" algn="ctr" defTabSz="2311400" fontAlgn="auto">
+              <a:lnSpc>
+                <a:spcPct val="90000"/>
+              </a:lnSpc>
+              <a:spcBef>
+                <a:spcPct val="0"/>
+              </a:spcBef>
+              <a:spcAft>
+                <a:spcPct val="35000"/>
+              </a:spcAft>
+            </a:pPr>
+            <a:endParaRPr lang="zh-CN" altLang="en-US" sz="5200" strike="noStrike" kern="1200" noProof="1"/>
+          </a:p>
+        </p:txBody>
+      </p:sp>
+      <p:sp>
+        <p:nvSpPr>
+          <p:cNvPr id="5" name="任意多边形 4"/>
+          <p:cNvSpPr/>
+          <p:nvPr/>
+        </p:nvSpPr>
+        <p:spPr>
+          <a:xfrm>
+            <a:off x="6233160" y="2155825"/>
+            <a:ext cx="5409565" cy="923290"/>
+          </a:xfrm>
+          <a:custGeom>
+            <a:avLst/>
+            <a:gdLst>
+              <a:gd name="connsiteX0" fmla="*/ 0 w 11343473"/>
+              <a:gd name="connsiteY0" fmla="*/ 151755 h 1517550"/>
+              <a:gd name="connsiteX1" fmla="*/ 151755 w 11343473"/>
+              <a:gd name="connsiteY1" fmla="*/ 0 h 1517550"/>
+              <a:gd name="connsiteX2" fmla="*/ 11191718 w 11343473"/>
+              <a:gd name="connsiteY2" fmla="*/ 0 h 1517550"/>
+              <a:gd name="connsiteX3" fmla="*/ 11343473 w 11343473"/>
+              <a:gd name="connsiteY3" fmla="*/ 151755 h 1517550"/>
+              <a:gd name="connsiteX4" fmla="*/ 11343473 w 11343473"/>
+              <a:gd name="connsiteY4" fmla="*/ 1365795 h 1517550"/>
+              <a:gd name="connsiteX5" fmla="*/ 11191718 w 11343473"/>
+              <a:gd name="connsiteY5" fmla="*/ 1517550 h 1517550"/>
+              <a:gd name="connsiteX6" fmla="*/ 151755 w 11343473"/>
+              <a:gd name="connsiteY6" fmla="*/ 1517550 h 1517550"/>
+              <a:gd name="connsiteX7" fmla="*/ 0 w 11343473"/>
+              <a:gd name="connsiteY7" fmla="*/ 1365795 h 1517550"/>
+              <a:gd name="connsiteX8" fmla="*/ 0 w 11343473"/>
+              <a:gd name="connsiteY8" fmla="*/ 151755 h 1517550"/>
+            </a:gdLst>
+            <a:ahLst/>
+            <a:cxnLst>
+              <a:cxn ang="0">
+                <a:pos x="connsiteX0" y="connsiteY0"/>
+              </a:cxn>
+              <a:cxn ang="0">
+                <a:pos x="connsiteX1" y="connsiteY1"/>
+              </a:cxn>
+              <a:cxn ang="0">
+                <a:pos x="connsiteX2" y="connsiteY2"/>
+              </a:cxn>
+              <a:cxn ang="0">
+                <a:pos x="connsiteX3" y="connsiteY3"/>
+              </a:cxn>
+              <a:cxn ang="0">
+                <a:pos x="connsiteX4" y="connsiteY4"/>
+              </a:cxn>
+              <a:cxn ang="0">
+                <a:pos x="connsiteX5" y="connsiteY5"/>
+              </a:cxn>
+              <a:cxn ang="0">
+                <a:pos x="connsiteX6" y="connsiteY6"/>
+              </a:cxn>
+              <a:cxn ang="0">
+                <a:pos x="connsiteX7" y="connsiteY7"/>
+              </a:cxn>
+              <a:cxn ang="0">
+                <a:pos x="connsiteX8" y="connsiteY8"/>
+              </a:cxn>
+            </a:cxnLst>
+            <a:rect l="l" t="t" r="r" b="b"/>
+            <a:pathLst>
+              <a:path w="11343473" h="1517550">
+                <a:moveTo>
+                  <a:pt x="0" y="151755"/>
+                </a:moveTo>
+                <a:cubicBezTo>
+                  <a:pt x="0" y="67943"/>
+                  <a:pt x="67943" y="0"/>
+                  <a:pt x="151755" y="0"/>
+                </a:cubicBezTo>
+                <a:lnTo>
+                  <a:pt x="11191718" y="0"/>
+                </a:lnTo>
+                <a:cubicBezTo>
+                  <a:pt x="11275530" y="0"/>
+                  <a:pt x="11343473" y="67943"/>
+                  <a:pt x="11343473" y="151755"/>
+                </a:cubicBezTo>
+                <a:lnTo>
+                  <a:pt x="11343473" y="1365795"/>
+                </a:lnTo>
+                <a:cubicBezTo>
+                  <a:pt x="11343473" y="1449607"/>
+                  <a:pt x="11275530" y="1517550"/>
+                  <a:pt x="11191718" y="1517550"/>
+                </a:cubicBezTo>
+                <a:lnTo>
+                  <a:pt x="151755" y="1517550"/>
+                </a:lnTo>
+                <a:cubicBezTo>
+                  <a:pt x="67943" y="1517550"/>
+                  <a:pt x="0" y="1449607"/>
+                  <a:pt x="0" y="1365795"/>
+                </a:cubicBezTo>
+                <a:lnTo>
+                  <a:pt x="0" y="151755"/>
+                </a:lnTo>
+                <a:close/>
+              </a:path>
+            </a:pathLst>
+          </a:custGeom>
+          <a:solidFill>
+            <a:schemeClr val="tx1">
+              <a:lumMod val="75000"/>
+              <a:lumOff val="25000"/>
+            </a:schemeClr>
+          </a:solidFill>
+        </p:spPr>
+        <p:style>
+          <a:lnRef idx="0">
+            <a:schemeClr val="dk1">
+              <a:hueOff val="0"/>
+              <a:satOff val="0"/>
+              <a:lumOff val="0"/>
+              <a:alphaOff val="0"/>
+            </a:schemeClr>
+          </a:lnRef>
+          <a:fillRef idx="1">
+            <a:schemeClr val="accent2">
+              <a:tint val="40000"/>
+              <a:hueOff val="0"/>
+              <a:satOff val="0"/>
+              <a:lumOff val="0"/>
+              <a:alphaOff val="0"/>
+            </a:schemeClr>
+          </a:fillRef>
+          <a:effectRef idx="0">
+            <a:schemeClr val="accent2">
+              <a:tint val="40000"/>
+              <a:hueOff val="0"/>
+              <a:satOff val="0"/>
+              <a:lumOff val="0"/>
+              <a:alphaOff val="0"/>
+            </a:schemeClr>
+          </a:effectRef>
+          <a:fontRef idx="minor">
+            <a:schemeClr val="dk1">
+              <a:hueOff val="0"/>
+              <a:satOff val="0"/>
+              <a:lumOff val="0"/>
+              <a:alphaOff val="0"/>
+            </a:schemeClr>
+          </a:fontRef>
+        </p:style>
+        <p:txBody>
+          <a:bodyPr spcFirstLastPara="0" vert="horz" wrap="square" lIns="369824" tIns="369824" rIns="8310256" bIns="369824" numCol="1" spcCol="1270" anchor="ctr" anchorCtr="0">
+            <a:noAutofit/>
+          </a:bodyPr>
+          <a:p>
+            <a:pPr lvl="0" algn="ctr" defTabSz="2311400" fontAlgn="auto">
+              <a:lnSpc>
+                <a:spcPct val="90000"/>
+              </a:lnSpc>
+              <a:spcBef>
+                <a:spcPct val="0"/>
+              </a:spcBef>
+              <a:spcAft>
+                <a:spcPct val="35000"/>
+              </a:spcAft>
+            </a:pPr>
+            <a:endParaRPr lang="zh-CN" altLang="en-US" sz="5200" strike="noStrike" kern="1200" noProof="1"/>
+          </a:p>
+        </p:txBody>
+      </p:sp>
+      <p:sp>
+        <p:nvSpPr>
+          <p:cNvPr id="17" name="KSO_Shape"/>
+          <p:cNvSpPr/>
+          <p:nvPr/>
+        </p:nvSpPr>
+        <p:spPr>
+          <a:xfrm>
+            <a:off x="6340158" y="2384743"/>
+            <a:ext cx="487363" cy="487363"/>
+          </a:xfrm>
+          <a:custGeom>
+            <a:avLst/>
+            <a:gdLst>
+              <a:gd name="connsiteX0" fmla="*/ 424729 w 742418"/>
+              <a:gd name="connsiteY0" fmla="*/ 206218 h 742418"/>
+              <a:gd name="connsiteX1" fmla="*/ 450641 w 742418"/>
+              <a:gd name="connsiteY1" fmla="*/ 216951 h 742418"/>
+              <a:gd name="connsiteX2" fmla="*/ 574959 w 742418"/>
+              <a:gd name="connsiteY2" fmla="*/ 341269 h 742418"/>
+              <a:gd name="connsiteX3" fmla="*/ 579768 w 742418"/>
+              <a:gd name="connsiteY3" fmla="*/ 347074 h 742418"/>
+              <a:gd name="connsiteX4" fmla="*/ 580353 w 742418"/>
+              <a:gd name="connsiteY4" fmla="*/ 348130 h 742418"/>
+              <a:gd name="connsiteX5" fmla="*/ 582691 w 742418"/>
+              <a:gd name="connsiteY5" fmla="*/ 352485 h 742418"/>
+              <a:gd name="connsiteX6" fmla="*/ 586400 w 742418"/>
+              <a:gd name="connsiteY6" fmla="*/ 371153 h 742418"/>
+              <a:gd name="connsiteX7" fmla="*/ 582691 w 742418"/>
+              <a:gd name="connsiteY7" fmla="*/ 389821 h 742418"/>
+              <a:gd name="connsiteX8" fmla="*/ 581273 w 742418"/>
+              <a:gd name="connsiteY8" fmla="*/ 393115 h 742418"/>
+              <a:gd name="connsiteX9" fmla="*/ 579386 w 742418"/>
+              <a:gd name="connsiteY9" fmla="*/ 395514 h 742418"/>
+              <a:gd name="connsiteX10" fmla="*/ 573943 w 742418"/>
+              <a:gd name="connsiteY10" fmla="*/ 401149 h 742418"/>
+              <a:gd name="connsiteX11" fmla="*/ 449625 w 742418"/>
+              <a:gd name="connsiteY11" fmla="*/ 525467 h 742418"/>
+              <a:gd name="connsiteX12" fmla="*/ 397801 w 742418"/>
+              <a:gd name="connsiteY12" fmla="*/ 525467 h 742418"/>
+              <a:gd name="connsiteX13" fmla="*/ 397801 w 742418"/>
+              <a:gd name="connsiteY13" fmla="*/ 473643 h 742418"/>
+              <a:gd name="connsiteX14" fmla="*/ 462843 w 742418"/>
+              <a:gd name="connsiteY14" fmla="*/ 408602 h 742418"/>
+              <a:gd name="connsiteX15" fmla="*/ 192664 w 742418"/>
+              <a:gd name="connsiteY15" fmla="*/ 408602 h 742418"/>
+              <a:gd name="connsiteX16" fmla="*/ 156019 w 742418"/>
+              <a:gd name="connsiteY16" fmla="*/ 371957 h 742418"/>
+              <a:gd name="connsiteX17" fmla="*/ 192664 w 742418"/>
+              <a:gd name="connsiteY17" fmla="*/ 335311 h 742418"/>
+              <a:gd name="connsiteX18" fmla="*/ 465353 w 742418"/>
+              <a:gd name="connsiteY18" fmla="*/ 335311 h 742418"/>
+              <a:gd name="connsiteX19" fmla="*/ 398817 w 742418"/>
+              <a:gd name="connsiteY19" fmla="*/ 268775 h 742418"/>
+              <a:gd name="connsiteX20" fmla="*/ 398817 w 742418"/>
+              <a:gd name="connsiteY20" fmla="*/ 216951 h 742418"/>
+              <a:gd name="connsiteX21" fmla="*/ 424729 w 742418"/>
+              <a:gd name="connsiteY21" fmla="*/ 206218 h 742418"/>
+              <a:gd name="connsiteX22" fmla="*/ 371209 w 742418"/>
+              <a:gd name="connsiteY22" fmla="*/ 67983 h 742418"/>
+              <a:gd name="connsiteX23" fmla="*/ 67983 w 742418"/>
+              <a:gd name="connsiteY23" fmla="*/ 371209 h 742418"/>
+              <a:gd name="connsiteX24" fmla="*/ 371209 w 742418"/>
+              <a:gd name="connsiteY24" fmla="*/ 674435 h 742418"/>
+              <a:gd name="connsiteX25" fmla="*/ 674435 w 742418"/>
+              <a:gd name="connsiteY25" fmla="*/ 371209 h 742418"/>
+              <a:gd name="connsiteX26" fmla="*/ 371209 w 742418"/>
+              <a:gd name="connsiteY26" fmla="*/ 67983 h 742418"/>
+              <a:gd name="connsiteX27" fmla="*/ 371209 w 742418"/>
+              <a:gd name="connsiteY27" fmla="*/ 0 h 742418"/>
+              <a:gd name="connsiteX28" fmla="*/ 742418 w 742418"/>
+              <a:gd name="connsiteY28" fmla="*/ 371209 h 742418"/>
+              <a:gd name="connsiteX29" fmla="*/ 371209 w 742418"/>
+              <a:gd name="connsiteY29" fmla="*/ 742418 h 742418"/>
+              <a:gd name="connsiteX30" fmla="*/ 0 w 742418"/>
+              <a:gd name="connsiteY30" fmla="*/ 371209 h 742418"/>
+              <a:gd name="connsiteX31" fmla="*/ 371209 w 742418"/>
+              <a:gd name="connsiteY31" fmla="*/ 0 h 742418"/>
+            </a:gdLst>
+            <a:ahLst/>
+            <a:cxnLst>
+              <a:cxn ang="0">
+                <a:pos x="connsiteX0" y="connsiteY0"/>
+              </a:cxn>
+              <a:cxn ang="0">
+                <a:pos x="connsiteX1" y="connsiteY1"/>
+              </a:cxn>
+              <a:cxn ang="0">
+                <a:pos x="connsiteX2" y="connsiteY2"/>
+              </a:cxn>
+              <a:cxn ang="0">
+                <a:pos x="connsiteX3" y="connsiteY3"/>
+              </a:cxn>
+              <a:cxn ang="0">
+                <a:pos x="connsiteX4" y="connsiteY4"/>
+              </a:cxn>
+              <a:cxn ang="0">
+                <a:pos x="connsiteX5" y="connsiteY5"/>
+              </a:cxn>
+              <a:cxn ang="0">
+                <a:pos x="connsiteX6" y="connsiteY6"/>
+              </a:cxn>
+              <a:cxn ang="0">
+                <a:pos x="connsiteX7" y="connsiteY7"/>
+              </a:cxn>
+              <a:cxn ang="0">
+                <a:pos x="connsiteX8" y="connsiteY8"/>
+              </a:cxn>
+              <a:cxn ang="0">
+                <a:pos x="connsiteX9" y="connsiteY9"/>
+              </a:cxn>
+              <a:cxn ang="0">
+                <a:pos x="connsiteX10" y="connsiteY10"/>
+              </a:cxn>
+              <a:cxn ang="0">
+                <a:pos x="connsiteX11" y="connsiteY11"/>
+              </a:cxn>
+              <a:cxn ang="0">
+                <a:pos x="connsiteX12" y="connsiteY12"/>
+              </a:cxn>
+              <a:cxn ang="0">
+                <a:pos x="connsiteX13" y="connsiteY13"/>
+              </a:cxn>
+              <a:cxn ang="0">
+                <a:pos x="connsiteX14" y="connsiteY14"/>
+              </a:cxn>
+              <a:cxn ang="0">
+                <a:pos x="connsiteX15" y="connsiteY15"/>
+              </a:cxn>
+              <a:cxn ang="0">
+                <a:pos x="connsiteX16" y="connsiteY16"/>
+              </a:cxn>
+              <a:cxn ang="0">
+                <a:pos x="connsiteX17" y="connsiteY17"/>
+              </a:cxn>
+              <a:cxn ang="0">
+                <a:pos x="connsiteX18" y="connsiteY18"/>
+              </a:cxn>
+              <a:cxn ang="0">
+                <a:pos x="connsiteX19" y="connsiteY19"/>
+              </a:cxn>
+              <a:cxn ang="0">
+                <a:pos x="connsiteX20" y="connsiteY20"/>
+              </a:cxn>
+              <a:cxn ang="0">
+                <a:pos x="connsiteX21" y="connsiteY21"/>
+              </a:cxn>
+              <a:cxn ang="0">
+                <a:pos x="connsiteX22" y="connsiteY22"/>
+              </a:cxn>
+              <a:cxn ang="0">
+                <a:pos x="connsiteX23" y="connsiteY23"/>
+              </a:cxn>
+              <a:cxn ang="0">
+                <a:pos x="connsiteX24" y="connsiteY24"/>
+              </a:cxn>
+              <a:cxn ang="0">
+                <a:pos x="connsiteX25" y="connsiteY25"/>
+              </a:cxn>
+              <a:cxn ang="0">
+                <a:pos x="connsiteX26" y="connsiteY26"/>
+              </a:cxn>
+              <a:cxn ang="0">
+                <a:pos x="connsiteX27" y="connsiteY27"/>
+              </a:cxn>
+              <a:cxn ang="0">
+                <a:pos x="connsiteX28" y="connsiteY28"/>
+              </a:cxn>
+              <a:cxn ang="0">
+                <a:pos x="connsiteX29" y="connsiteY29"/>
+              </a:cxn>
+              <a:cxn ang="0">
+                <a:pos x="connsiteX30" y="connsiteY30"/>
+              </a:cxn>
+              <a:cxn ang="0">
+                <a:pos x="connsiteX31" y="connsiteY31"/>
+              </a:cxn>
+            </a:cxnLst>
+            <a:rect l="l" t="t" r="r" b="b"/>
+            <a:pathLst>
+              <a:path w="742418" h="742418">
+                <a:moveTo>
+                  <a:pt x="424729" y="206218"/>
+                </a:moveTo>
+                <a:cubicBezTo>
+                  <a:pt x="434107" y="206218"/>
+                  <a:pt x="443486" y="209796"/>
+                  <a:pt x="450641" y="216951"/>
+                </a:cubicBezTo>
+                <a:lnTo>
+                  <a:pt x="574959" y="341269"/>
+                </a:lnTo>
+                <a:cubicBezTo>
+                  <a:pt x="576748" y="343058"/>
+                  <a:pt x="578358" y="345008"/>
+                  <a:pt x="579768" y="347074"/>
+                </a:cubicBezTo>
+                <a:lnTo>
+                  <a:pt x="580353" y="348130"/>
+                </a:lnTo>
+                <a:lnTo>
+                  <a:pt x="582691" y="352485"/>
+                </a:lnTo>
+                <a:cubicBezTo>
+                  <a:pt x="585033" y="357814"/>
+                  <a:pt x="586400" y="364238"/>
+                  <a:pt x="586400" y="371153"/>
+                </a:cubicBezTo>
+                <a:cubicBezTo>
+                  <a:pt x="586400" y="378068"/>
+                  <a:pt x="585033" y="384492"/>
+                  <a:pt x="582691" y="389821"/>
+                </a:cubicBezTo>
+                <a:lnTo>
+                  <a:pt x="581273" y="393115"/>
+                </a:lnTo>
+                <a:lnTo>
+                  <a:pt x="579386" y="395514"/>
+                </a:lnTo>
+                <a:cubicBezTo>
+                  <a:pt x="577705" y="397433"/>
+                  <a:pt x="575732" y="399361"/>
+                  <a:pt x="573943" y="401149"/>
+                </a:cubicBezTo>
+                <a:lnTo>
+                  <a:pt x="449625" y="525467"/>
+                </a:lnTo>
+                <a:cubicBezTo>
+                  <a:pt x="435314" y="539778"/>
+                  <a:pt x="412112" y="539778"/>
+                  <a:pt x="397801" y="525467"/>
+                </a:cubicBezTo>
+                <a:cubicBezTo>
+                  <a:pt x="383490" y="511156"/>
+                  <a:pt x="383490" y="487954"/>
+                  <a:pt x="397801" y="473643"/>
+                </a:cubicBezTo>
+                <a:lnTo>
+                  <a:pt x="462843" y="408602"/>
+                </a:lnTo>
+                <a:lnTo>
+                  <a:pt x="192664" y="408602"/>
+                </a:lnTo>
+                <a:cubicBezTo>
+                  <a:pt x="172426" y="408602"/>
+                  <a:pt x="156019" y="392195"/>
+                  <a:pt x="156019" y="371957"/>
+                </a:cubicBezTo>
+                <a:cubicBezTo>
+                  <a:pt x="156019" y="351718"/>
+                  <a:pt x="172426" y="335311"/>
+                  <a:pt x="192664" y="335311"/>
+                </a:cubicBezTo>
+                <a:lnTo>
+                  <a:pt x="465353" y="335311"/>
+                </a:lnTo>
+                <a:lnTo>
+                  <a:pt x="398817" y="268775"/>
+                </a:lnTo>
+                <a:cubicBezTo>
+                  <a:pt x="384506" y="254464"/>
+                  <a:pt x="384506" y="231262"/>
+                  <a:pt x="398817" y="216951"/>
+                </a:cubicBezTo>
+                <a:cubicBezTo>
+                  <a:pt x="405972" y="209796"/>
+                  <a:pt x="415351" y="206218"/>
+                  <a:pt x="424729" y="206218"/>
+                </a:cubicBezTo>
+                <a:close/>
+                <a:moveTo>
+                  <a:pt x="371209" y="67983"/>
+                </a:moveTo>
+                <a:cubicBezTo>
+                  <a:pt x="203742" y="67983"/>
+                  <a:pt x="67983" y="203742"/>
+                  <a:pt x="67983" y="371209"/>
+                </a:cubicBezTo>
+                <a:cubicBezTo>
+                  <a:pt x="67983" y="538676"/>
+                  <a:pt x="203742" y="674435"/>
+                  <a:pt x="371209" y="674435"/>
+                </a:cubicBezTo>
+                <a:cubicBezTo>
+                  <a:pt x="538676" y="674435"/>
+                  <a:pt x="674435" y="538676"/>
+                  <a:pt x="674435" y="371209"/>
+                </a:cubicBezTo>
+                <a:cubicBezTo>
+                  <a:pt x="674435" y="203742"/>
+                  <a:pt x="538676" y="67983"/>
+                  <a:pt x="371209" y="67983"/>
+                </a:cubicBezTo>
+                <a:close/>
+                <a:moveTo>
+                  <a:pt x="371209" y="0"/>
+                </a:moveTo>
+                <a:cubicBezTo>
+                  <a:pt x="576222" y="0"/>
+                  <a:pt x="742418" y="166196"/>
+                  <a:pt x="742418" y="371209"/>
+                </a:cubicBezTo>
+                <a:cubicBezTo>
+                  <a:pt x="742418" y="576222"/>
+                  <a:pt x="576222" y="742418"/>
+                  <a:pt x="371209" y="742418"/>
+                </a:cubicBezTo>
+                <a:cubicBezTo>
+                  <a:pt x="166196" y="742418"/>
+                  <a:pt x="0" y="576222"/>
+                  <a:pt x="0" y="371209"/>
+                </a:cubicBezTo>
+                <a:cubicBezTo>
+                  <a:pt x="0" y="166196"/>
+                  <a:pt x="166196" y="0"/>
+                  <a:pt x="371209" y="0"/>
+                </a:cubicBezTo>
+                <a:close/>
+              </a:path>
+            </a:pathLst>
+          </a:custGeom>
+          <a:solidFill>
+            <a:srgbClr val="F5A61C"/>
+          </a:solidFill>
+          <a:ln>
+            <a:noFill/>
+          </a:ln>
+        </p:spPr>
+        <p:style>
+          <a:lnRef idx="2">
+            <a:schemeClr val="accent1">
+              <a:shade val="50000"/>
+            </a:schemeClr>
+          </a:lnRef>
+          <a:fillRef idx="1">
+            <a:schemeClr val="accent1"/>
+          </a:fillRef>
+          <a:effectRef idx="0">
+            <a:schemeClr val="accent1"/>
+          </a:effectRef>
+          <a:fontRef idx="minor">
+            <a:schemeClr val="lt1"/>
+          </a:fontRef>
+        </p:style>
+        <p:txBody>
+          <a:bodyPr anchor="ctr"/>
+          <a:p>
+            <a:pPr algn="ctr" eaLnBrk="1" fontAlgn="auto" hangingPunct="1">
+              <a:spcBef>
+                <a:spcPts val="0"/>
+              </a:spcBef>
+              <a:spcAft>
+                <a:spcPts val="0"/>
+              </a:spcAft>
+              <a:defRPr/>
+            </a:pPr>
+            <a:endParaRPr lang="zh-CN" altLang="en-US" strike="noStrike" noProof="1">
+              <a:solidFill>
+                <a:schemeClr val="tx1"/>
+              </a:solidFill>
+            </a:endParaRPr>
+          </a:p>
+        </p:txBody>
+      </p:sp>
+      <p:sp>
+        <p:nvSpPr>
+          <p:cNvPr id="18" name="KSO_Shape"/>
+          <p:cNvSpPr/>
+          <p:nvPr/>
+        </p:nvSpPr>
+        <p:spPr>
+          <a:xfrm>
+            <a:off x="6340792" y="3629025"/>
+            <a:ext cx="487363" cy="488950"/>
+          </a:xfrm>
+          <a:custGeom>
+            <a:avLst/>
+            <a:gdLst>
+              <a:gd name="connsiteX0" fmla="*/ 424729 w 742418"/>
+              <a:gd name="connsiteY0" fmla="*/ 206218 h 742418"/>
+              <a:gd name="connsiteX1" fmla="*/ 450641 w 742418"/>
+              <a:gd name="connsiteY1" fmla="*/ 216951 h 742418"/>
+              <a:gd name="connsiteX2" fmla="*/ 574959 w 742418"/>
+              <a:gd name="connsiteY2" fmla="*/ 341269 h 742418"/>
+              <a:gd name="connsiteX3" fmla="*/ 579768 w 742418"/>
+              <a:gd name="connsiteY3" fmla="*/ 347074 h 742418"/>
+              <a:gd name="connsiteX4" fmla="*/ 580353 w 742418"/>
+              <a:gd name="connsiteY4" fmla="*/ 348130 h 742418"/>
+              <a:gd name="connsiteX5" fmla="*/ 582691 w 742418"/>
+              <a:gd name="connsiteY5" fmla="*/ 352485 h 742418"/>
+              <a:gd name="connsiteX6" fmla="*/ 586400 w 742418"/>
+              <a:gd name="connsiteY6" fmla="*/ 371153 h 742418"/>
+              <a:gd name="connsiteX7" fmla="*/ 582691 w 742418"/>
+              <a:gd name="connsiteY7" fmla="*/ 389821 h 742418"/>
+              <a:gd name="connsiteX8" fmla="*/ 581273 w 742418"/>
+              <a:gd name="connsiteY8" fmla="*/ 393115 h 742418"/>
+              <a:gd name="connsiteX9" fmla="*/ 579386 w 742418"/>
+              <a:gd name="connsiteY9" fmla="*/ 395514 h 742418"/>
+              <a:gd name="connsiteX10" fmla="*/ 573943 w 742418"/>
+              <a:gd name="connsiteY10" fmla="*/ 401149 h 742418"/>
+              <a:gd name="connsiteX11" fmla="*/ 449625 w 742418"/>
+              <a:gd name="connsiteY11" fmla="*/ 525467 h 742418"/>
+              <a:gd name="connsiteX12" fmla="*/ 397801 w 742418"/>
+              <a:gd name="connsiteY12" fmla="*/ 525467 h 742418"/>
+              <a:gd name="connsiteX13" fmla="*/ 397801 w 742418"/>
+              <a:gd name="connsiteY13" fmla="*/ 473643 h 742418"/>
+              <a:gd name="connsiteX14" fmla="*/ 462843 w 742418"/>
+              <a:gd name="connsiteY14" fmla="*/ 408602 h 742418"/>
+              <a:gd name="connsiteX15" fmla="*/ 192664 w 742418"/>
+              <a:gd name="connsiteY15" fmla="*/ 408602 h 742418"/>
+              <a:gd name="connsiteX16" fmla="*/ 156019 w 742418"/>
+              <a:gd name="connsiteY16" fmla="*/ 371957 h 742418"/>
+              <a:gd name="connsiteX17" fmla="*/ 192664 w 742418"/>
+              <a:gd name="connsiteY17" fmla="*/ 335311 h 742418"/>
+              <a:gd name="connsiteX18" fmla="*/ 465353 w 742418"/>
+              <a:gd name="connsiteY18" fmla="*/ 335311 h 742418"/>
+              <a:gd name="connsiteX19" fmla="*/ 398817 w 742418"/>
+              <a:gd name="connsiteY19" fmla="*/ 268775 h 742418"/>
+              <a:gd name="connsiteX20" fmla="*/ 398817 w 742418"/>
+              <a:gd name="connsiteY20" fmla="*/ 216951 h 742418"/>
+              <a:gd name="connsiteX21" fmla="*/ 424729 w 742418"/>
+              <a:gd name="connsiteY21" fmla="*/ 206218 h 742418"/>
+              <a:gd name="connsiteX22" fmla="*/ 371209 w 742418"/>
+              <a:gd name="connsiteY22" fmla="*/ 67983 h 742418"/>
+              <a:gd name="connsiteX23" fmla="*/ 67983 w 742418"/>
+              <a:gd name="connsiteY23" fmla="*/ 371209 h 742418"/>
+              <a:gd name="connsiteX24" fmla="*/ 371209 w 742418"/>
+              <a:gd name="connsiteY24" fmla="*/ 674435 h 742418"/>
+              <a:gd name="connsiteX25" fmla="*/ 674435 w 742418"/>
+              <a:gd name="connsiteY25" fmla="*/ 371209 h 742418"/>
+              <a:gd name="connsiteX26" fmla="*/ 371209 w 742418"/>
+              <a:gd name="connsiteY26" fmla="*/ 67983 h 742418"/>
+              <a:gd name="connsiteX27" fmla="*/ 371209 w 742418"/>
+              <a:gd name="connsiteY27" fmla="*/ 0 h 742418"/>
+              <a:gd name="connsiteX28" fmla="*/ 742418 w 742418"/>
+              <a:gd name="connsiteY28" fmla="*/ 371209 h 742418"/>
+              <a:gd name="connsiteX29" fmla="*/ 371209 w 742418"/>
+              <a:gd name="connsiteY29" fmla="*/ 742418 h 742418"/>
+              <a:gd name="connsiteX30" fmla="*/ 0 w 742418"/>
+              <a:gd name="connsiteY30" fmla="*/ 371209 h 742418"/>
+              <a:gd name="connsiteX31" fmla="*/ 371209 w 742418"/>
+              <a:gd name="connsiteY31" fmla="*/ 0 h 742418"/>
+            </a:gdLst>
+            <a:ahLst/>
+            <a:cxnLst>
+              <a:cxn ang="0">
+                <a:pos x="connsiteX0" y="connsiteY0"/>
+              </a:cxn>
+              <a:cxn ang="0">
+                <a:pos x="connsiteX1" y="connsiteY1"/>
+              </a:cxn>
+              <a:cxn ang="0">
+                <a:pos x="connsiteX2" y="connsiteY2"/>
+              </a:cxn>
+              <a:cxn ang="0">
+                <a:pos x="connsiteX3" y="connsiteY3"/>
+              </a:cxn>
+              <a:cxn ang="0">
+                <a:pos x="connsiteX4" y="connsiteY4"/>
+              </a:cxn>
+              <a:cxn ang="0">
+                <a:pos x="connsiteX5" y="connsiteY5"/>
+              </a:cxn>
+              <a:cxn ang="0">
+                <a:pos x="connsiteX6" y="connsiteY6"/>
+              </a:cxn>
+              <a:cxn ang="0">
+                <a:pos x="connsiteX7" y="connsiteY7"/>
+              </a:cxn>
+              <a:cxn ang="0">
+                <a:pos x="connsiteX8" y="connsiteY8"/>
+              </a:cxn>
+              <a:cxn ang="0">
+                <a:pos x="connsiteX9" y="connsiteY9"/>
+              </a:cxn>
+              <a:cxn ang="0">
+                <a:pos x="connsiteX10" y="connsiteY10"/>
+              </a:cxn>
+              <a:cxn ang="0">
+                <a:pos x="connsiteX11" y="connsiteY11"/>
+              </a:cxn>
+              <a:cxn ang="0">
+                <a:pos x="connsiteX12" y="connsiteY12"/>
+              </a:cxn>
+              <a:cxn ang="0">
+                <a:pos x="connsiteX13" y="connsiteY13"/>
+              </a:cxn>
+              <a:cxn ang="0">
+                <a:pos x="connsiteX14" y="connsiteY14"/>
+              </a:cxn>
+              <a:cxn ang="0">
+                <a:pos x="connsiteX15" y="connsiteY15"/>
+              </a:cxn>
+              <a:cxn ang="0">
+                <a:pos x="connsiteX16" y="connsiteY16"/>
+              </a:cxn>
+              <a:cxn ang="0">
+                <a:pos x="connsiteX17" y="connsiteY17"/>
+              </a:cxn>
+              <a:cxn ang="0">
+                <a:pos x="connsiteX18" y="connsiteY18"/>
+              </a:cxn>
+              <a:cxn ang="0">
+                <a:pos x="connsiteX19" y="connsiteY19"/>
+              </a:cxn>
+              <a:cxn ang="0">
+                <a:pos x="connsiteX20" y="connsiteY20"/>
+              </a:cxn>
+              <a:cxn ang="0">
+                <a:pos x="connsiteX21" y="connsiteY21"/>
+              </a:cxn>
+              <a:cxn ang="0">
+                <a:pos x="connsiteX22" y="connsiteY22"/>
+              </a:cxn>
+              <a:cxn ang="0">
+                <a:pos x="connsiteX23" y="connsiteY23"/>
+              </a:cxn>
+              <a:cxn ang="0">
+                <a:pos x="connsiteX24" y="connsiteY24"/>
+              </a:cxn>
+              <a:cxn ang="0">
+                <a:pos x="connsiteX25" y="connsiteY25"/>
+              </a:cxn>
+              <a:cxn ang="0">
+                <a:pos x="connsiteX26" y="connsiteY26"/>
+              </a:cxn>
+              <a:cxn ang="0">
+                <a:pos x="connsiteX27" y="connsiteY27"/>
+              </a:cxn>
+              <a:cxn ang="0">
+                <a:pos x="connsiteX28" y="connsiteY28"/>
+              </a:cxn>
+              <a:cxn ang="0">
+                <a:pos x="connsiteX29" y="connsiteY29"/>
+              </a:cxn>
+              <a:cxn ang="0">
+                <a:pos x="connsiteX30" y="connsiteY30"/>
+              </a:cxn>
+              <a:cxn ang="0">
+                <a:pos x="connsiteX31" y="connsiteY31"/>
+              </a:cxn>
+            </a:cxnLst>
+            <a:rect l="l" t="t" r="r" b="b"/>
+            <a:pathLst>
+              <a:path w="742418" h="742418">
+                <a:moveTo>
+                  <a:pt x="424729" y="206218"/>
+                </a:moveTo>
+                <a:cubicBezTo>
+                  <a:pt x="434107" y="206218"/>
+                  <a:pt x="443486" y="209796"/>
+                  <a:pt x="450641" y="216951"/>
+                </a:cubicBezTo>
+                <a:lnTo>
+                  <a:pt x="574959" y="341269"/>
+                </a:lnTo>
+                <a:cubicBezTo>
+                  <a:pt x="576748" y="343058"/>
+                  <a:pt x="578358" y="345008"/>
+                  <a:pt x="579768" y="347074"/>
+                </a:cubicBezTo>
+                <a:lnTo>
+                  <a:pt x="580353" y="348130"/>
+                </a:lnTo>
+                <a:lnTo>
+                  <a:pt x="582691" y="352485"/>
+                </a:lnTo>
+                <a:cubicBezTo>
+                  <a:pt x="585033" y="357814"/>
+                  <a:pt x="586400" y="364238"/>
+                  <a:pt x="586400" y="371153"/>
+                </a:cubicBezTo>
+                <a:cubicBezTo>
+                  <a:pt x="586400" y="378068"/>
+                  <a:pt x="585033" y="384492"/>
+                  <a:pt x="582691" y="389821"/>
+                </a:cubicBezTo>
+                <a:lnTo>
+                  <a:pt x="581273" y="393115"/>
+                </a:lnTo>
+                <a:lnTo>
+                  <a:pt x="579386" y="395514"/>
+                </a:lnTo>
+                <a:cubicBezTo>
+                  <a:pt x="577705" y="397433"/>
+                  <a:pt x="575732" y="399361"/>
+                  <a:pt x="573943" y="401149"/>
+                </a:cubicBezTo>
+                <a:lnTo>
+                  <a:pt x="449625" y="525467"/>
+                </a:lnTo>
+                <a:cubicBezTo>
+                  <a:pt x="435314" y="539778"/>
+                  <a:pt x="412112" y="539778"/>
+                  <a:pt x="397801" y="525467"/>
+                </a:cubicBezTo>
+                <a:cubicBezTo>
+                  <a:pt x="383490" y="511156"/>
+                  <a:pt x="383490" y="487954"/>
+                  <a:pt x="397801" y="473643"/>
+                </a:cubicBezTo>
+                <a:lnTo>
+                  <a:pt x="462843" y="408602"/>
+                </a:lnTo>
+                <a:lnTo>
+                  <a:pt x="192664" y="408602"/>
+                </a:lnTo>
+                <a:cubicBezTo>
+                  <a:pt x="172426" y="408602"/>
+                  <a:pt x="156019" y="392195"/>
+                  <a:pt x="156019" y="371957"/>
+                </a:cubicBezTo>
+                <a:cubicBezTo>
+                  <a:pt x="156019" y="351718"/>
+                  <a:pt x="172426" y="335311"/>
+                  <a:pt x="192664" y="335311"/>
+                </a:cubicBezTo>
+                <a:lnTo>
+                  <a:pt x="465353" y="335311"/>
+                </a:lnTo>
+                <a:lnTo>
+                  <a:pt x="398817" y="268775"/>
+                </a:lnTo>
+                <a:cubicBezTo>
+                  <a:pt x="384506" y="254464"/>
+                  <a:pt x="384506" y="231262"/>
+                  <a:pt x="398817" y="216951"/>
+                </a:cubicBezTo>
+                <a:cubicBezTo>
+                  <a:pt x="405972" y="209796"/>
+                  <a:pt x="415351" y="206218"/>
+                  <a:pt x="424729" y="206218"/>
+                </a:cubicBezTo>
+                <a:close/>
+                <a:moveTo>
+                  <a:pt x="371209" y="67983"/>
+                </a:moveTo>
+                <a:cubicBezTo>
+                  <a:pt x="203742" y="67983"/>
+                  <a:pt x="67983" y="203742"/>
+                  <a:pt x="67983" y="371209"/>
+                </a:cubicBezTo>
+                <a:cubicBezTo>
+                  <a:pt x="67983" y="538676"/>
+                  <a:pt x="203742" y="674435"/>
+                  <a:pt x="371209" y="674435"/>
+                </a:cubicBezTo>
+                <a:cubicBezTo>
+                  <a:pt x="538676" y="674435"/>
+                  <a:pt x="674435" y="538676"/>
+                  <a:pt x="674435" y="371209"/>
+                </a:cubicBezTo>
+                <a:cubicBezTo>
+                  <a:pt x="674435" y="203742"/>
+                  <a:pt x="538676" y="67983"/>
+                  <a:pt x="371209" y="67983"/>
+                </a:cubicBezTo>
+                <a:close/>
+                <a:moveTo>
+                  <a:pt x="371209" y="0"/>
+                </a:moveTo>
+                <a:cubicBezTo>
+                  <a:pt x="576222" y="0"/>
+                  <a:pt x="742418" y="166196"/>
+                  <a:pt x="742418" y="371209"/>
+                </a:cubicBezTo>
+                <a:cubicBezTo>
+                  <a:pt x="742418" y="576222"/>
+                  <a:pt x="576222" y="742418"/>
+                  <a:pt x="371209" y="742418"/>
+                </a:cubicBezTo>
+                <a:cubicBezTo>
+                  <a:pt x="166196" y="742418"/>
+                  <a:pt x="0" y="576222"/>
+                  <a:pt x="0" y="371209"/>
+                </a:cubicBezTo>
+                <a:cubicBezTo>
+                  <a:pt x="0" y="166196"/>
+                  <a:pt x="166196" y="0"/>
+                  <a:pt x="371209" y="0"/>
+                </a:cubicBezTo>
+                <a:close/>
+              </a:path>
+            </a:pathLst>
+          </a:custGeom>
+          <a:solidFill>
+            <a:srgbClr val="141214"/>
+          </a:solidFill>
+          <a:ln>
+            <a:noFill/>
+          </a:ln>
+        </p:spPr>
+        <p:style>
+          <a:lnRef idx="2">
+            <a:schemeClr val="accent1">
+              <a:shade val="50000"/>
+            </a:schemeClr>
+          </a:lnRef>
+          <a:fillRef idx="1">
+            <a:schemeClr val="accent1"/>
+          </a:fillRef>
+          <a:effectRef idx="0">
+            <a:schemeClr val="accent1"/>
+          </a:effectRef>
+          <a:fontRef idx="minor">
+            <a:schemeClr val="lt1"/>
+          </a:fontRef>
+        </p:style>
+        <p:txBody>
+          <a:bodyPr anchor="ctr"/>
+          <a:p>
+            <a:pPr algn="ctr" eaLnBrk="1" fontAlgn="auto" hangingPunct="1">
+              <a:spcBef>
+                <a:spcPts val="0"/>
+              </a:spcBef>
+              <a:spcAft>
+                <a:spcPts val="0"/>
+              </a:spcAft>
+              <a:defRPr/>
+            </a:pPr>
+            <a:endParaRPr lang="zh-CN" altLang="en-US" strike="noStrike" noProof="1">
+              <a:solidFill>
+                <a:schemeClr val="tx1"/>
+              </a:solidFill>
+            </a:endParaRPr>
+          </a:p>
+        </p:txBody>
+      </p:sp>
+      <p:sp>
+        <p:nvSpPr>
+          <p:cNvPr id="22" name="TextBox 15"/>
+          <p:cNvSpPr txBox="1"/>
+          <p:nvPr/>
+        </p:nvSpPr>
+        <p:spPr>
+          <a:xfrm>
+            <a:off x="6934835" y="2364105"/>
+            <a:ext cx="4460240" cy="506730"/>
+          </a:xfrm>
+          <a:prstGeom prst="rect">
+            <a:avLst/>
+          </a:prstGeom>
+          <a:noFill/>
+          <a:ln w="9525">
+            <a:noFill/>
+          </a:ln>
+        </p:spPr>
+        <p:txBody>
+          <a:bodyPr wrap="square" anchor="t" anchorCtr="0">
+            <a:spAutoFit/>
+          </a:bodyPr>
+          <a:p>
+            <a:pPr>
+              <a:lnSpc>
+                <a:spcPct val="150000"/>
+              </a:lnSpc>
+            </a:pPr>
+            <a:r>
+              <a:rPr lang="en-US" altLang="zh-CN" sz="1800" dirty="0">
+                <a:solidFill>
+                  <a:schemeClr val="bg1"/>
+                </a:solidFill>
+                <a:latin typeface="Arial" panose="020B0604020202020204" pitchFamily="34" charset="0"/>
+                <a:ea typeface="Arial" panose="020B0604020202020204" pitchFamily="34" charset="0"/>
+              </a:rPr>
+              <a:t>Cross-domain recommender system  </a:t>
+            </a:r>
+            <a:endParaRPr lang="zh-CN" altLang="en-US" sz="1800" dirty="0">
+              <a:solidFill>
+                <a:schemeClr val="bg1"/>
+              </a:solidFill>
+              <a:latin typeface="Arial" panose="020B0604020202020204" pitchFamily="34" charset="0"/>
+              <a:ea typeface="Arial" panose="020B0604020202020204" pitchFamily="34" charset="0"/>
+            </a:endParaRPr>
+          </a:p>
+        </p:txBody>
+      </p:sp>
+      <p:sp>
+        <p:nvSpPr>
+          <p:cNvPr id="2" name="TextBox 15"/>
+          <p:cNvSpPr txBox="1"/>
+          <p:nvPr/>
+        </p:nvSpPr>
+        <p:spPr>
+          <a:xfrm>
+            <a:off x="6934835" y="3611245"/>
+            <a:ext cx="3773805" cy="506730"/>
+          </a:xfrm>
+          <a:prstGeom prst="rect">
+            <a:avLst/>
+          </a:prstGeom>
+          <a:noFill/>
+          <a:ln w="9525">
+            <a:noFill/>
+          </a:ln>
+        </p:spPr>
+        <p:txBody>
+          <a:bodyPr wrap="square" anchor="t" anchorCtr="0">
+            <a:spAutoFit/>
+          </a:bodyPr>
+          <a:p>
+            <a:pPr>
+              <a:lnSpc>
+                <a:spcPct val="150000"/>
+              </a:lnSpc>
+            </a:pPr>
+            <a:r>
+              <a:rPr lang="en-US" altLang="zh-CN" sz="1800" dirty="0">
+                <a:latin typeface="Arial" panose="020B0604020202020204" pitchFamily="34" charset="0"/>
+                <a:ea typeface="Arial" panose="020B0604020202020204" pitchFamily="34" charset="0"/>
+              </a:rPr>
+              <a:t>Online Recommender Methods</a:t>
+            </a:r>
+            <a:endParaRPr lang="en-US" altLang="zh-CN" sz="1800" dirty="0">
+              <a:latin typeface="Arial" panose="020B0604020202020204" pitchFamily="34" charset="0"/>
+              <a:ea typeface="Arial" panose="020B0604020202020204" pitchFamily="34" charset="0"/>
+            </a:endParaRPr>
+          </a:p>
+        </p:txBody>
+      </p:sp>
+    </p:spTree>
+  </p:cSld>
+  <p:clrMapOvr>
+    <a:masterClrMapping/>
+  </p:clrMapOvr>
+  <p:transition spd="med">
+    <p:fade/>
+  </p:transition>
+  <p:timing>
+    <p:tnLst>
+      <p:par>
+        <p:cTn id="1" dur="indefinite" restart="never" nodeType="tmRoot"/>
+      </p:par>
+    </p:tnLst>
+  </p:timing>
+</p:sld>
+</file>
+
+<file path=ppt/slides/slide48.xml><?xml version="1.0" encoding="utf-8"?>
 <p:sld xmlns:a="http://schemas.openxmlformats.org/drawingml/2006/main" xmlns:r="http://schemas.openxmlformats.org/officeDocument/2006/relationships" xmlns:p="http://schemas.openxmlformats.org/presentationml/2006/main">
   <p:cSld>
     <p:spTree>
@@ -34929,7 +37518,7 @@
 </p:sld>
 </file>
 
-<file path=ppt/slides/slide47.xml><?xml version="1.0" encoding="utf-8"?>
+<file path=ppt/slides/slide49.xml><?xml version="1.0" encoding="utf-8"?>
 <p:sld xmlns:a="http://schemas.openxmlformats.org/drawingml/2006/main" xmlns:r="http://schemas.openxmlformats.org/officeDocument/2006/relationships" xmlns:p="http://schemas.openxmlformats.org/presentationml/2006/main">
   <p:cSld>
     <p:spTree>

--- a/presentation/Project_Presentation_Final.pptx
+++ b/presentation/Project_Presentation_Final.pptx
@@ -3642,7 +3642,7 @@
               <a:rPr lang="en-US" dirty="0">
                 <a:sym typeface="+mn-ea"/>
               </a:rPr>
-              <a:t>This is the chatbot conversation flow chart for the project, it bascially illustrate the how the chatbot help us to collect information through the conversation. </a:t>
+              <a:t>This is the chatbot conversation flow chart for the project, it bascially illustrate how the chatbot help us to collect information through the conversation. </a:t>
             </a:r>
             <a:endParaRPr lang="en-US" dirty="0">
               <a:sym typeface="+mn-ea"/>
@@ -4087,7 +4087,7 @@
             </a:pPr>
             <a:r>
               <a:rPr lang="en-US" dirty="0"/>
-              <a:t>By the EDA analysis and machine learning model development, we can conclude that there is no optimal recommendation algorithm/method, all algorithms are practical but also come with their own drawback. That’s why in real-world scenarios, a hybrid model is more likely to be used. </a:t>
+              <a:t>By the EDA and machine learning model development, we can conclude that there is no optimal recommendation algorithm/method, all algorithms are practical but also come with their own drawback. That’s why in real-world scenarios, a hybrid model is more likely to be used. </a:t>
             </a:r>
             <a:endParaRPr lang="en-US" dirty="0"/>
           </a:p>
@@ -4806,6 +4806,50 @@
 </file>
 
 <file path=ppt/notesSlides/notesSlide35.xml><?xml version="1.0" encoding="utf-8"?>
+<p:notes xmlns:a="http://schemas.openxmlformats.org/drawingml/2006/main" xmlns:r="http://schemas.openxmlformats.org/officeDocument/2006/relationships" xmlns:p="http://schemas.openxmlformats.org/presentationml/2006/main">
+  <p:cSld>
+    <p:spTree>
+      <p:nvGrpSpPr>
+        <p:cNvPr id="1" name=""/>
+        <p:cNvGrpSpPr/>
+        <p:nvPr/>
+      </p:nvGrpSpPr>
+      <p:grpSpPr/>
+      <p:sp>
+        <p:nvSpPr>
+          <p:cNvPr id="2" name="Slide Image Placeholder 1"/>
+          <p:cNvSpPr/>
+          <p:nvPr>
+            <p:ph type="sldImg"/>
+          </p:nvPr>
+        </p:nvSpPr>
+        <p:spPr/>
+      </p:sp>
+      <p:sp>
+        <p:nvSpPr>
+          <p:cNvPr id="3" name="Text Placeholder 2"/>
+          <p:cNvSpPr/>
+          <p:nvPr>
+            <p:ph type="body"/>
+          </p:nvPr>
+        </p:nvSpPr>
+        <p:spPr/>
+        <p:txBody>
+          <a:bodyPr/>
+          <a:p>
+            <a:endParaRPr lang="en-US"/>
+          </a:p>
+        </p:txBody>
+      </p:sp>
+    </p:spTree>
+  </p:cSld>
+  <p:clrMapOvr>
+    <a:masterClrMapping/>
+  </p:clrMapOvr>
+</p:notes>
+</file>
+
+<file path=ppt/notesSlides/notesSlide36.xml><?xml version="1.0" encoding="utf-8"?>
 <p:notes xmlns:a="http://schemas.openxmlformats.org/drawingml/2006/main" xmlns:r="http://schemas.openxmlformats.org/officeDocument/2006/relationships" xmlns:p="http://schemas.openxmlformats.org/presentationml/2006/main">
   <p:cSld>
     <p:spTree>
@@ -37259,8 +37303,8 @@
         </p:nvSpPr>
         <p:spPr>
           <a:xfrm>
-            <a:off x="600075" y="1362075"/>
-            <a:ext cx="10963275" cy="3877985"/>
+            <a:off x="614045" y="1215390"/>
+            <a:ext cx="10963275" cy="6092825"/>
           </a:xfrm>
           <a:prstGeom prst="rect">
             <a:avLst/>
@@ -37471,6 +37515,76 @@
               </a:rPr>
               <a:t>BANIK, R. O. U. N. A. K. (2018). Hands-on recommendation systems with Python: Start building powerful and personalized, ... recommendation engines with python. PACKT Publishing Limited. </a:t>
             </a:r>
+            <a:endParaRPr lang="en-US" sz="1600" dirty="0">
+              <a:latin typeface="Arial" panose="020B0604020202020204" pitchFamily="34" charset="0"/>
+              <a:cs typeface="Arial" panose="020B0604020202020204" pitchFamily="34" charset="0"/>
+            </a:endParaRPr>
+          </a:p>
+          <a:p>
+            <a:pPr marL="342900" indent="-342900">
+              <a:lnSpc>
+                <a:spcPct val="150000"/>
+              </a:lnSpc>
+              <a:buFont typeface="Arial" panose="020B0604020202020204" pitchFamily="34" charset="0"/>
+              <a:buChar char="•"/>
+            </a:pPr>
+            <a:r>
+              <a:rPr lang="en-US" sz="1600" dirty="0" smtClean="0">
+                <a:latin typeface="Arial" panose="020B0604020202020204" pitchFamily="34" charset="0"/>
+                <a:cs typeface="Arial" panose="020B0604020202020204" pitchFamily="34" charset="0"/>
+              </a:rPr>
+              <a:t>Kapadia, S. (2020, December 29). Topic modeling in Python: Latent dirichlet allocation (LDA). Medium. Retrieved April 24, 2022, from </a:t>
+            </a:r>
+            <a:r>
+              <a:rPr lang="en-US" sz="1600" dirty="0" smtClean="0">
+                <a:latin typeface="Arial" panose="020B0604020202020204" pitchFamily="34" charset="0"/>
+                <a:cs typeface="Arial" panose="020B0604020202020204" pitchFamily="34" charset="0"/>
+                <a:hlinkClick r:id="rId4" tooltip="" action="ppaction://hlinkfile"/>
+              </a:rPr>
+              <a:t>https://towardsdatascience.com/end-to-end-topic-modeling-in-python-latent-dirichlet-allocation-lda-35ce4ed6b3e0</a:t>
+            </a:r>
+            <a:endParaRPr lang="en-US" sz="1600" dirty="0" smtClean="0">
+              <a:latin typeface="Arial" panose="020B0604020202020204" pitchFamily="34" charset="0"/>
+              <a:cs typeface="Arial" panose="020B0604020202020204" pitchFamily="34" charset="0"/>
+              <a:hlinkClick r:id="rId4" tooltip="" action="ppaction://hlinkfile"/>
+            </a:endParaRPr>
+          </a:p>
+          <a:p>
+            <a:pPr marL="342900" indent="-342900">
+              <a:lnSpc>
+                <a:spcPct val="150000"/>
+              </a:lnSpc>
+              <a:buFont typeface="Arial" panose="020B0604020202020204" pitchFamily="34" charset="0"/>
+              <a:buChar char="•"/>
+            </a:pPr>
+            <a:r>
+              <a:rPr lang="en-US" sz="1600" dirty="0" smtClean="0">
+                <a:latin typeface="Arial" panose="020B0604020202020204" pitchFamily="34" charset="0"/>
+                <a:cs typeface="Arial" panose="020B0604020202020204" pitchFamily="34" charset="0"/>
+              </a:rPr>
+              <a:t>Tanner, G. (n.d.). Building a book recommendation system using Keras. Gilbert Tanner. Retrieved April 24, 2022, from </a:t>
+            </a:r>
+            <a:r>
+              <a:rPr lang="en-US" sz="1600" dirty="0" smtClean="0">
+                <a:latin typeface="Arial" panose="020B0604020202020204" pitchFamily="34" charset="0"/>
+                <a:cs typeface="Arial" panose="020B0604020202020204" pitchFamily="34" charset="0"/>
+                <a:hlinkClick r:id="rId5" tooltip="" action="ppaction://hlinkfile"/>
+              </a:rPr>
+              <a:t>https://gilberttanner.com/blog/building-a-book-recommendation-system-usingkeras </a:t>
+            </a:r>
+            <a:endParaRPr lang="en-US" sz="1600" dirty="0" smtClean="0">
+              <a:latin typeface="Arial" panose="020B0604020202020204" pitchFamily="34" charset="0"/>
+              <a:cs typeface="Arial" panose="020B0604020202020204" pitchFamily="34" charset="0"/>
+            </a:endParaRPr>
+          </a:p>
+          <a:p>
+            <a:pPr marL="342900" indent="-342900">
+              <a:lnSpc>
+                <a:spcPct val="150000"/>
+              </a:lnSpc>
+              <a:buFont typeface="Arial" panose="020B0604020202020204" pitchFamily="34" charset="0"/>
+              <a:buChar char="•"/>
+            </a:pPr>
             <a:endParaRPr lang="en-US" sz="1600" dirty="0" smtClean="0">
               <a:latin typeface="Arial" panose="020B0604020202020204" pitchFamily="34" charset="0"/>
               <a:cs typeface="Arial" panose="020B0604020202020204" pitchFamily="34" charset="0"/>

--- a/presentation/Project_Presentation_Final.pptx
+++ b/presentation/Project_Presentation_Final.pptx
@@ -5,15 +5,15 @@
     <p:sldMasterId id="2147483648" r:id="rId1"/>
   </p:sldMasterIdLst>
   <p:notesMasterIdLst>
-    <p:notesMasterId r:id="rId6"/>
+    <p:notesMasterId r:id="rId4"/>
   </p:notesMasterIdLst>
   <p:handoutMasterIdLst>
     <p:handoutMasterId r:id="rId53"/>
   </p:handoutMasterIdLst>
   <p:sldIdLst>
     <p:sldId id="422" r:id="rId3"/>
-    <p:sldId id="407" r:id="rId4"/>
-    <p:sldId id="415" r:id="rId5"/>
+    <p:sldId id="407" r:id="rId5"/>
+    <p:sldId id="415" r:id="rId6"/>
     <p:sldId id="435" r:id="rId7"/>
     <p:sldId id="429" r:id="rId8"/>
     <p:sldId id="436" r:id="rId9"/>
@@ -979,6 +979,54 @@
         <p:cNvGrpSpPr/>
         <p:nvPr/>
       </p:nvGrpSpPr>
+      <p:grpSpPr/>
+      <p:sp>
+        <p:nvSpPr>
+          <p:cNvPr id="2" name="Slide Image Placeholder 1"/>
+          <p:cNvSpPr/>
+          <p:nvPr>
+            <p:ph type="sldImg"/>
+          </p:nvPr>
+        </p:nvSpPr>
+        <p:spPr/>
+      </p:sp>
+      <p:sp>
+        <p:nvSpPr>
+          <p:cNvPr id="3" name="Text Placeholder 2"/>
+          <p:cNvSpPr/>
+          <p:nvPr>
+            <p:ph type="body"/>
+          </p:nvPr>
+        </p:nvSpPr>
+        <p:spPr/>
+        <p:txBody>
+          <a:bodyPr/>
+          <a:p>
+            <a:r>
+              <a:rPr lang="en-US"/>
+              <a:t>Hello everyone, in this presentation I will go over the second phase of my data science capstone project about the Amazon Product Recommender System.</a:t>
+            </a:r>
+            <a:endParaRPr lang="en-US"/>
+          </a:p>
+        </p:txBody>
+      </p:sp>
+    </p:spTree>
+  </p:cSld>
+  <p:clrMapOvr>
+    <a:masterClrMapping/>
+  </p:clrMapOvr>
+</p:notes>
+</file>
+
+<file path=ppt/notesSlides/notesSlide10.xml><?xml version="1.0" encoding="utf-8"?>
+<p:notes xmlns:a="http://schemas.openxmlformats.org/drawingml/2006/main" xmlns:r="http://schemas.openxmlformats.org/officeDocument/2006/relationships" xmlns:p="http://schemas.openxmlformats.org/presentationml/2006/main">
+  <p:cSld>
+    <p:spTree>
+      <p:nvGrpSpPr>
+        <p:cNvPr id="1" name=""/>
+        <p:cNvGrpSpPr/>
+        <p:nvPr/>
+      </p:nvGrpSpPr>
       <p:grpSpPr>
         <a:xfrm>
           <a:off x="0" y="0"/>
@@ -989,7 +1037,7 @@
       </p:grpSpPr>
       <p:sp>
         <p:nvSpPr>
-          <p:cNvPr id="11265" name="幻灯片图像占位符 1"/>
+          <p:cNvPr id="33793" name="幻灯片图像占位符 1"/>
           <p:cNvSpPr>
             <a:spLocks noGrp="1" noRot="1" noChangeAspect="1"/>
           </p:cNvSpPr>
@@ -1001,7 +1049,7 @@
       </p:sp>
       <p:sp>
         <p:nvSpPr>
-          <p:cNvPr id="11266" name="备注占位符 2"/>
+          <p:cNvPr id="33794" name="备注占位符 2"/>
           <p:cNvSpPr>
             <a:spLocks noGrp="1"/>
           </p:cNvSpPr>
@@ -1027,7 +1075,7 @@
       </p:sp>
       <p:sp>
         <p:nvSpPr>
-          <p:cNvPr id="11267" name="灯片编号占位符 3"/>
+          <p:cNvPr id="33795" name="灯片编号占位符 3"/>
           <p:cNvSpPr>
             <a:spLocks noGrp="1"/>
           </p:cNvSpPr>
@@ -1074,7 +1122,216 @@
 </p:notes>
 </file>
 
-<file path=ppt/notesSlides/notesSlide10.xml><?xml version="1.0" encoding="utf-8"?>
+<file path=ppt/notesSlides/notesSlide11.xml><?xml version="1.0" encoding="utf-8"?>
+<p:notes xmlns:a="http://schemas.openxmlformats.org/drawingml/2006/main" xmlns:r="http://schemas.openxmlformats.org/officeDocument/2006/relationships" xmlns:p="http://schemas.openxmlformats.org/presentationml/2006/main">
+  <p:cSld>
+    <p:spTree>
+      <p:nvGrpSpPr>
+        <p:cNvPr id="1" name=""/>
+        <p:cNvGrpSpPr/>
+        <p:nvPr/>
+      </p:nvGrpSpPr>
+      <p:grpSpPr>
+        <a:xfrm>
+          <a:off x="0" y="0"/>
+          <a:ext cx="0" cy="0"/>
+          <a:chOff x="0" y="0"/>
+          <a:chExt cx="0" cy="0"/>
+        </a:xfrm>
+      </p:grpSpPr>
+      <p:sp>
+        <p:nvSpPr>
+          <p:cNvPr id="2" name="幻灯片图像占位符 1"/>
+          <p:cNvSpPr>
+            <a:spLocks noGrp="1" noRot="1" noChangeAspect="1"/>
+          </p:cNvSpPr>
+          <p:nvPr>
+            <p:ph type="sldImg"/>
+          </p:nvPr>
+        </p:nvSpPr>
+        <p:spPr/>
+      </p:sp>
+      <p:sp>
+        <p:nvSpPr>
+          <p:cNvPr id="3" name="备注占位符 2"/>
+          <p:cNvSpPr>
+            <a:spLocks noGrp="1"/>
+          </p:cNvSpPr>
+          <p:nvPr>
+            <p:ph type="body" idx="1"/>
+          </p:nvPr>
+        </p:nvSpPr>
+        <p:spPr/>
+        <p:txBody>
+          <a:bodyPr/>
+          <a:lstStyle/>
+          <a:p>
+            <a:endParaRPr lang="en-US" sz="1200" b="0" i="0" kern="1200" dirty="0" smtClean="0">
+              <a:solidFill>
+                <a:schemeClr val="tx1"/>
+              </a:solidFill>
+              <a:effectLst/>
+              <a:latin typeface="+mn-lt"/>
+              <a:ea typeface="Arial" panose="020B0604020202020204" pitchFamily="34" charset="0"/>
+              <a:cs typeface="+mn-cs"/>
+              <a:sym typeface="Arial" panose="020B0604020202020204" pitchFamily="34" charset="0"/>
+            </a:endParaRPr>
+          </a:p>
+          <a:p>
+            <a:pPr marL="0" marR="0" lvl="0" indent="0" algn="l" defTabSz="914400" rtl="0" eaLnBrk="1" fontAlgn="auto" latinLnBrk="0" hangingPunct="1">
+              <a:lnSpc>
+                <a:spcPct val="100000"/>
+              </a:lnSpc>
+              <a:spcBef>
+                <a:spcPts val="0"/>
+              </a:spcBef>
+              <a:spcAft>
+                <a:spcPts val="0"/>
+              </a:spcAft>
+              <a:buClrTx/>
+              <a:buSzTx/>
+              <a:buFontTx/>
+              <a:buNone/>
+              <a:defRPr/>
+            </a:pPr>
+            <a:r>
+              <a:rPr lang="en-US" altLang="zh-CN" sz="1200" dirty="0" smtClean="0">
+                <a:solidFill>
+                  <a:srgbClr val="262626"/>
+                </a:solidFill>
+                <a:latin typeface="Arial" panose="020B0604020202020204" pitchFamily="34" charset="0"/>
+                <a:cs typeface="Arial" panose="020B0604020202020204" pitchFamily="34" charset="0"/>
+              </a:rPr>
+              <a:t>The rating distribution graphs show that the overall ratings in this review data set are highly imbalanced, which contains more than 69% of 5 stars rating.</a:t>
+            </a:r>
+            <a:endParaRPr lang="en-US" altLang="zh-CN" sz="1200" dirty="0" smtClean="0">
+              <a:solidFill>
+                <a:srgbClr val="262626"/>
+              </a:solidFill>
+              <a:latin typeface="Arial" panose="020B0604020202020204" pitchFamily="34" charset="0"/>
+              <a:cs typeface="Arial" panose="020B0604020202020204" pitchFamily="34" charset="0"/>
+            </a:endParaRPr>
+          </a:p>
+          <a:p>
+            <a:endParaRPr lang="en-US" sz="1200" b="0" i="0" kern="1200" dirty="0" smtClean="0">
+              <a:solidFill>
+                <a:schemeClr val="tx1"/>
+              </a:solidFill>
+              <a:effectLst/>
+              <a:latin typeface="+mn-lt"/>
+              <a:ea typeface="Arial" panose="020B0604020202020204" pitchFamily="34" charset="0"/>
+              <a:cs typeface="+mn-cs"/>
+              <a:sym typeface="Arial" panose="020B0604020202020204" pitchFamily="34" charset="0"/>
+            </a:endParaRPr>
+          </a:p>
+          <a:p>
+            <a:r>
+              <a:rPr lang="en-US" sz="1200" b="0" i="0" kern="1200" dirty="0" smtClean="0">
+                <a:solidFill>
+                  <a:schemeClr val="tx1"/>
+                </a:solidFill>
+                <a:effectLst/>
+                <a:latin typeface="+mn-lt"/>
+                <a:ea typeface="Arial" panose="020B0604020202020204" pitchFamily="34" charset="0"/>
+                <a:cs typeface="+mn-cs"/>
+                <a:sym typeface="Arial" panose="020B0604020202020204" pitchFamily="34" charset="0"/>
+              </a:rPr>
+              <a:t>Thus, in the following model development, we need to keep in mind that the accuracy metric may not be useful for evaluating the machine learning models; instead, precision, recall, and F1 score values could be suitable for model evaluation.</a:t>
+            </a:r>
+            <a:endParaRPr lang="en-US" sz="1200" b="0" i="0" kern="1200" dirty="0" smtClean="0">
+              <a:solidFill>
+                <a:schemeClr val="tx1"/>
+              </a:solidFill>
+              <a:effectLst/>
+              <a:latin typeface="+mn-lt"/>
+              <a:ea typeface="Arial" panose="020B0604020202020204" pitchFamily="34" charset="0"/>
+              <a:cs typeface="+mn-cs"/>
+              <a:sym typeface="Arial" panose="020B0604020202020204" pitchFamily="34" charset="0"/>
+            </a:endParaRPr>
+          </a:p>
+          <a:p>
+            <a:endParaRPr lang="en-US" dirty="0"/>
+          </a:p>
+        </p:txBody>
+      </p:sp>
+    </p:spTree>
+  </p:cSld>
+  <p:clrMapOvr>
+    <a:masterClrMapping/>
+  </p:clrMapOvr>
+</p:notes>
+</file>
+
+<file path=ppt/notesSlides/notesSlide12.xml><?xml version="1.0" encoding="utf-8"?>
+<p:notes xmlns:a="http://schemas.openxmlformats.org/drawingml/2006/main" xmlns:r="http://schemas.openxmlformats.org/officeDocument/2006/relationships" xmlns:p="http://schemas.openxmlformats.org/presentationml/2006/main">
+  <p:cSld>
+    <p:spTree>
+      <p:nvGrpSpPr>
+        <p:cNvPr id="1" name=""/>
+        <p:cNvGrpSpPr/>
+        <p:nvPr/>
+      </p:nvGrpSpPr>
+      <p:grpSpPr>
+        <a:xfrm>
+          <a:off x="0" y="0"/>
+          <a:ext cx="0" cy="0"/>
+          <a:chOff x="0" y="0"/>
+          <a:chExt cx="0" cy="0"/>
+        </a:xfrm>
+      </p:grpSpPr>
+      <p:sp>
+        <p:nvSpPr>
+          <p:cNvPr id="2" name="幻灯片图像占位符 1"/>
+          <p:cNvSpPr>
+            <a:spLocks noGrp="1" noRot="1" noChangeAspect="1"/>
+          </p:cNvSpPr>
+          <p:nvPr>
+            <p:ph type="sldImg"/>
+          </p:nvPr>
+        </p:nvSpPr>
+        <p:spPr/>
+      </p:sp>
+      <p:sp>
+        <p:nvSpPr>
+          <p:cNvPr id="3" name="备注占位符 2"/>
+          <p:cNvSpPr>
+            <a:spLocks noGrp="1"/>
+          </p:cNvSpPr>
+          <p:nvPr>
+            <p:ph type="body" idx="1"/>
+          </p:nvPr>
+        </p:nvSpPr>
+        <p:spPr/>
+        <p:txBody>
+          <a:bodyPr/>
+          <a:lstStyle/>
+          <a:p>
+            <a:r>
+              <a:rPr lang="en-US" sz="1200" b="0" i="0" kern="1200" dirty="0" smtClean="0">
+                <a:solidFill>
+                  <a:schemeClr val="tx1"/>
+                </a:solidFill>
+                <a:effectLst/>
+                <a:latin typeface="+mn-lt"/>
+                <a:ea typeface="Arial" panose="020B0604020202020204" pitchFamily="34" charset="0"/>
+                <a:cs typeface="+mn-cs"/>
+                <a:sym typeface="Arial" panose="020B0604020202020204" pitchFamily="34" charset="0"/>
+              </a:rPr>
+              <a:t>Most of the reviews contain less than 100 words. The word counts distributions for each star rating review are similar, but if we look in to the detail of the box plot graph, we could see that negative or low star rating reviews have more texts entered. The box plot shows that the 5 stars rating reviews have the lowest interquartile range (IQR) compared to the other 4 ratings, which implies that it has average the shortest review text.</a:t>
+            </a:r>
+            <a:endParaRPr lang="en-US" dirty="0"/>
+          </a:p>
+        </p:txBody>
+      </p:sp>
+    </p:spTree>
+  </p:cSld>
+  <p:clrMapOvr>
+    <a:masterClrMapping/>
+  </p:clrMapOvr>
+</p:notes>
+</file>
+
+<file path=ppt/notesSlides/notesSlide13.xml><?xml version="1.0" encoding="utf-8"?>
 <p:notes xmlns:a="http://schemas.openxmlformats.org/drawingml/2006/main" xmlns:r="http://schemas.openxmlformats.org/officeDocument/2006/relationships" xmlns:p="http://schemas.openxmlformats.org/presentationml/2006/main">
   <p:cSld>
     <p:spTree>
@@ -1118,7 +1375,7 @@
 </p:notes>
 </file>
 
-<file path=ppt/notesSlides/notesSlide11.xml><?xml version="1.0" encoding="utf-8"?>
+<file path=ppt/notesSlides/notesSlide14.xml><?xml version="1.0" encoding="utf-8"?>
 <p:notes xmlns:a="http://schemas.openxmlformats.org/drawingml/2006/main" xmlns:r="http://schemas.openxmlformats.org/officeDocument/2006/relationships" xmlns:p="http://schemas.openxmlformats.org/presentationml/2006/main">
   <p:cSld>
     <p:spTree>
@@ -1223,7 +1480,7 @@
 </p:notes>
 </file>
 
-<file path=ppt/notesSlides/notesSlide12.xml><?xml version="1.0" encoding="utf-8"?>
+<file path=ppt/notesSlides/notesSlide15.xml><?xml version="1.0" encoding="utf-8"?>
 <p:notes xmlns:a="http://schemas.openxmlformats.org/drawingml/2006/main" xmlns:r="http://schemas.openxmlformats.org/officeDocument/2006/relationships" xmlns:p="http://schemas.openxmlformats.org/presentationml/2006/main">
   <p:cSld>
     <p:spTree>
@@ -1450,7 +1707,7 @@
 </p:notes>
 </file>
 
-<file path=ppt/notesSlides/notesSlide13.xml><?xml version="1.0" encoding="utf-8"?>
+<file path=ppt/notesSlides/notesSlide16.xml><?xml version="1.0" encoding="utf-8"?>
 <p:notes xmlns:a="http://schemas.openxmlformats.org/drawingml/2006/main" xmlns:r="http://schemas.openxmlformats.org/officeDocument/2006/relationships" xmlns:p="http://schemas.openxmlformats.org/presentationml/2006/main">
   <p:cSld>
     <p:spTree>
@@ -1506,7 +1763,7 @@
 </p:notes>
 </file>
 
-<file path=ppt/notesSlides/notesSlide14.xml><?xml version="1.0" encoding="utf-8"?>
+<file path=ppt/notesSlides/notesSlide17.xml><?xml version="1.0" encoding="utf-8"?>
 <p:notes xmlns:a="http://schemas.openxmlformats.org/drawingml/2006/main" xmlns:r="http://schemas.openxmlformats.org/officeDocument/2006/relationships" xmlns:p="http://schemas.openxmlformats.org/presentationml/2006/main">
   <p:cSld>
     <p:spTree>
@@ -1668,7 +1925,7 @@
 </p:notes>
 </file>
 
-<file path=ppt/notesSlides/notesSlide15.xml><?xml version="1.0" encoding="utf-8"?>
+<file path=ppt/notesSlides/notesSlide18.xml><?xml version="1.0" encoding="utf-8"?>
 <p:notes xmlns:a="http://schemas.openxmlformats.org/drawingml/2006/main" xmlns:r="http://schemas.openxmlformats.org/officeDocument/2006/relationships" xmlns:p="http://schemas.openxmlformats.org/presentationml/2006/main">
   <p:cSld>
     <p:spTree>
@@ -1772,7 +2029,7 @@
 </p:notes>
 </file>
 
-<file path=ppt/notesSlides/notesSlide16.xml><?xml version="1.0" encoding="utf-8"?>
+<file path=ppt/notesSlides/notesSlide19.xml><?xml version="1.0" encoding="utf-8"?>
 <p:notes xmlns:a="http://schemas.openxmlformats.org/drawingml/2006/main" xmlns:r="http://schemas.openxmlformats.org/officeDocument/2006/relationships" xmlns:p="http://schemas.openxmlformats.org/presentationml/2006/main">
   <p:cSld>
     <p:spTree>
@@ -1830,7 +2087,7 @@
                 <a:cs typeface="Arial" panose="020B0604020202020204" pitchFamily="34" charset="0"/>
                 <a:sym typeface="+mn-ea"/>
               </a:rPr>
-              <a:t>First of all, we need a base model that can generate recommendations without the least input information. </a:t>
+              <a:t>First of all, we need a base model that can generate recommendations with the least input information. </a:t>
             </a:r>
             <a:endParaRPr lang="en-US" altLang="zh-CN" dirty="0">
               <a:solidFill>
@@ -1924,7 +2181,58 @@
 </p:notes>
 </file>
 
-<file path=ppt/notesSlides/notesSlide17.xml><?xml version="1.0" encoding="utf-8"?>
+<file path=ppt/notesSlides/notesSlide2.xml><?xml version="1.0" encoding="utf-8"?>
+<p:notes xmlns:a="http://schemas.openxmlformats.org/drawingml/2006/main" xmlns:r="http://schemas.openxmlformats.org/officeDocument/2006/relationships" xmlns:p="http://schemas.openxmlformats.org/presentationml/2006/main">
+  <p:cSld>
+    <p:spTree>
+      <p:nvGrpSpPr>
+        <p:cNvPr id="1" name=""/>
+        <p:cNvGrpSpPr/>
+        <p:nvPr/>
+      </p:nvGrpSpPr>
+      <p:grpSpPr/>
+      <p:sp>
+        <p:nvSpPr>
+          <p:cNvPr id="2" name="Slide Image Placeholder 1"/>
+          <p:cNvSpPr/>
+          <p:nvPr>
+            <p:ph type="sldImg"/>
+          </p:nvPr>
+        </p:nvSpPr>
+        <p:spPr/>
+      </p:sp>
+      <p:sp>
+        <p:nvSpPr>
+          <p:cNvPr id="3" name="Text Placeholder 2"/>
+          <p:cNvSpPr/>
+          <p:nvPr>
+            <p:ph type="body"/>
+          </p:nvPr>
+        </p:nvSpPr>
+        <p:spPr/>
+        <p:txBody>
+          <a:bodyPr/>
+          <a:p>
+            <a:endParaRPr lang="en-US"/>
+          </a:p>
+          <a:p>
+            <a:r>
+              <a:rPr lang="en-US"/>
+              <a:t>Since we have already gone through the detail of sections one to five in the previous presentation, in this one, I will mainly focus on sections 6 to 8 which are Machine learning models, System Integration, and conclusion.</a:t>
+            </a:r>
+            <a:endParaRPr lang="en-US"/>
+          </a:p>
+        </p:txBody>
+      </p:sp>
+    </p:spTree>
+  </p:cSld>
+  <p:clrMapOvr>
+    <a:masterClrMapping/>
+  </p:clrMapOvr>
+</p:notes>
+</file>
+
+<file path=ppt/notesSlides/notesSlide20.xml><?xml version="1.0" encoding="utf-8"?>
 <p:notes xmlns:a="http://schemas.openxmlformats.org/drawingml/2006/main" xmlns:r="http://schemas.openxmlformats.org/officeDocument/2006/relationships" xmlns:p="http://schemas.openxmlformats.org/presentationml/2006/main">
   <p:cSld>
     <p:spTree>
@@ -2003,7 +2311,7 @@
 </p:notes>
 </file>
 
-<file path=ppt/notesSlides/notesSlide18.xml><?xml version="1.0" encoding="utf-8"?>
+<file path=ppt/notesSlides/notesSlide21.xml><?xml version="1.0" encoding="utf-8"?>
 <p:notes xmlns:a="http://schemas.openxmlformats.org/drawingml/2006/main" xmlns:r="http://schemas.openxmlformats.org/officeDocument/2006/relationships" xmlns:p="http://schemas.openxmlformats.org/presentationml/2006/main">
   <p:cSld>
     <p:spTree>
@@ -2061,7 +2369,7 @@
                 <a:cs typeface="Arial" panose="020B0604020202020204" pitchFamily="34" charset="0"/>
                 <a:sym typeface="+mn-ea"/>
               </a:rPr>
-              <a:t>I have applied this approach against both product description and metadata, and their recommendation results are very convincing. However, this approach is not a good fit for Web API because the matrix size is too large for local RAM or web hosting service storage and RAM, so we have to try using another method for Web API deployment for the content-based filtering.</a:t>
+              <a:t>I have applied this approach against both product description and metadata, and their recommendation results are very convincing. As you can see, the results from both model are returning similar product for the input mini refrigerator. However, this approach is not a good fit for Web API because the matrix size is too large for local RAM or web hosting service storage and RAM, so we have to try using another method for Web API deployment for the content-based filtering.</a:t>
             </a:r>
             <a:endParaRPr lang="en-US" altLang="zh-CN" dirty="0">
               <a:solidFill>
@@ -2082,7 +2390,7 @@
 </p:notes>
 </file>
 
-<file path=ppt/notesSlides/notesSlide19.xml><?xml version="1.0" encoding="utf-8"?>
+<file path=ppt/notesSlides/notesSlide22.xml><?xml version="1.0" encoding="utf-8"?>
 <p:notes xmlns:a="http://schemas.openxmlformats.org/drawingml/2006/main" xmlns:r="http://schemas.openxmlformats.org/officeDocument/2006/relationships" xmlns:p="http://schemas.openxmlformats.org/presentationml/2006/main">
   <p:cSld>
     <p:spTree>
@@ -2222,7 +2530,29 @@
                 <a:cs typeface="Arial" panose="020B0604020202020204" pitchFamily="34" charset="0"/>
                 <a:sym typeface="+mn-ea"/>
               </a:rPr>
-              <a:t>The Final LDA model has a Coherence Score: 0.606, and the topic modeling recommender did a fairly good job. However, the cosine similarity models are performing better and generating more concise recommendations. Since it is just adding extra topic number and probability columns to the dataset, the data file size would be much smaller than the cosine similarity model. Thus, we use the LDA model output for Web API depoyment.</a:t>
+              <a:t>The Final LDA model has a Coherence Score: 0.606, and the topic modeling recommender did a fairly good job. Compare to the cosine similarity models, it is generating less precise recommendations, but the data file size would be much smaller because </a:t>
+            </a:r>
+            <a:r>
+              <a:rPr lang="en-US" altLang="zh-CN" dirty="0">
+                <a:solidFill>
+                  <a:srgbClr val="262626"/>
+                </a:solidFill>
+                <a:latin typeface="Arial" panose="020B0604020202020204" pitchFamily="34" charset="0"/>
+                <a:cs typeface="Arial" panose="020B0604020202020204" pitchFamily="34" charset="0"/>
+                <a:sym typeface="+mn-ea"/>
+              </a:rPr>
+              <a:t>it is just adding extra topic number and probability columns to the dataset</a:t>
+            </a:r>
+            <a:r>
+              <a:rPr lang="en-US" altLang="zh-CN" dirty="0">
+                <a:solidFill>
+                  <a:srgbClr val="262626"/>
+                </a:solidFill>
+                <a:latin typeface="Arial" panose="020B0604020202020204" pitchFamily="34" charset="0"/>
+                <a:cs typeface="Arial" panose="020B0604020202020204" pitchFamily="34" charset="0"/>
+                <a:sym typeface="+mn-ea"/>
+              </a:rPr>
+              <a:t>. Thus, we use the LDA model output for Web API depoyment.</a:t>
             </a:r>
             <a:endParaRPr lang="en-US" altLang="zh-CN" dirty="0">
               <a:solidFill>
@@ -2258,156 +2588,7 @@
 </p:notes>
 </file>
 
-<file path=ppt/notesSlides/notesSlide2.xml><?xml version="1.0" encoding="utf-8"?>
-<p:notes xmlns:a="http://schemas.openxmlformats.org/drawingml/2006/main" xmlns:r="http://schemas.openxmlformats.org/officeDocument/2006/relationships" xmlns:p="http://schemas.openxmlformats.org/presentationml/2006/main">
-  <p:cSld>
-    <p:spTree>
-      <p:nvGrpSpPr>
-        <p:cNvPr id="1" name=""/>
-        <p:cNvGrpSpPr/>
-        <p:nvPr/>
-      </p:nvGrpSpPr>
-      <p:grpSpPr>
-        <a:xfrm>
-          <a:off x="0" y="0"/>
-          <a:ext cx="0" cy="0"/>
-          <a:chOff x="0" y="0"/>
-          <a:chExt cx="0" cy="0"/>
-        </a:xfrm>
-      </p:grpSpPr>
-      <p:sp>
-        <p:nvSpPr>
-          <p:cNvPr id="2" name="幻灯片图像占位符 1"/>
-          <p:cNvSpPr>
-            <a:spLocks noGrp="1" noRot="1" noChangeAspect="1"/>
-          </p:cNvSpPr>
-          <p:nvPr>
-            <p:ph type="sldImg"/>
-          </p:nvPr>
-        </p:nvSpPr>
-        <p:spPr/>
-      </p:sp>
-      <p:sp>
-        <p:nvSpPr>
-          <p:cNvPr id="3" name="备注占位符 2"/>
-          <p:cNvSpPr>
-            <a:spLocks noGrp="1"/>
-          </p:cNvSpPr>
-          <p:nvPr>
-            <p:ph type="body" idx="1"/>
-          </p:nvPr>
-        </p:nvSpPr>
-        <p:spPr/>
-        <p:txBody>
-          <a:bodyPr/>
-          <a:lstStyle/>
-          <a:p>
-            <a:r>
-              <a:rPr lang="en-US" sz="1200" b="0" i="0" kern="1200" dirty="0" smtClean="0">
-                <a:solidFill>
-                  <a:schemeClr val="tx1"/>
-                </a:solidFill>
-                <a:effectLst/>
-                <a:latin typeface="+mn-lt"/>
-                <a:ea typeface="Arial" panose="020B0604020202020204" pitchFamily="34" charset="0"/>
-                <a:cs typeface="+mn-cs"/>
-                <a:sym typeface="Arial" panose="020B0604020202020204" pitchFamily="34" charset="0"/>
-              </a:rPr>
-              <a:t>As E-commerce becomes more and more popular in recent years, especially by the impact of the COVID-19 pandemic, many retailers and companies are switching their business models to adapt to the trend. In addition, with the rapid growth of big data technology, the cost of storage capacity to store enormous amounts of data decreases gradually. No matter the tech giant or start-up, all companies can make use of the gathered data to boost their business success.</a:t>
-            </a:r>
-            <a:endParaRPr lang="en-US" sz="1200" b="0" i="0" kern="1200" dirty="0" smtClean="0">
-              <a:solidFill>
-                <a:schemeClr val="tx1"/>
-              </a:solidFill>
-              <a:effectLst/>
-              <a:latin typeface="+mn-lt"/>
-              <a:ea typeface="Arial" panose="020B0604020202020204" pitchFamily="34" charset="0"/>
-              <a:cs typeface="+mn-cs"/>
-              <a:sym typeface="Arial" panose="020B0604020202020204" pitchFamily="34" charset="0"/>
-            </a:endParaRPr>
-          </a:p>
-          <a:p>
-            <a:endParaRPr lang="en-US" sz="1200" b="0" i="0" kern="1200" dirty="0" smtClean="0">
-              <a:solidFill>
-                <a:schemeClr val="tx1"/>
-              </a:solidFill>
-              <a:effectLst/>
-              <a:latin typeface="+mn-lt"/>
-              <a:cs typeface="+mn-cs"/>
-              <a:sym typeface="Arial" panose="020B0604020202020204" pitchFamily="34" charset="0"/>
-            </a:endParaRPr>
-          </a:p>
-          <a:p>
-            <a:r>
-              <a:rPr lang="en-US" altLang="zh-CN" dirty="0" smtClean="0"/>
-              <a:t>So why recommender system is important in the</a:t>
-            </a:r>
-            <a:r>
-              <a:rPr lang="en-US" altLang="zh-CN" baseline="0" dirty="0" smtClean="0"/>
-              <a:t> current era? </a:t>
-            </a:r>
-            <a:r>
-              <a:rPr lang="en-US" sz="1200" b="0" i="0" kern="1200" dirty="0" smtClean="0">
-                <a:solidFill>
-                  <a:schemeClr val="tx1"/>
-                </a:solidFill>
-                <a:effectLst/>
-                <a:latin typeface="+mn-lt"/>
-                <a:ea typeface="Arial" panose="020B0604020202020204" pitchFamily="34" charset="0"/>
-                <a:cs typeface="+mn-cs"/>
-                <a:sym typeface="Arial" panose="020B0604020202020204" pitchFamily="34" charset="0"/>
-              </a:rPr>
-              <a:t>There are several benefits that businesses can achieve using product recommender systems.</a:t>
-            </a:r>
-            <a:endParaRPr lang="en-US" sz="1200" b="0" i="0" kern="1200" dirty="0" smtClean="0">
-              <a:solidFill>
-                <a:schemeClr val="tx1"/>
-              </a:solidFill>
-              <a:effectLst/>
-              <a:latin typeface="+mn-lt"/>
-              <a:ea typeface="Arial" panose="020B0604020202020204" pitchFamily="34" charset="0"/>
-              <a:cs typeface="+mn-cs"/>
-              <a:sym typeface="Arial" panose="020B0604020202020204" pitchFamily="34" charset="0"/>
-            </a:endParaRPr>
-          </a:p>
-          <a:p>
-            <a:endParaRPr lang="en-US" sz="1200" b="0" i="0" kern="1200" dirty="0" smtClean="0">
-              <a:solidFill>
-                <a:schemeClr val="tx1"/>
-              </a:solidFill>
-              <a:effectLst/>
-              <a:latin typeface="+mn-lt"/>
-              <a:cs typeface="+mn-cs"/>
-              <a:sym typeface="Arial" panose="020B0604020202020204" pitchFamily="34" charset="0"/>
-            </a:endParaRPr>
-          </a:p>
-          <a:p>
-            <a:r>
-              <a:rPr lang="en-US" sz="1200" b="0" i="0" kern="1200" dirty="0" smtClean="0">
-                <a:solidFill>
-                  <a:schemeClr val="tx1"/>
-                </a:solidFill>
-                <a:effectLst/>
-                <a:latin typeface="+mn-lt"/>
-                <a:ea typeface="Arial" panose="020B0604020202020204" pitchFamily="34" charset="0"/>
-                <a:cs typeface="+mn-cs"/>
-                <a:sym typeface="Arial" panose="020B0604020202020204" pitchFamily="34" charset="0"/>
-              </a:rPr>
-              <a:t>The objective of this project is to analyze the reason for a product to be recommended and explore different data science methods and algorithms to implement product recommender systems. It will provide business owners or start-up companies a better idea of how recommender systems work and the related advantages.</a:t>
-            </a:r>
-            <a:endParaRPr lang="en-US" dirty="0"/>
-          </a:p>
-        </p:txBody>
-      </p:sp>
-    </p:spTree>
-  </p:cSld>
-  <p:clrMapOvr>
-    <a:masterClrMapping/>
-  </p:clrMapOvr>
-</p:notes>
-</file>
-
-<file path=ppt/notesSlides/notesSlide20.xml><?xml version="1.0" encoding="utf-8"?>
+<file path=ppt/notesSlides/notesSlide23.xml><?xml version="1.0" encoding="utf-8"?>
 <p:notes xmlns:a="http://schemas.openxmlformats.org/drawingml/2006/main" xmlns:r="http://schemas.openxmlformats.org/officeDocument/2006/relationships" xmlns:p="http://schemas.openxmlformats.org/presentationml/2006/main">
   <p:cSld>
     <p:spTree>
@@ -2465,32 +2646,7 @@
                 <a:cs typeface="Arial" panose="020B0604020202020204" pitchFamily="34" charset="0"/>
                 <a:sym typeface="+mn-ea"/>
               </a:rPr>
-              <a:t>The idea of Collaborative methods for recommender systems are methods based on past interactions recorded between users </a:t>
-            </a:r>
-            <a:endParaRPr lang="en-US" altLang="zh-CN">
-              <a:solidFill>
-                <a:schemeClr val="bg1"/>
-              </a:solidFill>
-              <a:latin typeface="Arial" panose="020B0604020202020204" pitchFamily="34" charset="0"/>
-              <a:cs typeface="Arial" panose="020B0604020202020204" pitchFamily="34" charset="0"/>
-            </a:endParaRPr>
-          </a:p>
-          <a:p>
-            <a:pPr>
-              <a:lnSpc>
-                <a:spcPct val="150000"/>
-              </a:lnSpc>
-            </a:pPr>
-            <a:r>
-              <a:rPr lang="en-US" altLang="zh-CN">
-                <a:solidFill>
-                  <a:schemeClr val="bg1"/>
-                </a:solidFill>
-                <a:latin typeface="Arial" panose="020B0604020202020204" pitchFamily="34" charset="0"/>
-                <a:cs typeface="Arial" panose="020B0604020202020204" pitchFamily="34" charset="0"/>
-                <a:sym typeface="+mn-ea"/>
-              </a:rPr>
-              <a:t>and items to generate new recommendations.  The past user-item interactions represent the bases to detect similar users and/or similar items and to make predictions based on estimated proximities.</a:t>
+              <a:t>The idea of Collaborative methods for recommender systems are methods based on past interactions recorded between users and items to generate new recommendations.  The past user-item interactions represent the bases to detect similar users and/or similar items and to make predictions based on estimated proximities.</a:t>
             </a:r>
             <a:endParaRPr lang="en-US" altLang="zh-CN">
               <a:solidFill>
@@ -2634,7 +2790,7 @@
 </p:notes>
 </file>
 
-<file path=ppt/notesSlides/notesSlide21.xml><?xml version="1.0" encoding="utf-8"?>
+<file path=ppt/notesSlides/notesSlide24.xml><?xml version="1.0" encoding="utf-8"?>
 <p:notes xmlns:a="http://schemas.openxmlformats.org/drawingml/2006/main" xmlns:r="http://schemas.openxmlformats.org/officeDocument/2006/relationships" xmlns:p="http://schemas.openxmlformats.org/presentationml/2006/main">
   <p:cSld>
     <p:spTree>
@@ -2813,7 +2969,7 @@
 </p:notes>
 </file>
 
-<file path=ppt/notesSlides/notesSlide22.xml><?xml version="1.0" encoding="utf-8"?>
+<file path=ppt/notesSlides/notesSlide25.xml><?xml version="1.0" encoding="utf-8"?>
 <p:notes xmlns:a="http://schemas.openxmlformats.org/drawingml/2006/main" xmlns:r="http://schemas.openxmlformats.org/officeDocument/2006/relationships" xmlns:p="http://schemas.openxmlformats.org/presentationml/2006/main">
   <p:cSld>
     <p:spTree>
@@ -2933,7 +3089,7 @@
 </p:notes>
 </file>
 
-<file path=ppt/notesSlides/notesSlide23.xml><?xml version="1.0" encoding="utf-8"?>
+<file path=ppt/notesSlides/notesSlide26.xml><?xml version="1.0" encoding="utf-8"?>
 <p:notes xmlns:a="http://schemas.openxmlformats.org/drawingml/2006/main" xmlns:r="http://schemas.openxmlformats.org/officeDocument/2006/relationships" xmlns:p="http://schemas.openxmlformats.org/presentationml/2006/main">
   <p:cSld>
     <p:spTree>
@@ -3053,7 +3209,7 @@
 </p:notes>
 </file>
 
-<file path=ppt/notesSlides/notesSlide24.xml><?xml version="1.0" encoding="utf-8"?>
+<file path=ppt/notesSlides/notesSlide27.xml><?xml version="1.0" encoding="utf-8"?>
 <p:notes xmlns:a="http://schemas.openxmlformats.org/drawingml/2006/main" xmlns:r="http://schemas.openxmlformats.org/officeDocument/2006/relationships" xmlns:p="http://schemas.openxmlformats.org/presentationml/2006/main">
   <p:cSld>
     <p:spTree>
@@ -3205,7 +3361,7 @@
 </p:notes>
 </file>
 
-<file path=ppt/notesSlides/notesSlide25.xml><?xml version="1.0" encoding="utf-8"?>
+<file path=ppt/notesSlides/notesSlide28.xml><?xml version="1.0" encoding="utf-8"?>
 <p:notes xmlns:a="http://schemas.openxmlformats.org/drawingml/2006/main" xmlns:r="http://schemas.openxmlformats.org/officeDocument/2006/relationships" xmlns:p="http://schemas.openxmlformats.org/presentationml/2006/main">
   <p:cSld>
     <p:spTree>
@@ -3286,7 +3442,7 @@
 </p:notes>
 </file>
 
-<file path=ppt/notesSlides/notesSlide26.xml><?xml version="1.0" encoding="utf-8"?>
+<file path=ppt/notesSlides/notesSlide29.xml><?xml version="1.0" encoding="utf-8"?>
 <p:notes xmlns:a="http://schemas.openxmlformats.org/drawingml/2006/main" xmlns:r="http://schemas.openxmlformats.org/officeDocument/2006/relationships" xmlns:p="http://schemas.openxmlformats.org/presentationml/2006/main">
   <p:cSld>
     <p:spTree>
@@ -3400,7 +3556,111 @@
 </p:notes>
 </file>
 
-<file path=ppt/notesSlides/notesSlide27.xml><?xml version="1.0" encoding="utf-8"?>
+<file path=ppt/notesSlides/notesSlide3.xml><?xml version="1.0" encoding="utf-8"?>
+<p:notes xmlns:a="http://schemas.openxmlformats.org/drawingml/2006/main" xmlns:r="http://schemas.openxmlformats.org/officeDocument/2006/relationships" xmlns:p="http://schemas.openxmlformats.org/presentationml/2006/main">
+  <p:cSld>
+    <p:spTree>
+      <p:nvGrpSpPr>
+        <p:cNvPr id="1" name=""/>
+        <p:cNvGrpSpPr/>
+        <p:nvPr/>
+      </p:nvGrpSpPr>
+      <p:grpSpPr>
+        <a:xfrm>
+          <a:off x="0" y="0"/>
+          <a:ext cx="0" cy="0"/>
+          <a:chOff x="0" y="0"/>
+          <a:chExt cx="0" cy="0"/>
+        </a:xfrm>
+      </p:grpSpPr>
+      <p:sp>
+        <p:nvSpPr>
+          <p:cNvPr id="11265" name="幻灯片图像占位符 1"/>
+          <p:cNvSpPr>
+            <a:spLocks noGrp="1" noRot="1" noChangeAspect="1"/>
+          </p:cNvSpPr>
+          <p:nvPr>
+            <p:ph type="sldImg"/>
+          </p:nvPr>
+        </p:nvSpPr>
+        <p:spPr/>
+      </p:sp>
+      <p:sp>
+        <p:nvSpPr>
+          <p:cNvPr id="11266" name="备注占位符 2"/>
+          <p:cNvSpPr>
+            <a:spLocks noGrp="1"/>
+          </p:cNvSpPr>
+          <p:nvPr>
+            <p:ph type="body"/>
+          </p:nvPr>
+        </p:nvSpPr>
+        <p:spPr/>
+        <p:txBody>
+          <a:bodyPr lIns="91440" tIns="45720" rIns="91440" bIns="45720" anchor="t" anchorCtr="0"/>
+          <a:lstStyle/>
+          <a:p>
+            <a:pPr lvl="0"/>
+            <a:endParaRPr lang="en-US" altLang="zh-CN" dirty="0">
+              <a:solidFill>
+                <a:srgbClr val="00B0F0"/>
+              </a:solidFill>
+              <a:latin typeface="微软雅黑" panose="020B0503020204020204" pitchFamily="34" charset="-122"/>
+              <a:ea typeface="微软雅黑" panose="020B0503020204020204" pitchFamily="34" charset="-122"/>
+            </a:endParaRPr>
+          </a:p>
+        </p:txBody>
+      </p:sp>
+      <p:sp>
+        <p:nvSpPr>
+          <p:cNvPr id="11267" name="灯片编号占位符 3"/>
+          <p:cNvSpPr>
+            <a:spLocks noGrp="1"/>
+          </p:cNvSpPr>
+          <p:nvPr>
+            <p:ph type="sldNum" sz="quarter"/>
+          </p:nvPr>
+        </p:nvSpPr>
+        <p:spPr>
+          <a:xfrm>
+            <a:off x="3884613" y="8685213"/>
+            <a:ext cx="2971800" cy="458787"/>
+          </a:xfrm>
+          <a:prstGeom prst="rect">
+            <a:avLst/>
+          </a:prstGeom>
+          <a:noFill/>
+          <a:ln w="9525">
+            <a:noFill/>
+          </a:ln>
+        </p:spPr>
+        <p:txBody>
+          <a:bodyPr vert="horz" lIns="91440" tIns="45720" rIns="91440" bIns="45720" anchor="b" anchorCtr="0"/>
+          <a:lstStyle/>
+          <a:p>
+            <a:pPr lvl="0" algn="r"/>
+            <a:fld id="{9A0DB2DC-4C9A-4742-B13C-FB6460FD3503}" type="slidenum">
+              <a:rPr lang="zh-CN" altLang="en-US" sz="1200">
+                <a:latin typeface="Calibri" panose="020F0502020204030204" charset="0"/>
+                <a:ea typeface="宋体" panose="02010600030101010101" pitchFamily="2" charset="-122"/>
+              </a:rPr>
+            </a:fld>
+            <a:endParaRPr lang="zh-CN" altLang="en-US" sz="1200">
+              <a:latin typeface="Calibri" panose="020F0502020204030204" charset="0"/>
+              <a:ea typeface="宋体" panose="02010600030101010101" pitchFamily="2" charset="-122"/>
+            </a:endParaRPr>
+          </a:p>
+        </p:txBody>
+      </p:sp>
+    </p:spTree>
+  </p:cSld>
+  <p:clrMapOvr>
+    <a:masterClrMapping/>
+  </p:clrMapOvr>
+</p:notes>
+</file>
+
+<file path=ppt/notesSlides/notesSlide30.xml><?xml version="1.0" encoding="utf-8"?>
 <p:notes xmlns:a="http://schemas.openxmlformats.org/drawingml/2006/main" xmlns:r="http://schemas.openxmlformats.org/officeDocument/2006/relationships" xmlns:p="http://schemas.openxmlformats.org/presentationml/2006/main">
   <p:cSld>
     <p:spTree>
@@ -3504,7 +3764,7 @@
 </p:notes>
 </file>
 
-<file path=ppt/notesSlides/notesSlide28.xml><?xml version="1.0" encoding="utf-8"?>
+<file path=ppt/notesSlides/notesSlide31.xml><?xml version="1.0" encoding="utf-8"?>
 <p:notes xmlns:a="http://schemas.openxmlformats.org/drawingml/2006/main" xmlns:r="http://schemas.openxmlformats.org/officeDocument/2006/relationships" xmlns:p="http://schemas.openxmlformats.org/presentationml/2006/main">
   <p:cSld>
     <p:spTree>
@@ -3594,7 +3854,7 @@
 </p:notes>
 </file>
 
-<file path=ppt/notesSlides/notesSlide29.xml><?xml version="1.0" encoding="utf-8"?>
+<file path=ppt/notesSlides/notesSlide32.xml><?xml version="1.0" encoding="utf-8"?>
 <p:notes xmlns:a="http://schemas.openxmlformats.org/drawingml/2006/main" xmlns:r="http://schemas.openxmlformats.org/officeDocument/2006/relationships" xmlns:p="http://schemas.openxmlformats.org/presentationml/2006/main">
   <p:cSld>
     <p:spTree>
@@ -3678,111 +3938,7 @@
 </p:notes>
 </file>
 
-<file path=ppt/notesSlides/notesSlide3.xml><?xml version="1.0" encoding="utf-8"?>
-<p:notes xmlns:a="http://schemas.openxmlformats.org/drawingml/2006/main" xmlns:r="http://schemas.openxmlformats.org/officeDocument/2006/relationships" xmlns:p="http://schemas.openxmlformats.org/presentationml/2006/main">
-  <p:cSld>
-    <p:spTree>
-      <p:nvGrpSpPr>
-        <p:cNvPr id="1" name=""/>
-        <p:cNvGrpSpPr/>
-        <p:nvPr/>
-      </p:nvGrpSpPr>
-      <p:grpSpPr>
-        <a:xfrm>
-          <a:off x="0" y="0"/>
-          <a:ext cx="0" cy="0"/>
-          <a:chOff x="0" y="0"/>
-          <a:chExt cx="0" cy="0"/>
-        </a:xfrm>
-      </p:grpSpPr>
-      <p:sp>
-        <p:nvSpPr>
-          <p:cNvPr id="19457" name="幻灯片图像占位符 1"/>
-          <p:cNvSpPr>
-            <a:spLocks noGrp="1" noRot="1" noChangeAspect="1"/>
-          </p:cNvSpPr>
-          <p:nvPr>
-            <p:ph type="sldImg"/>
-          </p:nvPr>
-        </p:nvSpPr>
-        <p:spPr/>
-      </p:sp>
-      <p:sp>
-        <p:nvSpPr>
-          <p:cNvPr id="19458" name="备注占位符 2"/>
-          <p:cNvSpPr>
-            <a:spLocks noGrp="1"/>
-          </p:cNvSpPr>
-          <p:nvPr>
-            <p:ph type="body"/>
-          </p:nvPr>
-        </p:nvSpPr>
-        <p:spPr/>
-        <p:txBody>
-          <a:bodyPr lIns="91440" tIns="45720" rIns="91440" bIns="45720" anchor="t" anchorCtr="0"/>
-          <a:lstStyle/>
-          <a:p>
-            <a:pPr lvl="0"/>
-            <a:endParaRPr lang="en-US" altLang="zh-CN" dirty="0">
-              <a:solidFill>
-                <a:srgbClr val="00B0F0"/>
-              </a:solidFill>
-              <a:latin typeface="微软雅黑" panose="020B0503020204020204" pitchFamily="34" charset="-122"/>
-              <a:ea typeface="微软雅黑" panose="020B0503020204020204" pitchFamily="34" charset="-122"/>
-            </a:endParaRPr>
-          </a:p>
-        </p:txBody>
-      </p:sp>
-      <p:sp>
-        <p:nvSpPr>
-          <p:cNvPr id="19459" name="灯片编号占位符 3"/>
-          <p:cNvSpPr>
-            <a:spLocks noGrp="1"/>
-          </p:cNvSpPr>
-          <p:nvPr>
-            <p:ph type="sldNum" sz="quarter"/>
-          </p:nvPr>
-        </p:nvSpPr>
-        <p:spPr>
-          <a:xfrm>
-            <a:off x="3884613" y="8685213"/>
-            <a:ext cx="2971800" cy="458787"/>
-          </a:xfrm>
-          <a:prstGeom prst="rect">
-            <a:avLst/>
-          </a:prstGeom>
-          <a:noFill/>
-          <a:ln w="9525">
-            <a:noFill/>
-          </a:ln>
-        </p:spPr>
-        <p:txBody>
-          <a:bodyPr vert="horz" lIns="91440" tIns="45720" rIns="91440" bIns="45720" anchor="b" anchorCtr="0"/>
-          <a:lstStyle/>
-          <a:p>
-            <a:pPr lvl="0" algn="r"/>
-            <a:fld id="{9A0DB2DC-4C9A-4742-B13C-FB6460FD3503}" type="slidenum">
-              <a:rPr lang="zh-CN" altLang="en-US" sz="1200">
-                <a:latin typeface="Calibri" panose="020F0502020204030204" charset="0"/>
-                <a:ea typeface="宋体" panose="02010600030101010101" pitchFamily="2" charset="-122"/>
-              </a:rPr>
-            </a:fld>
-            <a:endParaRPr lang="zh-CN" altLang="en-US" sz="1200">
-              <a:latin typeface="Calibri" panose="020F0502020204030204" charset="0"/>
-              <a:ea typeface="宋体" panose="02010600030101010101" pitchFamily="2" charset="-122"/>
-            </a:endParaRPr>
-          </a:p>
-        </p:txBody>
-      </p:sp>
-    </p:spTree>
-  </p:cSld>
-  <p:clrMapOvr>
-    <a:masterClrMapping/>
-  </p:clrMapOvr>
-</p:notes>
-</file>
-
-<file path=ppt/notesSlides/notesSlide30.xml><?xml version="1.0" encoding="utf-8"?>
+<file path=ppt/notesSlides/notesSlide33.xml><?xml version="1.0" encoding="utf-8"?>
 <p:notes xmlns:a="http://schemas.openxmlformats.org/drawingml/2006/main" xmlns:r="http://schemas.openxmlformats.org/officeDocument/2006/relationships" xmlns:p="http://schemas.openxmlformats.org/presentationml/2006/main">
   <p:cSld>
     <p:spTree>
@@ -3852,7 +4008,7 @@
 </p:notes>
 </file>
 
-<file path=ppt/notesSlides/notesSlide31.xml><?xml version="1.0" encoding="utf-8"?>
+<file path=ppt/notesSlides/notesSlide34.xml><?xml version="1.0" encoding="utf-8"?>
 <p:notes xmlns:a="http://schemas.openxmlformats.org/drawingml/2006/main" xmlns:r="http://schemas.openxmlformats.org/officeDocument/2006/relationships" xmlns:p="http://schemas.openxmlformats.org/presentationml/2006/main">
   <p:cSld>
     <p:spTree>
@@ -3956,7 +4112,7 @@
 </p:notes>
 </file>
 
-<file path=ppt/notesSlides/notesSlide32.xml><?xml version="1.0" encoding="utf-8"?>
+<file path=ppt/notesSlides/notesSlide35.xml><?xml version="1.0" encoding="utf-8"?>
 <p:notes xmlns:a="http://schemas.openxmlformats.org/drawingml/2006/main" xmlns:r="http://schemas.openxmlformats.org/officeDocument/2006/relationships" xmlns:p="http://schemas.openxmlformats.org/presentationml/2006/main">
   <p:cSld>
     <p:spTree>
@@ -4394,7 +4550,7 @@
 </p:notes>
 </file>
 
-<file path=ppt/notesSlides/notesSlide33.xml><?xml version="1.0" encoding="utf-8"?>
+<file path=ppt/notesSlides/notesSlide36.xml><?xml version="1.0" encoding="utf-8"?>
 <p:notes xmlns:a="http://schemas.openxmlformats.org/drawingml/2006/main" xmlns:r="http://schemas.openxmlformats.org/officeDocument/2006/relationships" xmlns:p="http://schemas.openxmlformats.org/presentationml/2006/main">
   <p:cSld>
     <p:spTree>
@@ -4498,7 +4654,7 @@
             </a:pPr>
             <a:r>
               <a:rPr lang="en-US" dirty="0"/>
-              <a:t>One of them is the data we used, it is only a subset of the original dataset, so the recommender systems will not work for other products in the dataset.</a:t>
+              <a:t>One of them is the data we used, it is only a subset of the original dataset, so the recommender systems will not work for other products category in the dataset.</a:t>
             </a:r>
             <a:endParaRPr lang="en-US" dirty="0"/>
           </a:p>
@@ -4596,7 +4752,7 @@
 </p:notes>
 </file>
 
-<file path=ppt/notesSlides/notesSlide34.xml><?xml version="1.0" encoding="utf-8"?>
+<file path=ppt/notesSlides/notesSlide37.xml><?xml version="1.0" encoding="utf-8"?>
 <p:notes xmlns:a="http://schemas.openxmlformats.org/drawingml/2006/main" xmlns:r="http://schemas.openxmlformats.org/officeDocument/2006/relationships" xmlns:p="http://schemas.openxmlformats.org/presentationml/2006/main">
   <p:cSld>
     <p:spTree>
@@ -4805,7 +4961,7 @@
 </p:notes>
 </file>
 
-<file path=ppt/notesSlides/notesSlide35.xml><?xml version="1.0" encoding="utf-8"?>
+<file path=ppt/notesSlides/notesSlide38.xml><?xml version="1.0" encoding="utf-8"?>
 <p:notes xmlns:a="http://schemas.openxmlformats.org/drawingml/2006/main" xmlns:r="http://schemas.openxmlformats.org/officeDocument/2006/relationships" xmlns:p="http://schemas.openxmlformats.org/presentationml/2006/main">
   <p:cSld>
     <p:spTree>
@@ -4849,7 +5005,7 @@
 </p:notes>
 </file>
 
-<file path=ppt/notesSlides/notesSlide36.xml><?xml version="1.0" encoding="utf-8"?>
+<file path=ppt/notesSlides/notesSlide39.xml><?xml version="1.0" encoding="utf-8"?>
 <p:notes xmlns:a="http://schemas.openxmlformats.org/drawingml/2006/main" xmlns:r="http://schemas.openxmlformats.org/officeDocument/2006/relationships" xmlns:p="http://schemas.openxmlformats.org/presentationml/2006/main">
   <p:cSld>
     <p:spTree>
@@ -4966,6 +5122,259 @@
       </p:grpSpPr>
       <p:sp>
         <p:nvSpPr>
+          <p:cNvPr id="2" name="幻灯片图像占位符 1"/>
+          <p:cNvSpPr>
+            <a:spLocks noGrp="1" noRot="1" noChangeAspect="1"/>
+          </p:cNvSpPr>
+          <p:nvPr>
+            <p:ph type="sldImg"/>
+          </p:nvPr>
+        </p:nvSpPr>
+        <p:spPr/>
+      </p:sp>
+      <p:sp>
+        <p:nvSpPr>
+          <p:cNvPr id="3" name="备注占位符 2"/>
+          <p:cNvSpPr>
+            <a:spLocks noGrp="1"/>
+          </p:cNvSpPr>
+          <p:nvPr>
+            <p:ph type="body" idx="1"/>
+          </p:nvPr>
+        </p:nvSpPr>
+        <p:spPr/>
+        <p:txBody>
+          <a:bodyPr/>
+          <a:lstStyle/>
+          <a:p>
+            <a:r>
+              <a:rPr lang="en-US" sz="1200" b="0" i="0" kern="1200" dirty="0" smtClean="0">
+                <a:solidFill>
+                  <a:schemeClr val="tx1"/>
+                </a:solidFill>
+                <a:effectLst/>
+                <a:latin typeface="+mn-lt"/>
+                <a:ea typeface="Arial" panose="020B0604020202020204" pitchFamily="34" charset="0"/>
+                <a:cs typeface="+mn-cs"/>
+                <a:sym typeface="Arial" panose="020B0604020202020204" pitchFamily="34" charset="0"/>
+              </a:rPr>
+              <a:t>As E-commerce becomes more and more popular in recent years, especially by the impact of the COVID-19 pandemic, many retailers and companies are switching their business models to adapt to the trend. In addition, with the rapid growth of big data technology, the cost of storage capacity to store enormous amounts of data decreases gradually. No matter the tech giant or start-up, all companies can make use of the gathered data to boost their business success.</a:t>
+            </a:r>
+            <a:endParaRPr lang="en-US" sz="1200" b="0" i="0" kern="1200" dirty="0" smtClean="0">
+              <a:solidFill>
+                <a:schemeClr val="tx1"/>
+              </a:solidFill>
+              <a:effectLst/>
+              <a:latin typeface="+mn-lt"/>
+              <a:ea typeface="Arial" panose="020B0604020202020204" pitchFamily="34" charset="0"/>
+              <a:cs typeface="+mn-cs"/>
+              <a:sym typeface="Arial" panose="020B0604020202020204" pitchFamily="34" charset="0"/>
+            </a:endParaRPr>
+          </a:p>
+          <a:p>
+            <a:endParaRPr lang="en-US" sz="1200" b="0" i="0" kern="1200" dirty="0" smtClean="0">
+              <a:solidFill>
+                <a:schemeClr val="tx1"/>
+              </a:solidFill>
+              <a:effectLst/>
+              <a:latin typeface="+mn-lt"/>
+              <a:cs typeface="+mn-cs"/>
+              <a:sym typeface="Arial" panose="020B0604020202020204" pitchFamily="34" charset="0"/>
+            </a:endParaRPr>
+          </a:p>
+          <a:p>
+            <a:r>
+              <a:rPr lang="en-US" altLang="zh-CN" dirty="0" smtClean="0"/>
+              <a:t>So why recommender system is important in the</a:t>
+            </a:r>
+            <a:r>
+              <a:rPr lang="en-US" altLang="zh-CN" baseline="0" dirty="0" smtClean="0"/>
+              <a:t> current era? </a:t>
+            </a:r>
+            <a:r>
+              <a:rPr lang="en-US" sz="1200" b="0" i="0" kern="1200" dirty="0" smtClean="0">
+                <a:solidFill>
+                  <a:schemeClr val="tx1"/>
+                </a:solidFill>
+                <a:effectLst/>
+                <a:latin typeface="+mn-lt"/>
+                <a:ea typeface="Arial" panose="020B0604020202020204" pitchFamily="34" charset="0"/>
+                <a:cs typeface="+mn-cs"/>
+                <a:sym typeface="Arial" panose="020B0604020202020204" pitchFamily="34" charset="0"/>
+              </a:rPr>
+              <a:t>There are several benefits that businesses can achieve using product recommender systems.</a:t>
+            </a:r>
+            <a:endParaRPr lang="en-US" sz="1200" b="0" i="0" kern="1200" dirty="0" smtClean="0">
+              <a:solidFill>
+                <a:schemeClr val="tx1"/>
+              </a:solidFill>
+              <a:effectLst/>
+              <a:latin typeface="+mn-lt"/>
+              <a:ea typeface="Arial" panose="020B0604020202020204" pitchFamily="34" charset="0"/>
+              <a:cs typeface="+mn-cs"/>
+              <a:sym typeface="Arial" panose="020B0604020202020204" pitchFamily="34" charset="0"/>
+            </a:endParaRPr>
+          </a:p>
+          <a:p>
+            <a:endParaRPr lang="en-US" sz="1200" b="0" i="0" kern="1200" dirty="0" smtClean="0">
+              <a:solidFill>
+                <a:schemeClr val="tx1"/>
+              </a:solidFill>
+              <a:effectLst/>
+              <a:latin typeface="+mn-lt"/>
+              <a:cs typeface="+mn-cs"/>
+              <a:sym typeface="Arial" panose="020B0604020202020204" pitchFamily="34" charset="0"/>
+            </a:endParaRPr>
+          </a:p>
+          <a:p>
+            <a:r>
+              <a:rPr lang="en-US" sz="1200" b="0" i="0" kern="1200" dirty="0" smtClean="0">
+                <a:solidFill>
+                  <a:schemeClr val="tx1"/>
+                </a:solidFill>
+                <a:effectLst/>
+                <a:latin typeface="+mn-lt"/>
+                <a:ea typeface="Arial" panose="020B0604020202020204" pitchFamily="34" charset="0"/>
+                <a:cs typeface="+mn-cs"/>
+                <a:sym typeface="Arial" panose="020B0604020202020204" pitchFamily="34" charset="0"/>
+              </a:rPr>
+              <a:t>The objective of this project is to analyze the reason for a product to be recommended and explore different data science methods and algorithms to implement product recommender systems. It will provide business owners or start-up companies a better idea of how recommender systems work and the related advantages.</a:t>
+            </a:r>
+            <a:endParaRPr lang="en-US" dirty="0"/>
+          </a:p>
+        </p:txBody>
+      </p:sp>
+    </p:spTree>
+  </p:cSld>
+  <p:clrMapOvr>
+    <a:masterClrMapping/>
+  </p:clrMapOvr>
+</p:notes>
+</file>
+
+<file path=ppt/notesSlides/notesSlide5.xml><?xml version="1.0" encoding="utf-8"?>
+<p:notes xmlns:a="http://schemas.openxmlformats.org/drawingml/2006/main" xmlns:r="http://schemas.openxmlformats.org/officeDocument/2006/relationships" xmlns:p="http://schemas.openxmlformats.org/presentationml/2006/main">
+  <p:cSld>
+    <p:spTree>
+      <p:nvGrpSpPr>
+        <p:cNvPr id="1" name=""/>
+        <p:cNvGrpSpPr/>
+        <p:nvPr/>
+      </p:nvGrpSpPr>
+      <p:grpSpPr>
+        <a:xfrm>
+          <a:off x="0" y="0"/>
+          <a:ext cx="0" cy="0"/>
+          <a:chOff x="0" y="0"/>
+          <a:chExt cx="0" cy="0"/>
+        </a:xfrm>
+      </p:grpSpPr>
+      <p:sp>
+        <p:nvSpPr>
+          <p:cNvPr id="19457" name="幻灯片图像占位符 1"/>
+          <p:cNvSpPr>
+            <a:spLocks noGrp="1" noRot="1" noChangeAspect="1"/>
+          </p:cNvSpPr>
+          <p:nvPr>
+            <p:ph type="sldImg"/>
+          </p:nvPr>
+        </p:nvSpPr>
+        <p:spPr/>
+      </p:sp>
+      <p:sp>
+        <p:nvSpPr>
+          <p:cNvPr id="19458" name="备注占位符 2"/>
+          <p:cNvSpPr>
+            <a:spLocks noGrp="1"/>
+          </p:cNvSpPr>
+          <p:nvPr>
+            <p:ph type="body"/>
+          </p:nvPr>
+        </p:nvSpPr>
+        <p:spPr/>
+        <p:txBody>
+          <a:bodyPr lIns="91440" tIns="45720" rIns="91440" bIns="45720" anchor="t" anchorCtr="0"/>
+          <a:lstStyle/>
+          <a:p>
+            <a:pPr lvl="0"/>
+            <a:endParaRPr lang="en-US" altLang="zh-CN" dirty="0">
+              <a:solidFill>
+                <a:srgbClr val="00B0F0"/>
+              </a:solidFill>
+              <a:latin typeface="微软雅黑" panose="020B0503020204020204" pitchFamily="34" charset="-122"/>
+              <a:ea typeface="微软雅黑" panose="020B0503020204020204" pitchFamily="34" charset="-122"/>
+            </a:endParaRPr>
+          </a:p>
+        </p:txBody>
+      </p:sp>
+      <p:sp>
+        <p:nvSpPr>
+          <p:cNvPr id="19459" name="灯片编号占位符 3"/>
+          <p:cNvSpPr>
+            <a:spLocks noGrp="1"/>
+          </p:cNvSpPr>
+          <p:nvPr>
+            <p:ph type="sldNum" sz="quarter"/>
+          </p:nvPr>
+        </p:nvSpPr>
+        <p:spPr>
+          <a:xfrm>
+            <a:off x="3884613" y="8685213"/>
+            <a:ext cx="2971800" cy="458787"/>
+          </a:xfrm>
+          <a:prstGeom prst="rect">
+            <a:avLst/>
+          </a:prstGeom>
+          <a:noFill/>
+          <a:ln w="9525">
+            <a:noFill/>
+          </a:ln>
+        </p:spPr>
+        <p:txBody>
+          <a:bodyPr vert="horz" lIns="91440" tIns="45720" rIns="91440" bIns="45720" anchor="b" anchorCtr="0"/>
+          <a:lstStyle/>
+          <a:p>
+            <a:pPr lvl="0" algn="r"/>
+            <a:fld id="{9A0DB2DC-4C9A-4742-B13C-FB6460FD3503}" type="slidenum">
+              <a:rPr lang="zh-CN" altLang="en-US" sz="1200">
+                <a:latin typeface="Calibri" panose="020F0502020204030204" charset="0"/>
+                <a:ea typeface="宋体" panose="02010600030101010101" pitchFamily="2" charset="-122"/>
+              </a:rPr>
+            </a:fld>
+            <a:endParaRPr lang="zh-CN" altLang="en-US" sz="1200">
+              <a:latin typeface="Calibri" panose="020F0502020204030204" charset="0"/>
+              <a:ea typeface="宋体" panose="02010600030101010101" pitchFamily="2" charset="-122"/>
+            </a:endParaRPr>
+          </a:p>
+        </p:txBody>
+      </p:sp>
+    </p:spTree>
+  </p:cSld>
+  <p:clrMapOvr>
+    <a:masterClrMapping/>
+  </p:clrMapOvr>
+</p:notes>
+</file>
+
+<file path=ppt/notesSlides/notesSlide6.xml><?xml version="1.0" encoding="utf-8"?>
+<p:notes xmlns:a="http://schemas.openxmlformats.org/drawingml/2006/main" xmlns:r="http://schemas.openxmlformats.org/officeDocument/2006/relationships" xmlns:p="http://schemas.openxmlformats.org/presentationml/2006/main">
+  <p:cSld>
+    <p:spTree>
+      <p:nvGrpSpPr>
+        <p:cNvPr id="1" name=""/>
+        <p:cNvGrpSpPr/>
+        <p:nvPr/>
+      </p:nvGrpSpPr>
+      <p:grpSpPr>
+        <a:xfrm>
+          <a:off x="0" y="0"/>
+          <a:ext cx="0" cy="0"/>
+          <a:chOff x="0" y="0"/>
+          <a:chExt cx="0" cy="0"/>
+        </a:xfrm>
+      </p:grpSpPr>
+      <p:sp>
+        <p:nvSpPr>
           <p:cNvPr id="26625" name="幻灯片图像占位符 1"/>
           <p:cNvSpPr>
             <a:spLocks noGrp="1" noRot="1" noChangeAspect="1"/>
@@ -5051,7 +5460,7 @@
 </p:notes>
 </file>
 
-<file path=ppt/notesSlides/notesSlide5.xml><?xml version="1.0" encoding="utf-8"?>
+<file path=ppt/notesSlides/notesSlide7.xml><?xml version="1.0" encoding="utf-8"?>
 <p:notes xmlns:a="http://schemas.openxmlformats.org/drawingml/2006/main" xmlns:r="http://schemas.openxmlformats.org/officeDocument/2006/relationships" xmlns:p="http://schemas.openxmlformats.org/presentationml/2006/main">
   <p:cSld>
     <p:spTree>
@@ -5115,7 +5524,7 @@
 </p:notes>
 </file>
 
-<file path=ppt/notesSlides/notesSlide6.xml><?xml version="1.0" encoding="utf-8"?>
+<file path=ppt/notesSlides/notesSlide8.xml><?xml version="1.0" encoding="utf-8"?>
 <p:notes xmlns:a="http://schemas.openxmlformats.org/drawingml/2006/main" xmlns:r="http://schemas.openxmlformats.org/officeDocument/2006/relationships" xmlns:p="http://schemas.openxmlformats.org/presentationml/2006/main">
   <p:cSld>
     <p:spTree>
@@ -5219,250 +5628,6 @@
 </p:notes>
 </file>
 
-<file path=ppt/notesSlides/notesSlide7.xml><?xml version="1.0" encoding="utf-8"?>
-<p:notes xmlns:a="http://schemas.openxmlformats.org/drawingml/2006/main" xmlns:r="http://schemas.openxmlformats.org/officeDocument/2006/relationships" xmlns:p="http://schemas.openxmlformats.org/presentationml/2006/main">
-  <p:cSld>
-    <p:spTree>
-      <p:nvGrpSpPr>
-        <p:cNvPr id="1" name=""/>
-        <p:cNvGrpSpPr/>
-        <p:nvPr/>
-      </p:nvGrpSpPr>
-      <p:grpSpPr>
-        <a:xfrm>
-          <a:off x="0" y="0"/>
-          <a:ext cx="0" cy="0"/>
-          <a:chOff x="0" y="0"/>
-          <a:chExt cx="0" cy="0"/>
-        </a:xfrm>
-      </p:grpSpPr>
-      <p:sp>
-        <p:nvSpPr>
-          <p:cNvPr id="33793" name="幻灯片图像占位符 1"/>
-          <p:cNvSpPr>
-            <a:spLocks noGrp="1" noRot="1" noChangeAspect="1"/>
-          </p:cNvSpPr>
-          <p:nvPr>
-            <p:ph type="sldImg"/>
-          </p:nvPr>
-        </p:nvSpPr>
-        <p:spPr/>
-      </p:sp>
-      <p:sp>
-        <p:nvSpPr>
-          <p:cNvPr id="33794" name="备注占位符 2"/>
-          <p:cNvSpPr>
-            <a:spLocks noGrp="1"/>
-          </p:cNvSpPr>
-          <p:nvPr>
-            <p:ph type="body"/>
-          </p:nvPr>
-        </p:nvSpPr>
-        <p:spPr/>
-        <p:txBody>
-          <a:bodyPr lIns="91440" tIns="45720" rIns="91440" bIns="45720" anchor="t" anchorCtr="0"/>
-          <a:lstStyle/>
-          <a:p>
-            <a:pPr lvl="0"/>
-            <a:endParaRPr lang="en-US" altLang="zh-CN" dirty="0">
-              <a:solidFill>
-                <a:srgbClr val="00B0F0"/>
-              </a:solidFill>
-              <a:latin typeface="微软雅黑" panose="020B0503020204020204" pitchFamily="34" charset="-122"/>
-              <a:ea typeface="微软雅黑" panose="020B0503020204020204" pitchFamily="34" charset="-122"/>
-            </a:endParaRPr>
-          </a:p>
-        </p:txBody>
-      </p:sp>
-      <p:sp>
-        <p:nvSpPr>
-          <p:cNvPr id="33795" name="灯片编号占位符 3"/>
-          <p:cNvSpPr>
-            <a:spLocks noGrp="1"/>
-          </p:cNvSpPr>
-          <p:nvPr>
-            <p:ph type="sldNum" sz="quarter"/>
-          </p:nvPr>
-        </p:nvSpPr>
-        <p:spPr>
-          <a:xfrm>
-            <a:off x="3884613" y="8685213"/>
-            <a:ext cx="2971800" cy="458787"/>
-          </a:xfrm>
-          <a:prstGeom prst="rect">
-            <a:avLst/>
-          </a:prstGeom>
-          <a:noFill/>
-          <a:ln w="9525">
-            <a:noFill/>
-          </a:ln>
-        </p:spPr>
-        <p:txBody>
-          <a:bodyPr vert="horz" lIns="91440" tIns="45720" rIns="91440" bIns="45720" anchor="b" anchorCtr="0"/>
-          <a:lstStyle/>
-          <a:p>
-            <a:pPr lvl="0" algn="r"/>
-            <a:fld id="{9A0DB2DC-4C9A-4742-B13C-FB6460FD3503}" type="slidenum">
-              <a:rPr lang="zh-CN" altLang="en-US" sz="1200">
-                <a:latin typeface="Calibri" panose="020F0502020204030204" charset="0"/>
-                <a:ea typeface="宋体" panose="02010600030101010101" pitchFamily="2" charset="-122"/>
-              </a:rPr>
-            </a:fld>
-            <a:endParaRPr lang="zh-CN" altLang="en-US" sz="1200">
-              <a:latin typeface="Calibri" panose="020F0502020204030204" charset="0"/>
-              <a:ea typeface="宋体" panose="02010600030101010101" pitchFamily="2" charset="-122"/>
-            </a:endParaRPr>
-          </a:p>
-        </p:txBody>
-      </p:sp>
-    </p:spTree>
-  </p:cSld>
-  <p:clrMapOvr>
-    <a:masterClrMapping/>
-  </p:clrMapOvr>
-</p:notes>
-</file>
-
-<file path=ppt/notesSlides/notesSlide8.xml><?xml version="1.0" encoding="utf-8"?>
-<p:notes xmlns:a="http://schemas.openxmlformats.org/drawingml/2006/main" xmlns:r="http://schemas.openxmlformats.org/officeDocument/2006/relationships" xmlns:p="http://schemas.openxmlformats.org/presentationml/2006/main">
-  <p:cSld>
-    <p:spTree>
-      <p:nvGrpSpPr>
-        <p:cNvPr id="1" name=""/>
-        <p:cNvGrpSpPr/>
-        <p:nvPr/>
-      </p:nvGrpSpPr>
-      <p:grpSpPr>
-        <a:xfrm>
-          <a:off x="0" y="0"/>
-          <a:ext cx="0" cy="0"/>
-          <a:chOff x="0" y="0"/>
-          <a:chExt cx="0" cy="0"/>
-        </a:xfrm>
-      </p:grpSpPr>
-      <p:sp>
-        <p:nvSpPr>
-          <p:cNvPr id="2" name="幻灯片图像占位符 1"/>
-          <p:cNvSpPr>
-            <a:spLocks noGrp="1" noRot="1" noChangeAspect="1"/>
-          </p:cNvSpPr>
-          <p:nvPr>
-            <p:ph type="sldImg"/>
-          </p:nvPr>
-        </p:nvSpPr>
-        <p:spPr/>
-      </p:sp>
-      <p:sp>
-        <p:nvSpPr>
-          <p:cNvPr id="3" name="备注占位符 2"/>
-          <p:cNvSpPr>
-            <a:spLocks noGrp="1"/>
-          </p:cNvSpPr>
-          <p:nvPr>
-            <p:ph type="body" idx="1"/>
-          </p:nvPr>
-        </p:nvSpPr>
-        <p:spPr/>
-        <p:txBody>
-          <a:bodyPr/>
-          <a:lstStyle/>
-          <a:p>
-            <a:endParaRPr lang="en-US" sz="1200" b="0" i="0" kern="1200" dirty="0" smtClean="0">
-              <a:solidFill>
-                <a:schemeClr val="tx1"/>
-              </a:solidFill>
-              <a:effectLst/>
-              <a:latin typeface="+mn-lt"/>
-              <a:ea typeface="Arial" panose="020B0604020202020204" pitchFamily="34" charset="0"/>
-              <a:cs typeface="+mn-cs"/>
-              <a:sym typeface="Arial" panose="020B0604020202020204" pitchFamily="34" charset="0"/>
-            </a:endParaRPr>
-          </a:p>
-          <a:p>
-            <a:pPr marL="0" marR="0" lvl="0" indent="0" algn="l" defTabSz="914400" rtl="0" eaLnBrk="1" fontAlgn="auto" latinLnBrk="0" hangingPunct="1">
-              <a:lnSpc>
-                <a:spcPct val="100000"/>
-              </a:lnSpc>
-              <a:spcBef>
-                <a:spcPts val="0"/>
-              </a:spcBef>
-              <a:spcAft>
-                <a:spcPts val="0"/>
-              </a:spcAft>
-              <a:buClrTx/>
-              <a:buSzTx/>
-              <a:buFontTx/>
-              <a:buNone/>
-              <a:defRPr/>
-            </a:pPr>
-            <a:r>
-              <a:rPr lang="en-US" altLang="zh-CN" sz="1200" dirty="0" smtClean="0">
-                <a:solidFill>
-                  <a:srgbClr val="262626"/>
-                </a:solidFill>
-                <a:latin typeface="Arial" panose="020B0604020202020204" pitchFamily="34" charset="0"/>
-                <a:cs typeface="Arial" panose="020B0604020202020204" pitchFamily="34" charset="0"/>
-              </a:rPr>
-              <a:t>The rating distribution graphs show that the overall ratings in this review data set are highly imbalanced, which contains more than 69% of 5 stars rating.</a:t>
-            </a:r>
-            <a:endParaRPr lang="en-US" altLang="zh-CN" sz="1200" dirty="0" smtClean="0">
-              <a:solidFill>
-                <a:srgbClr val="262626"/>
-              </a:solidFill>
-              <a:latin typeface="Arial" panose="020B0604020202020204" pitchFamily="34" charset="0"/>
-              <a:cs typeface="Arial" panose="020B0604020202020204" pitchFamily="34" charset="0"/>
-            </a:endParaRPr>
-          </a:p>
-          <a:p>
-            <a:endParaRPr lang="en-US" sz="1200" b="0" i="0" kern="1200" dirty="0" smtClean="0">
-              <a:solidFill>
-                <a:schemeClr val="tx1"/>
-              </a:solidFill>
-              <a:effectLst/>
-              <a:latin typeface="+mn-lt"/>
-              <a:ea typeface="Arial" panose="020B0604020202020204" pitchFamily="34" charset="0"/>
-              <a:cs typeface="+mn-cs"/>
-              <a:sym typeface="Arial" panose="020B0604020202020204" pitchFamily="34" charset="0"/>
-            </a:endParaRPr>
-          </a:p>
-          <a:p>
-            <a:r>
-              <a:rPr lang="en-US" sz="1200" b="0" i="0" kern="1200" dirty="0" smtClean="0">
-                <a:solidFill>
-                  <a:schemeClr val="tx1"/>
-                </a:solidFill>
-                <a:effectLst/>
-                <a:latin typeface="+mn-lt"/>
-                <a:ea typeface="Arial" panose="020B0604020202020204" pitchFamily="34" charset="0"/>
-                <a:cs typeface="+mn-cs"/>
-                <a:sym typeface="Arial" panose="020B0604020202020204" pitchFamily="34" charset="0"/>
-              </a:rPr>
-              <a:t>Thus, in the following model development, we need to keep in mind that the accuracy metric may not be useful for evaluating the machine learning models; instead, precision, recall, and F1 score values could be suitable for model evaluation.</a:t>
-            </a:r>
-            <a:endParaRPr lang="en-US" sz="1200" b="0" i="0" kern="1200" dirty="0" smtClean="0">
-              <a:solidFill>
-                <a:schemeClr val="tx1"/>
-              </a:solidFill>
-              <a:effectLst/>
-              <a:latin typeface="+mn-lt"/>
-              <a:ea typeface="Arial" panose="020B0604020202020204" pitchFamily="34" charset="0"/>
-              <a:cs typeface="+mn-cs"/>
-              <a:sym typeface="Arial" panose="020B0604020202020204" pitchFamily="34" charset="0"/>
-            </a:endParaRPr>
-          </a:p>
-          <a:p>
-            <a:endParaRPr lang="en-US" dirty="0"/>
-          </a:p>
-        </p:txBody>
-      </p:sp>
-    </p:spTree>
-  </p:cSld>
-  <p:clrMapOvr>
-    <a:masterClrMapping/>
-  </p:clrMapOvr>
-</p:notes>
-</file>
-
 <file path=ppt/notesSlides/notesSlide9.xml><?xml version="1.0" encoding="utf-8"?>
 <p:notes xmlns:a="http://schemas.openxmlformats.org/drawingml/2006/main" xmlns:r="http://schemas.openxmlformats.org/officeDocument/2006/relationships" xmlns:p="http://schemas.openxmlformats.org/presentationml/2006/main">
   <p:cSld>
@@ -5472,20 +5637,11 @@
         <p:cNvGrpSpPr/>
         <p:nvPr/>
       </p:nvGrpSpPr>
-      <p:grpSpPr>
-        <a:xfrm>
-          <a:off x="0" y="0"/>
-          <a:ext cx="0" cy="0"/>
-          <a:chOff x="0" y="0"/>
-          <a:chExt cx="0" cy="0"/>
-        </a:xfrm>
-      </p:grpSpPr>
+      <p:grpSpPr/>
       <p:sp>
         <p:nvSpPr>
-          <p:cNvPr id="2" name="幻灯片图像占位符 1"/>
-          <p:cNvSpPr>
-            <a:spLocks noGrp="1" noRot="1" noChangeAspect="1"/>
-          </p:cNvSpPr>
+          <p:cNvPr id="2" name="Slide Image Placeholder 1"/>
+          <p:cNvSpPr/>
           <p:nvPr>
             <p:ph type="sldImg"/>
           </p:nvPr>
@@ -5494,33 +5650,21 @@
       </p:sp>
       <p:sp>
         <p:nvSpPr>
-          <p:cNvPr id="3" name="备注占位符 2"/>
-          <p:cNvSpPr>
-            <a:spLocks noGrp="1"/>
-          </p:cNvSpPr>
+          <p:cNvPr id="3" name="Text Placeholder 2"/>
+          <p:cNvSpPr/>
           <p:nvPr>
-            <p:ph type="body" idx="1"/>
+            <p:ph type="body"/>
           </p:nvPr>
         </p:nvSpPr>
         <p:spPr/>
         <p:txBody>
           <a:bodyPr/>
-          <a:lstStyle/>
           <a:p>
             <a:r>
-              <a:rPr lang="en-US" sz="1200" b="0" i="0" kern="1200" dirty="0" smtClean="0">
-                <a:solidFill>
-                  <a:schemeClr val="tx1"/>
-                </a:solidFill>
-                <a:effectLst/>
-                <a:latin typeface="+mn-lt"/>
-                <a:ea typeface="Arial" panose="020B0604020202020204" pitchFamily="34" charset="0"/>
-                <a:cs typeface="+mn-cs"/>
-                <a:sym typeface="Arial" panose="020B0604020202020204" pitchFamily="34" charset="0"/>
-              </a:rPr>
-              <a:t>Most of the reviews contain less than 100 words. The word counts distributions for each star rating review are similar, but if we look in to the detail of the box plot graph, we could see that negative or low star rating reviews have more texts entered. The box plot shows that the 5 stars rating reviews have the lowest interquartile range (IQR) compared to the other 4 ratings, which implies that it has average the shortest review text.</a:t>
+              <a:rPr lang="en-US"/>
+              <a:t>Let's recap what the research process for this project, my goal is to develop a recommender system and also provide a friend user interface. We have covered collect data and EDA sections, so now I will demonstrate the models development and system integration process.</a:t>
             </a:r>
-            <a:endParaRPr lang="en-US" dirty="0"/>
+            <a:endParaRPr lang="en-US"/>
           </a:p>
         </p:txBody>
       </p:sp>
@@ -37539,14 +37683,14 @@
               <a:rPr lang="en-US" sz="1600" dirty="0" smtClean="0">
                 <a:latin typeface="Arial" panose="020B0604020202020204" pitchFamily="34" charset="0"/>
                 <a:cs typeface="Arial" panose="020B0604020202020204" pitchFamily="34" charset="0"/>
-                <a:hlinkClick r:id="rId4" tooltip="" action="ppaction://hlinkfile"/>
+                <a:hlinkClick r:id="rId4" action="ppaction://hlinkfile"/>
               </a:rPr>
               <a:t>https://towardsdatascience.com/end-to-end-topic-modeling-in-python-latent-dirichlet-allocation-lda-35ce4ed6b3e0</a:t>
             </a:r>
             <a:endParaRPr lang="en-US" sz="1600" dirty="0" smtClean="0">
               <a:latin typeface="Arial" panose="020B0604020202020204" pitchFamily="34" charset="0"/>
               <a:cs typeface="Arial" panose="020B0604020202020204" pitchFamily="34" charset="0"/>
-              <a:hlinkClick r:id="rId4" tooltip="" action="ppaction://hlinkfile"/>
+              <a:hlinkClick r:id="rId4" action="ppaction://hlinkfile"/>
             </a:endParaRPr>
           </a:p>
           <a:p>
@@ -37568,7 +37712,7 @@
               <a:rPr lang="en-US" sz="1600" dirty="0" smtClean="0">
                 <a:latin typeface="Arial" panose="020B0604020202020204" pitchFamily="34" charset="0"/>
                 <a:cs typeface="Arial" panose="020B0604020202020204" pitchFamily="34" charset="0"/>
-                <a:hlinkClick r:id="rId5" tooltip="" action="ppaction://hlinkfile"/>
+                <a:hlinkClick r:id="rId5" action="ppaction://hlinkfile"/>
               </a:rPr>
               <a:t>https://gilberttanner.com/blog/building-a-book-recommendation-system-usingkeras </a:t>
             </a:r>

--- a/presentation/Project_Presentation_Final.pptx
+++ b/presentation/Project_Presentation_Final.pptx
@@ -1027,6 +1027,54 @@
         <p:cNvGrpSpPr/>
         <p:nvPr/>
       </p:nvGrpSpPr>
+      <p:grpSpPr/>
+      <p:sp>
+        <p:nvSpPr>
+          <p:cNvPr id="2" name="Slide Image Placeholder 1"/>
+          <p:cNvSpPr/>
+          <p:nvPr>
+            <p:ph type="sldImg"/>
+          </p:nvPr>
+        </p:nvSpPr>
+        <p:spPr/>
+      </p:sp>
+      <p:sp>
+        <p:nvSpPr>
+          <p:cNvPr id="3" name="Text Placeholder 2"/>
+          <p:cNvSpPr/>
+          <p:nvPr>
+            <p:ph type="body"/>
+          </p:nvPr>
+        </p:nvSpPr>
+        <p:spPr/>
+        <p:txBody>
+          <a:bodyPr/>
+          <a:p>
+            <a:r>
+              <a:rPr lang="en-US"/>
+              <a:t>In addition, let's recap what the research process for this project, my goal is to develop a recommender system and also provide a friend user interface. We have covered collect data and EDA sections, so now I will demonstrate the models development and system integration process.</a:t>
+            </a:r>
+            <a:endParaRPr lang="en-US"/>
+          </a:p>
+        </p:txBody>
+      </p:sp>
+    </p:spTree>
+  </p:cSld>
+  <p:clrMapOvr>
+    <a:masterClrMapping/>
+  </p:clrMapOvr>
+</p:notes>
+</file>
+
+<file path=ppt/notesSlides/notesSlide11.xml><?xml version="1.0" encoding="utf-8"?>
+<p:notes xmlns:a="http://schemas.openxmlformats.org/drawingml/2006/main" xmlns:r="http://schemas.openxmlformats.org/officeDocument/2006/relationships" xmlns:p="http://schemas.openxmlformats.org/presentationml/2006/main">
+  <p:cSld>
+    <p:spTree>
+      <p:nvGrpSpPr>
+        <p:cNvPr id="1" name=""/>
+        <p:cNvGrpSpPr/>
+        <p:nvPr/>
+      </p:nvGrpSpPr>
       <p:grpSpPr>
         <a:xfrm>
           <a:off x="0" y="0"/>
@@ -1122,7 +1170,7 @@
 </p:notes>
 </file>
 
-<file path=ppt/notesSlides/notesSlide11.xml><?xml version="1.0" encoding="utf-8"?>
+<file path=ppt/notesSlides/notesSlide12.xml><?xml version="1.0" encoding="utf-8"?>
 <p:notes xmlns:a="http://schemas.openxmlformats.org/drawingml/2006/main" xmlns:r="http://schemas.openxmlformats.org/officeDocument/2006/relationships" xmlns:p="http://schemas.openxmlformats.org/presentationml/2006/main">
   <p:cSld>
     <p:spTree>
@@ -1262,7 +1310,7 @@
 </p:notes>
 </file>
 
-<file path=ppt/notesSlides/notesSlide12.xml><?xml version="1.0" encoding="utf-8"?>
+<file path=ppt/notesSlides/notesSlide13.xml><?xml version="1.0" encoding="utf-8"?>
 <p:notes xmlns:a="http://schemas.openxmlformats.org/drawingml/2006/main" xmlns:r="http://schemas.openxmlformats.org/officeDocument/2006/relationships" xmlns:p="http://schemas.openxmlformats.org/presentationml/2006/main">
   <p:cSld>
     <p:spTree>
@@ -1331,7 +1379,7 @@
 </p:notes>
 </file>
 
-<file path=ppt/notesSlides/notesSlide13.xml><?xml version="1.0" encoding="utf-8"?>
+<file path=ppt/notesSlides/notesSlide14.xml><?xml version="1.0" encoding="utf-8"?>
 <p:notes xmlns:a="http://schemas.openxmlformats.org/drawingml/2006/main" xmlns:r="http://schemas.openxmlformats.org/officeDocument/2006/relationships" xmlns:p="http://schemas.openxmlformats.org/presentationml/2006/main">
   <p:cSld>
     <p:spTree>
@@ -1375,7 +1423,7 @@
 </p:notes>
 </file>
 
-<file path=ppt/notesSlides/notesSlide14.xml><?xml version="1.0" encoding="utf-8"?>
+<file path=ppt/notesSlides/notesSlide15.xml><?xml version="1.0" encoding="utf-8"?>
 <p:notes xmlns:a="http://schemas.openxmlformats.org/drawingml/2006/main" xmlns:r="http://schemas.openxmlformats.org/officeDocument/2006/relationships" xmlns:p="http://schemas.openxmlformats.org/presentationml/2006/main">
   <p:cSld>
     <p:spTree>
@@ -1480,7 +1528,7 @@
 </p:notes>
 </file>
 
-<file path=ppt/notesSlides/notesSlide15.xml><?xml version="1.0" encoding="utf-8"?>
+<file path=ppt/notesSlides/notesSlide16.xml><?xml version="1.0" encoding="utf-8"?>
 <p:notes xmlns:a="http://schemas.openxmlformats.org/drawingml/2006/main" xmlns:r="http://schemas.openxmlformats.org/officeDocument/2006/relationships" xmlns:p="http://schemas.openxmlformats.org/presentationml/2006/main">
   <p:cSld>
     <p:spTree>
@@ -1707,7 +1755,7 @@
 </p:notes>
 </file>
 
-<file path=ppt/notesSlides/notesSlide16.xml><?xml version="1.0" encoding="utf-8"?>
+<file path=ppt/notesSlides/notesSlide17.xml><?xml version="1.0" encoding="utf-8"?>
 <p:notes xmlns:a="http://schemas.openxmlformats.org/drawingml/2006/main" xmlns:r="http://schemas.openxmlformats.org/officeDocument/2006/relationships" xmlns:p="http://schemas.openxmlformats.org/presentationml/2006/main">
   <p:cSld>
     <p:spTree>
@@ -1763,7 +1811,7 @@
 </p:notes>
 </file>
 
-<file path=ppt/notesSlides/notesSlide17.xml><?xml version="1.0" encoding="utf-8"?>
+<file path=ppt/notesSlides/notesSlide18.xml><?xml version="1.0" encoding="utf-8"?>
 <p:notes xmlns:a="http://schemas.openxmlformats.org/drawingml/2006/main" xmlns:r="http://schemas.openxmlformats.org/officeDocument/2006/relationships" xmlns:p="http://schemas.openxmlformats.org/presentationml/2006/main">
   <p:cSld>
     <p:spTree>
@@ -1925,7 +1973,7 @@
 </p:notes>
 </file>
 
-<file path=ppt/notesSlides/notesSlide18.xml><?xml version="1.0" encoding="utf-8"?>
+<file path=ppt/notesSlides/notesSlide19.xml><?xml version="1.0" encoding="utf-8"?>
 <p:notes xmlns:a="http://schemas.openxmlformats.org/drawingml/2006/main" xmlns:r="http://schemas.openxmlformats.org/officeDocument/2006/relationships" xmlns:p="http://schemas.openxmlformats.org/presentationml/2006/main">
   <p:cSld>
     <p:spTree>
@@ -2029,7 +2077,58 @@
 </p:notes>
 </file>
 
-<file path=ppt/notesSlides/notesSlide19.xml><?xml version="1.0" encoding="utf-8"?>
+<file path=ppt/notesSlides/notesSlide2.xml><?xml version="1.0" encoding="utf-8"?>
+<p:notes xmlns:a="http://schemas.openxmlformats.org/drawingml/2006/main" xmlns:r="http://schemas.openxmlformats.org/officeDocument/2006/relationships" xmlns:p="http://schemas.openxmlformats.org/presentationml/2006/main">
+  <p:cSld>
+    <p:spTree>
+      <p:nvGrpSpPr>
+        <p:cNvPr id="1" name=""/>
+        <p:cNvGrpSpPr/>
+        <p:nvPr/>
+      </p:nvGrpSpPr>
+      <p:grpSpPr/>
+      <p:sp>
+        <p:nvSpPr>
+          <p:cNvPr id="2" name="Slide Image Placeholder 1"/>
+          <p:cNvSpPr/>
+          <p:nvPr>
+            <p:ph type="sldImg"/>
+          </p:nvPr>
+        </p:nvSpPr>
+        <p:spPr/>
+      </p:sp>
+      <p:sp>
+        <p:nvSpPr>
+          <p:cNvPr id="3" name="Text Placeholder 2"/>
+          <p:cNvSpPr/>
+          <p:nvPr>
+            <p:ph type="body"/>
+          </p:nvPr>
+        </p:nvSpPr>
+        <p:spPr/>
+        <p:txBody>
+          <a:bodyPr/>
+          <a:p>
+            <a:endParaRPr lang="en-US"/>
+          </a:p>
+          <a:p>
+            <a:r>
+              <a:rPr lang="en-US"/>
+              <a:t>Since we have already gone through the detail of sections one to five in the previous presentation, in this one, I will mainly focus on sections 6 to 8 which are Machine learning models, System Integration, and conclusion of the project.</a:t>
+            </a:r>
+            <a:endParaRPr lang="en-US"/>
+          </a:p>
+        </p:txBody>
+      </p:sp>
+    </p:spTree>
+  </p:cSld>
+  <p:clrMapOvr>
+    <a:masterClrMapping/>
+  </p:clrMapOvr>
+</p:notes>
+</file>
+
+<file path=ppt/notesSlides/notesSlide20.xml><?xml version="1.0" encoding="utf-8"?>
 <p:notes xmlns:a="http://schemas.openxmlformats.org/drawingml/2006/main" xmlns:r="http://schemas.openxmlformats.org/officeDocument/2006/relationships" xmlns:p="http://schemas.openxmlformats.org/presentationml/2006/main">
   <p:cSld>
     <p:spTree>
@@ -2167,139 +2266,9 @@
                 <a:cs typeface="Arial" panose="020B0604020202020204" pitchFamily="34" charset="0"/>
                 <a:sym typeface="+mn-ea"/>
               </a:rPr>
-              <a:t>For this project, we are not deploying a model that takes user inputs like mentioned. Instead, we sort the product lists by rating mean and review counts for a recommendation. This is the base model we would use if the users don't have a customer ID and product ID for our recommender system.</a:t>
+              <a:t>For this project, we are not deploying a model that takes user inputs like mentioned. Instead, we sort the product lists by the rating mean and the review counts for generating a recommendation. This is the base model we would use if the users don't have a customer ID and product ID for the system.</a:t>
             </a:r>
             <a:endParaRPr lang="en-US" dirty="0"/>
-          </a:p>
-        </p:txBody>
-      </p:sp>
-    </p:spTree>
-  </p:cSld>
-  <p:clrMapOvr>
-    <a:masterClrMapping/>
-  </p:clrMapOvr>
-</p:notes>
-</file>
-
-<file path=ppt/notesSlides/notesSlide2.xml><?xml version="1.0" encoding="utf-8"?>
-<p:notes xmlns:a="http://schemas.openxmlformats.org/drawingml/2006/main" xmlns:r="http://schemas.openxmlformats.org/officeDocument/2006/relationships" xmlns:p="http://schemas.openxmlformats.org/presentationml/2006/main">
-  <p:cSld>
-    <p:spTree>
-      <p:nvGrpSpPr>
-        <p:cNvPr id="1" name=""/>
-        <p:cNvGrpSpPr/>
-        <p:nvPr/>
-      </p:nvGrpSpPr>
-      <p:grpSpPr/>
-      <p:sp>
-        <p:nvSpPr>
-          <p:cNvPr id="2" name="Slide Image Placeholder 1"/>
-          <p:cNvSpPr/>
-          <p:nvPr>
-            <p:ph type="sldImg"/>
-          </p:nvPr>
-        </p:nvSpPr>
-        <p:spPr/>
-      </p:sp>
-      <p:sp>
-        <p:nvSpPr>
-          <p:cNvPr id="3" name="Text Placeholder 2"/>
-          <p:cNvSpPr/>
-          <p:nvPr>
-            <p:ph type="body"/>
-          </p:nvPr>
-        </p:nvSpPr>
-        <p:spPr/>
-        <p:txBody>
-          <a:bodyPr/>
-          <a:p>
-            <a:endParaRPr lang="en-US"/>
-          </a:p>
-          <a:p>
-            <a:r>
-              <a:rPr lang="en-US"/>
-              <a:t>Since we have already gone through the detail of sections one to five in the previous presentation, in this one, I will mainly focus on sections 6 to 8 which are Machine learning models, System Integration, and conclusion.</a:t>
-            </a:r>
-            <a:endParaRPr lang="en-US"/>
-          </a:p>
-        </p:txBody>
-      </p:sp>
-    </p:spTree>
-  </p:cSld>
-  <p:clrMapOvr>
-    <a:masterClrMapping/>
-  </p:clrMapOvr>
-</p:notes>
-</file>
-
-<file path=ppt/notesSlides/notesSlide20.xml><?xml version="1.0" encoding="utf-8"?>
-<p:notes xmlns:a="http://schemas.openxmlformats.org/drawingml/2006/main" xmlns:r="http://schemas.openxmlformats.org/officeDocument/2006/relationships" xmlns:p="http://schemas.openxmlformats.org/presentationml/2006/main">
-  <p:cSld>
-    <p:spTree>
-      <p:nvGrpSpPr>
-        <p:cNvPr id="1" name=""/>
-        <p:cNvGrpSpPr/>
-        <p:nvPr/>
-      </p:nvGrpSpPr>
-      <p:grpSpPr>
-        <a:xfrm>
-          <a:off x="0" y="0"/>
-          <a:ext cx="0" cy="0"/>
-          <a:chOff x="0" y="0"/>
-          <a:chExt cx="0" cy="0"/>
-        </a:xfrm>
-      </p:grpSpPr>
-      <p:sp>
-        <p:nvSpPr>
-          <p:cNvPr id="2" name="幻灯片图像占位符 1"/>
-          <p:cNvSpPr>
-            <a:spLocks noGrp="1" noRot="1" noChangeAspect="1"/>
-          </p:cNvSpPr>
-          <p:nvPr>
-            <p:ph type="sldImg"/>
-          </p:nvPr>
-        </p:nvSpPr>
-        <p:spPr/>
-      </p:sp>
-      <p:sp>
-        <p:nvSpPr>
-          <p:cNvPr id="3" name="备注占位符 2"/>
-          <p:cNvSpPr>
-            <a:spLocks noGrp="1"/>
-          </p:cNvSpPr>
-          <p:nvPr>
-            <p:ph type="body" idx="1"/>
-          </p:nvPr>
-        </p:nvSpPr>
-        <p:spPr/>
-        <p:txBody>
-          <a:bodyPr/>
-          <a:lstStyle/>
-          <a:p>
-            <a:pPr>
-              <a:lnSpc>
-                <a:spcPct val="150000"/>
-              </a:lnSpc>
-            </a:pPr>
-            <a:r>
-              <a:rPr lang="en-US" altLang="zh-CN" dirty="0">
-                <a:solidFill>
-                  <a:srgbClr val="262626"/>
-                </a:solidFill>
-                <a:latin typeface="Arial" panose="020B0604020202020204" pitchFamily="34" charset="0"/>
-                <a:cs typeface="Arial" panose="020B0604020202020204" pitchFamily="34" charset="0"/>
-                <a:sym typeface="+mn-ea"/>
-              </a:rPr>
-              <a:t>The idea of content-based filtering is to find the similarity products based on either metadata or product description. The most feasible approach is to apply the cosine similarity method against the textual data to find the most similar products. </a:t>
-            </a:r>
-            <a:endParaRPr lang="en-US" altLang="zh-CN" dirty="0">
-              <a:solidFill>
-                <a:srgbClr val="262626"/>
-              </a:solidFill>
-              <a:latin typeface="Arial" panose="020B0604020202020204" pitchFamily="34" charset="0"/>
-              <a:cs typeface="Arial" panose="020B0604020202020204" pitchFamily="34" charset="0"/>
-              <a:sym typeface="+mn-ea"/>
-            </a:endParaRPr>
           </a:p>
         </p:txBody>
       </p:sp>
@@ -2369,7 +2338,29 @@
                 <a:cs typeface="Arial" panose="020B0604020202020204" pitchFamily="34" charset="0"/>
                 <a:sym typeface="+mn-ea"/>
               </a:rPr>
-              <a:t>I have applied this approach against both product description and metadata, and their recommendation results are very convincing. As you can see, the results from both model are returning similar product for the input mini refrigerator. However, this approach is not a good fit for Web API because the matrix size is too large for local RAM or web hosting service storage and RAM, so we have to try using another method for Web API deployment for the content-based filtering.</a:t>
+              <a:t>The next model would be the </a:t>
+            </a:r>
+            <a:r>
+              <a:rPr lang="en-US" altLang="zh-CN" dirty="0">
+                <a:solidFill>
+                  <a:srgbClr val="262626"/>
+                </a:solidFill>
+                <a:latin typeface="Arial" panose="020B0604020202020204" pitchFamily="34" charset="0"/>
+                <a:cs typeface="Arial" panose="020B0604020202020204" pitchFamily="34" charset="0"/>
+                <a:sym typeface="+mn-ea"/>
+              </a:rPr>
+              <a:t>content-based filtering. </a:t>
+            </a:r>
+            <a:r>
+              <a:rPr lang="en-US" altLang="zh-CN" dirty="0">
+                <a:solidFill>
+                  <a:srgbClr val="262626"/>
+                </a:solidFill>
+                <a:latin typeface="Arial" panose="020B0604020202020204" pitchFamily="34" charset="0"/>
+                <a:cs typeface="Arial" panose="020B0604020202020204" pitchFamily="34" charset="0"/>
+                <a:sym typeface="+mn-ea"/>
+              </a:rPr>
+              <a:t>The idea of content-based filtering is to find the similarity of products based on either metadata or product description. The most feasible approach is to apply the cosine similarity method against the textual or categorical data to find the most similar products. </a:t>
             </a:r>
             <a:endParaRPr lang="en-US" altLang="zh-CN" dirty="0">
               <a:solidFill>
@@ -2448,7 +2439,86 @@
                 <a:cs typeface="Arial" panose="020B0604020202020204" pitchFamily="34" charset="0"/>
                 <a:sym typeface="+mn-ea"/>
               </a:rPr>
-              <a:t>The topic modeling approach could be an alternative solution. Instead of computing the huge similarity matrix, leveraging a probabilistic topic model like LDA can cluster the entire product set into different topics or categories in our case. For creating recommendations, we can find the products that share the same topics among the product list and output the products with the highest probability scores. Although the output will be less precise than the cosine similarity models, it can be a good fit for Web API deployment.</a:t>
+              <a:t>I have applied this approach against both product description and metadata, and their recommendation results are very convincing. As you can see, the results from both model are returning similar product for the input mini refrigerator. However, this approach is not a good fit for Web API because the matrix size is too large for web hosting service storage and RAM, so we have to try using another method for Web API deployment for the content-based filtering.</a:t>
+            </a:r>
+            <a:endParaRPr lang="en-US" altLang="zh-CN" dirty="0">
+              <a:solidFill>
+                <a:srgbClr val="262626"/>
+              </a:solidFill>
+              <a:latin typeface="Arial" panose="020B0604020202020204" pitchFamily="34" charset="0"/>
+              <a:cs typeface="Arial" panose="020B0604020202020204" pitchFamily="34" charset="0"/>
+              <a:sym typeface="+mn-ea"/>
+            </a:endParaRPr>
+          </a:p>
+        </p:txBody>
+      </p:sp>
+    </p:spTree>
+  </p:cSld>
+  <p:clrMapOvr>
+    <a:masterClrMapping/>
+  </p:clrMapOvr>
+</p:notes>
+</file>
+
+<file path=ppt/notesSlides/notesSlide23.xml><?xml version="1.0" encoding="utf-8"?>
+<p:notes xmlns:a="http://schemas.openxmlformats.org/drawingml/2006/main" xmlns:r="http://schemas.openxmlformats.org/officeDocument/2006/relationships" xmlns:p="http://schemas.openxmlformats.org/presentationml/2006/main">
+  <p:cSld>
+    <p:spTree>
+      <p:nvGrpSpPr>
+        <p:cNvPr id="1" name=""/>
+        <p:cNvGrpSpPr/>
+        <p:nvPr/>
+      </p:nvGrpSpPr>
+      <p:grpSpPr>
+        <a:xfrm>
+          <a:off x="0" y="0"/>
+          <a:ext cx="0" cy="0"/>
+          <a:chOff x="0" y="0"/>
+          <a:chExt cx="0" cy="0"/>
+        </a:xfrm>
+      </p:grpSpPr>
+      <p:sp>
+        <p:nvSpPr>
+          <p:cNvPr id="2" name="幻灯片图像占位符 1"/>
+          <p:cNvSpPr>
+            <a:spLocks noGrp="1" noRot="1" noChangeAspect="1"/>
+          </p:cNvSpPr>
+          <p:nvPr>
+            <p:ph type="sldImg"/>
+          </p:nvPr>
+        </p:nvSpPr>
+        <p:spPr/>
+      </p:sp>
+      <p:sp>
+        <p:nvSpPr>
+          <p:cNvPr id="3" name="备注占位符 2"/>
+          <p:cNvSpPr>
+            <a:spLocks noGrp="1"/>
+          </p:cNvSpPr>
+          <p:nvPr>
+            <p:ph type="body" idx="1"/>
+          </p:nvPr>
+        </p:nvSpPr>
+        <p:spPr/>
+        <p:txBody>
+          <a:bodyPr/>
+          <a:lstStyle/>
+          <a:p>
+            <a:pPr>
+              <a:lnSpc>
+                <a:spcPct val="150000"/>
+              </a:lnSpc>
+            </a:pPr>
+            <a:r>
+              <a:rPr lang="en-US" altLang="zh-CN" dirty="0">
+                <a:solidFill>
+                  <a:srgbClr val="262626"/>
+                </a:solidFill>
+                <a:latin typeface="Arial" panose="020B0604020202020204" pitchFamily="34" charset="0"/>
+                <a:cs typeface="Arial" panose="020B0604020202020204" pitchFamily="34" charset="0"/>
+                <a:sym typeface="+mn-ea"/>
+              </a:rPr>
+              <a:t>After some research, I found that the topic modeling approach could be an alternative solution. Instead of computing the huge similarity matrix, leveraging a probabilistic topic model like LDA can divide the entire product set into different topics or categories in our case. For creating recommendations, we can find the products that share the same topics among the product list and output the products with the highest probability scores. Although the output will be less precise than the cosine similarity models, it can be a good fit for Web API deployment.</a:t>
             </a:r>
             <a:endParaRPr lang="en-US" altLang="zh-CN" dirty="0">
               <a:solidFill>
@@ -2489,7 +2559,7 @@
                 <a:cs typeface="Arial" panose="020B0604020202020204" pitchFamily="34" charset="0"/>
                 <a:sym typeface="+mn-ea"/>
               </a:rPr>
-              <a:t>To find out how many topics exist in our product dataset, coherence values analysis is applied and the output shows that topic number 9 has the best coherence score, so we will use k=9 for the final LDA model.</a:t>
+              <a:t>To find out how many topics exist in our product dataset, coherence values analysis is applied and the output shows that topic number 9 has the best coherence score, so we will use 9 topics for the final LDA model.</a:t>
             </a:r>
             <a:endParaRPr lang="en-US" altLang="zh-CN" dirty="0">
               <a:solidFill>
@@ -2588,7 +2658,7 @@
 </p:notes>
 </file>
 
-<file path=ppt/notesSlides/notesSlide23.xml><?xml version="1.0" encoding="utf-8"?>
+<file path=ppt/notesSlides/notesSlide24.xml><?xml version="1.0" encoding="utf-8"?>
 <p:notes xmlns:a="http://schemas.openxmlformats.org/drawingml/2006/main" xmlns:r="http://schemas.openxmlformats.org/officeDocument/2006/relationships" xmlns:p="http://schemas.openxmlformats.org/presentationml/2006/main">
   <p:cSld>
     <p:spTree>
@@ -2638,6 +2708,17 @@
               </a:lnSpc>
             </a:pPr>
             <a:r>
+              <a:rPr lang="en-US" altLang="zh-CN" dirty="0">
+                <a:solidFill>
+                  <a:srgbClr val="262626"/>
+                </a:solidFill>
+                <a:latin typeface="Arial" panose="020B0604020202020204" pitchFamily="34" charset="0"/>
+                <a:cs typeface="Arial" panose="020B0604020202020204" pitchFamily="34" charset="0"/>
+                <a:sym typeface="+mn-ea"/>
+              </a:rPr>
+              <a:t>The next model would be the </a:t>
+            </a:r>
+            <a:r>
               <a:rPr lang="en-US" altLang="zh-CN">
                 <a:solidFill>
                   <a:schemeClr val="bg1"/>
@@ -2646,7 +2727,29 @@
                 <a:cs typeface="Arial" panose="020B0604020202020204" pitchFamily="34" charset="0"/>
                 <a:sym typeface="+mn-ea"/>
               </a:rPr>
-              <a:t>The idea of Collaborative methods for recommender systems are methods based on past interactions recorded between users and items to generate new recommendations.  The past user-item interactions represent the bases to detect similar users and/or similar items and to make predictions based on estimated proximities.</a:t>
+              <a:t>Collaborative</a:t>
+            </a:r>
+            <a:r>
+              <a:rPr lang="en-US" altLang="zh-CN" dirty="0">
+                <a:solidFill>
+                  <a:srgbClr val="262626"/>
+                </a:solidFill>
+                <a:latin typeface="Arial" panose="020B0604020202020204" pitchFamily="34" charset="0"/>
+                <a:cs typeface="Arial" panose="020B0604020202020204" pitchFamily="34" charset="0"/>
+                <a:sym typeface="+mn-ea"/>
+              </a:rPr>
+              <a:t> filtering. </a:t>
+            </a:r>
+            <a:r>
+              <a:rPr lang="en-US" altLang="zh-CN">
+                <a:solidFill>
+                  <a:schemeClr val="bg1"/>
+                </a:solidFill>
+                <a:latin typeface="Arial" panose="020B0604020202020204" pitchFamily="34" charset="0"/>
+                <a:cs typeface="Arial" panose="020B0604020202020204" pitchFamily="34" charset="0"/>
+                <a:sym typeface="+mn-ea"/>
+              </a:rPr>
+              <a:t>The idea of Collaborative methods for recommender systems are based on past interactions recorded between users and items to generate new recommendations.  The past user-item interactions represent the bases to detect similar users and/or similar items and to make predictions based on estimated proximities.</a:t>
             </a:r>
             <a:endParaRPr lang="en-US" altLang="zh-CN">
               <a:solidFill>
@@ -2687,7 +2790,7 @@
                 <a:cs typeface="Arial" panose="020B0604020202020204" pitchFamily="34" charset="0"/>
                 <a:sym typeface="+mn-ea"/>
               </a:rPr>
-              <a:t>The class of collaborative filtering algorithms is divided into two sub-categories called memory-based and model-based approaches. </a:t>
+              <a:t>The class of collaborative filtering algorithms is divided into two sub-categories called memory-based and model-based. </a:t>
             </a:r>
             <a:endParaRPr lang="en-US" altLang="zh-CN" dirty="0">
               <a:solidFill>
@@ -2790,7 +2893,7 @@
 </p:notes>
 </file>
 
-<file path=ppt/notesSlides/notesSlide24.xml><?xml version="1.0" encoding="utf-8"?>
+<file path=ppt/notesSlides/notesSlide25.xml><?xml version="1.0" encoding="utf-8"?>
 <p:notes xmlns:a="http://schemas.openxmlformats.org/drawingml/2006/main" xmlns:r="http://schemas.openxmlformats.org/officeDocument/2006/relationships" xmlns:p="http://schemas.openxmlformats.org/presentationml/2006/main">
   <p:cSld>
     <p:spTree>
@@ -2848,7 +2951,7 @@
                 <a:cs typeface="Arial" panose="020B0604020202020204" pitchFamily="34" charset="0"/>
                 <a:sym typeface="+mn-ea"/>
               </a:rPr>
-              <a:t>For training the collaborative filtering model, we only consider the customer with at least 3 reviews in our dataset. This will increase the recommendation output accuracy. </a:t>
+              <a:t>For training the collaborative filtering model, the most useful feature is review rating score in the review dataset. For this project, we only consider the customer with at least 3 review records in our dataset. This will increase the recommendation output accuracy. </a:t>
             </a:r>
             <a:endParaRPr lang="en-US" altLang="zh-CN" dirty="0">
               <a:solidFill>
@@ -2969,7 +3072,7 @@
 </p:notes>
 </file>
 
-<file path=ppt/notesSlides/notesSlide25.xml><?xml version="1.0" encoding="utf-8"?>
+<file path=ppt/notesSlides/notesSlide26.xml><?xml version="1.0" encoding="utf-8"?>
 <p:notes xmlns:a="http://schemas.openxmlformats.org/drawingml/2006/main" xmlns:r="http://schemas.openxmlformats.org/officeDocument/2006/relationships" xmlns:p="http://schemas.openxmlformats.org/presentationml/2006/main">
   <p:cSld>
     <p:spTree>
@@ -3089,7 +3192,7 @@
 </p:notes>
 </file>
 
-<file path=ppt/notesSlides/notesSlide26.xml><?xml version="1.0" encoding="utf-8"?>
+<file path=ppt/notesSlides/notesSlide27.xml><?xml version="1.0" encoding="utf-8"?>
 <p:notes xmlns:a="http://schemas.openxmlformats.org/drawingml/2006/main" xmlns:r="http://schemas.openxmlformats.org/officeDocument/2006/relationships" xmlns:p="http://schemas.openxmlformats.org/presentationml/2006/main">
   <p:cSld>
     <p:spTree>
@@ -3209,7 +3312,7 @@
 </p:notes>
 </file>
 
-<file path=ppt/notesSlides/notesSlide27.xml><?xml version="1.0" encoding="utf-8"?>
+<file path=ppt/notesSlides/notesSlide28.xml><?xml version="1.0" encoding="utf-8"?>
 <p:notes xmlns:a="http://schemas.openxmlformats.org/drawingml/2006/main" xmlns:r="http://schemas.openxmlformats.org/officeDocument/2006/relationships" xmlns:p="http://schemas.openxmlformats.org/presentationml/2006/main">
   <p:cSld>
     <p:spTree>
@@ -3361,7 +3464,7 @@
 </p:notes>
 </file>
 
-<file path=ppt/notesSlides/notesSlide28.xml><?xml version="1.0" encoding="utf-8"?>
+<file path=ppt/notesSlides/notesSlide29.xml><?xml version="1.0" encoding="utf-8"?>
 <p:notes xmlns:a="http://schemas.openxmlformats.org/drawingml/2006/main" xmlns:r="http://schemas.openxmlformats.org/officeDocument/2006/relationships" xmlns:p="http://schemas.openxmlformats.org/presentationml/2006/main">
   <p:cSld>
     <p:spTree>
@@ -3416,7 +3519,7 @@
                 <a:cs typeface="+mn-cs"/>
                 <a:sym typeface="Arial" panose="020B0604020202020204" pitchFamily="34" charset="0"/>
               </a:rPr>
-              <a:t>As you can see, the recommendation result shows that the hybrid model is suggesting more products that are similar to the product ID B0001YH10C for customer ID A1CY6CQC5HPQGL because </a:t>
+              <a:t>As you can see, the recommendation result shows that the hybrid model is suggesting more products that are similar to the input product ID mini refrigerator for the input customer ID because </a:t>
             </a:r>
             <a:r>
               <a:rPr lang="en-US" b="0" i="0" dirty="0" smtClean="0">
@@ -3424,126 +3527,12 @@
                 <a:ea typeface="Arial" panose="020B0604020202020204" pitchFamily="34" charset="0"/>
                 <a:sym typeface="Arial" panose="020B0604020202020204" pitchFamily="34" charset="0"/>
               </a:rPr>
-              <a:t>it takes individual advantage of content-based and collaborative filtering.</a:t>
+              <a:t>this model takes individual advantage of content-based and collaborative filtering.</a:t>
             </a:r>
             <a:endParaRPr lang="en-US" b="0" i="0" dirty="0" smtClean="0">
               <a:effectLst/>
               <a:ea typeface="Arial" panose="020B0604020202020204" pitchFamily="34" charset="0"/>
               <a:sym typeface="Arial" panose="020B0604020202020204" pitchFamily="34" charset="0"/>
-            </a:endParaRPr>
-          </a:p>
-        </p:txBody>
-      </p:sp>
-    </p:spTree>
-  </p:cSld>
-  <p:clrMapOvr>
-    <a:masterClrMapping/>
-  </p:clrMapOvr>
-</p:notes>
-</file>
-
-<file path=ppt/notesSlides/notesSlide29.xml><?xml version="1.0" encoding="utf-8"?>
-<p:notes xmlns:a="http://schemas.openxmlformats.org/drawingml/2006/main" xmlns:r="http://schemas.openxmlformats.org/officeDocument/2006/relationships" xmlns:p="http://schemas.openxmlformats.org/presentationml/2006/main">
-  <p:cSld>
-    <p:spTree>
-      <p:nvGrpSpPr>
-        <p:cNvPr id="1" name=""/>
-        <p:cNvGrpSpPr/>
-        <p:nvPr/>
-      </p:nvGrpSpPr>
-      <p:grpSpPr>
-        <a:xfrm>
-          <a:off x="0" y="0"/>
-          <a:ext cx="0" cy="0"/>
-          <a:chOff x="0" y="0"/>
-          <a:chExt cx="0" cy="0"/>
-        </a:xfrm>
-      </p:grpSpPr>
-      <p:sp>
-        <p:nvSpPr>
-          <p:cNvPr id="33793" name="幻灯片图像占位符 1"/>
-          <p:cNvSpPr>
-            <a:spLocks noGrp="1" noRot="1" noChangeAspect="1"/>
-          </p:cNvSpPr>
-          <p:nvPr>
-            <p:ph type="sldImg"/>
-          </p:nvPr>
-        </p:nvSpPr>
-        <p:spPr/>
-      </p:sp>
-      <p:sp>
-        <p:nvSpPr>
-          <p:cNvPr id="33794" name="备注占位符 2"/>
-          <p:cNvSpPr>
-            <a:spLocks noGrp="1"/>
-          </p:cNvSpPr>
-          <p:nvPr>
-            <p:ph type="body"/>
-          </p:nvPr>
-        </p:nvSpPr>
-        <p:spPr/>
-        <p:txBody>
-          <a:bodyPr lIns="91440" tIns="45720" rIns="91440" bIns="45720" anchor="t" anchorCtr="0"/>
-          <a:lstStyle/>
-          <a:p>
-            <a:pPr lvl="0"/>
-            <a:r>
-              <a:rPr lang="en-US" dirty="0" smtClean="0">
-                <a:sym typeface="+mn-ea"/>
-              </a:rPr>
-              <a:t>For recommendation system deployment, a user interface was developed by integrating with multiple platforms and servers. This section will illustrate the system integration details and provide a live recommendation website at the end.</a:t>
-            </a:r>
-            <a:endParaRPr lang="en-US" dirty="0" smtClean="0"/>
-          </a:p>
-          <a:p>
-            <a:pPr lvl="0"/>
-            <a:endParaRPr lang="en-US" altLang="zh-CN" dirty="0">
-              <a:solidFill>
-                <a:srgbClr val="00B0F0"/>
-              </a:solidFill>
-              <a:latin typeface="微软雅黑" panose="020B0503020204020204" pitchFamily="34" charset="-122"/>
-              <a:ea typeface="微软雅黑" panose="020B0503020204020204" pitchFamily="34" charset="-122"/>
-            </a:endParaRPr>
-          </a:p>
-        </p:txBody>
-      </p:sp>
-      <p:sp>
-        <p:nvSpPr>
-          <p:cNvPr id="33795" name="灯片编号占位符 3"/>
-          <p:cNvSpPr>
-            <a:spLocks noGrp="1"/>
-          </p:cNvSpPr>
-          <p:nvPr>
-            <p:ph type="sldNum" sz="quarter"/>
-          </p:nvPr>
-        </p:nvSpPr>
-        <p:spPr>
-          <a:xfrm>
-            <a:off x="3884613" y="8685213"/>
-            <a:ext cx="2971800" cy="458787"/>
-          </a:xfrm>
-          <a:prstGeom prst="rect">
-            <a:avLst/>
-          </a:prstGeom>
-          <a:noFill/>
-          <a:ln w="9525">
-            <a:noFill/>
-          </a:ln>
-        </p:spPr>
-        <p:txBody>
-          <a:bodyPr vert="horz" lIns="91440" tIns="45720" rIns="91440" bIns="45720" anchor="b" anchorCtr="0"/>
-          <a:lstStyle/>
-          <a:p>
-            <a:pPr lvl="0" algn="r"/>
-            <a:fld id="{9A0DB2DC-4C9A-4742-B13C-FB6460FD3503}" type="slidenum">
-              <a:rPr lang="zh-CN" altLang="en-US" sz="1200">
-                <a:latin typeface="Calibri" panose="020F0502020204030204" charset="0"/>
-                <a:ea typeface="宋体" panose="02010600030101010101" pitchFamily="2" charset="-122"/>
-              </a:rPr>
-            </a:fld>
-            <a:endParaRPr lang="zh-CN" altLang="en-US" sz="1200">
-              <a:latin typeface="Calibri" panose="020F0502020204030204" charset="0"/>
-              <a:ea typeface="宋体" panose="02010600030101010101" pitchFamily="2" charset="-122"/>
             </a:endParaRPr>
           </a:p>
         </p:txBody>
@@ -3679,7 +3668,7 @@
       </p:grpSpPr>
       <p:sp>
         <p:nvSpPr>
-          <p:cNvPr id="2" name="幻灯片图像占位符 1"/>
+          <p:cNvPr id="33793" name="幻灯片图像占位符 1"/>
           <p:cNvSpPr>
             <a:spLocks noGrp="1" noRot="1" noChangeAspect="1"/>
           </p:cNvSpPr>
@@ -3691,68 +3680,78 @@
       </p:sp>
       <p:sp>
         <p:nvSpPr>
-          <p:cNvPr id="3" name="备注占位符 2"/>
+          <p:cNvPr id="33794" name="备注占位符 2"/>
           <p:cNvSpPr>
             <a:spLocks noGrp="1"/>
           </p:cNvSpPr>
           <p:nvPr>
-            <p:ph type="body" idx="1"/>
+            <p:ph type="body"/>
           </p:nvPr>
         </p:nvSpPr>
         <p:spPr/>
         <p:txBody>
-          <a:bodyPr/>
+          <a:bodyPr lIns="91440" tIns="45720" rIns="91440" bIns="45720" anchor="t" anchorCtr="0"/>
           <a:lstStyle/>
           <a:p>
+            <a:pPr lvl="0"/>
             <a:r>
               <a:rPr lang="en-US" dirty="0" smtClean="0">
                 <a:sym typeface="+mn-ea"/>
               </a:rPr>
-              <a:t>First of all, let’s introduce some key components of the system. </a:t>
+              <a:t>For recommendation system deployment, a user interface was developed by integrating with multiple platforms and servers. This section will illustrate the system integration details and provide a live recommendation website at the end.</a:t>
             </a:r>
             <a:endParaRPr lang="en-US" dirty="0" smtClean="0"/>
           </a:p>
           <a:p>
-            <a:endParaRPr lang="en-US" dirty="0" smtClean="0"/>
-          </a:p>
-          <a:p>
-            <a:r>
-              <a:rPr lang="en-US" dirty="0" smtClean="0">
-                <a:sym typeface="+mn-ea"/>
-              </a:rPr>
-              <a:t>The first one is the web hosting service that runs our web application and recommendation models. I chose PythonAnywhere because it is free and it provides the ability to run and execute Python codes within the environment from any machine, any location. The only drawback is free server has limited computing and storage power.</a:t>
-            </a:r>
-            <a:endParaRPr lang="en-US" dirty="0" smtClean="0"/>
-          </a:p>
-          <a:p>
-            <a:endParaRPr lang="en-US" dirty="0" smtClean="0"/>
-          </a:p>
-          <a:p>
-            <a:r>
-              <a:rPr lang="en-US" dirty="0" smtClean="0">
-                <a:sym typeface="+mn-ea"/>
-              </a:rPr>
-              <a:t>The second tool is the chatbot development platform that connect user input with </a:t>
-            </a:r>
-            <a:r>
-              <a:rPr lang="en-US" dirty="0" smtClean="0">
-                <a:sym typeface="+mn-ea"/>
-              </a:rPr>
-              <a:t>recommendation models. I chose DialogFlow because it is powered by Google’s machine learning, easy to use, and supports fulfillment.</a:t>
-            </a:r>
-            <a:endParaRPr lang="en-US" dirty="0" smtClean="0">
-              <a:sym typeface="+mn-ea"/>
+            <a:pPr lvl="0"/>
+            <a:endParaRPr lang="en-US" altLang="zh-CN" dirty="0">
+              <a:solidFill>
+                <a:srgbClr val="00B0F0"/>
+              </a:solidFill>
+              <a:latin typeface="微软雅黑" panose="020B0503020204020204" pitchFamily="34" charset="-122"/>
+              <a:ea typeface="微软雅黑" panose="020B0503020204020204" pitchFamily="34" charset="-122"/>
             </a:endParaRPr>
           </a:p>
+        </p:txBody>
+      </p:sp>
+      <p:sp>
+        <p:nvSpPr>
+          <p:cNvPr id="33795" name="灯片编号占位符 3"/>
+          <p:cNvSpPr>
+            <a:spLocks noGrp="1"/>
+          </p:cNvSpPr>
+          <p:nvPr>
+            <p:ph type="sldNum" sz="quarter"/>
+          </p:nvPr>
+        </p:nvSpPr>
+        <p:spPr>
+          <a:xfrm>
+            <a:off x="3884613" y="8685213"/>
+            <a:ext cx="2971800" cy="458787"/>
+          </a:xfrm>
+          <a:prstGeom prst="rect">
+            <a:avLst/>
+          </a:prstGeom>
+          <a:noFill/>
+          <a:ln w="9525">
+            <a:noFill/>
+          </a:ln>
+        </p:spPr>
+        <p:txBody>
+          <a:bodyPr vert="horz" lIns="91440" tIns="45720" rIns="91440" bIns="45720" anchor="b" anchorCtr="0"/>
+          <a:lstStyle/>
           <a:p>
-            <a:endParaRPr lang="en-US" dirty="0" smtClean="0"/>
-          </a:p>
-          <a:p>
-            <a:r>
-              <a:rPr lang="en-US" dirty="0" smtClean="0"/>
-              <a:t>So now we have our machine learning model, web application, web hosting service, and chatbot ready, let’s integrate them into a functioning system</a:t>
-            </a:r>
-            <a:endParaRPr lang="en-US" dirty="0" smtClean="0"/>
+            <a:pPr lvl="0" algn="r"/>
+            <a:fld id="{9A0DB2DC-4C9A-4742-B13C-FB6460FD3503}" type="slidenum">
+              <a:rPr lang="zh-CN" altLang="en-US" sz="1200">
+                <a:latin typeface="Calibri" panose="020F0502020204030204" charset="0"/>
+                <a:ea typeface="宋体" panose="02010600030101010101" pitchFamily="2" charset="-122"/>
+              </a:rPr>
+            </a:fld>
+            <a:endParaRPr lang="zh-CN" altLang="en-US" sz="1200">
+              <a:latin typeface="Calibri" panose="020F0502020204030204" charset="0"/>
+              <a:ea typeface="宋体" panose="02010600030101010101" pitchFamily="2" charset="-122"/>
+            </a:endParaRPr>
           </a:p>
         </p:txBody>
       </p:sp>
@@ -3809,6 +3808,110 @@
           <a:lstStyle/>
           <a:p>
             <a:r>
+              <a:rPr lang="en-US" dirty="0" smtClean="0">
+                <a:sym typeface="+mn-ea"/>
+              </a:rPr>
+              <a:t>First of all, let’s introduce some key components of the system. </a:t>
+            </a:r>
+            <a:endParaRPr lang="en-US" dirty="0" smtClean="0"/>
+          </a:p>
+          <a:p>
+            <a:endParaRPr lang="en-US" dirty="0" smtClean="0"/>
+          </a:p>
+          <a:p>
+            <a:r>
+              <a:rPr lang="en-US" dirty="0" smtClean="0">
+                <a:sym typeface="+mn-ea"/>
+              </a:rPr>
+              <a:t>The first one is the web hosting service that runs our web application and recommendation models. I chose PythonAnywhere because it is free and it provides the ability to run and execute Python codes within the environment from any machine, any location. The only drawback is the free version has limited computing and storage power.</a:t>
+            </a:r>
+            <a:endParaRPr lang="en-US" dirty="0" smtClean="0"/>
+          </a:p>
+          <a:p>
+            <a:endParaRPr lang="en-US" dirty="0" smtClean="0"/>
+          </a:p>
+          <a:p>
+            <a:r>
+              <a:rPr lang="en-US" dirty="0" smtClean="0">
+                <a:sym typeface="+mn-ea"/>
+              </a:rPr>
+              <a:t>The second tool is the chatbot development platform that connect user input with </a:t>
+            </a:r>
+            <a:r>
+              <a:rPr lang="en-US" dirty="0" smtClean="0">
+                <a:sym typeface="+mn-ea"/>
+              </a:rPr>
+              <a:t>recommendation models. I chose DialogFlow because it is powered by Google’s machine learning, easy to use, and supports fulfillment request.</a:t>
+            </a:r>
+            <a:endParaRPr lang="en-US" dirty="0" smtClean="0">
+              <a:sym typeface="+mn-ea"/>
+            </a:endParaRPr>
+          </a:p>
+          <a:p>
+            <a:endParaRPr lang="en-US" dirty="0" smtClean="0"/>
+          </a:p>
+          <a:p>
+            <a:r>
+              <a:rPr lang="en-US" dirty="0" smtClean="0"/>
+              <a:t>So now we have our machine learning model, web application, web hosting service, and chatbot ready, let’s integrate them into a functioning system</a:t>
+            </a:r>
+            <a:endParaRPr lang="en-US" dirty="0" smtClean="0"/>
+          </a:p>
+        </p:txBody>
+      </p:sp>
+    </p:spTree>
+  </p:cSld>
+  <p:clrMapOvr>
+    <a:masterClrMapping/>
+  </p:clrMapOvr>
+</p:notes>
+</file>
+
+<file path=ppt/notesSlides/notesSlide32.xml><?xml version="1.0" encoding="utf-8"?>
+<p:notes xmlns:a="http://schemas.openxmlformats.org/drawingml/2006/main" xmlns:r="http://schemas.openxmlformats.org/officeDocument/2006/relationships" xmlns:p="http://schemas.openxmlformats.org/presentationml/2006/main">
+  <p:cSld>
+    <p:spTree>
+      <p:nvGrpSpPr>
+        <p:cNvPr id="1" name=""/>
+        <p:cNvGrpSpPr/>
+        <p:nvPr/>
+      </p:nvGrpSpPr>
+      <p:grpSpPr>
+        <a:xfrm>
+          <a:off x="0" y="0"/>
+          <a:ext cx="0" cy="0"/>
+          <a:chOff x="0" y="0"/>
+          <a:chExt cx="0" cy="0"/>
+        </a:xfrm>
+      </p:grpSpPr>
+      <p:sp>
+        <p:nvSpPr>
+          <p:cNvPr id="2" name="幻灯片图像占位符 1"/>
+          <p:cNvSpPr>
+            <a:spLocks noGrp="1" noRot="1" noChangeAspect="1"/>
+          </p:cNvSpPr>
+          <p:nvPr>
+            <p:ph type="sldImg"/>
+          </p:nvPr>
+        </p:nvSpPr>
+        <p:spPr/>
+      </p:sp>
+      <p:sp>
+        <p:nvSpPr>
+          <p:cNvPr id="3" name="备注占位符 2"/>
+          <p:cNvSpPr>
+            <a:spLocks noGrp="1"/>
+          </p:cNvSpPr>
+          <p:nvPr>
+            <p:ph type="body" idx="1"/>
+          </p:nvPr>
+        </p:nvSpPr>
+        <p:spPr/>
+        <p:txBody>
+          <a:bodyPr/>
+          <a:lstStyle/>
+          <a:p>
+            <a:r>
               <a:rPr lang="en-US" dirty="0"/>
               <a:t>This is a system architecture diagram for this project, it shows the interaction flow between each component and their roles in this integrated system.</a:t>
             </a:r>
@@ -3820,7 +3923,7 @@
           <a:p>
             <a:r>
               <a:rPr lang="en-US" dirty="0"/>
-              <a:t>Let’s start with the backend where our core components reside on. We have two web servers, one is hosting our web application, which handles message transmission with Dialogflow. another one is hosting our webhook API for handling recommendation model-related responses. Then we have a chatbot in the middle to connect these two web servers. The chatbot utilizes Google Cloud Platform for external use and it handles conversation and collects user inputs. Normally, the standalone chatbot can handle the regular conversation, but if any chat responses require machine learning results, it will send a request with user input IDs to our web API. Then our web API will run the model and send back the result.</a:t>
+              <a:t>Let’s start with the backend where our core components reside on. We have two web servers, one is hosting our web application, which handles message transmission with Dialogflow. another one is hosting our webhook API for handling recommendation model-related responses. Then we have a chatbot in the middle to connect these two web servers. The chatbot utilizes Google Cloud Platform for external use and it handles conversation and collects user inputs. Normally, the standalone chatbot can handle the regular conversation, but if any chat responses require machine learning results, it will send a request with user input IDs to our web API. Then our web API will run the pretrained model and send back the result.</a:t>
             </a:r>
             <a:endParaRPr lang="en-US" dirty="0"/>
           </a:p>
@@ -3830,7 +3933,7 @@
           <a:p>
             <a:r>
               <a:rPr lang="en-US" dirty="0"/>
-              <a:t>Finally, all chat responses will go through our first web server and be displayed on the frontend to the user. </a:t>
+              <a:t>Finally, all chat responses will go through our first web server and to be displayed on the frontend to the user. </a:t>
             </a:r>
             <a:endParaRPr lang="en-US" dirty="0"/>
           </a:p>
@@ -3840,7 +3943,7 @@
           <a:p>
             <a:r>
               <a:rPr lang="en-US" dirty="0"/>
-              <a:t>The architecture is straightforward, but our chatbot doesn’t know when to call our web API unless we tell it to do so, so the next step is to design our chatbot conversation flow to set conditions for collecting the necessary input from the users for calling our recommendation models.</a:t>
+              <a:t>The architecture is pretty straightforward, but our chatbot doesn’t know when to call our web API unless we tell it to do so, so the next step is to design our chatbot conversation flow to set conditions for collecting the necessary input from the users for calling our recommendation models.</a:t>
             </a:r>
             <a:endParaRPr lang="en-US" dirty="0"/>
           </a:p>
@@ -3854,7 +3957,7 @@
 </p:notes>
 </file>
 
-<file path=ppt/notesSlides/notesSlide32.xml><?xml version="1.0" encoding="utf-8"?>
+<file path=ppt/notesSlides/notesSlide33.xml><?xml version="1.0" encoding="utf-8"?>
 <p:notes xmlns:a="http://schemas.openxmlformats.org/drawingml/2006/main" xmlns:r="http://schemas.openxmlformats.org/officeDocument/2006/relationships" xmlns:p="http://schemas.openxmlformats.org/presentationml/2006/main">
   <p:cSld>
     <p:spTree>
@@ -3938,7 +4041,7 @@
 </p:notes>
 </file>
 
-<file path=ppt/notesSlides/notesSlide33.xml><?xml version="1.0" encoding="utf-8"?>
+<file path=ppt/notesSlides/notesSlide34.xml><?xml version="1.0" encoding="utf-8"?>
 <p:notes xmlns:a="http://schemas.openxmlformats.org/drawingml/2006/main" xmlns:r="http://schemas.openxmlformats.org/officeDocument/2006/relationships" xmlns:p="http://schemas.openxmlformats.org/presentationml/2006/main">
   <p:cSld>
     <p:spTree>
@@ -4008,7 +4111,7 @@
 </p:notes>
 </file>
 
-<file path=ppt/notesSlides/notesSlide34.xml><?xml version="1.0" encoding="utf-8"?>
+<file path=ppt/notesSlides/notesSlide35.xml><?xml version="1.0" encoding="utf-8"?>
 <p:notes xmlns:a="http://schemas.openxmlformats.org/drawingml/2006/main" xmlns:r="http://schemas.openxmlformats.org/officeDocument/2006/relationships" xmlns:p="http://schemas.openxmlformats.org/presentationml/2006/main">
   <p:cSld>
     <p:spTree>
@@ -4112,7 +4215,7 @@
 </p:notes>
 </file>
 
-<file path=ppt/notesSlides/notesSlide35.xml><?xml version="1.0" encoding="utf-8"?>
+<file path=ppt/notesSlides/notesSlide36.xml><?xml version="1.0" encoding="utf-8"?>
 <p:notes xmlns:a="http://schemas.openxmlformats.org/drawingml/2006/main" xmlns:r="http://schemas.openxmlformats.org/officeDocument/2006/relationships" xmlns:p="http://schemas.openxmlformats.org/presentationml/2006/main">
   <p:cSld>
     <p:spTree>
@@ -4298,7 +4401,7 @@
                 <a:cs typeface="+mn-cs"/>
                 <a:sym typeface="Arial" panose="020B0604020202020204" pitchFamily="34" charset="0"/>
               </a:rPr>
-              <a:t>he most useful characteristics to promote products are based on what recommendation method we use. For content-based filtering, product description is the key feature. For collaborative filtering, review rating is the most important factor.</a:t>
+              <a:t>he most useful characteristics to promote products are based on what recommendation method we use. For content-based filtering, product description is the key feature. For collaborative filtering, review rating/text is the most important factor.</a:t>
             </a:r>
             <a:endParaRPr lang="en-US" sz="1200" b="0" i="0" kern="1200" dirty="0" smtClean="0">
               <a:solidFill>
@@ -4436,7 +4539,7 @@
                 <a:cs typeface="+mn-cs"/>
                 <a:sym typeface="Arial" panose="020B0604020202020204" pitchFamily="34" charset="0"/>
               </a:rPr>
-              <a:t>And to offer a better user experience, I kinda exploded the software and chatbot development, and build a integrated system to assist </a:t>
+              <a:t>And to offer a better user experience, I kinda explored the software and chatbot development, and build a integrated system to assist </a:t>
             </a:r>
             <a:r>
               <a:rPr lang="en-US" dirty="0" smtClean="0">
@@ -4508,7 +4611,7 @@
                 <a:cs typeface="+mn-cs"/>
                 <a:sym typeface="Arial" panose="020B0604020202020204" pitchFamily="34" charset="0"/>
               </a:rPr>
-              <a:t>Overall, this project gives a comprehensive report of how recommender systems work. It demonstrates every aspect from collecting data, EDA, machine learning, and system deployment, and hopefully, it can help any audience better understand why and how to create such a system.</a:t>
+              <a:t>Overall, this project gives a comprehensive report of how recommender systems work. It demonstrates every aspect from collecting data, EDA, machine learning, to system deployment, and hopefully, it can help any audience better understand why and how to create such a system.</a:t>
             </a:r>
             <a:endParaRPr lang="en-US" sz="1200" b="0" i="0" kern="1200" dirty="0" smtClean="0">
               <a:solidFill>
@@ -4550,7 +4653,7 @@
 </p:notes>
 </file>
 
-<file path=ppt/notesSlides/notesSlide36.xml><?xml version="1.0" encoding="utf-8"?>
+<file path=ppt/notesSlides/notesSlide37.xml><?xml version="1.0" encoding="utf-8"?>
 <p:notes xmlns:a="http://schemas.openxmlformats.org/drawingml/2006/main" xmlns:r="http://schemas.openxmlformats.org/officeDocument/2006/relationships" xmlns:p="http://schemas.openxmlformats.org/presentationml/2006/main">
   <p:cSld>
     <p:spTree>
@@ -4752,7 +4855,7 @@
 </p:notes>
 </file>
 
-<file path=ppt/notesSlides/notesSlide37.xml><?xml version="1.0" encoding="utf-8"?>
+<file path=ppt/notesSlides/notesSlide38.xml><?xml version="1.0" encoding="utf-8"?>
 <p:notes xmlns:a="http://schemas.openxmlformats.org/drawingml/2006/main" xmlns:r="http://schemas.openxmlformats.org/officeDocument/2006/relationships" xmlns:p="http://schemas.openxmlformats.org/presentationml/2006/main">
   <p:cSld>
     <p:spTree>
@@ -4937,7 +5040,7 @@
                 <a:latin typeface="Arial" panose="020B0604020202020204" pitchFamily="34" charset="0"/>
                 <a:sym typeface="+mn-ea"/>
               </a:rPr>
-              <a:t>Another research direction is to explode online recommender system approaches, one could be session-based recommender system which rely on the user’s most recent interactions rather than on the user’s historical preferences. </a:t>
+              <a:t>Another research direction is to explore online recommender system approaches, one could be session-based recommender system which rely on the user’s most recent interactions rather than on the user’s historical preferences. </a:t>
             </a:r>
             <a:r>
               <a:rPr lang="en-US" dirty="0">
@@ -4961,7 +5064,7 @@
 </p:notes>
 </file>
 
-<file path=ppt/notesSlides/notesSlide38.xml><?xml version="1.0" encoding="utf-8"?>
+<file path=ppt/notesSlides/notesSlide39.xml><?xml version="1.0" encoding="utf-8"?>
 <p:notes xmlns:a="http://schemas.openxmlformats.org/drawingml/2006/main" xmlns:r="http://schemas.openxmlformats.org/officeDocument/2006/relationships" xmlns:p="http://schemas.openxmlformats.org/presentationml/2006/main">
   <p:cSld>
     <p:spTree>
@@ -4994,104 +5097,6 @@
           <a:bodyPr/>
           <a:p>
             <a:endParaRPr lang="en-US"/>
-          </a:p>
-        </p:txBody>
-      </p:sp>
-    </p:spTree>
-  </p:cSld>
-  <p:clrMapOvr>
-    <a:masterClrMapping/>
-  </p:clrMapOvr>
-</p:notes>
-</file>
-
-<file path=ppt/notesSlides/notesSlide39.xml><?xml version="1.0" encoding="utf-8"?>
-<p:notes xmlns:a="http://schemas.openxmlformats.org/drawingml/2006/main" xmlns:r="http://schemas.openxmlformats.org/officeDocument/2006/relationships" xmlns:p="http://schemas.openxmlformats.org/presentationml/2006/main">
-  <p:cSld>
-    <p:spTree>
-      <p:nvGrpSpPr>
-        <p:cNvPr id="1" name=""/>
-        <p:cNvGrpSpPr/>
-        <p:nvPr/>
-      </p:nvGrpSpPr>
-      <p:grpSpPr>
-        <a:xfrm>
-          <a:off x="0" y="0"/>
-          <a:ext cx="0" cy="0"/>
-          <a:chOff x="0" y="0"/>
-          <a:chExt cx="0" cy="0"/>
-        </a:xfrm>
-      </p:grpSpPr>
-      <p:sp>
-        <p:nvSpPr>
-          <p:cNvPr id="40961" name="幻灯片图像占位符 1"/>
-          <p:cNvSpPr>
-            <a:spLocks noGrp="1" noRot="1" noChangeAspect="1"/>
-          </p:cNvSpPr>
-          <p:nvPr>
-            <p:ph type="sldImg"/>
-          </p:nvPr>
-        </p:nvSpPr>
-        <p:spPr/>
-      </p:sp>
-      <p:sp>
-        <p:nvSpPr>
-          <p:cNvPr id="40962" name="备注占位符 2"/>
-          <p:cNvSpPr>
-            <a:spLocks noGrp="1"/>
-          </p:cNvSpPr>
-          <p:nvPr>
-            <p:ph type="body"/>
-          </p:nvPr>
-        </p:nvSpPr>
-        <p:spPr/>
-        <p:txBody>
-          <a:bodyPr lIns="91440" tIns="45720" rIns="91440" bIns="45720" anchor="t" anchorCtr="0"/>
-          <a:lstStyle/>
-          <a:p>
-            <a:pPr lvl="0"/>
-            <a:endParaRPr lang="zh-CN" altLang="en-US" dirty="0"/>
-          </a:p>
-        </p:txBody>
-      </p:sp>
-      <p:sp>
-        <p:nvSpPr>
-          <p:cNvPr id="40963" name="灯片编号占位符 3"/>
-          <p:cNvSpPr>
-            <a:spLocks noGrp="1"/>
-          </p:cNvSpPr>
-          <p:nvPr>
-            <p:ph type="sldNum" sz="quarter"/>
-          </p:nvPr>
-        </p:nvSpPr>
-        <p:spPr>
-          <a:xfrm>
-            <a:off x="3884613" y="8685213"/>
-            <a:ext cx="2971800" cy="458787"/>
-          </a:xfrm>
-          <a:prstGeom prst="rect">
-            <a:avLst/>
-          </a:prstGeom>
-          <a:noFill/>
-          <a:ln w="9525">
-            <a:noFill/>
-          </a:ln>
-        </p:spPr>
-        <p:txBody>
-          <a:bodyPr vert="horz" lIns="91440" tIns="45720" rIns="91440" bIns="45720" anchor="b" anchorCtr="0"/>
-          <a:lstStyle/>
-          <a:p>
-            <a:pPr lvl="0" algn="r"/>
-            <a:fld id="{9A0DB2DC-4C9A-4742-B13C-FB6460FD3503}" type="slidenum">
-              <a:rPr lang="zh-CN" altLang="en-US" sz="1200">
-                <a:latin typeface="Calibri" panose="020F0502020204030204" charset="0"/>
-                <a:ea typeface="宋体" panose="02010600030101010101" pitchFamily="2" charset="-122"/>
-              </a:rPr>
-            </a:fld>
-            <a:endParaRPr lang="zh-CN" altLang="en-US" sz="1200">
-              <a:latin typeface="Calibri" panose="020F0502020204030204" charset="0"/>
-              <a:ea typeface="宋体" panose="02010600030101010101" pitchFamily="2" charset="-122"/>
-            </a:endParaRPr>
           </a:p>
         </p:txBody>
       </p:sp>
@@ -5252,6 +5257,104 @@
 </p:notes>
 </file>
 
+<file path=ppt/notesSlides/notesSlide40.xml><?xml version="1.0" encoding="utf-8"?>
+<p:notes xmlns:a="http://schemas.openxmlformats.org/drawingml/2006/main" xmlns:r="http://schemas.openxmlformats.org/officeDocument/2006/relationships" xmlns:p="http://schemas.openxmlformats.org/presentationml/2006/main">
+  <p:cSld>
+    <p:spTree>
+      <p:nvGrpSpPr>
+        <p:cNvPr id="1" name=""/>
+        <p:cNvGrpSpPr/>
+        <p:nvPr/>
+      </p:nvGrpSpPr>
+      <p:grpSpPr>
+        <a:xfrm>
+          <a:off x="0" y="0"/>
+          <a:ext cx="0" cy="0"/>
+          <a:chOff x="0" y="0"/>
+          <a:chExt cx="0" cy="0"/>
+        </a:xfrm>
+      </p:grpSpPr>
+      <p:sp>
+        <p:nvSpPr>
+          <p:cNvPr id="40961" name="幻灯片图像占位符 1"/>
+          <p:cNvSpPr>
+            <a:spLocks noGrp="1" noRot="1" noChangeAspect="1"/>
+          </p:cNvSpPr>
+          <p:nvPr>
+            <p:ph type="sldImg"/>
+          </p:nvPr>
+        </p:nvSpPr>
+        <p:spPr/>
+      </p:sp>
+      <p:sp>
+        <p:nvSpPr>
+          <p:cNvPr id="40962" name="备注占位符 2"/>
+          <p:cNvSpPr>
+            <a:spLocks noGrp="1"/>
+          </p:cNvSpPr>
+          <p:nvPr>
+            <p:ph type="body"/>
+          </p:nvPr>
+        </p:nvSpPr>
+        <p:spPr/>
+        <p:txBody>
+          <a:bodyPr lIns="91440" tIns="45720" rIns="91440" bIns="45720" anchor="t" anchorCtr="0"/>
+          <a:lstStyle/>
+          <a:p>
+            <a:pPr lvl="0"/>
+            <a:endParaRPr lang="zh-CN" altLang="en-US" dirty="0"/>
+          </a:p>
+        </p:txBody>
+      </p:sp>
+      <p:sp>
+        <p:nvSpPr>
+          <p:cNvPr id="40963" name="灯片编号占位符 3"/>
+          <p:cNvSpPr>
+            <a:spLocks noGrp="1"/>
+          </p:cNvSpPr>
+          <p:nvPr>
+            <p:ph type="sldNum" sz="quarter"/>
+          </p:nvPr>
+        </p:nvSpPr>
+        <p:spPr>
+          <a:xfrm>
+            <a:off x="3884613" y="8685213"/>
+            <a:ext cx="2971800" cy="458787"/>
+          </a:xfrm>
+          <a:prstGeom prst="rect">
+            <a:avLst/>
+          </a:prstGeom>
+          <a:noFill/>
+          <a:ln w="9525">
+            <a:noFill/>
+          </a:ln>
+        </p:spPr>
+        <p:txBody>
+          <a:bodyPr vert="horz" lIns="91440" tIns="45720" rIns="91440" bIns="45720" anchor="b" anchorCtr="0"/>
+          <a:lstStyle/>
+          <a:p>
+            <a:pPr lvl="0" algn="r"/>
+            <a:fld id="{9A0DB2DC-4C9A-4742-B13C-FB6460FD3503}" type="slidenum">
+              <a:rPr lang="zh-CN" altLang="en-US" sz="1200">
+                <a:latin typeface="Calibri" panose="020F0502020204030204" charset="0"/>
+                <a:ea typeface="宋体" panose="02010600030101010101" pitchFamily="2" charset="-122"/>
+              </a:rPr>
+            </a:fld>
+            <a:endParaRPr lang="zh-CN" altLang="en-US" sz="1200">
+              <a:latin typeface="Calibri" panose="020F0502020204030204" charset="0"/>
+              <a:ea typeface="宋体" panose="02010600030101010101" pitchFamily="2" charset="-122"/>
+            </a:endParaRPr>
+          </a:p>
+        </p:txBody>
+      </p:sp>
+    </p:spTree>
+  </p:cSld>
+  <p:clrMapOvr>
+    <a:masterClrMapping/>
+  </p:clrMapOvr>
+</p:notes>
+</file>
+
 <file path=ppt/notesSlides/notesSlide5.xml><?xml version="1.0" encoding="utf-8"?>
 <p:notes xmlns:a="http://schemas.openxmlformats.org/drawingml/2006/main" xmlns:r="http://schemas.openxmlformats.org/officeDocument/2006/relationships" xmlns:p="http://schemas.openxmlformats.org/presentationml/2006/main">
   <p:cSld>
@@ -5365,6 +5468,141 @@
         <p:cNvGrpSpPr/>
         <p:nvPr/>
       </p:nvGrpSpPr>
+      <p:grpSpPr/>
+      <p:sp>
+        <p:nvSpPr>
+          <p:cNvPr id="2" name="Slide Image Placeholder 1"/>
+          <p:cNvSpPr/>
+          <p:nvPr>
+            <p:ph type="sldImg"/>
+          </p:nvPr>
+        </p:nvSpPr>
+        <p:spPr/>
+      </p:sp>
+      <p:sp>
+        <p:nvSpPr>
+          <p:cNvPr id="3" name="Text Placeholder 2"/>
+          <p:cNvSpPr/>
+          <p:nvPr>
+            <p:ph type="body"/>
+          </p:nvPr>
+        </p:nvSpPr>
+        <p:spPr/>
+        <p:txBody>
+          <a:bodyPr/>
+          <a:p>
+            <a:r>
+              <a:rPr lang="en-US">
+                <a:sym typeface="+mn-ea"/>
+              </a:rPr>
+              <a:t>Before jump into the machine learning section, let’s review the research questions. Through this project, I would like to figure out </a:t>
+            </a:r>
+            <a:endParaRPr lang="en-US">
+              <a:sym typeface="+mn-ea"/>
+            </a:endParaRPr>
+          </a:p>
+          <a:p>
+            <a:endParaRPr lang="en-US">
+              <a:sym typeface="+mn-ea"/>
+            </a:endParaRPr>
+          </a:p>
+          <a:p>
+            <a:r>
+              <a:rPr lang="en-US" altLang="zh-CN" dirty="0">
+                <a:solidFill>
+                  <a:schemeClr val="bg1"/>
+                </a:solidFill>
+                <a:latin typeface="Arial" panose="020B0604020202020204" pitchFamily="34" charset="0"/>
+                <a:sym typeface="+mn-ea"/>
+              </a:rPr>
+              <a:t>What characteristics are useful to generate personalized recommendations?</a:t>
+            </a:r>
+            <a:endParaRPr lang="zh-CN" altLang="en-US" dirty="0">
+              <a:solidFill>
+                <a:schemeClr val="bg1"/>
+              </a:solidFill>
+              <a:latin typeface="Arial" panose="020B0604020202020204" pitchFamily="34" charset="0"/>
+              <a:ea typeface="Arial" panose="020B0604020202020204" pitchFamily="34" charset="0"/>
+            </a:endParaRPr>
+          </a:p>
+          <a:p>
+            <a:r>
+              <a:rPr lang="en-US" altLang="zh-CN" dirty="0">
+                <a:latin typeface="Arial" panose="020B0604020202020204" pitchFamily="34" charset="0"/>
+                <a:cs typeface="Arial" panose="020B0604020202020204" pitchFamily="34" charset="0"/>
+                <a:sym typeface="+mn-ea"/>
+              </a:rPr>
+              <a:t>Which recommender systems algorithms/methods are most successful and practical?</a:t>
+            </a:r>
+            <a:endParaRPr lang="zh-CN" altLang="en-US" dirty="0">
+              <a:latin typeface="Arial" panose="020B0604020202020204" pitchFamily="34" charset="0"/>
+              <a:ea typeface="Arial" panose="020B0604020202020204" pitchFamily="34" charset="0"/>
+            </a:endParaRPr>
+          </a:p>
+          <a:p>
+            <a:r>
+              <a:rPr lang="en-US" altLang="zh-CN" dirty="0">
+                <a:solidFill>
+                  <a:schemeClr val="bg1"/>
+                </a:solidFill>
+                <a:latin typeface="Arial" panose="020B0604020202020204" pitchFamily="34" charset="0"/>
+                <a:cs typeface="Arial" panose="020B0604020202020204" pitchFamily="34" charset="0"/>
+                <a:sym typeface="+mn-ea"/>
+              </a:rPr>
+              <a:t>Can </a:t>
+            </a:r>
+            <a:r>
+              <a:rPr lang="en-US" altLang="zh-CN" dirty="0" smtClean="0">
+                <a:solidFill>
+                  <a:schemeClr val="bg1"/>
+                </a:solidFill>
+                <a:latin typeface="Arial" panose="020B0604020202020204" pitchFamily="34" charset="0"/>
+                <a:cs typeface="Arial" panose="020B0604020202020204" pitchFamily="34" charset="0"/>
+                <a:sym typeface="+mn-ea"/>
+              </a:rPr>
+              <a:t>textual </a:t>
+            </a:r>
+            <a:r>
+              <a:rPr lang="en-US" altLang="zh-CN" dirty="0">
+                <a:solidFill>
+                  <a:schemeClr val="bg1"/>
+                </a:solidFill>
+                <a:latin typeface="Arial" panose="020B0604020202020204" pitchFamily="34" charset="0"/>
+                <a:cs typeface="Arial" panose="020B0604020202020204" pitchFamily="34" charset="0"/>
+                <a:sym typeface="+mn-ea"/>
+              </a:rPr>
+              <a:t>data improve recommender systems' performance?</a:t>
+            </a:r>
+            <a:endParaRPr lang="zh-CN" altLang="en-US" dirty="0">
+              <a:solidFill>
+                <a:schemeClr val="bg1"/>
+              </a:solidFill>
+              <a:latin typeface="Arial" panose="020B0604020202020204" pitchFamily="34" charset="0"/>
+              <a:ea typeface="Arial" panose="020B0604020202020204" pitchFamily="34" charset="0"/>
+            </a:endParaRPr>
+          </a:p>
+          <a:p>
+            <a:endParaRPr lang="en-US"/>
+          </a:p>
+        </p:txBody>
+      </p:sp>
+    </p:spTree>
+  </p:cSld>
+  <p:clrMapOvr>
+    <a:masterClrMapping/>
+  </p:clrMapOvr>
+</p:notes>
+</file>
+
+<file path=ppt/notesSlides/notesSlide7.xml><?xml version="1.0" encoding="utf-8"?>
+<p:notes xmlns:a="http://schemas.openxmlformats.org/drawingml/2006/main" xmlns:r="http://schemas.openxmlformats.org/officeDocument/2006/relationships" xmlns:p="http://schemas.openxmlformats.org/presentationml/2006/main">
+  <p:cSld>
+    <p:spTree>
+      <p:nvGrpSpPr>
+        <p:cNvPr id="1" name=""/>
+        <p:cNvGrpSpPr/>
+        <p:nvPr/>
+      </p:nvGrpSpPr>
       <p:grpSpPr>
         <a:xfrm>
           <a:off x="0" y="0"/>
@@ -5460,7 +5698,7 @@
 </p:notes>
 </file>
 
-<file path=ppt/notesSlides/notesSlide7.xml><?xml version="1.0" encoding="utf-8"?>
+<file path=ppt/notesSlides/notesSlide8.xml><?xml version="1.0" encoding="utf-8"?>
 <p:notes xmlns:a="http://schemas.openxmlformats.org/drawingml/2006/main" xmlns:r="http://schemas.openxmlformats.org/officeDocument/2006/relationships" xmlns:p="http://schemas.openxmlformats.org/presentationml/2006/main">
   <p:cSld>
     <p:spTree>
@@ -5524,7 +5762,7 @@
 </p:notes>
 </file>
 
-<file path=ppt/notesSlides/notesSlide8.xml><?xml version="1.0" encoding="utf-8"?>
+<file path=ppt/notesSlides/notesSlide9.xml><?xml version="1.0" encoding="utf-8"?>
 <p:notes xmlns:a="http://schemas.openxmlformats.org/drawingml/2006/main" xmlns:r="http://schemas.openxmlformats.org/officeDocument/2006/relationships" xmlns:p="http://schemas.openxmlformats.org/presentationml/2006/main">
   <p:cSld>
     <p:spTree>
@@ -5617,54 +5855,6 @@
               <a:latin typeface="Calibri" panose="020F0502020204030204" charset="0"/>
               <a:ea typeface="宋体" panose="02010600030101010101" pitchFamily="2" charset="-122"/>
             </a:endParaRPr>
-          </a:p>
-        </p:txBody>
-      </p:sp>
-    </p:spTree>
-  </p:cSld>
-  <p:clrMapOvr>
-    <a:masterClrMapping/>
-  </p:clrMapOvr>
-</p:notes>
-</file>
-
-<file path=ppt/notesSlides/notesSlide9.xml><?xml version="1.0" encoding="utf-8"?>
-<p:notes xmlns:a="http://schemas.openxmlformats.org/drawingml/2006/main" xmlns:r="http://schemas.openxmlformats.org/officeDocument/2006/relationships" xmlns:p="http://schemas.openxmlformats.org/presentationml/2006/main">
-  <p:cSld>
-    <p:spTree>
-      <p:nvGrpSpPr>
-        <p:cNvPr id="1" name=""/>
-        <p:cNvGrpSpPr/>
-        <p:nvPr/>
-      </p:nvGrpSpPr>
-      <p:grpSpPr/>
-      <p:sp>
-        <p:nvSpPr>
-          <p:cNvPr id="2" name="Slide Image Placeholder 1"/>
-          <p:cNvSpPr/>
-          <p:nvPr>
-            <p:ph type="sldImg"/>
-          </p:nvPr>
-        </p:nvSpPr>
-        <p:spPr/>
-      </p:sp>
-      <p:sp>
-        <p:nvSpPr>
-          <p:cNvPr id="3" name="Text Placeholder 2"/>
-          <p:cNvSpPr/>
-          <p:nvPr>
-            <p:ph type="body"/>
-          </p:nvPr>
-        </p:nvSpPr>
-        <p:spPr/>
-        <p:txBody>
-          <a:bodyPr/>
-          <a:p>
-            <a:r>
-              <a:rPr lang="en-US"/>
-              <a:t>Let's recap what the research process for this project, my goal is to develop a recommender system and also provide a friend user interface. We have covered collect data and EDA sections, so now I will demonstrate the models development and system integration process.</a:t>
-            </a:r>
-            <a:endParaRPr lang="en-US"/>
           </a:p>
         </p:txBody>
       </p:sp>
@@ -33041,8 +33231,8 @@
         </p:blipFill>
         <p:spPr>
           <a:xfrm>
-            <a:off x="578485" y="4563110"/>
-            <a:ext cx="11437620" cy="2091055"/>
+            <a:off x="445135" y="4477385"/>
+            <a:ext cx="11570970" cy="2115185"/>
           </a:xfrm>
           <a:prstGeom prst="rect">
             <a:avLst/>
@@ -35337,7 +35527,7 @@
                 <a:cs typeface="Arial" panose="020B0604020202020204" pitchFamily="34" charset="0"/>
                 <a:sym typeface="Calibri" panose="020F0502020204030204" charset="0"/>
               </a:rPr>
-              <a:t>The most useful characteristics to promote certain products to customers are product description and review rating</a:t>
+              <a:t>The most useful characteristics to promote certain products to customers are product description and review rating/text</a:t>
             </a:r>
             <a:endParaRPr lang="en-US" sz="1400" dirty="0">
               <a:latin typeface="Arial" panose="020B0604020202020204" pitchFamily="34" charset="0"/>
